--- a/02- Regression models and linear prediction/ML4NuerScience_Linear_models.pptx
+++ b/02- Regression models and linear prediction/ML4NuerScience_Linear_models.pptx
@@ -357,7 +357,7 @@
               <a:pPr>
                 <a:defRPr/>
               </a:pPr>
-              <a:t>13/12/2022</a:t>
+              <a:t>09/01/2023</a:t>
             </a:fld>
             <a:endParaRPr lang="en-GB" altLang="en-US"/>
           </a:p>
@@ -591,7 +591,7 @@
               <a:pPr>
                 <a:defRPr/>
               </a:pPr>
-              <a:t>13/12/2022</a:t>
+              <a:t>09/01/2023</a:t>
             </a:fld>
             <a:endParaRPr lang="en-GB" altLang="en-US"/>
           </a:p>
@@ -1581,7 +1581,7 @@
               <a:pPr>
                 <a:defRPr/>
               </a:pPr>
-              <a:t>13/12/2022</a:t>
+              <a:t>09/01/2023</a:t>
             </a:fld>
             <a:endParaRPr lang="en-GB" altLang="en-US"/>
           </a:p>
@@ -1844,7 +1844,7 @@
               <a:pPr>
                 <a:defRPr/>
               </a:pPr>
-              <a:t>13/12/2022</a:t>
+              <a:t>09/01/2023</a:t>
             </a:fld>
             <a:endParaRPr lang="en-GB" altLang="en-US"/>
           </a:p>
@@ -2082,7 +2082,7 @@
               <a:pPr>
                 <a:defRPr/>
               </a:pPr>
-              <a:t>13/12/2022</a:t>
+              <a:t>09/01/2023</a:t>
             </a:fld>
             <a:endParaRPr lang="en-GB" altLang="en-US"/>
           </a:p>
@@ -2416,7 +2416,7 @@
               <a:pPr>
                 <a:defRPr/>
               </a:pPr>
-              <a:t>13/12/2022</a:t>
+              <a:t>09/01/2023</a:t>
             </a:fld>
             <a:endParaRPr lang="en-GB" altLang="en-US"/>
           </a:p>
@@ -2889,7 +2889,7 @@
               <a:pPr>
                 <a:defRPr/>
               </a:pPr>
-              <a:t>13/12/2022</a:t>
+              <a:t>09/01/2023</a:t>
             </a:fld>
             <a:endParaRPr lang="en-GB" altLang="en-US"/>
           </a:p>
@@ -3053,7 +3053,7 @@
               <a:pPr>
                 <a:defRPr/>
               </a:pPr>
-              <a:t>13/12/2022</a:t>
+              <a:t>09/01/2023</a:t>
             </a:fld>
             <a:endParaRPr lang="en-GB" altLang="en-US"/>
           </a:p>
@@ -3194,7 +3194,7 @@
               <a:pPr>
                 <a:defRPr/>
               </a:pPr>
-              <a:t>13/12/2022</a:t>
+              <a:t>09/01/2023</a:t>
             </a:fld>
             <a:endParaRPr lang="en-GB" altLang="en-US"/>
           </a:p>
@@ -3494,7 +3494,7 @@
               <a:pPr>
                 <a:defRPr/>
               </a:pPr>
-              <a:t>13/12/2022</a:t>
+              <a:t>09/01/2023</a:t>
             </a:fld>
             <a:endParaRPr lang="en-GB" altLang="en-US"/>
           </a:p>
@@ -3820,7 +3820,7 @@
               <a:pPr>
                 <a:defRPr/>
               </a:pPr>
-              <a:t>13/12/2022</a:t>
+              <a:t>09/01/2023</a:t>
             </a:fld>
             <a:endParaRPr lang="en-GB" altLang="en-US"/>
           </a:p>
@@ -5173,13 +5173,18 @@
               <a:buNone/>
             </a:pPr>
             <a:r>
-              <a:rPr lang="en-GB" altLang="en-US" sz="1333" dirty="0">
+              <a:rPr lang="en-GB" altLang="en-US" sz="1333">
                 <a:solidFill>
                   <a:srgbClr val="003D7D"/>
                 </a:solidFill>
               </a:rPr>
-              <a:t>Autumn 2022</a:t>
-            </a:r>
+              <a:t>January 2023</a:t>
+            </a:r>
+            <a:endParaRPr lang="en-GB" altLang="en-US" sz="1333" dirty="0">
+              <a:solidFill>
+                <a:srgbClr val="003D7D"/>
+              </a:solidFill>
+            </a:endParaRPr>
           </a:p>
         </p:txBody>
       </p:sp>

--- a/02- Regression models and linear prediction/ML4NuerScience_Linear_models.pptx
+++ b/02- Regression models and linear prediction/ML4NuerScience_Linear_models.pptx
@@ -5,10 +5,10 @@
     <p:sldMasterId id="2147483685" r:id="rId1"/>
   </p:sldMasterIdLst>
   <p:notesMasterIdLst>
-    <p:notesMasterId r:id="rId61"/>
+    <p:notesMasterId r:id="rId62"/>
   </p:notesMasterIdLst>
   <p:handoutMasterIdLst>
-    <p:handoutMasterId r:id="rId62"/>
+    <p:handoutMasterId r:id="rId63"/>
   </p:handoutMasterIdLst>
   <p:sldIdLst>
     <p:sldId id="297" r:id="rId2"/>
@@ -36,40 +36,41 @@
     <p:sldId id="1194" r:id="rId24"/>
     <p:sldId id="1195" r:id="rId25"/>
     <p:sldId id="1207" r:id="rId26"/>
-    <p:sldId id="1164" r:id="rId27"/>
-    <p:sldId id="1196" r:id="rId28"/>
-    <p:sldId id="1165" r:id="rId29"/>
-    <p:sldId id="1197" r:id="rId30"/>
-    <p:sldId id="1198" r:id="rId31"/>
-    <p:sldId id="1170" r:id="rId32"/>
-    <p:sldId id="1179" r:id="rId33"/>
-    <p:sldId id="1180" r:id="rId34"/>
-    <p:sldId id="1181" r:id="rId35"/>
-    <p:sldId id="1182" r:id="rId36"/>
-    <p:sldId id="1171" r:id="rId37"/>
-    <p:sldId id="1172" r:id="rId38"/>
-    <p:sldId id="1173" r:id="rId39"/>
-    <p:sldId id="1174" r:id="rId40"/>
-    <p:sldId id="1175" r:id="rId41"/>
-    <p:sldId id="1176" r:id="rId42"/>
-    <p:sldId id="1177" r:id="rId43"/>
-    <p:sldId id="1178" r:id="rId44"/>
-    <p:sldId id="1183" r:id="rId45"/>
-    <p:sldId id="1199" r:id="rId46"/>
-    <p:sldId id="1184" r:id="rId47"/>
-    <p:sldId id="1185" r:id="rId48"/>
-    <p:sldId id="1186" r:id="rId49"/>
-    <p:sldId id="1187" r:id="rId50"/>
-    <p:sldId id="1188" r:id="rId51"/>
-    <p:sldId id="1189" r:id="rId52"/>
-    <p:sldId id="1190" r:id="rId53"/>
-    <p:sldId id="1191" r:id="rId54"/>
-    <p:sldId id="1192" r:id="rId55"/>
-    <p:sldId id="1200" r:id="rId56"/>
-    <p:sldId id="1201" r:id="rId57"/>
-    <p:sldId id="1202" r:id="rId58"/>
-    <p:sldId id="1204" r:id="rId59"/>
-    <p:sldId id="1149" r:id="rId60"/>
+    <p:sldId id="1198" r:id="rId27"/>
+    <p:sldId id="1170" r:id="rId28"/>
+    <p:sldId id="1179" r:id="rId29"/>
+    <p:sldId id="1180" r:id="rId30"/>
+    <p:sldId id="1181" r:id="rId31"/>
+    <p:sldId id="1182" r:id="rId32"/>
+    <p:sldId id="1171" r:id="rId33"/>
+    <p:sldId id="1172" r:id="rId34"/>
+    <p:sldId id="1173" r:id="rId35"/>
+    <p:sldId id="1174" r:id="rId36"/>
+    <p:sldId id="1175" r:id="rId37"/>
+    <p:sldId id="1176" r:id="rId38"/>
+    <p:sldId id="1177" r:id="rId39"/>
+    <p:sldId id="1178" r:id="rId40"/>
+    <p:sldId id="1183" r:id="rId41"/>
+    <p:sldId id="1199" r:id="rId42"/>
+    <p:sldId id="1184" r:id="rId43"/>
+    <p:sldId id="1185" r:id="rId44"/>
+    <p:sldId id="1186" r:id="rId45"/>
+    <p:sldId id="1187" r:id="rId46"/>
+    <p:sldId id="1188" r:id="rId47"/>
+    <p:sldId id="1189" r:id="rId48"/>
+    <p:sldId id="1190" r:id="rId49"/>
+    <p:sldId id="1191" r:id="rId50"/>
+    <p:sldId id="1192" r:id="rId51"/>
+    <p:sldId id="1200" r:id="rId52"/>
+    <p:sldId id="1201" r:id="rId53"/>
+    <p:sldId id="1202" r:id="rId54"/>
+    <p:sldId id="1204" r:id="rId55"/>
+    <p:sldId id="1208" r:id="rId56"/>
+    <p:sldId id="1164" r:id="rId57"/>
+    <p:sldId id="1196" r:id="rId58"/>
+    <p:sldId id="1165" r:id="rId59"/>
+    <p:sldId id="1197" r:id="rId60"/>
+    <p:sldId id="1149" r:id="rId61"/>
   </p:sldIdLst>
   <p:sldSz cx="9144000" cy="5715000" type="screen16x10"/>
   <p:notesSz cx="7099300" cy="10234613"/>
@@ -1314,7 +1315,7 @@
             <a:fld id="{59214167-E1A5-3945-8E06-82ED2D3A03C3}" type="slidenum">
               <a:rPr lang="en-GB" altLang="en-US" smtClean="0"/>
               <a:pPr/>
-              <a:t>56</a:t>
+              <a:t>52</a:t>
             </a:fld>
             <a:endParaRPr lang="en-GB" altLang="en-US"/>
           </a:p>
@@ -1417,7 +1418,7 @@
             <a:fld id="{59214167-E1A5-3945-8E06-82ED2D3A03C3}" type="slidenum">
               <a:rPr lang="en-GB" altLang="en-US" smtClean="0"/>
               <a:pPr/>
-              <a:t>57</a:t>
+              <a:t>53</a:t>
             </a:fld>
             <a:endParaRPr lang="en-GB" altLang="en-US"/>
           </a:p>
@@ -5173,18 +5174,13 @@
               <a:buNone/>
             </a:pPr>
             <a:r>
-              <a:rPr lang="en-GB" altLang="en-US" sz="1333">
+              <a:rPr lang="en-GB" altLang="en-US" sz="1333" dirty="0">
                 <a:solidFill>
                   <a:srgbClr val="003D7D"/>
                 </a:solidFill>
               </a:rPr>
               <a:t>January 2023</a:t>
             </a:r>
-            <a:endParaRPr lang="en-GB" altLang="en-US" sz="1333" dirty="0">
-              <a:solidFill>
-                <a:srgbClr val="003D7D"/>
-              </a:solidFill>
-            </a:endParaRPr>
           </a:p>
         </p:txBody>
       </p:sp>
@@ -5500,8 +5496,8 @@
           </a:p>
         </p:txBody>
       </p:sp>
-      <mc:AlternateContent xmlns:mc="http://schemas.openxmlformats.org/markup-compatibility/2006" xmlns:a14="http://schemas.microsoft.com/office/drawing/2010/main">
-        <mc:Choice Requires="a14">
+      <mc:AlternateContent xmlns:mc="http://schemas.openxmlformats.org/markup-compatibility/2006">
+        <mc:Choice xmlns:a14="http://schemas.microsoft.com/office/drawing/2010/main" Requires="a14">
           <p:sp>
             <p:nvSpPr>
               <p:cNvPr id="3" name="Content Placeholder 2">
@@ -5831,7 +5827,7 @@
                     <m:sSub>
                       <m:sSubPr>
                         <m:ctrlPr>
-                          <a:rPr lang="en-US" i="1">
+                          <a:rPr lang="en-US" i="1" smtClean="0">
                             <a:latin typeface="Cambria Math" panose="02040503050406030204" pitchFamily="18" charset="0"/>
                           </a:rPr>
                         </m:ctrlPr>
@@ -5865,7 +5861,7 @@
                       <m:accPr>
                         <m:chr m:val="̂"/>
                         <m:ctrlPr>
-                          <a:rPr lang="en-US" i="1">
+                          <a:rPr lang="en-US" i="1" smtClean="0">
                             <a:latin typeface="Cambria Math" panose="02040503050406030204" pitchFamily="18" charset="0"/>
                           </a:rPr>
                         </m:ctrlPr>
@@ -5914,7 +5910,7 @@
                 </a:r>
                 <a:r>
                   <a:rPr lang="en-US" baseline="30000" dirty="0"/>
-                  <a:t> </a:t>
+                  <a:t>  </a:t>
                 </a:r>
                 <a:r>
                   <a:rPr lang="en-US" i="1" dirty="0">
@@ -5922,13 +5918,13 @@
                       <a:srgbClr val="FF0000"/>
                     </a:solidFill>
                   </a:rPr>
-                  <a:t>residual </a:t>
+                  <a:t>residual. </a:t>
                 </a:r>
               </a:p>
             </p:txBody>
           </p:sp>
         </mc:Choice>
-        <mc:Fallback xmlns="">
+        <mc:Fallback>
           <p:sp>
             <p:nvSpPr>
               <p:cNvPr id="3" name="Content Placeholder 2">
@@ -7694,111 +7690,207 @@
           </a:p>
         </p:txBody>
       </p:sp>
-      <p:sp>
-        <p:nvSpPr>
-          <p:cNvPr id="3" name="Content Placeholder 2">
-            <a:extLst>
-              <a:ext uri="{FF2B5EF4-FFF2-40B4-BE49-F238E27FC236}">
-                <a16:creationId xmlns:a16="http://schemas.microsoft.com/office/drawing/2014/main" id="{E41CCBAF-C1CA-2CD7-2CC2-588186BE91CD}"/>
-              </a:ext>
-            </a:extLst>
-          </p:cNvPr>
-          <p:cNvSpPr>
-            <a:spLocks noGrp="1"/>
-          </p:cNvSpPr>
-          <p:nvPr>
-            <p:ph idx="1"/>
-          </p:nvPr>
-        </p:nvSpPr>
-        <p:spPr/>
-        <p:txBody>
-          <a:bodyPr/>
-          <a:lstStyle/>
-          <a:p>
-            <a:r>
-              <a:rPr lang="en-GB" b="0" i="0" u="none" strike="noStrike" dirty="0">
-                <a:solidFill>
-                  <a:srgbClr val="212529"/>
-                </a:solidFill>
-                <a:effectLst/>
-                <a:latin typeface="-apple-system"/>
-              </a:rPr>
-              <a:t>A Linear Regression model uses a </a:t>
-            </a:r>
-            <a:r>
-              <a:rPr lang="en-GB" b="0" i="0" u="none" strike="noStrike" dirty="0">
-                <a:solidFill>
-                  <a:srgbClr val="FF0000"/>
-                </a:solidFill>
-                <a:effectLst/>
-                <a:latin typeface="-apple-system"/>
-              </a:rPr>
-              <a:t>linear model </a:t>
-            </a:r>
-            <a:r>
-              <a:rPr lang="en-GB" b="0" i="0" u="none" strike="noStrike" dirty="0">
-                <a:solidFill>
-                  <a:srgbClr val="212529"/>
-                </a:solidFill>
-                <a:effectLst/>
-                <a:latin typeface="-apple-system"/>
-              </a:rPr>
-              <a:t>with coefficients w = (w</a:t>
-            </a:r>
-            <a:r>
-              <a:rPr lang="en-GB" b="0" i="0" u="none" strike="noStrike" baseline="-25000" dirty="0">
-                <a:solidFill>
-                  <a:srgbClr val="212529"/>
-                </a:solidFill>
-                <a:effectLst/>
-                <a:latin typeface="-apple-system"/>
-              </a:rPr>
-              <a:t>1</a:t>
-            </a:r>
-            <a:r>
-              <a:rPr lang="en-GB" b="0" i="0" u="none" strike="noStrike" dirty="0">
-                <a:solidFill>
-                  <a:srgbClr val="212529"/>
-                </a:solidFill>
-                <a:effectLst/>
-                <a:latin typeface="-apple-system"/>
-              </a:rPr>
-              <a:t>, …, </a:t>
-            </a:r>
-            <a:r>
-              <a:rPr lang="en-GB" b="0" i="0" u="none" strike="noStrike" dirty="0" err="1">
-                <a:solidFill>
-                  <a:srgbClr val="212529"/>
-                </a:solidFill>
-                <a:effectLst/>
-                <a:latin typeface="-apple-system"/>
-              </a:rPr>
-              <a:t>w</a:t>
-            </a:r>
-            <a:r>
-              <a:rPr lang="en-GB" b="0" i="0" u="none" strike="noStrike" baseline="-25000" dirty="0" err="1">
-                <a:solidFill>
-                  <a:srgbClr val="212529"/>
-                </a:solidFill>
-                <a:effectLst/>
-                <a:latin typeface="-apple-system"/>
-              </a:rPr>
-              <a:t>n</a:t>
-            </a:r>
-            <a:r>
-              <a:rPr lang="en-GB" b="0" i="0" u="none" strike="noStrike" dirty="0">
-                <a:solidFill>
-                  <a:srgbClr val="212529"/>
-                </a:solidFill>
-                <a:effectLst/>
-                <a:latin typeface="-apple-system"/>
-              </a:rPr>
-              <a:t>) to minimise the residual sum of squares between the observed targets in the dataset, and the targets that are predicted by the linear approximation used in the model.</a:t>
-            </a:r>
-            <a:endParaRPr lang="en-US" dirty="0"/>
-          </a:p>
-        </p:txBody>
-      </p:sp>
+      <mc:AlternateContent xmlns:mc="http://schemas.openxmlformats.org/markup-compatibility/2006">
+        <mc:Choice xmlns:a14="http://schemas.microsoft.com/office/drawing/2010/main" Requires="a14">
+          <p:sp>
+            <p:nvSpPr>
+              <p:cNvPr id="3" name="Content Placeholder 2">
+                <a:extLst>
+                  <a:ext uri="{FF2B5EF4-FFF2-40B4-BE49-F238E27FC236}">
+                    <a16:creationId xmlns:a16="http://schemas.microsoft.com/office/drawing/2014/main" id="{E41CCBAF-C1CA-2CD7-2CC2-588186BE91CD}"/>
+                  </a:ext>
+                </a:extLst>
+              </p:cNvPr>
+              <p:cNvSpPr>
+                <a:spLocks noGrp="1"/>
+              </p:cNvSpPr>
+              <p:nvPr>
+                <p:ph idx="1"/>
+              </p:nvPr>
+            </p:nvSpPr>
+            <p:spPr/>
+            <p:txBody>
+              <a:bodyPr/>
+              <a:lstStyle/>
+              <a:p>
+                <a:r>
+                  <a:rPr lang="en-GB" b="0" i="0" u="none" strike="noStrike" dirty="0">
+                    <a:solidFill>
+                      <a:srgbClr val="212529"/>
+                    </a:solidFill>
+                    <a:effectLst/>
+                    <a:latin typeface="-apple-system"/>
+                  </a:rPr>
+                  <a:t>A Linear Regression model uses a </a:t>
+                </a:r>
+                <a:r>
+                  <a:rPr lang="en-GB" b="0" i="0" u="none" strike="noStrike" dirty="0">
+                    <a:solidFill>
+                      <a:srgbClr val="FF0000"/>
+                    </a:solidFill>
+                    <a:effectLst/>
+                    <a:latin typeface="-apple-system"/>
+                  </a:rPr>
+                  <a:t>linear model </a:t>
+                </a:r>
+                <a:r>
+                  <a:rPr lang="en-GB" b="0" i="0" u="none" strike="noStrike" dirty="0">
+                    <a:solidFill>
+                      <a:srgbClr val="212529"/>
+                    </a:solidFill>
+                    <a:effectLst/>
+                    <a:latin typeface="-apple-system"/>
+                  </a:rPr>
+                  <a:t>with coefficients </a:t>
+                </a:r>
+                <a:br>
+                  <a:rPr lang="en-GB" b="0" i="1" u="none" strike="noStrike" dirty="0">
+                    <a:solidFill>
+                      <a:srgbClr val="212529"/>
+                    </a:solidFill>
+                    <a:effectLst/>
+                    <a:latin typeface="Cambria Math" panose="02040503050406030204" pitchFamily="18" charset="0"/>
+                  </a:rPr>
+                </a:br>
+                <a14:m>
+                  <m:oMath xmlns:m="http://schemas.openxmlformats.org/officeDocument/2006/math">
+                    <m:r>
+                      <a:rPr lang="en-GB" b="0" i="1" u="none" strike="noStrike" dirty="0" smtClean="0">
+                        <a:solidFill>
+                          <a:srgbClr val="212529"/>
+                        </a:solidFill>
+                        <a:effectLst/>
+                        <a:latin typeface="Cambria Math" panose="02040503050406030204" pitchFamily="18" charset="0"/>
+                      </a:rPr>
+                      <m:t>𝑤</m:t>
+                    </m:r>
+                    <m:r>
+                      <a:rPr lang="en-GB" b="0" i="1" u="none" strike="noStrike" dirty="0" smtClean="0">
+                        <a:solidFill>
+                          <a:srgbClr val="212529"/>
+                        </a:solidFill>
+                        <a:effectLst/>
+                        <a:latin typeface="Cambria Math" panose="02040503050406030204" pitchFamily="18" charset="0"/>
+                      </a:rPr>
+                      <m:t> = (</m:t>
+                    </m:r>
+                    <m:r>
+                      <a:rPr lang="en-GB" b="0" i="1" u="none" strike="noStrike" dirty="0" smtClean="0">
+                        <a:solidFill>
+                          <a:srgbClr val="212529"/>
+                        </a:solidFill>
+                        <a:effectLst/>
+                        <a:latin typeface="Cambria Math" panose="02040503050406030204" pitchFamily="18" charset="0"/>
+                      </a:rPr>
+                      <m:t>𝑤</m:t>
+                    </m:r>
+                    <m:r>
+                      <a:rPr lang="en-GB" b="0" i="1" u="none" strike="noStrike" baseline="-25000" dirty="0">
+                        <a:solidFill>
+                          <a:srgbClr val="212529"/>
+                        </a:solidFill>
+                        <a:effectLst/>
+                        <a:latin typeface="Cambria Math" panose="02040503050406030204" pitchFamily="18" charset="0"/>
+                      </a:rPr>
+                      <m:t>1</m:t>
+                    </m:r>
+                    <m:r>
+                      <a:rPr lang="en-GB" b="0" i="1" u="none" strike="noStrike" dirty="0">
+                        <a:solidFill>
+                          <a:srgbClr val="212529"/>
+                        </a:solidFill>
+                        <a:effectLst/>
+                        <a:latin typeface="Cambria Math" panose="02040503050406030204" pitchFamily="18" charset="0"/>
+                      </a:rPr>
+                      <m:t>, …, </m:t>
+                    </m:r>
+                    <m:r>
+                      <a:rPr lang="en-GB" b="0" i="1" u="none" strike="noStrike" dirty="0" err="1">
+                        <a:solidFill>
+                          <a:srgbClr val="212529"/>
+                        </a:solidFill>
+                        <a:effectLst/>
+                        <a:latin typeface="Cambria Math" panose="02040503050406030204" pitchFamily="18" charset="0"/>
+                      </a:rPr>
+                      <m:t>𝑤</m:t>
+                    </m:r>
+                    <m:r>
+                      <a:rPr lang="en-GB" b="0" i="1" u="none" strike="noStrike" baseline="-25000" dirty="0" err="1">
+                        <a:solidFill>
+                          <a:srgbClr val="212529"/>
+                        </a:solidFill>
+                        <a:effectLst/>
+                        <a:latin typeface="Cambria Math" panose="02040503050406030204" pitchFamily="18" charset="0"/>
+                      </a:rPr>
+                      <m:t>𝑛</m:t>
+                    </m:r>
+                    <m:r>
+                      <a:rPr lang="en-GB" b="0" i="1" u="none" strike="noStrike" dirty="0">
+                        <a:solidFill>
+                          <a:srgbClr val="212529"/>
+                        </a:solidFill>
+                        <a:effectLst/>
+                        <a:latin typeface="Cambria Math" panose="02040503050406030204" pitchFamily="18" charset="0"/>
+                      </a:rPr>
+                      <m:t>)</m:t>
+                    </m:r>
+                  </m:oMath>
+                </a14:m>
+                <a:r>
+                  <a:rPr lang="en-GB" b="0" i="0" u="none" strike="noStrike" dirty="0">
+                    <a:solidFill>
+                      <a:srgbClr val="212529"/>
+                    </a:solidFill>
+                    <a:effectLst/>
+                    <a:latin typeface="-apple-system"/>
+                  </a:rPr>
+                  <a:t> to minimise the residual sum of squares between the observed targets in the dataset, and the targets that are predicted by the linear approximation used in the model.</a:t>
+                </a:r>
+                <a:endParaRPr lang="en-US" dirty="0"/>
+              </a:p>
+            </p:txBody>
+          </p:sp>
+        </mc:Choice>
+        <mc:Fallback>
+          <p:sp>
+            <p:nvSpPr>
+              <p:cNvPr id="3" name="Content Placeholder 2">
+                <a:extLst>
+                  <a:ext uri="{FF2B5EF4-FFF2-40B4-BE49-F238E27FC236}">
+                    <a16:creationId xmlns:a16="http://schemas.microsoft.com/office/drawing/2014/main" id="{E41CCBAF-C1CA-2CD7-2CC2-588186BE91CD}"/>
+                  </a:ext>
+                </a:extLst>
+              </p:cNvPr>
+              <p:cNvSpPr>
+                <a:spLocks noGrp="1" noRot="1" noChangeAspect="1" noMove="1" noResize="1" noEditPoints="1" noAdjustHandles="1" noChangeArrowheads="1" noChangeShapeType="1" noTextEdit="1"/>
+              </p:cNvSpPr>
+              <p:nvPr>
+                <p:ph idx="1"/>
+              </p:nvPr>
+            </p:nvSpPr>
+            <p:spPr>
+              <a:blipFill>
+                <a:blip r:embed="rId2"/>
+                <a:stretch>
+                  <a:fillRect l="-772" t="-1223"/>
+                </a:stretch>
+              </a:blipFill>
+            </p:spPr>
+            <p:txBody>
+              <a:bodyPr/>
+              <a:lstStyle/>
+              <a:p>
+                <a:r>
+                  <a:rPr lang="en-GB">
+                    <a:noFill/>
+                  </a:rPr>
+                  <a:t> </a:t>
+                </a:r>
+              </a:p>
+            </p:txBody>
+          </p:sp>
+        </mc:Fallback>
+      </mc:AlternateContent>
       <p:sp>
         <p:nvSpPr>
           <p:cNvPr id="4" name="Slide Number Placeholder 3">
@@ -7882,7 +7974,7 @@
           <a:p>
             <a:r>
               <a:rPr lang="en-US" dirty="0"/>
-              <a:t>Sequential learning – Gradient Descent </a:t>
+              <a:t>Sequential learning – Stochastic Gradient Descent* </a:t>
             </a:r>
           </a:p>
         </p:txBody>
@@ -7951,7 +8043,7 @@
           <a:p>
             <a:r>
               <a:rPr lang="en-GB" altLang="en-US" dirty="0"/>
-              <a:t>More on this topic later – in the neural networks section</a:t>
+              <a:t>More on this topic later – in the neural networks section.</a:t>
             </a:r>
           </a:p>
           <a:p>
@@ -8192,7 +8284,7 @@
             <a:r>
               <a:rPr lang="en-GB" dirty="0">
                 <a:effectLst/>
-                <a:latin typeface="Helvetica" pitchFamily="2" charset="0"/>
+                <a:latin typeface="Gill Sans MT" panose="020B0502020104020203" pitchFamily="34" charset="77"/>
               </a:rPr>
               <a:t>(a) Linear regression on some 1d data. </a:t>
             </a:r>
@@ -8230,11 +8322,13 @@
             <a:r>
               <a:rPr lang="en-GB" dirty="0">
                 <a:effectLst/>
-                <a:latin typeface="Helvetica" pitchFamily="2" charset="0"/>
+                <a:latin typeface="Gill Sans MT" panose="020B0502020104020203" pitchFamily="34" charset="77"/>
               </a:rPr>
               <a:t>(b) Data with polynomial regression (degree 2).</a:t>
             </a:r>
-            <a:endParaRPr lang="en-US" dirty="0"/>
+            <a:endParaRPr lang="en-US" dirty="0">
+              <a:latin typeface="Gill Sans MT" panose="020B0502020104020203" pitchFamily="34" charset="77"/>
+            </a:endParaRPr>
           </a:p>
         </p:txBody>
       </p:sp>
@@ -8296,8 +8390,8 @@
           </a:p>
         </p:txBody>
       </p:sp>
-      <mc:AlternateContent xmlns:mc="http://schemas.openxmlformats.org/markup-compatibility/2006" xmlns:a14="http://schemas.microsoft.com/office/drawing/2010/main">
-        <mc:Choice Requires="a14">
+      <mc:AlternateContent xmlns:mc="http://schemas.openxmlformats.org/markup-compatibility/2006">
+        <mc:Choice xmlns:a14="http://schemas.microsoft.com/office/drawing/2010/main" Requires="a14">
           <p:sp>
             <p:nvSpPr>
               <p:cNvPr id="3" name="Content Placeholder 2">
@@ -8344,7 +8438,7 @@
                     </a:solidFill>
                     <a:effectLst/>
                   </a:rPr>
-                  <a:t> combination of features to make their assessments/predictions. ]</a:t>
+                  <a:t> combination of features to make their assessments/predictions. </a:t>
                 </a:r>
               </a:p>
               <a:p>
@@ -8363,7 +8457,7 @@
                     </a:solidFill>
                     <a:effectLst/>
                   </a:rPr>
-                  <a:t>During the training process, the models calculates weights for each of the features in </a:t>
+                  <a:t>During the training process, model calculates weights for each of the features in the </a:t>
                 </a:r>
                 <a:r>
                   <a:rPr lang="en-GB" dirty="0">
@@ -8531,7 +8625,7 @@
             </p:txBody>
           </p:sp>
         </mc:Choice>
-        <mc:Fallback xmlns="">
+        <mc:Fallback>
           <p:sp>
             <p:nvSpPr>
               <p:cNvPr id="3" name="Content Placeholder 2">
@@ -8561,7 +8655,7 @@
               <a:lstStyle/>
               <a:p>
                 <a:r>
-                  <a:rPr lang="en-US">
+                  <a:rPr lang="en-GB">
                     <a:noFill/>
                   </a:rPr>
                   <a:t> </a:t>
@@ -8683,7 +8777,6 @@
             <a:r>
               <a:rPr lang="en-GB" dirty="0">
                 <a:effectLst/>
-                <a:latin typeface="Helvetica" pitchFamily="2" charset="0"/>
               </a:rPr>
               <a:t>Predict the change in </a:t>
             </a:r>
@@ -8693,81 +8786,58 @@
                   <a:srgbClr val="212121"/>
                 </a:solidFill>
                 <a:effectLst/>
-                <a:latin typeface="BlinkMacSystemFont"/>
               </a:rPr>
               <a:t>Neuropsychiatric Inventory (NPI) </a:t>
             </a:r>
             <a:r>
-              <a:rPr lang="en-GB" dirty="0">
-                <a:latin typeface="Helvetica" pitchFamily="2" charset="0"/>
-              </a:rPr>
+              <a:rPr lang="en-GB" dirty="0"/>
               <a:t>scores in people living with dementia as a function of a number of different clinical measurements and/or in-home observations.</a:t>
             </a:r>
           </a:p>
           <a:p>
             <a:pPr lvl="1"/>
             <a:r>
-              <a:rPr lang="en-GB" dirty="0">
-                <a:latin typeface="Helvetica" pitchFamily="2" charset="0"/>
-              </a:rPr>
+              <a:rPr lang="en-GB" dirty="0"/>
               <a:t>e.g., https://</a:t>
             </a:r>
             <a:r>
-              <a:rPr lang="en-GB" dirty="0" err="1">
-                <a:latin typeface="Helvetica" pitchFamily="2" charset="0"/>
-              </a:rPr>
+              <a:rPr lang="en-GB" dirty="0" err="1"/>
               <a:t>pubmed.ncbi.nlm.nih.gov</a:t>
             </a:r>
             <a:r>
-              <a:rPr lang="en-GB" dirty="0">
-                <a:latin typeface="Helvetica" pitchFamily="2" charset="0"/>
-              </a:rPr>
+              <a:rPr lang="en-GB" dirty="0"/>
               <a:t>/22531424/</a:t>
             </a:r>
           </a:p>
           <a:p>
-            <a:endParaRPr lang="en-GB" dirty="0">
-              <a:latin typeface="Helvetica" pitchFamily="2" charset="0"/>
-            </a:endParaRPr>
-          </a:p>
-          <a:p>
-            <a:r>
-              <a:rPr lang="en-GB" dirty="0">
-                <a:latin typeface="Helvetica" pitchFamily="2" charset="0"/>
-              </a:rPr>
+            <a:endParaRPr lang="en-GB" dirty="0"/>
+          </a:p>
+          <a:p>
+            <a:r>
+              <a:rPr lang="en-GB" dirty="0"/>
               <a:t>Predicting the functional consequences after TBI</a:t>
             </a:r>
             <a:r>
-              <a:rPr lang="en-US" dirty="0">
-                <a:latin typeface="Helvetica" pitchFamily="2" charset="0"/>
-              </a:rPr>
+              <a:rPr lang="en-US" dirty="0"/>
               <a:t> as a function of </a:t>
             </a:r>
             <a:r>
-              <a:rPr lang="en-GB" dirty="0">
-                <a:latin typeface="Helvetica" pitchFamily="2" charset="0"/>
-              </a:rPr>
+              <a:rPr lang="en-GB" dirty="0"/>
               <a:t>TBI severity, more prominent CT abnormality, past psychiatric history and alcohol intoxication.</a:t>
             </a:r>
           </a:p>
           <a:p>
             <a:pPr lvl="1"/>
             <a:r>
-              <a:rPr lang="en-GB" dirty="0">
-                <a:latin typeface="Helvetica" pitchFamily="2" charset="0"/>
-              </a:rPr>
+              <a:rPr lang="en-GB" dirty="0"/>
               <a:t>e.g., https://</a:t>
             </a:r>
             <a:r>
-              <a:rPr lang="en-GB" dirty="0" err="1">
-                <a:latin typeface="Helvetica" pitchFamily="2" charset="0"/>
-              </a:rPr>
+              <a:rPr lang="en-GB" dirty="0" err="1"/>
               <a:t>pubmed.ncbi.nlm.nih.gov</a:t>
             </a:r>
             <a:r>
-              <a:rPr lang="en-GB" dirty="0">
-                <a:latin typeface="Helvetica" pitchFamily="2" charset="0"/>
-              </a:rPr>
+              <a:rPr lang="en-GB" dirty="0"/>
               <a:t>/34711118/</a:t>
             </a:r>
           </a:p>
@@ -10147,7 +10217,7 @@
                 </a:solidFill>
                 <a:effectLst/>
               </a:rPr>
-              <a:t>Due to its formulation, MSE, just like the squared loss function that it derives from, effectively penalizes larger errors more severely.</a:t>
+              <a:t>Due to its formulation, MSE, just like the squared loss function that it derives from, effectively penalises larger errors more severely.</a:t>
             </a:r>
             <a:endParaRPr lang="en-GB" dirty="0"/>
           </a:p>
@@ -10268,7 +10338,7 @@
           <p:cNvPr id="2" name="Title 1">
             <a:extLst>
               <a:ext uri="{FF2B5EF4-FFF2-40B4-BE49-F238E27FC236}">
-                <a16:creationId xmlns:a16="http://schemas.microsoft.com/office/drawing/2014/main" id="{7B42110E-FDCE-7C80-3D8D-7128C0D81C05}"/>
+                <a16:creationId xmlns:a16="http://schemas.microsoft.com/office/drawing/2014/main" id="{A4A6F96B-D94A-991A-1DEA-4C744C690965}"/>
               </a:ext>
             </a:extLst>
           </p:cNvPr>
@@ -10285,350 +10355,18 @@
           <a:lstStyle/>
           <a:p>
             <a:r>
-              <a:rPr lang="en-GB" dirty="0"/>
-              <a:t>L1 Regularisation (Lasso)</a:t>
-            </a:r>
-          </a:p>
-        </p:txBody>
-      </p:sp>
-      <mc:AlternateContent xmlns:mc="http://schemas.openxmlformats.org/markup-compatibility/2006" xmlns:a14="http://schemas.microsoft.com/office/drawing/2010/main">
-        <mc:Choice Requires="a14">
-          <p:sp>
-            <p:nvSpPr>
-              <p:cNvPr id="3" name="Content Placeholder 2">
-                <a:extLst>
-                  <a:ext uri="{FF2B5EF4-FFF2-40B4-BE49-F238E27FC236}">
-                    <a16:creationId xmlns:a16="http://schemas.microsoft.com/office/drawing/2014/main" id="{566204E5-577F-AD2E-480E-4B71292FBE78}"/>
-                  </a:ext>
-                </a:extLst>
-              </p:cNvPr>
-              <p:cNvSpPr>
-                <a:spLocks noGrp="1"/>
-              </p:cNvSpPr>
-              <p:nvPr>
-                <p:ph idx="1"/>
-              </p:nvPr>
-            </p:nvSpPr>
-            <p:spPr/>
-            <p:txBody>
-              <a:bodyPr/>
-              <a:lstStyle/>
-              <a:p>
-                <a:r>
-                  <a:rPr lang="en-GB" dirty="0"/>
-                  <a:t>Lasso is an acronym for: Least Absolute Shrinkage and Selection Operator.</a:t>
-                </a:r>
-              </a:p>
-              <a:p>
-                <a:r>
-                  <a:rPr lang="en-GB" dirty="0"/>
-                  <a:t>Lasso regression is a regression model that uses L1 regularisation. </a:t>
-                </a:r>
-              </a:p>
-              <a:p>
-                <a:r>
-                  <a:rPr lang="en-GB" dirty="0"/>
-                  <a:t>In LASSO we modify the optimisation function and add a coefficient which is calculated based on the square of weights (parameters).</a:t>
-                </a:r>
-              </a:p>
-              <a:p>
-                <a:endParaRPr lang="en-GB" dirty="0"/>
-              </a:p>
-              <a:p>
-                <a:pPr marL="0" indent="0" algn="ctr">
-                  <a:buNone/>
-                </a:pPr>
-                <a14:m>
-                  <m:oMathPara xmlns:m="http://schemas.openxmlformats.org/officeDocument/2006/math">
-                    <m:oMathParaPr>
-                      <m:jc m:val="centerGroup"/>
-                    </m:oMathParaPr>
-                    <m:oMath xmlns:m="http://schemas.openxmlformats.org/officeDocument/2006/math">
-                      <m:nary>
-                        <m:naryPr>
-                          <m:chr m:val="∑"/>
-                          <m:ctrlPr>
-                            <a:rPr lang="en-GB" sz="2800" i="1">
-                              <a:latin typeface="Cambria Math" panose="02040503050406030204" pitchFamily="18" charset="0"/>
-                            </a:rPr>
-                          </m:ctrlPr>
-                        </m:naryPr>
-                        <m:sub>
-                          <m:r>
-                            <m:rPr>
-                              <m:brk m:alnAt="23"/>
-                            </m:rPr>
-                            <a:rPr lang="en-GB" sz="2800" i="1">
-                              <a:latin typeface="Cambria Math" panose="02040503050406030204" pitchFamily="18" charset="0"/>
-                            </a:rPr>
-                            <m:t>𝑖</m:t>
-                          </m:r>
-                          <m:r>
-                            <a:rPr lang="en-GB" sz="2800" i="1">
-                              <a:latin typeface="Cambria Math" panose="02040503050406030204" pitchFamily="18" charset="0"/>
-                            </a:rPr>
-                            <m:t>=1</m:t>
-                          </m:r>
-                        </m:sub>
-                        <m:sup>
-                          <m:r>
-                            <a:rPr lang="en-GB" sz="2800" i="1">
-                              <a:latin typeface="Cambria Math" panose="02040503050406030204" pitchFamily="18" charset="0"/>
-                            </a:rPr>
-                            <m:t>𝑛</m:t>
-                          </m:r>
-                        </m:sup>
-                        <m:e>
-                          <m:sSup>
-                            <m:sSupPr>
-                              <m:ctrlPr>
-                                <a:rPr lang="en-GB" sz="2800" i="1">
-                                  <a:latin typeface="Cambria Math" panose="02040503050406030204" pitchFamily="18" charset="0"/>
-                                </a:rPr>
-                              </m:ctrlPr>
-                            </m:sSupPr>
-                            <m:e>
-                              <m:r>
-                                <a:rPr lang="en-GB" sz="2800" i="1">
-                                  <a:latin typeface="Cambria Math" panose="02040503050406030204" pitchFamily="18" charset="0"/>
-                                </a:rPr>
-                                <m:t>(</m:t>
-                              </m:r>
-                              <m:sSub>
-                                <m:sSubPr>
-                                  <m:ctrlPr>
-                                    <a:rPr lang="en-GB" sz="2800" i="1">
-                                      <a:latin typeface="Cambria Math" panose="02040503050406030204" pitchFamily="18" charset="0"/>
-                                    </a:rPr>
-                                  </m:ctrlPr>
-                                </m:sSubPr>
-                                <m:e>
-                                  <m:acc>
-                                    <m:accPr>
-                                      <m:chr m:val="̂"/>
-                                      <m:ctrlPr>
-                                        <a:rPr lang="en-GB" sz="2800" i="1">
-                                          <a:latin typeface="Cambria Math" panose="02040503050406030204" pitchFamily="18" charset="0"/>
-                                        </a:rPr>
-                                      </m:ctrlPr>
-                                    </m:accPr>
-                                    <m:e>
-                                      <m:r>
-                                        <a:rPr lang="en-GB" sz="2800" i="1">
-                                          <a:latin typeface="Cambria Math" panose="02040503050406030204" pitchFamily="18" charset="0"/>
-                                        </a:rPr>
-                                        <m:t>𝑦</m:t>
-                                      </m:r>
-                                    </m:e>
-                                  </m:acc>
-                                </m:e>
-                                <m:sub>
-                                  <m:r>
-                                    <a:rPr lang="en-GB" sz="2800" i="1">
-                                      <a:latin typeface="Cambria Math" panose="02040503050406030204" pitchFamily="18" charset="0"/>
-                                    </a:rPr>
-                                    <m:t>𝑖</m:t>
-                                  </m:r>
-                                </m:sub>
-                              </m:sSub>
-                              <m:r>
-                                <a:rPr lang="en-GB" sz="2800" i="1">
-                                  <a:latin typeface="Cambria Math" panose="02040503050406030204" pitchFamily="18" charset="0"/>
-                                </a:rPr>
-                                <m:t>− </m:t>
-                              </m:r>
-                              <m:sSub>
-                                <m:sSubPr>
-                                  <m:ctrlPr>
-                                    <a:rPr lang="en-GB" sz="2800" i="1">
-                                      <a:latin typeface="Cambria Math" panose="02040503050406030204" pitchFamily="18" charset="0"/>
-                                    </a:rPr>
-                                  </m:ctrlPr>
-                                </m:sSubPr>
-                                <m:e>
-                                  <m:r>
-                                    <a:rPr lang="en-GB" sz="2800" i="1">
-                                      <a:latin typeface="Cambria Math" panose="02040503050406030204" pitchFamily="18" charset="0"/>
-                                    </a:rPr>
-                                    <m:t>𝑦</m:t>
-                                  </m:r>
-                                </m:e>
-                                <m:sub>
-                                  <m:r>
-                                    <a:rPr lang="en-GB" sz="2800" i="1">
-                                      <a:latin typeface="Cambria Math" panose="02040503050406030204" pitchFamily="18" charset="0"/>
-                                    </a:rPr>
-                                    <m:t>𝑖</m:t>
-                                  </m:r>
-                                </m:sub>
-                              </m:sSub>
-                              <m:r>
-                                <a:rPr lang="en-GB" sz="2800" i="1">
-                                  <a:latin typeface="Cambria Math" panose="02040503050406030204" pitchFamily="18" charset="0"/>
-                                </a:rPr>
-                                <m:t>)</m:t>
-                              </m:r>
-                            </m:e>
-                            <m:sup>
-                              <m:r>
-                                <a:rPr lang="en-GB" sz="2800" i="1">
-                                  <a:latin typeface="Cambria Math" panose="02040503050406030204" pitchFamily="18" charset="0"/>
-                                </a:rPr>
-                                <m:t>2</m:t>
-                              </m:r>
-                            </m:sup>
-                          </m:sSup>
-                          <m:r>
-                            <a:rPr lang="en-GB" sz="2800" i="1">
-                              <a:latin typeface="Cambria Math" panose="02040503050406030204" pitchFamily="18" charset="0"/>
-                            </a:rPr>
-                            <m:t>+ </m:t>
-                          </m:r>
-                          <m:r>
-                            <a:rPr lang="en-GB" sz="2800" i="1">
-                              <a:latin typeface="Cambria Math" panose="02040503050406030204" pitchFamily="18" charset="0"/>
-                              <a:ea typeface="Cambria Math" panose="02040503050406030204" pitchFamily="18" charset="0"/>
-                            </a:rPr>
-                            <m:t>𝜆</m:t>
-                          </m:r>
-                          <m:nary>
-                            <m:naryPr>
-                              <m:chr m:val="∑"/>
-                              <m:ctrlPr>
-                                <a:rPr lang="en-GB" sz="2800" i="1">
-                                  <a:latin typeface="Cambria Math" panose="02040503050406030204" pitchFamily="18" charset="0"/>
-                                </a:rPr>
-                              </m:ctrlPr>
-                            </m:naryPr>
-                            <m:sub>
-                              <m:r>
-                                <m:rPr>
-                                  <m:brk m:alnAt="23"/>
-                                </m:rPr>
-                                <a:rPr lang="en-GB" sz="2800" i="1">
-                                  <a:latin typeface="Cambria Math" panose="02040503050406030204" pitchFamily="18" charset="0"/>
-                                </a:rPr>
-                                <m:t>𝑖</m:t>
-                              </m:r>
-                              <m:r>
-                                <a:rPr lang="en-GB" sz="2800" i="1">
-                                  <a:latin typeface="Cambria Math" panose="02040503050406030204" pitchFamily="18" charset="0"/>
-                                </a:rPr>
-                                <m:t>=1</m:t>
-                              </m:r>
-                            </m:sub>
-                            <m:sup>
-                              <m:r>
-                                <a:rPr lang="en-GB" sz="2800" i="1">
-                                  <a:latin typeface="Cambria Math" panose="02040503050406030204" pitchFamily="18" charset="0"/>
-                                </a:rPr>
-                                <m:t>𝑛</m:t>
-                              </m:r>
-                            </m:sup>
-                            <m:e>
-                              <m:d>
-                                <m:dPr>
-                                  <m:begChr m:val="|"/>
-                                  <m:endChr m:val="|"/>
-                                  <m:ctrlPr>
-                                    <a:rPr lang="en-GB" sz="2800" i="1">
-                                      <a:latin typeface="Cambria Math" panose="02040503050406030204" pitchFamily="18" charset="0"/>
-                                    </a:rPr>
-                                  </m:ctrlPr>
-                                </m:dPr>
-                                <m:e>
-                                  <m:sSub>
-                                    <m:sSubPr>
-                                      <m:ctrlPr>
-                                        <a:rPr lang="en-GB" sz="2800" i="1">
-                                          <a:latin typeface="Cambria Math" panose="02040503050406030204" pitchFamily="18" charset="0"/>
-                                        </a:rPr>
-                                      </m:ctrlPr>
-                                    </m:sSubPr>
-                                    <m:e>
-                                      <m:r>
-                                        <a:rPr lang="en-GB" sz="2800" i="1">
-                                          <a:latin typeface="Cambria Math" panose="02040503050406030204" pitchFamily="18" charset="0"/>
-                                          <a:ea typeface="Cambria Math" panose="02040503050406030204" pitchFamily="18" charset="0"/>
-                                        </a:rPr>
-                                        <m:t>𝛽</m:t>
-                                      </m:r>
-                                    </m:e>
-                                    <m:sub>
-                                      <m:r>
-                                        <a:rPr lang="en-GB" sz="2800" i="1">
-                                          <a:latin typeface="Cambria Math" panose="02040503050406030204" pitchFamily="18" charset="0"/>
-                                        </a:rPr>
-                                        <m:t>𝑖</m:t>
-                                      </m:r>
-                                    </m:sub>
-                                  </m:sSub>
-                                </m:e>
-                              </m:d>
-                            </m:e>
-                          </m:nary>
-                        </m:e>
-                      </m:nary>
-                    </m:oMath>
-                  </m:oMathPara>
-                </a14:m>
-                <a:endParaRPr lang="en-GB" b="0" i="0" u="none" strike="noStrike" dirty="0">
-                  <a:solidFill>
-                    <a:srgbClr val="3A3B41"/>
-                  </a:solidFill>
-                  <a:effectLst/>
-                  <a:latin typeface="Lora" panose="020F0502020204030204" pitchFamily="34" charset="0"/>
-                </a:endParaRPr>
-              </a:p>
-            </p:txBody>
-          </p:sp>
-        </mc:Choice>
-        <mc:Fallback xmlns="">
-          <p:sp>
-            <p:nvSpPr>
-              <p:cNvPr id="3" name="Content Placeholder 2">
-                <a:extLst>
-                  <a:ext uri="{FF2B5EF4-FFF2-40B4-BE49-F238E27FC236}">
-                    <a16:creationId xmlns:a16="http://schemas.microsoft.com/office/drawing/2014/main" id="{566204E5-577F-AD2E-480E-4B71292FBE78}"/>
-                  </a:ext>
-                </a:extLst>
-              </p:cNvPr>
-              <p:cNvSpPr>
-                <a:spLocks noGrp="1" noRot="1" noChangeAspect="1" noMove="1" noResize="1" noEditPoints="1" noAdjustHandles="1" noChangeArrowheads="1" noChangeShapeType="1" noTextEdit="1"/>
-              </p:cNvSpPr>
-              <p:nvPr>
-                <p:ph idx="1"/>
-              </p:nvPr>
-            </p:nvSpPr>
-            <p:spPr>
-              <a:blipFill>
-                <a:blip r:embed="rId2"/>
-                <a:stretch>
-                  <a:fillRect l="-772" t="-1223" r="-154" b="-29052"/>
-                </a:stretch>
-              </a:blipFill>
-            </p:spPr>
-            <p:txBody>
-              <a:bodyPr/>
-              <a:lstStyle/>
-              <a:p>
-                <a:r>
-                  <a:rPr lang="en-GB">
-                    <a:noFill/>
-                  </a:rPr>
-                  <a:t> </a:t>
-                </a:r>
-              </a:p>
-            </p:txBody>
-          </p:sp>
-        </mc:Fallback>
-      </mc:AlternateContent>
-      <p:sp>
-        <p:nvSpPr>
-          <p:cNvPr id="4" name="Slide Number Placeholder 3">
-            <a:extLst>
-              <a:ext uri="{FF2B5EF4-FFF2-40B4-BE49-F238E27FC236}">
-                <a16:creationId xmlns:a16="http://schemas.microsoft.com/office/drawing/2014/main" id="{5F3414E7-F898-A40C-7D19-ACB0E5F8E599}"/>
+              <a:rPr lang="en-US" dirty="0"/>
+              <a:t>Linear regression in Python</a:t>
+            </a:r>
+          </a:p>
+        </p:txBody>
+      </p:sp>
+      <p:sp>
+        <p:nvSpPr>
+          <p:cNvPr id="3" name="Slide Number Placeholder 2">
+            <a:extLst>
+              <a:ext uri="{FF2B5EF4-FFF2-40B4-BE49-F238E27FC236}">
+                <a16:creationId xmlns:a16="http://schemas.microsoft.com/office/drawing/2014/main" id="{AE8D9B19-5916-990A-44ED-CAA0B3C22223}"/>
               </a:ext>
             </a:extLst>
           </p:cNvPr>
@@ -10644,19 +10382,90 @@
           <a:bodyPr/>
           <a:lstStyle/>
           <a:p>
-            <a:fld id="{44E22EE9-B8A0-0641-9265-052CFE9B95A7}" type="slidenum">
+            <a:fld id="{BB98F552-A29D-2D4E-8192-F20670493719}" type="slidenum">
               <a:rPr lang="en-GB" altLang="en-US" smtClean="0"/>
               <a:pPr/>
               <a:t>26</a:t>
             </a:fld>
-            <a:endParaRPr lang="en-GB" altLang="en-US" dirty="0"/>
+            <a:endParaRPr lang="en-GB" altLang="en-US"/>
+          </a:p>
+        </p:txBody>
+      </p:sp>
+      <p:pic>
+        <p:nvPicPr>
+          <p:cNvPr id="5" name="Picture 4" descr="Text&#10;&#10;Description automatically generated">
+            <a:extLst>
+              <a:ext uri="{FF2B5EF4-FFF2-40B4-BE49-F238E27FC236}">
+                <a16:creationId xmlns:a16="http://schemas.microsoft.com/office/drawing/2014/main" id="{C9A8C307-D3B3-0B06-2E47-5DF9A447BE6B}"/>
+              </a:ext>
+            </a:extLst>
+          </p:cNvPr>
+          <p:cNvPicPr>
+            <a:picLocks noChangeAspect="1"/>
+          </p:cNvPicPr>
+          <p:nvPr/>
+        </p:nvPicPr>
+        <p:blipFill>
+          <a:blip r:embed="rId2">
+            <a:extLst>
+              <a:ext uri="{28A0092B-C50C-407E-A947-70E740481C1C}">
+                <a14:useLocalDpi xmlns:a14="http://schemas.microsoft.com/office/drawing/2010/main" val="0"/>
+              </a:ext>
+            </a:extLst>
+          </a:blip>
+          <a:stretch>
+            <a:fillRect/>
+          </a:stretch>
+        </p:blipFill>
+        <p:spPr>
+          <a:xfrm>
+            <a:off x="827584" y="1241954"/>
+            <a:ext cx="6080154" cy="3410818"/>
+          </a:xfrm>
+          <a:prstGeom prst="rect">
+            <a:avLst/>
+          </a:prstGeom>
+        </p:spPr>
+      </p:pic>
+      <p:sp>
+        <p:nvSpPr>
+          <p:cNvPr id="6" name="TextBox 5">
+            <a:extLst>
+              <a:ext uri="{FF2B5EF4-FFF2-40B4-BE49-F238E27FC236}">
+                <a16:creationId xmlns:a16="http://schemas.microsoft.com/office/drawing/2014/main" id="{428BA21D-2048-BC3E-EE77-0E7001446AB1}"/>
+              </a:ext>
+            </a:extLst>
+          </p:cNvPr>
+          <p:cNvSpPr txBox="1"/>
+          <p:nvPr/>
+        </p:nvSpPr>
+        <p:spPr>
+          <a:xfrm>
+            <a:off x="611560" y="5318126"/>
+            <a:ext cx="1271502" cy="246221"/>
+          </a:xfrm>
+          <a:prstGeom prst="rect">
+            <a:avLst/>
+          </a:prstGeom>
+          <a:noFill/>
+        </p:spPr>
+        <p:txBody>
+          <a:bodyPr wrap="none" rtlCol="0">
+            <a:spAutoFit/>
+          </a:bodyPr>
+          <a:lstStyle/>
+          <a:p>
+            <a:r>
+              <a:rPr lang="en-US" sz="1000" dirty="0"/>
+              <a:t>Source: scikit-learn</a:t>
+            </a:r>
           </a:p>
         </p:txBody>
       </p:sp>
     </p:spTree>
     <p:extLst>
       <p:ext uri="{BB962C8B-B14F-4D97-AF65-F5344CB8AC3E}">
-        <p14:creationId xmlns:p14="http://schemas.microsoft.com/office/powerpoint/2010/main" val="2377177102"/>
+        <p14:creationId xmlns:p14="http://schemas.microsoft.com/office/powerpoint/2010/main" val="3096639005"/>
       </p:ext>
     </p:extLst>
   </p:cSld>
@@ -10683,425 +10492,102 @@
           <a:chExt cx="0" cy="0"/>
         </a:xfrm>
       </p:grpSpPr>
-      <mc:AlternateContent xmlns:mc="http://schemas.openxmlformats.org/markup-compatibility/2006" xmlns:a14="http://schemas.microsoft.com/office/drawing/2010/main">
-        <mc:Choice Requires="a14">
-          <p:sp>
-            <p:nvSpPr>
-              <p:cNvPr id="2" name="Title 1">
-                <a:extLst>
-                  <a:ext uri="{FF2B5EF4-FFF2-40B4-BE49-F238E27FC236}">
-                    <a16:creationId xmlns:a16="http://schemas.microsoft.com/office/drawing/2014/main" id="{DC55F513-D073-9C88-B35D-1D27D8E301BF}"/>
-                  </a:ext>
-                </a:extLst>
-              </p:cNvPr>
-              <p:cNvSpPr>
-                <a:spLocks noGrp="1"/>
-              </p:cNvSpPr>
-              <p:nvPr>
-                <p:ph type="title"/>
-              </p:nvPr>
-            </p:nvSpPr>
-            <p:spPr/>
-            <p:txBody>
-              <a:bodyPr/>
-              <a:lstStyle/>
-              <a:p>
-                <a:r>
-                  <a:rPr lang="en-US" dirty="0"/>
-                  <a:t>Lasso – setting </a:t>
-                </a:r>
-                <a14:m>
-                  <m:oMath xmlns:m="http://schemas.openxmlformats.org/officeDocument/2006/math">
-                    <m:r>
-                      <a:rPr lang="en-GB" sz="2000" b="0" i="1" smtClean="0">
-                        <a:latin typeface="Cambria Math" panose="02040503050406030204" pitchFamily="18" charset="0"/>
-                        <a:ea typeface="Cambria Math" panose="02040503050406030204" pitchFamily="18" charset="0"/>
-                      </a:rPr>
-                      <m:t>𝜆</m:t>
-                    </m:r>
-                  </m:oMath>
-                </a14:m>
-                <a:r>
-                  <a:rPr lang="en-US" dirty="0"/>
-                  <a:t> </a:t>
-                </a:r>
-              </a:p>
-            </p:txBody>
-          </p:sp>
-        </mc:Choice>
-        <mc:Fallback xmlns="">
-          <p:sp>
-            <p:nvSpPr>
-              <p:cNvPr id="2" name="Title 1">
-                <a:extLst>
-                  <a:ext uri="{FF2B5EF4-FFF2-40B4-BE49-F238E27FC236}">
-                    <a16:creationId xmlns:a16="http://schemas.microsoft.com/office/drawing/2014/main" id="{DC55F513-D073-9C88-B35D-1D27D8E301BF}"/>
-                  </a:ext>
-                </a:extLst>
-              </p:cNvPr>
-              <p:cNvSpPr>
-                <a:spLocks noGrp="1" noRot="1" noChangeAspect="1" noMove="1" noResize="1" noEditPoints="1" noAdjustHandles="1" noChangeArrowheads="1" noChangeShapeType="1" noTextEdit="1"/>
-              </p:cNvSpPr>
-              <p:nvPr>
-                <p:ph type="title"/>
-              </p:nvPr>
-            </p:nvSpPr>
-            <p:spPr>
-              <a:blipFill>
-                <a:blip r:embed="rId2"/>
-                <a:stretch>
-                  <a:fillRect l="-1235"/>
-                </a:stretch>
-              </a:blipFill>
-            </p:spPr>
-            <p:txBody>
-              <a:bodyPr/>
-              <a:lstStyle/>
-              <a:p>
-                <a:r>
-                  <a:rPr lang="en-US">
-                    <a:noFill/>
-                  </a:rPr>
-                  <a:t> </a:t>
-                </a:r>
-              </a:p>
-            </p:txBody>
-          </p:sp>
-        </mc:Fallback>
-      </mc:AlternateContent>
-      <mc:AlternateContent xmlns:mc="http://schemas.openxmlformats.org/markup-compatibility/2006" xmlns:a14="http://schemas.microsoft.com/office/drawing/2010/main">
-        <mc:Choice Requires="a14">
-          <p:sp>
-            <p:nvSpPr>
-              <p:cNvPr id="3" name="Content Placeholder 2">
-                <a:extLst>
-                  <a:ext uri="{FF2B5EF4-FFF2-40B4-BE49-F238E27FC236}">
-                    <a16:creationId xmlns:a16="http://schemas.microsoft.com/office/drawing/2014/main" id="{720AB5DF-02AF-AC38-7A5D-4AB24C38F672}"/>
-                  </a:ext>
-                </a:extLst>
-              </p:cNvPr>
-              <p:cNvSpPr>
-                <a:spLocks noGrp="1"/>
-              </p:cNvSpPr>
-              <p:nvPr>
-                <p:ph idx="1"/>
-              </p:nvPr>
-            </p:nvSpPr>
-            <p:spPr/>
-            <p:txBody>
-              <a:bodyPr/>
-              <a:lstStyle/>
-              <a:p>
-                <a:endParaRPr lang="en-GB" dirty="0"/>
-              </a:p>
-              <a:p>
-                <a:pPr marL="0" indent="0" algn="ctr">
-                  <a:buNone/>
-                </a:pPr>
-                <a14:m>
-                  <m:oMathPara xmlns:m="http://schemas.openxmlformats.org/officeDocument/2006/math">
-                    <m:oMathParaPr>
-                      <m:jc m:val="centerGroup"/>
-                    </m:oMathParaPr>
-                    <m:oMath xmlns:m="http://schemas.openxmlformats.org/officeDocument/2006/math">
-                      <m:nary>
-                        <m:naryPr>
-                          <m:chr m:val="∑"/>
-                          <m:ctrlPr>
-                            <a:rPr lang="en-GB" sz="2400" i="1">
-                              <a:latin typeface="Cambria Math" panose="02040503050406030204" pitchFamily="18" charset="0"/>
-                            </a:rPr>
-                          </m:ctrlPr>
-                        </m:naryPr>
-                        <m:sub>
-                          <m:r>
-                            <m:rPr>
-                              <m:brk m:alnAt="23"/>
-                            </m:rPr>
-                            <a:rPr lang="en-GB" sz="2400" i="1">
-                              <a:latin typeface="Cambria Math" panose="02040503050406030204" pitchFamily="18" charset="0"/>
-                            </a:rPr>
-                            <m:t>𝑖</m:t>
-                          </m:r>
-                          <m:r>
-                            <a:rPr lang="en-GB" sz="2400" i="1">
-                              <a:latin typeface="Cambria Math" panose="02040503050406030204" pitchFamily="18" charset="0"/>
-                            </a:rPr>
-                            <m:t>=1</m:t>
-                          </m:r>
-                        </m:sub>
-                        <m:sup>
-                          <m:r>
-                            <a:rPr lang="en-GB" sz="2400" i="1">
-                              <a:latin typeface="Cambria Math" panose="02040503050406030204" pitchFamily="18" charset="0"/>
-                            </a:rPr>
-                            <m:t>𝑛</m:t>
-                          </m:r>
-                        </m:sup>
-                        <m:e>
-                          <m:sSup>
-                            <m:sSupPr>
-                              <m:ctrlPr>
-                                <a:rPr lang="en-GB" sz="2400" i="1">
-                                  <a:latin typeface="Cambria Math" panose="02040503050406030204" pitchFamily="18" charset="0"/>
-                                </a:rPr>
-                              </m:ctrlPr>
-                            </m:sSupPr>
-                            <m:e>
-                              <m:r>
-                                <a:rPr lang="en-GB" sz="2400" i="1">
-                                  <a:latin typeface="Cambria Math" panose="02040503050406030204" pitchFamily="18" charset="0"/>
-                                </a:rPr>
-                                <m:t>(</m:t>
-                              </m:r>
-                              <m:sSub>
-                                <m:sSubPr>
-                                  <m:ctrlPr>
-                                    <a:rPr lang="en-GB" sz="2400" i="1">
-                                      <a:latin typeface="Cambria Math" panose="02040503050406030204" pitchFamily="18" charset="0"/>
-                                    </a:rPr>
-                                  </m:ctrlPr>
-                                </m:sSubPr>
-                                <m:e>
-                                  <m:acc>
-                                    <m:accPr>
-                                      <m:chr m:val="̂"/>
-                                      <m:ctrlPr>
-                                        <a:rPr lang="en-GB" sz="2400" i="1">
-                                          <a:latin typeface="Cambria Math" panose="02040503050406030204" pitchFamily="18" charset="0"/>
-                                        </a:rPr>
-                                      </m:ctrlPr>
-                                    </m:accPr>
-                                    <m:e>
-                                      <m:r>
-                                        <a:rPr lang="en-GB" sz="2400" i="1">
-                                          <a:latin typeface="Cambria Math" panose="02040503050406030204" pitchFamily="18" charset="0"/>
-                                        </a:rPr>
-                                        <m:t>𝑦</m:t>
-                                      </m:r>
-                                    </m:e>
-                                  </m:acc>
-                                </m:e>
-                                <m:sub>
-                                  <m:r>
-                                    <a:rPr lang="en-GB" sz="2400" i="1">
-                                      <a:latin typeface="Cambria Math" panose="02040503050406030204" pitchFamily="18" charset="0"/>
-                                    </a:rPr>
-                                    <m:t>𝑖</m:t>
-                                  </m:r>
-                                </m:sub>
-                              </m:sSub>
-                              <m:r>
-                                <a:rPr lang="en-GB" sz="2400" i="1">
-                                  <a:latin typeface="Cambria Math" panose="02040503050406030204" pitchFamily="18" charset="0"/>
-                                </a:rPr>
-                                <m:t>− </m:t>
-                              </m:r>
-                              <m:sSub>
-                                <m:sSubPr>
-                                  <m:ctrlPr>
-                                    <a:rPr lang="en-GB" sz="2400" i="1">
-                                      <a:latin typeface="Cambria Math" panose="02040503050406030204" pitchFamily="18" charset="0"/>
-                                    </a:rPr>
-                                  </m:ctrlPr>
-                                </m:sSubPr>
-                                <m:e>
-                                  <m:r>
-                                    <a:rPr lang="en-GB" sz="2400" i="1">
-                                      <a:latin typeface="Cambria Math" panose="02040503050406030204" pitchFamily="18" charset="0"/>
-                                    </a:rPr>
-                                    <m:t>𝑦</m:t>
-                                  </m:r>
-                                </m:e>
-                                <m:sub>
-                                  <m:r>
-                                    <a:rPr lang="en-GB" sz="2400" i="1">
-                                      <a:latin typeface="Cambria Math" panose="02040503050406030204" pitchFamily="18" charset="0"/>
-                                    </a:rPr>
-                                    <m:t>𝑖</m:t>
-                                  </m:r>
-                                </m:sub>
-                              </m:sSub>
-                              <m:r>
-                                <a:rPr lang="en-GB" sz="2400" i="1">
-                                  <a:latin typeface="Cambria Math" panose="02040503050406030204" pitchFamily="18" charset="0"/>
-                                </a:rPr>
-                                <m:t>)</m:t>
-                              </m:r>
-                            </m:e>
-                            <m:sup>
-                              <m:r>
-                                <a:rPr lang="en-GB" sz="2400" i="1">
-                                  <a:latin typeface="Cambria Math" panose="02040503050406030204" pitchFamily="18" charset="0"/>
-                                </a:rPr>
-                                <m:t>2</m:t>
-                              </m:r>
-                            </m:sup>
-                          </m:sSup>
-                          <m:r>
-                            <a:rPr lang="en-GB" sz="2400" i="1">
-                              <a:latin typeface="Cambria Math" panose="02040503050406030204" pitchFamily="18" charset="0"/>
-                            </a:rPr>
-                            <m:t>+ </m:t>
-                          </m:r>
-                          <m:r>
-                            <a:rPr lang="en-GB" sz="2400" i="1">
-                              <a:latin typeface="Cambria Math" panose="02040503050406030204" pitchFamily="18" charset="0"/>
-                              <a:ea typeface="Cambria Math" panose="02040503050406030204" pitchFamily="18" charset="0"/>
-                            </a:rPr>
-                            <m:t>𝜆</m:t>
-                          </m:r>
-                          <m:nary>
-                            <m:naryPr>
-                              <m:chr m:val="∑"/>
-                              <m:ctrlPr>
-                                <a:rPr lang="en-GB" sz="2400" i="1">
-                                  <a:latin typeface="Cambria Math" panose="02040503050406030204" pitchFamily="18" charset="0"/>
-                                </a:rPr>
-                              </m:ctrlPr>
-                            </m:naryPr>
-                            <m:sub>
-                              <m:r>
-                                <m:rPr>
-                                  <m:brk m:alnAt="23"/>
-                                </m:rPr>
-                                <a:rPr lang="en-GB" sz="2400" i="1">
-                                  <a:latin typeface="Cambria Math" panose="02040503050406030204" pitchFamily="18" charset="0"/>
-                                </a:rPr>
-                                <m:t>𝑖</m:t>
-                              </m:r>
-                              <m:r>
-                                <a:rPr lang="en-GB" sz="2400" i="1">
-                                  <a:latin typeface="Cambria Math" panose="02040503050406030204" pitchFamily="18" charset="0"/>
-                                </a:rPr>
-                                <m:t>=1</m:t>
-                              </m:r>
-                            </m:sub>
-                            <m:sup>
-                              <m:r>
-                                <a:rPr lang="en-GB" sz="2400" i="1">
-                                  <a:latin typeface="Cambria Math" panose="02040503050406030204" pitchFamily="18" charset="0"/>
-                                </a:rPr>
-                                <m:t>𝑛</m:t>
-                              </m:r>
-                            </m:sup>
-                            <m:e>
-                              <m:d>
-                                <m:dPr>
-                                  <m:begChr m:val="|"/>
-                                  <m:endChr m:val="|"/>
-                                  <m:ctrlPr>
-                                    <a:rPr lang="en-GB" sz="2400" i="1">
-                                      <a:latin typeface="Cambria Math" panose="02040503050406030204" pitchFamily="18" charset="0"/>
-                                    </a:rPr>
-                                  </m:ctrlPr>
-                                </m:dPr>
-                                <m:e>
-                                  <m:sSub>
-                                    <m:sSubPr>
-                                      <m:ctrlPr>
-                                        <a:rPr lang="en-GB" sz="2400" i="1">
-                                          <a:latin typeface="Cambria Math" panose="02040503050406030204" pitchFamily="18" charset="0"/>
-                                        </a:rPr>
-                                      </m:ctrlPr>
-                                    </m:sSubPr>
-                                    <m:e>
-                                      <m:r>
-                                        <a:rPr lang="en-GB" sz="2400" i="1">
-                                          <a:latin typeface="Cambria Math" panose="02040503050406030204" pitchFamily="18" charset="0"/>
-                                          <a:ea typeface="Cambria Math" panose="02040503050406030204" pitchFamily="18" charset="0"/>
-                                        </a:rPr>
-                                        <m:t>𝛽</m:t>
-                                      </m:r>
-                                    </m:e>
-                                    <m:sub>
-                                      <m:r>
-                                        <a:rPr lang="en-GB" sz="2400" i="1">
-                                          <a:latin typeface="Cambria Math" panose="02040503050406030204" pitchFamily="18" charset="0"/>
-                                        </a:rPr>
-                                        <m:t>𝑖</m:t>
-                                      </m:r>
-                                    </m:sub>
-                                  </m:sSub>
-                                </m:e>
-                              </m:d>
-                            </m:e>
-                          </m:nary>
-                        </m:e>
-                      </m:nary>
-                    </m:oMath>
-                  </m:oMathPara>
-                </a14:m>
-                <a:endParaRPr lang="en-US" sz="2400" dirty="0"/>
-              </a:p>
-              <a:p>
-                <a:endParaRPr lang="en-GB" dirty="0"/>
-              </a:p>
-              <a:p>
-                <a:r>
-                  <a:rPr lang="en-GB" dirty="0"/>
-                  <a:t>If we set lambda to zero, then the function becomes like an ordinary least squares </a:t>
-                </a:r>
-              </a:p>
-              <a:p>
-                <a:r>
-                  <a:rPr lang="en-GB" dirty="0"/>
-                  <a:t>If we set lambda  to a very large value, it will make coefficients to be come zero, which will make the model underfit .</a:t>
-                </a:r>
-                <a:endParaRPr lang="en-US" dirty="0"/>
-              </a:p>
-              <a:p>
-                <a:endParaRPr lang="en-US" dirty="0"/>
-              </a:p>
-            </p:txBody>
-          </p:sp>
-        </mc:Choice>
-        <mc:Fallback xmlns="">
-          <p:sp>
-            <p:nvSpPr>
-              <p:cNvPr id="3" name="Content Placeholder 2">
-                <a:extLst>
-                  <a:ext uri="{FF2B5EF4-FFF2-40B4-BE49-F238E27FC236}">
-                    <a16:creationId xmlns:a16="http://schemas.microsoft.com/office/drawing/2014/main" id="{720AB5DF-02AF-AC38-7A5D-4AB24C38F672}"/>
-                  </a:ext>
-                </a:extLst>
-              </p:cNvPr>
-              <p:cNvSpPr>
-                <a:spLocks noGrp="1" noRot="1" noChangeAspect="1" noMove="1" noResize="1" noEditPoints="1" noAdjustHandles="1" noChangeArrowheads="1" noChangeShapeType="1" noTextEdit="1"/>
-              </p:cNvSpPr>
-              <p:nvPr>
-                <p:ph idx="1"/>
-              </p:nvPr>
-            </p:nvSpPr>
-            <p:spPr>
-              <a:blipFill>
-                <a:blip r:embed="rId3"/>
-                <a:stretch>
-                  <a:fillRect l="-772" t="-19572" r="-463"/>
-                </a:stretch>
-              </a:blipFill>
-            </p:spPr>
-            <p:txBody>
-              <a:bodyPr/>
-              <a:lstStyle/>
-              <a:p>
-                <a:r>
-                  <a:rPr lang="en-US">
-                    <a:noFill/>
-                  </a:rPr>
-                  <a:t> </a:t>
-                </a:r>
-              </a:p>
-            </p:txBody>
-          </p:sp>
-        </mc:Fallback>
-      </mc:AlternateContent>
+      <p:sp>
+        <p:nvSpPr>
+          <p:cNvPr id="2" name="Title 1">
+            <a:extLst>
+              <a:ext uri="{FF2B5EF4-FFF2-40B4-BE49-F238E27FC236}">
+                <a16:creationId xmlns:a16="http://schemas.microsoft.com/office/drawing/2014/main" id="{0B79F152-01FF-8DE5-27C1-63ACD18681C9}"/>
+              </a:ext>
+            </a:extLst>
+          </p:cNvPr>
+          <p:cNvSpPr>
+            <a:spLocks noGrp="1"/>
+          </p:cNvSpPr>
+          <p:nvPr>
+            <p:ph type="title"/>
+          </p:nvPr>
+        </p:nvSpPr>
+        <p:spPr/>
+        <p:txBody>
+          <a:bodyPr/>
+          <a:lstStyle/>
+          <a:p>
+            <a:r>
+              <a:rPr lang="en-US" dirty="0"/>
+              <a:t>Logistic regression</a:t>
+            </a:r>
+          </a:p>
+        </p:txBody>
+      </p:sp>
+      <p:sp>
+        <p:nvSpPr>
+          <p:cNvPr id="3" name="Content Placeholder 2">
+            <a:extLst>
+              <a:ext uri="{FF2B5EF4-FFF2-40B4-BE49-F238E27FC236}">
+                <a16:creationId xmlns:a16="http://schemas.microsoft.com/office/drawing/2014/main" id="{8BF36EB2-799C-F14D-9533-C2FA317FCB09}"/>
+              </a:ext>
+            </a:extLst>
+          </p:cNvPr>
+          <p:cNvSpPr>
+            <a:spLocks noGrp="1"/>
+          </p:cNvSpPr>
+          <p:nvPr>
+            <p:ph idx="1"/>
+          </p:nvPr>
+        </p:nvSpPr>
+        <p:spPr/>
+        <p:txBody>
+          <a:bodyPr/>
+          <a:lstStyle/>
+          <a:p>
+            <a:r>
+              <a:rPr lang="en-GB" dirty="0">
+                <a:effectLst/>
+              </a:rPr>
+              <a:t>We can generalise linear regression to the (binary) classification setting by making some changes.</a:t>
+            </a:r>
+          </a:p>
+          <a:p>
+            <a:endParaRPr lang="en-GB" dirty="0"/>
+          </a:p>
+          <a:p>
+            <a:r>
+              <a:rPr lang="en-GB" dirty="0">
+                <a:effectLst/>
+              </a:rPr>
+              <a:t>We compute a linear combination of the inputs, as before, but then we pass this through a function that ensures 0 ≤ </a:t>
+            </a:r>
+            <a:r>
+              <a:rPr lang="el-GR" dirty="0">
+                <a:effectLst/>
+                <a:latin typeface="Helvetica" pitchFamily="2" charset="0"/>
+              </a:rPr>
+              <a:t>μ(</a:t>
+            </a:r>
+            <a:r>
+              <a:rPr lang="en-GB" dirty="0">
+                <a:effectLst/>
+              </a:rPr>
+              <a:t>x) ≤ 1 by defining:</a:t>
+            </a:r>
+          </a:p>
+          <a:p>
+            <a:endParaRPr lang="en-GB" dirty="0">
+              <a:effectLst/>
+            </a:endParaRPr>
+          </a:p>
+          <a:p>
+            <a:endParaRPr lang="en-US" dirty="0"/>
+          </a:p>
+        </p:txBody>
+      </p:sp>
       <p:sp>
         <p:nvSpPr>
           <p:cNvPr id="4" name="Slide Number Placeholder 3">
             <a:extLst>
               <a:ext uri="{FF2B5EF4-FFF2-40B4-BE49-F238E27FC236}">
-                <a16:creationId xmlns:a16="http://schemas.microsoft.com/office/drawing/2014/main" id="{91E79C06-2DE6-5A29-BA72-CF7910ECF91C}"/>
+                <a16:creationId xmlns:a16="http://schemas.microsoft.com/office/drawing/2014/main" id="{6B4945E4-CDEE-62AC-D447-72EDC493D2A7}"/>
               </a:ext>
             </a:extLst>
           </p:cNvPr>
@@ -11126,71 +10612,46 @@
           </a:p>
         </p:txBody>
       </p:sp>
-      <p:sp>
-        <p:nvSpPr>
-          <p:cNvPr id="5" name="TextBox 4">
-            <a:extLst>
-              <a:ext uri="{FF2B5EF4-FFF2-40B4-BE49-F238E27FC236}">
-                <a16:creationId xmlns:a16="http://schemas.microsoft.com/office/drawing/2014/main" id="{AB4CD3D2-3017-21F6-2F39-575519E1F510}"/>
-              </a:ext>
-            </a:extLst>
-          </p:cNvPr>
-          <p:cNvSpPr txBox="1"/>
+      <p:pic>
+        <p:nvPicPr>
+          <p:cNvPr id="8" name="Picture 7" descr="Logo&#10;&#10;Description automatically generated with low confidence">
+            <a:extLst>
+              <a:ext uri="{FF2B5EF4-FFF2-40B4-BE49-F238E27FC236}">
+                <a16:creationId xmlns:a16="http://schemas.microsoft.com/office/drawing/2014/main" id="{6E74637A-7BBF-DEC2-A49D-58ECE6F745AA}"/>
+              </a:ext>
+            </a:extLst>
+          </p:cNvPr>
+          <p:cNvPicPr>
+            <a:picLocks noChangeAspect="1"/>
+          </p:cNvPicPr>
           <p:nvPr/>
-        </p:nvSpPr>
+        </p:nvPicPr>
+        <p:blipFill>
+          <a:blip r:embed="rId2">
+            <a:extLst>
+              <a:ext uri="{28A0092B-C50C-407E-A947-70E740481C1C}">
+                <a14:useLocalDpi xmlns:a14="http://schemas.microsoft.com/office/drawing/2010/main" val="0"/>
+              </a:ext>
+            </a:extLst>
+          </a:blip>
+          <a:stretch>
+            <a:fillRect/>
+          </a:stretch>
+        </p:blipFill>
         <p:spPr>
           <a:xfrm>
-            <a:off x="611560" y="5318126"/>
-            <a:ext cx="3493264" cy="230832"/>
+            <a:off x="2637294" y="3217540"/>
+            <a:ext cx="2966730" cy="648072"/>
           </a:xfrm>
           <a:prstGeom prst="rect">
             <a:avLst/>
           </a:prstGeom>
-          <a:noFill/>
         </p:spPr>
-        <p:txBody>
-          <a:bodyPr wrap="none" rtlCol="0">
-            <a:spAutoFit/>
-          </a:bodyPr>
-          <a:lstStyle/>
-          <a:p>
-            <a:r>
-              <a:rPr lang="en-US" sz="900" dirty="0">
-                <a:latin typeface="Gill Sans MT" panose="020B0502020104020203" pitchFamily="34" charset="77"/>
-              </a:rPr>
-              <a:t>Source: </a:t>
-            </a:r>
-            <a:r>
-              <a:rPr lang="en-US" sz="900" dirty="0" err="1">
-                <a:latin typeface="Gill Sans MT" panose="020B0502020104020203" pitchFamily="34" charset="77"/>
-              </a:rPr>
-              <a:t>Anuja</a:t>
-            </a:r>
-            <a:r>
-              <a:rPr lang="en-US" sz="900" dirty="0">
-                <a:latin typeface="Gill Sans MT" panose="020B0502020104020203" pitchFamily="34" charset="77"/>
-              </a:rPr>
-              <a:t> Nagpal, https://</a:t>
-            </a:r>
-            <a:r>
-              <a:rPr lang="en-US" sz="900" dirty="0" err="1">
-                <a:latin typeface="Gill Sans MT" panose="020B0502020104020203" pitchFamily="34" charset="77"/>
-              </a:rPr>
-              <a:t>builtin.com</a:t>
-            </a:r>
-            <a:r>
-              <a:rPr lang="en-US" sz="900" dirty="0">
-                <a:latin typeface="Gill Sans MT" panose="020B0502020104020203" pitchFamily="34" charset="77"/>
-              </a:rPr>
-              <a:t>/data-science/l2-regularization</a:t>
-            </a:r>
-          </a:p>
-        </p:txBody>
-      </p:sp>
+      </p:pic>
     </p:spTree>
     <p:extLst>
       <p:ext uri="{BB962C8B-B14F-4D97-AF65-F5344CB8AC3E}">
-        <p14:creationId xmlns:p14="http://schemas.microsoft.com/office/powerpoint/2010/main" val="375863555"/>
+        <p14:creationId xmlns:p14="http://schemas.microsoft.com/office/powerpoint/2010/main" val="2219624383"/>
       </p:ext>
     </p:extLst>
   </p:cSld>
@@ -11222,7 +10683,7 @@
           <p:cNvPr id="2" name="Title 1">
             <a:extLst>
               <a:ext uri="{FF2B5EF4-FFF2-40B4-BE49-F238E27FC236}">
-                <a16:creationId xmlns:a16="http://schemas.microsoft.com/office/drawing/2014/main" id="{412EEF82-7C5A-597E-A0D2-4E7E3380860F}"/>
+                <a16:creationId xmlns:a16="http://schemas.microsoft.com/office/drawing/2014/main" id="{757E539D-FA56-7EDE-C99E-A01C128D82F6}"/>
               </a:ext>
             </a:extLst>
           </p:cNvPr>
@@ -11240,23 +10701,19 @@
           <a:p>
             <a:r>
               <a:rPr lang="en-US" dirty="0"/>
-              <a:t>L2 </a:t>
-            </a:r>
-            <a:r>
-              <a:rPr lang="en-GB" dirty="0"/>
-              <a:t>regularisation (Ridge)</a:t>
-            </a:r>
-          </a:p>
-        </p:txBody>
-      </p:sp>
-      <mc:AlternateContent xmlns:mc="http://schemas.openxmlformats.org/markup-compatibility/2006" xmlns:a14="http://schemas.microsoft.com/office/drawing/2010/main">
-        <mc:Choice Requires="a14">
+              <a:t>The Sigmoid function</a:t>
+            </a:r>
+          </a:p>
+        </p:txBody>
+      </p:sp>
+      <mc:AlternateContent xmlns:mc="http://schemas.openxmlformats.org/markup-compatibility/2006">
+        <mc:Choice xmlns:a14="http://schemas.microsoft.com/office/drawing/2010/main" Requires="a14">
           <p:sp>
             <p:nvSpPr>
               <p:cNvPr id="3" name="Content Placeholder 2">
                 <a:extLst>
                   <a:ext uri="{FF2B5EF4-FFF2-40B4-BE49-F238E27FC236}">
-                    <a16:creationId xmlns:a16="http://schemas.microsoft.com/office/drawing/2014/main" id="{D6309BA8-8775-B6C6-DA98-9367F6722D9A}"/>
+                    <a16:creationId xmlns:a16="http://schemas.microsoft.com/office/drawing/2014/main" id="{1AC93DCB-816B-BACC-6A92-C528C243219A}"/>
                   </a:ext>
                 </a:extLst>
               </p:cNvPr>
@@ -11273,273 +10730,136 @@
               <a:lstStyle/>
               <a:p>
                 <a:r>
-                  <a:rPr lang="en-GB" dirty="0"/>
-                  <a:t>Ridge regression sum of squared weight values as the penalty term in the optimisation function. </a:t>
+                  <a:rPr lang="en-GB" dirty="0">
+                    <a:effectLst/>
+                  </a:rPr>
+                  <a:t>where </a:t>
                 </a:r>
-                <a:endParaRPr lang="en-US" dirty="0"/>
+                <a:r>
+                  <a:rPr lang="en-GB" dirty="0" err="1">
+                    <a:effectLst/>
+                  </a:rPr>
+                  <a:t>sigm</a:t>
+                </a:r>
+                <a:r>
+                  <a:rPr lang="en-GB" dirty="0">
+                    <a:effectLst/>
+                  </a:rPr>
+                  <a:t>(</a:t>
+                </a:r>
+                <a:r>
+                  <a:rPr lang="el-GR" dirty="0">
+                    <a:effectLst/>
+                    <a:latin typeface="Helvetica" pitchFamily="2" charset="0"/>
+                  </a:rPr>
+                  <a:t>η) </a:t>
+                </a:r>
+                <a:r>
+                  <a:rPr lang="en-GB" dirty="0">
+                    <a:effectLst/>
+                  </a:rPr>
+                  <a:t>refers to the sigmoid function, also known as the </a:t>
+                </a:r>
+                <a:r>
+                  <a:rPr lang="en-GB" i="1" dirty="0">
+                    <a:effectLst/>
+                  </a:rPr>
+                  <a:t>logistic</a:t>
+                </a:r>
+                <a:r>
+                  <a:rPr lang="en-GB" dirty="0">
+                    <a:effectLst/>
+                  </a:rPr>
+                  <a:t> or </a:t>
+                </a:r>
+                <a:r>
+                  <a:rPr lang="en-GB" i="1" dirty="0">
+                    <a:effectLst/>
+                  </a:rPr>
+                  <a:t>logit</a:t>
+                </a:r>
+                <a:r>
+                  <a:rPr lang="en-GB" dirty="0">
+                    <a:effectLst/>
+                  </a:rPr>
+                  <a:t> function.</a:t>
+                </a:r>
               </a:p>
               <a:p>
-                <a:endParaRPr lang="en-US" dirty="0"/>
+                <a:r>
+                  <a:rPr lang="en-GB" dirty="0">
+                    <a:effectLst/>
+                  </a:rPr>
+                  <a:t>This is defined as</a:t>
+                </a:r>
               </a:p>
               <a:p>
-                <a:endParaRPr lang="en-US" dirty="0"/>
+                <a:endParaRPr lang="en-GB" dirty="0"/>
               </a:p>
               <a:p>
-                <a:pPr marL="0" indent="0">
-                  <a:buNone/>
-                </a:pPr>
+                <a:endParaRPr lang="en-GB" dirty="0">
+                  <a:effectLst/>
+                </a:endParaRPr>
+              </a:p>
+              <a:p>
+                <a:endParaRPr lang="en-GB" dirty="0"/>
+              </a:p>
+              <a:p>
+                <a:endParaRPr lang="en-GB" dirty="0">
+                  <a:effectLst/>
+                </a:endParaRPr>
+              </a:p>
+              <a:p>
+                <a:r>
+                  <a:rPr lang="en-GB" dirty="0">
+                    <a:effectLst/>
+                  </a:rPr>
+                  <a:t>The term “</a:t>
+                </a:r>
                 <a14:m>
-                  <m:oMathPara xmlns:m="http://schemas.openxmlformats.org/officeDocument/2006/math">
-                    <m:oMathParaPr>
-                      <m:jc m:val="centerGroup"/>
-                    </m:oMathParaPr>
-                    <m:oMath xmlns:m="http://schemas.openxmlformats.org/officeDocument/2006/math">
-                      <m:nary>
-                        <m:naryPr>
-                          <m:chr m:val="∑"/>
-                          <m:ctrlPr>
-                            <a:rPr lang="en-GB" sz="2000" i="1" smtClean="0">
-                              <a:latin typeface="Cambria Math" panose="02040503050406030204" pitchFamily="18" charset="0"/>
-                            </a:rPr>
-                          </m:ctrlPr>
-                        </m:naryPr>
-                        <m:sub>
-                          <m:r>
-                            <m:rPr>
-                              <m:brk m:alnAt="23"/>
-                            </m:rPr>
-                            <a:rPr lang="en-GB" sz="2000" i="1">
-                              <a:latin typeface="Cambria Math" panose="02040503050406030204" pitchFamily="18" charset="0"/>
-                            </a:rPr>
-                            <m:t>𝑖</m:t>
-                          </m:r>
-                          <m:r>
-                            <a:rPr lang="en-GB" sz="2000" i="1">
-                              <a:latin typeface="Cambria Math" panose="02040503050406030204" pitchFamily="18" charset="0"/>
-                            </a:rPr>
-                            <m:t>=1</m:t>
-                          </m:r>
-                        </m:sub>
-                        <m:sup>
-                          <m:r>
-                            <a:rPr lang="en-GB" sz="2000" i="1">
-                              <a:latin typeface="Cambria Math" panose="02040503050406030204" pitchFamily="18" charset="0"/>
-                            </a:rPr>
-                            <m:t>𝑛</m:t>
-                          </m:r>
-                        </m:sup>
-                        <m:e>
-                          <m:sSup>
-                            <m:sSupPr>
-                              <m:ctrlPr>
-                                <a:rPr lang="en-GB" sz="2000" b="0" i="1" smtClean="0">
-                                  <a:latin typeface="Cambria Math" panose="02040503050406030204" pitchFamily="18" charset="0"/>
-                                </a:rPr>
-                              </m:ctrlPr>
-                            </m:sSupPr>
-                            <m:e>
-                              <m:r>
-                                <a:rPr lang="en-GB" sz="2000" i="1">
-                                  <a:latin typeface="Cambria Math" panose="02040503050406030204" pitchFamily="18" charset="0"/>
-                                </a:rPr>
-                                <m:t>(</m:t>
-                              </m:r>
-                              <m:sSub>
-                                <m:sSubPr>
-                                  <m:ctrlPr>
-                                    <a:rPr lang="en-GB" sz="2000" i="1">
-                                      <a:latin typeface="Cambria Math" panose="02040503050406030204" pitchFamily="18" charset="0"/>
-                                    </a:rPr>
-                                  </m:ctrlPr>
-                                </m:sSubPr>
-                                <m:e>
-                                  <m:acc>
-                                    <m:accPr>
-                                      <m:chr m:val="̂"/>
-                                      <m:ctrlPr>
-                                        <a:rPr lang="en-GB" sz="2000" i="1">
-                                          <a:latin typeface="Cambria Math" panose="02040503050406030204" pitchFamily="18" charset="0"/>
-                                        </a:rPr>
-                                      </m:ctrlPr>
-                                    </m:accPr>
-                                    <m:e>
-                                      <m:r>
-                                        <a:rPr lang="en-GB" sz="2000" i="1">
-                                          <a:latin typeface="Cambria Math" panose="02040503050406030204" pitchFamily="18" charset="0"/>
-                                        </a:rPr>
-                                        <m:t>𝑦</m:t>
-                                      </m:r>
-                                    </m:e>
-                                  </m:acc>
-                                </m:e>
-                                <m:sub>
-                                  <m:r>
-                                    <a:rPr lang="en-GB" sz="2000" i="1">
-                                      <a:latin typeface="Cambria Math" panose="02040503050406030204" pitchFamily="18" charset="0"/>
-                                    </a:rPr>
-                                    <m:t>𝑖</m:t>
-                                  </m:r>
-                                </m:sub>
-                              </m:sSub>
-                              <m:r>
-                                <a:rPr lang="en-GB" sz="2000" i="1">
-                                  <a:latin typeface="Cambria Math" panose="02040503050406030204" pitchFamily="18" charset="0"/>
-                                </a:rPr>
-                                <m:t>− </m:t>
-                              </m:r>
-                              <m:sSub>
-                                <m:sSubPr>
-                                  <m:ctrlPr>
-                                    <a:rPr lang="en-GB" sz="2000" i="1">
-                                      <a:latin typeface="Cambria Math" panose="02040503050406030204" pitchFamily="18" charset="0"/>
-                                    </a:rPr>
-                                  </m:ctrlPr>
-                                </m:sSubPr>
-                                <m:e>
-                                  <m:r>
-                                    <a:rPr lang="en-GB" sz="2000" i="1">
-                                      <a:latin typeface="Cambria Math" panose="02040503050406030204" pitchFamily="18" charset="0"/>
-                                    </a:rPr>
-                                    <m:t>𝑦</m:t>
-                                  </m:r>
-                                </m:e>
-                                <m:sub>
-                                  <m:r>
-                                    <a:rPr lang="en-GB" sz="2000" i="1">
-                                      <a:latin typeface="Cambria Math" panose="02040503050406030204" pitchFamily="18" charset="0"/>
-                                    </a:rPr>
-                                    <m:t>𝑖</m:t>
-                                  </m:r>
-                                </m:sub>
-                              </m:sSub>
-                              <m:r>
-                                <a:rPr lang="en-GB" sz="2000" i="1">
-                                  <a:latin typeface="Cambria Math" panose="02040503050406030204" pitchFamily="18" charset="0"/>
-                                </a:rPr>
-                                <m:t>)</m:t>
-                              </m:r>
-                            </m:e>
-                            <m:sup>
-                              <m:r>
-                                <a:rPr lang="en-GB" sz="2000" b="0" i="1" smtClean="0">
-                                  <a:latin typeface="Cambria Math" panose="02040503050406030204" pitchFamily="18" charset="0"/>
-                                </a:rPr>
-                                <m:t>2</m:t>
-                              </m:r>
-                            </m:sup>
-                          </m:sSup>
-                          <m:r>
-                            <a:rPr lang="en-GB" sz="2000" b="0" i="1" smtClean="0">
-                              <a:latin typeface="Cambria Math" panose="02040503050406030204" pitchFamily="18" charset="0"/>
-                            </a:rPr>
-                            <m:t>+ </m:t>
-                          </m:r>
-                          <m:r>
-                            <a:rPr lang="en-GB" sz="2000" b="0" i="1" smtClean="0">
-                              <a:latin typeface="Cambria Math" panose="02040503050406030204" pitchFamily="18" charset="0"/>
-                              <a:ea typeface="Cambria Math" panose="02040503050406030204" pitchFamily="18" charset="0"/>
-                            </a:rPr>
-                            <m:t>𝜆</m:t>
-                          </m:r>
-                          <m:nary>
-                            <m:naryPr>
-                              <m:chr m:val="∑"/>
-                              <m:ctrlPr>
-                                <a:rPr lang="en-GB" sz="2000" i="1">
-                                  <a:latin typeface="Cambria Math" panose="02040503050406030204" pitchFamily="18" charset="0"/>
-                                </a:rPr>
-                              </m:ctrlPr>
-                            </m:naryPr>
-                            <m:sub>
-                              <m:r>
-                                <m:rPr>
-                                  <m:brk m:alnAt="23"/>
-                                </m:rPr>
-                                <a:rPr lang="en-GB" sz="2000" i="1">
-                                  <a:latin typeface="Cambria Math" panose="02040503050406030204" pitchFamily="18" charset="0"/>
-                                </a:rPr>
-                                <m:t>𝑖</m:t>
-                              </m:r>
-                              <m:r>
-                                <a:rPr lang="en-GB" sz="2000" i="1">
-                                  <a:latin typeface="Cambria Math" panose="02040503050406030204" pitchFamily="18" charset="0"/>
-                                </a:rPr>
-                                <m:t>=1</m:t>
-                              </m:r>
-                            </m:sub>
-                            <m:sup>
-                              <m:r>
-                                <a:rPr lang="en-GB" sz="2000" i="1">
-                                  <a:latin typeface="Cambria Math" panose="02040503050406030204" pitchFamily="18" charset="0"/>
-                                </a:rPr>
-                                <m:t>𝑛</m:t>
-                              </m:r>
-                            </m:sup>
-                            <m:e>
-                              <m:sSup>
-                                <m:sSupPr>
-                                  <m:ctrlPr>
-                                    <a:rPr lang="en-GB" sz="2000" i="1" smtClean="0">
-                                      <a:latin typeface="Cambria Math" panose="02040503050406030204" pitchFamily="18" charset="0"/>
-                                    </a:rPr>
-                                  </m:ctrlPr>
-                                </m:sSupPr>
-                                <m:e>
-                                  <m:sSub>
-                                    <m:sSubPr>
-                                      <m:ctrlPr>
-                                        <a:rPr lang="en-GB" i="1">
-                                          <a:latin typeface="Cambria Math" panose="02040503050406030204" pitchFamily="18" charset="0"/>
-                                        </a:rPr>
-                                      </m:ctrlPr>
-                                    </m:sSubPr>
-                                    <m:e>
-                                      <m:r>
-                                        <a:rPr lang="en-GB" i="1">
-                                          <a:latin typeface="Cambria Math" panose="02040503050406030204" pitchFamily="18" charset="0"/>
-                                          <a:ea typeface="Cambria Math" panose="02040503050406030204" pitchFamily="18" charset="0"/>
-                                        </a:rPr>
-                                        <m:t>𝛽</m:t>
-                                      </m:r>
-                                    </m:e>
-                                    <m:sub>
-                                      <m:r>
-                                        <a:rPr lang="en-GB" i="1">
-                                          <a:latin typeface="Cambria Math" panose="02040503050406030204" pitchFamily="18" charset="0"/>
-                                        </a:rPr>
-                                        <m:t>𝑖</m:t>
-                                      </m:r>
-                                    </m:sub>
-                                  </m:sSub>
-                                </m:e>
-                                <m:sup>
-                                  <m:r>
-                                    <a:rPr lang="en-GB" sz="2000" i="1" smtClean="0">
-                                      <a:latin typeface="Cambria Math" panose="02040503050406030204" pitchFamily="18" charset="0"/>
-                                    </a:rPr>
-                                    <m:t>2</m:t>
-                                  </m:r>
-                                </m:sup>
-                              </m:sSup>
-                            </m:e>
-                          </m:nary>
-                        </m:e>
-                      </m:nary>
-                    </m:oMath>
-                  </m:oMathPara>
+                  <m:oMath xmlns:m="http://schemas.openxmlformats.org/officeDocument/2006/math">
+                    <m:r>
+                      <a:rPr lang="en-GB" i="1" dirty="0" smtClean="0">
+                        <a:effectLst/>
+                        <a:latin typeface="Cambria Math" panose="02040503050406030204" pitchFamily="18" charset="0"/>
+                      </a:rPr>
+                      <m:t>𝑠𝑖𝑔𝑚𝑜𝑖𝑑</m:t>
+                    </m:r>
+                  </m:oMath>
                 </a14:m>
+                <a:r>
+                  <a:rPr lang="en-GB" dirty="0">
+                    <a:effectLst/>
+                  </a:rPr>
+                  <a:t>” means S-shaped for a plot. </a:t>
+                </a:r>
+              </a:p>
+              <a:p>
+                <a:r>
+                  <a:rPr lang="en-GB" dirty="0">
+                    <a:effectLst/>
+                  </a:rPr>
+                  <a:t>It is also known as a squashing function, since it maps the whole real line to [0, 1].</a:t>
+                </a:r>
+              </a:p>
+              <a:p>
+                <a:endParaRPr lang="en-GB" dirty="0">
+                  <a:effectLst/>
+                </a:endParaRPr>
+              </a:p>
+              <a:p>
                 <a:endParaRPr lang="en-US" dirty="0"/>
               </a:p>
             </p:txBody>
           </p:sp>
         </mc:Choice>
-        <mc:Fallback xmlns="">
+        <mc:Fallback>
           <p:sp>
             <p:nvSpPr>
               <p:cNvPr id="3" name="Content Placeholder 2">
                 <a:extLst>
                   <a:ext uri="{FF2B5EF4-FFF2-40B4-BE49-F238E27FC236}">
-                    <a16:creationId xmlns:a16="http://schemas.microsoft.com/office/drawing/2014/main" id="{D6309BA8-8775-B6C6-DA98-9367F6722D9A}"/>
+                    <a16:creationId xmlns:a16="http://schemas.microsoft.com/office/drawing/2014/main" id="{1AC93DCB-816B-BACC-6A92-C528C243219A}"/>
                   </a:ext>
                 </a:extLst>
               </p:cNvPr>
@@ -11554,7 +10874,7 @@
               <a:blipFill>
                 <a:blip r:embed="rId2"/>
                 <a:stretch>
-                  <a:fillRect l="-772" t="-1223"/>
+                  <a:fillRect l="-772" t="-1223" r="-1543" b="-1835"/>
                 </a:stretch>
               </a:blipFill>
             </p:spPr>
@@ -11563,7 +10883,7 @@
               <a:lstStyle/>
               <a:p>
                 <a:r>
-                  <a:rPr lang="en-US">
+                  <a:rPr lang="en-GB">
                     <a:noFill/>
                   </a:rPr>
                   <a:t> </a:t>
@@ -11578,7 +10898,7 @@
           <p:cNvPr id="4" name="Slide Number Placeholder 3">
             <a:extLst>
               <a:ext uri="{FF2B5EF4-FFF2-40B4-BE49-F238E27FC236}">
-                <a16:creationId xmlns:a16="http://schemas.microsoft.com/office/drawing/2014/main" id="{9C7FF4EC-F60E-CC92-9D46-8D98940AE3C9}"/>
+                <a16:creationId xmlns:a16="http://schemas.microsoft.com/office/drawing/2014/main" id="{9946D7DC-9310-839F-5948-8BA8DCD207EF}"/>
               </a:ext>
             </a:extLst>
           </p:cNvPr>
@@ -11603,10 +10923,46 @@
           </a:p>
         </p:txBody>
       </p:sp>
+      <p:pic>
+        <p:nvPicPr>
+          <p:cNvPr id="6" name="Picture 5" descr="Chart, box and whisker chart&#10;&#10;Description automatically generated">
+            <a:extLst>
+              <a:ext uri="{FF2B5EF4-FFF2-40B4-BE49-F238E27FC236}">
+                <a16:creationId xmlns:a16="http://schemas.microsoft.com/office/drawing/2014/main" id="{61C43AFA-D551-9D55-A25A-CD1BF135E6D0}"/>
+              </a:ext>
+            </a:extLst>
+          </p:cNvPr>
+          <p:cNvPicPr>
+            <a:picLocks noChangeAspect="1"/>
+          </p:cNvPicPr>
+          <p:nvPr/>
+        </p:nvPicPr>
+        <p:blipFill>
+          <a:blip r:embed="rId3">
+            <a:extLst>
+              <a:ext uri="{28A0092B-C50C-407E-A947-70E740481C1C}">
+                <a14:useLocalDpi xmlns:a14="http://schemas.microsoft.com/office/drawing/2010/main" val="0"/>
+              </a:ext>
+            </a:extLst>
+          </a:blip>
+          <a:stretch>
+            <a:fillRect/>
+          </a:stretch>
+        </p:blipFill>
+        <p:spPr>
+          <a:xfrm>
+            <a:off x="1547663" y="2457450"/>
+            <a:ext cx="5035509" cy="976114"/>
+          </a:xfrm>
+          <a:prstGeom prst="rect">
+            <a:avLst/>
+          </a:prstGeom>
+        </p:spPr>
+      </p:pic>
     </p:spTree>
     <p:extLst>
       <p:ext uri="{BB962C8B-B14F-4D97-AF65-F5344CB8AC3E}">
-        <p14:creationId xmlns:p14="http://schemas.microsoft.com/office/powerpoint/2010/main" val="1141684552"/>
+        <p14:creationId xmlns:p14="http://schemas.microsoft.com/office/powerpoint/2010/main" val="3137900834"/>
       </p:ext>
     </p:extLst>
   </p:cSld>
@@ -11638,7 +10994,7 @@
           <p:cNvPr id="2" name="Title 1">
             <a:extLst>
               <a:ext uri="{FF2B5EF4-FFF2-40B4-BE49-F238E27FC236}">
-                <a16:creationId xmlns:a16="http://schemas.microsoft.com/office/drawing/2014/main" id="{5EB94D01-6ACF-A51D-922B-21B48A6E2F2C}"/>
+                <a16:creationId xmlns:a16="http://schemas.microsoft.com/office/drawing/2014/main" id="{8A332134-9BCB-0854-3561-40483D5A537A}"/>
               </a:ext>
             </a:extLst>
           </p:cNvPr>
@@ -11656,7 +11012,7 @@
           <a:p>
             <a:r>
               <a:rPr lang="en-US" dirty="0"/>
-              <a:t>Lasso and Ridge</a:t>
+              <a:t>Logistic regression</a:t>
             </a:r>
           </a:p>
         </p:txBody>
@@ -11666,7 +11022,7 @@
           <p:cNvPr id="3" name="Content Placeholder 2">
             <a:extLst>
               <a:ext uri="{FF2B5EF4-FFF2-40B4-BE49-F238E27FC236}">
-                <a16:creationId xmlns:a16="http://schemas.microsoft.com/office/drawing/2014/main" id="{B891933E-645F-2FA9-EC48-8425E0B4C623}"/>
+                <a16:creationId xmlns:a16="http://schemas.microsoft.com/office/drawing/2014/main" id="{5ECAE4BA-0083-F430-8106-008F9912FFDF}"/>
               </a:ext>
             </a:extLst>
           </p:cNvPr>
@@ -11683,23 +11039,35 @@
           <a:lstStyle/>
           <a:p>
             <a:r>
+              <a:rPr lang="en-GB" dirty="0">
+                <a:effectLst/>
+              </a:rPr>
+              <a:t>The process of applyin</a:t>
+            </a:r>
+            <a:r>
               <a:rPr lang="en-GB" dirty="0"/>
-              <a:t>The key difference between these two techniques is that lasso shrinks the less important feature’s coefficient to zero thus, removing some features altogether. </a:t>
-            </a:r>
-          </a:p>
-          <a:p>
-            <a:r>
-              <a:rPr lang="en-GB" dirty="0"/>
-              <a:t>In other words, L1 regularisation works well for feature selection in case we have a huge number of features.</a:t>
-            </a:r>
-          </a:p>
-          <a:p>
-            <a:endParaRPr lang="en-GB" dirty="0"/>
-          </a:p>
-          <a:p>
-            <a:r>
-              <a:rPr lang="en-GB" dirty="0"/>
-              <a:t>Ridge reduces the complexity of the model by shrinking the coefficient (penalises higher weights). </a:t>
+              <a:t>g </a:t>
+            </a:r>
+            <a:r>
+              <a:rPr lang="en-GB" dirty="0">
+                <a:effectLst/>
+              </a:rPr>
+              <a:t>linear combination of the inputs, as before, but then we pass this through a logistics function is called logistic regression due to its similarity to linear regression (</a:t>
+            </a:r>
+            <a:r>
+              <a:rPr lang="en-GB" dirty="0">
+                <a:solidFill>
+                  <a:srgbClr val="FF0000"/>
+                </a:solidFill>
+                <a:effectLst/>
+              </a:rPr>
+              <a:t>although it is a form of classification, not regression</a:t>
+            </a:r>
+            <a:r>
+              <a:rPr lang="en-GB" dirty="0">
+                <a:effectLst/>
+              </a:rPr>
+              <a:t>!).</a:t>
             </a:r>
           </a:p>
           <a:p>
@@ -11712,7 +11080,7 @@
           <p:cNvPr id="4" name="Slide Number Placeholder 3">
             <a:extLst>
               <a:ext uri="{FF2B5EF4-FFF2-40B4-BE49-F238E27FC236}">
-                <a16:creationId xmlns:a16="http://schemas.microsoft.com/office/drawing/2014/main" id="{66ABDA3D-4221-05D9-384B-2701EF44B4EA}"/>
+                <a16:creationId xmlns:a16="http://schemas.microsoft.com/office/drawing/2014/main" id="{A4FA4787-30AD-F45B-5986-A68F207B97F3}"/>
               </a:ext>
             </a:extLst>
           </p:cNvPr>
@@ -11737,10 +11105,46 @@
           </a:p>
         </p:txBody>
       </p:sp>
+      <p:pic>
+        <p:nvPicPr>
+          <p:cNvPr id="7" name="Picture 6" descr="Chart, histogram, rectangle&#10;&#10;Description automatically generated">
+            <a:extLst>
+              <a:ext uri="{FF2B5EF4-FFF2-40B4-BE49-F238E27FC236}">
+                <a16:creationId xmlns:a16="http://schemas.microsoft.com/office/drawing/2014/main" id="{7D7F34D0-5C23-A25E-A762-989AA8A60688}"/>
+              </a:ext>
+            </a:extLst>
+          </p:cNvPr>
+          <p:cNvPicPr>
+            <a:picLocks noChangeAspect="1"/>
+          </p:cNvPicPr>
+          <p:nvPr/>
+        </p:nvPicPr>
+        <p:blipFill>
+          <a:blip r:embed="rId2">
+            <a:extLst>
+              <a:ext uri="{28A0092B-C50C-407E-A947-70E740481C1C}">
+                <a14:useLocalDpi xmlns:a14="http://schemas.microsoft.com/office/drawing/2010/main" val="0"/>
+              </a:ext>
+            </a:extLst>
+          </a:blip>
+          <a:stretch>
+            <a:fillRect/>
+          </a:stretch>
+        </p:blipFill>
+        <p:spPr>
+          <a:xfrm>
+            <a:off x="2627784" y="2492550"/>
+            <a:ext cx="3717776" cy="2765383"/>
+          </a:xfrm>
+          <a:prstGeom prst="rect">
+            <a:avLst/>
+          </a:prstGeom>
+        </p:spPr>
+      </p:pic>
     </p:spTree>
     <p:extLst>
       <p:ext uri="{BB962C8B-B14F-4D97-AF65-F5344CB8AC3E}">
-        <p14:creationId xmlns:p14="http://schemas.microsoft.com/office/powerpoint/2010/main" val="3229577721"/>
+        <p14:creationId xmlns:p14="http://schemas.microsoft.com/office/powerpoint/2010/main" val="3937787042"/>
       </p:ext>
     </p:extLst>
   </p:cSld>
@@ -11860,7 +11264,7 @@
           <p:cNvPr id="2" name="Title 1">
             <a:extLst>
               <a:ext uri="{FF2B5EF4-FFF2-40B4-BE49-F238E27FC236}">
-                <a16:creationId xmlns:a16="http://schemas.microsoft.com/office/drawing/2014/main" id="{A4A6F96B-D94A-991A-1DEA-4C744C690965}"/>
+                <a16:creationId xmlns:a16="http://schemas.microsoft.com/office/drawing/2014/main" id="{9A7DA4B1-C304-B786-790A-517346F1E0D4}"/>
               </a:ext>
             </a:extLst>
           </p:cNvPr>
@@ -11878,17 +11282,139 @@
           <a:p>
             <a:r>
               <a:rPr lang="en-US" dirty="0"/>
-              <a:t>Linear regression in Python</a:t>
-            </a:r>
-          </a:p>
-        </p:txBody>
-      </p:sp>
-      <p:sp>
-        <p:nvSpPr>
-          <p:cNvPr id="3" name="Slide Number Placeholder 2">
-            <a:extLst>
-              <a:ext uri="{FF2B5EF4-FFF2-40B4-BE49-F238E27FC236}">
-                <a16:creationId xmlns:a16="http://schemas.microsoft.com/office/drawing/2014/main" id="{AE8D9B19-5916-990A-44ED-CAA0B3C22223}"/>
+              <a:t>Decision boundary</a:t>
+            </a:r>
+          </a:p>
+        </p:txBody>
+      </p:sp>
+      <mc:AlternateContent xmlns:mc="http://schemas.openxmlformats.org/markup-compatibility/2006">
+        <mc:Choice xmlns:a14="http://schemas.microsoft.com/office/drawing/2010/main" Requires="a14">
+          <p:sp>
+            <p:nvSpPr>
+              <p:cNvPr id="3" name="Content Placeholder 2">
+                <a:extLst>
+                  <a:ext uri="{FF2B5EF4-FFF2-40B4-BE49-F238E27FC236}">
+                    <a16:creationId xmlns:a16="http://schemas.microsoft.com/office/drawing/2014/main" id="{F28AEE32-4024-9C15-05BF-8B288681D24F}"/>
+                  </a:ext>
+                </a:extLst>
+              </p:cNvPr>
+              <p:cNvSpPr>
+                <a:spLocks noGrp="1"/>
+              </p:cNvSpPr>
+              <p:nvPr>
+                <p:ph idx="1"/>
+              </p:nvPr>
+            </p:nvSpPr>
+            <p:spPr/>
+            <p:txBody>
+              <a:bodyPr/>
+              <a:lstStyle/>
+              <a:p>
+                <a:r>
+                  <a:rPr lang="en-GB" dirty="0">
+                    <a:effectLst/>
+                  </a:rPr>
+                  <a:t>We can imagine drawing a vertical line at </a:t>
+                </a:r>
+                <a14:m>
+                  <m:oMath xmlns:m="http://schemas.openxmlformats.org/officeDocument/2006/math">
+                    <m:r>
+                      <a:rPr lang="en-GB" i="1" dirty="0" smtClean="0">
+                        <a:effectLst/>
+                        <a:latin typeface="Cambria Math" panose="02040503050406030204" pitchFamily="18" charset="0"/>
+                      </a:rPr>
+                      <m:t>𝑥</m:t>
+                    </m:r>
+                    <m:r>
+                      <a:rPr lang="en-GB" i="1" dirty="0" smtClean="0">
+                        <a:effectLst/>
+                        <a:latin typeface="Cambria Math" panose="02040503050406030204" pitchFamily="18" charset="0"/>
+                      </a:rPr>
+                      <m:t> = </m:t>
+                    </m:r>
+                    <m:r>
+                      <a:rPr lang="en-GB" i="1" dirty="0" smtClean="0">
+                        <a:effectLst/>
+                        <a:latin typeface="Cambria Math" panose="02040503050406030204" pitchFamily="18" charset="0"/>
+                      </a:rPr>
+                      <m:t>𝑥</m:t>
+                    </m:r>
+                    <m:r>
+                      <a:rPr lang="en-GB" b="0" i="1" baseline="30000" dirty="0" smtClean="0">
+                        <a:effectLst/>
+                        <a:latin typeface="Cambria Math" panose="02040503050406030204" pitchFamily="18" charset="0"/>
+                      </a:rPr>
+                      <m:t>∗</m:t>
+                    </m:r>
+                  </m:oMath>
+                </a14:m>
+                <a:r>
+                  <a:rPr lang="en-GB" dirty="0">
+                    <a:effectLst/>
+                  </a:rPr>
+                  <a:t>; this is known as a  decision boundary. </a:t>
+                </a:r>
+              </a:p>
+              <a:p>
+                <a:r>
+                  <a:rPr lang="en-GB" dirty="0">
+                    <a:effectLst/>
+                  </a:rPr>
+                  <a:t>Everything to the left of this line is classified as a 0, and everything to the right of the line is classified as a 1.</a:t>
+                </a:r>
+              </a:p>
+              <a:p>
+                <a:endParaRPr lang="en-US" dirty="0"/>
+              </a:p>
+            </p:txBody>
+          </p:sp>
+        </mc:Choice>
+        <mc:Fallback>
+          <p:sp>
+            <p:nvSpPr>
+              <p:cNvPr id="3" name="Content Placeholder 2">
+                <a:extLst>
+                  <a:ext uri="{FF2B5EF4-FFF2-40B4-BE49-F238E27FC236}">
+                    <a16:creationId xmlns:a16="http://schemas.microsoft.com/office/drawing/2014/main" id="{F28AEE32-4024-9C15-05BF-8B288681D24F}"/>
+                  </a:ext>
+                </a:extLst>
+              </p:cNvPr>
+              <p:cNvSpPr>
+                <a:spLocks noGrp="1" noRot="1" noChangeAspect="1" noMove="1" noResize="1" noEditPoints="1" noAdjustHandles="1" noChangeArrowheads="1" noChangeShapeType="1" noTextEdit="1"/>
+              </p:cNvSpPr>
+              <p:nvPr>
+                <p:ph idx="1"/>
+              </p:nvPr>
+            </p:nvSpPr>
+            <p:spPr>
+              <a:blipFill>
+                <a:blip r:embed="rId2"/>
+                <a:stretch>
+                  <a:fillRect l="-772" t="-1223"/>
+                </a:stretch>
+              </a:blipFill>
+            </p:spPr>
+            <p:txBody>
+              <a:bodyPr/>
+              <a:lstStyle/>
+              <a:p>
+                <a:r>
+                  <a:rPr lang="en-GB">
+                    <a:noFill/>
+                  </a:rPr>
+                  <a:t> </a:t>
+                </a:r>
+              </a:p>
+            </p:txBody>
+          </p:sp>
+        </mc:Fallback>
+      </mc:AlternateContent>
+      <p:sp>
+        <p:nvSpPr>
+          <p:cNvPr id="4" name="Slide Number Placeholder 3">
+            <a:extLst>
+              <a:ext uri="{FF2B5EF4-FFF2-40B4-BE49-F238E27FC236}">
+                <a16:creationId xmlns:a16="http://schemas.microsoft.com/office/drawing/2014/main" id="{C9FF1F8F-7032-BCB0-EA45-5368E53AEE65}"/>
               </a:ext>
             </a:extLst>
           </p:cNvPr>
@@ -11904,7 +11430,7 @@
           <a:bodyPr/>
           <a:lstStyle/>
           <a:p>
-            <a:fld id="{BB98F552-A29D-2D4E-8192-F20670493719}" type="slidenum">
+            <a:fld id="{44E22EE9-B8A0-0641-9265-052CFE9B95A7}" type="slidenum">
               <a:rPr lang="en-GB" altLang="en-US" smtClean="0"/>
               <a:pPr/>
               <a:t>30</a:t>
@@ -11915,10 +11441,10 @@
       </p:sp>
       <p:pic>
         <p:nvPicPr>
-          <p:cNvPr id="5" name="Picture 4" descr="Text&#10;&#10;Description automatically generated">
-            <a:extLst>
-              <a:ext uri="{FF2B5EF4-FFF2-40B4-BE49-F238E27FC236}">
-                <a16:creationId xmlns:a16="http://schemas.microsoft.com/office/drawing/2014/main" id="{C9A8C307-D3B3-0B06-2E47-5DF9A447BE6B}"/>
+          <p:cNvPr id="5" name="Picture 4" descr="Chart, histogram, rectangle&#10;&#10;Description automatically generated">
+            <a:extLst>
+              <a:ext uri="{FF2B5EF4-FFF2-40B4-BE49-F238E27FC236}">
+                <a16:creationId xmlns:a16="http://schemas.microsoft.com/office/drawing/2014/main" id="{D3085FA8-9BE4-098F-A6A6-70C7EB39AB51}"/>
               </a:ext>
             </a:extLst>
           </p:cNvPr>
@@ -11928,838 +11454,7 @@
           <p:nvPr/>
         </p:nvPicPr>
         <p:blipFill>
-          <a:blip r:embed="rId2">
-            <a:extLst>
-              <a:ext uri="{28A0092B-C50C-407E-A947-70E740481C1C}">
-                <a14:useLocalDpi xmlns:a14="http://schemas.microsoft.com/office/drawing/2010/main" val="0"/>
-              </a:ext>
-            </a:extLst>
-          </a:blip>
-          <a:stretch>
-            <a:fillRect/>
-          </a:stretch>
-        </p:blipFill>
-        <p:spPr>
-          <a:xfrm>
-            <a:off x="827584" y="1241954"/>
-            <a:ext cx="6080154" cy="3410818"/>
-          </a:xfrm>
-          <a:prstGeom prst="rect">
-            <a:avLst/>
-          </a:prstGeom>
-        </p:spPr>
-      </p:pic>
-      <p:sp>
-        <p:nvSpPr>
-          <p:cNvPr id="6" name="TextBox 5">
-            <a:extLst>
-              <a:ext uri="{FF2B5EF4-FFF2-40B4-BE49-F238E27FC236}">
-                <a16:creationId xmlns:a16="http://schemas.microsoft.com/office/drawing/2014/main" id="{428BA21D-2048-BC3E-EE77-0E7001446AB1}"/>
-              </a:ext>
-            </a:extLst>
-          </p:cNvPr>
-          <p:cNvSpPr txBox="1"/>
-          <p:nvPr/>
-        </p:nvSpPr>
-        <p:spPr>
-          <a:xfrm>
-            <a:off x="611560" y="5318126"/>
-            <a:ext cx="1271502" cy="246221"/>
-          </a:xfrm>
-          <a:prstGeom prst="rect">
-            <a:avLst/>
-          </a:prstGeom>
-          <a:noFill/>
-        </p:spPr>
-        <p:txBody>
-          <a:bodyPr wrap="none" rtlCol="0">
-            <a:spAutoFit/>
-          </a:bodyPr>
-          <a:lstStyle/>
-          <a:p>
-            <a:r>
-              <a:rPr lang="en-US" sz="1000" dirty="0"/>
-              <a:t>Source: scikit-learn</a:t>
-            </a:r>
-          </a:p>
-        </p:txBody>
-      </p:sp>
-    </p:spTree>
-    <p:extLst>
-      <p:ext uri="{BB962C8B-B14F-4D97-AF65-F5344CB8AC3E}">
-        <p14:creationId xmlns:p14="http://schemas.microsoft.com/office/powerpoint/2010/main" val="3096639005"/>
-      </p:ext>
-    </p:extLst>
-  </p:cSld>
-  <p:clrMapOvr>
-    <a:masterClrMapping/>
-  </p:clrMapOvr>
-</p:sld>
-</file>
-
-<file path=ppt/slides/slide31.xml><?xml version="1.0" encoding="utf-8"?>
-<p:sld xmlns:a="http://schemas.openxmlformats.org/drawingml/2006/main" xmlns:r="http://schemas.openxmlformats.org/officeDocument/2006/relationships" xmlns:p="http://schemas.openxmlformats.org/presentationml/2006/main">
-  <p:cSld>
-    <p:spTree>
-      <p:nvGrpSpPr>
-        <p:cNvPr id="1" name=""/>
-        <p:cNvGrpSpPr/>
-        <p:nvPr/>
-      </p:nvGrpSpPr>
-      <p:grpSpPr>
-        <a:xfrm>
-          <a:off x="0" y="0"/>
-          <a:ext cx="0" cy="0"/>
-          <a:chOff x="0" y="0"/>
-          <a:chExt cx="0" cy="0"/>
-        </a:xfrm>
-      </p:grpSpPr>
-      <p:sp>
-        <p:nvSpPr>
-          <p:cNvPr id="2" name="Title 1">
-            <a:extLst>
-              <a:ext uri="{FF2B5EF4-FFF2-40B4-BE49-F238E27FC236}">
-                <a16:creationId xmlns:a16="http://schemas.microsoft.com/office/drawing/2014/main" id="{0B79F152-01FF-8DE5-27C1-63ACD18681C9}"/>
-              </a:ext>
-            </a:extLst>
-          </p:cNvPr>
-          <p:cNvSpPr>
-            <a:spLocks noGrp="1"/>
-          </p:cNvSpPr>
-          <p:nvPr>
-            <p:ph type="title"/>
-          </p:nvPr>
-        </p:nvSpPr>
-        <p:spPr/>
-        <p:txBody>
-          <a:bodyPr/>
-          <a:lstStyle/>
-          <a:p>
-            <a:r>
-              <a:rPr lang="en-US" dirty="0"/>
-              <a:t>Logistic regression</a:t>
-            </a:r>
-          </a:p>
-        </p:txBody>
-      </p:sp>
-      <p:sp>
-        <p:nvSpPr>
-          <p:cNvPr id="3" name="Content Placeholder 2">
-            <a:extLst>
-              <a:ext uri="{FF2B5EF4-FFF2-40B4-BE49-F238E27FC236}">
-                <a16:creationId xmlns:a16="http://schemas.microsoft.com/office/drawing/2014/main" id="{8BF36EB2-799C-F14D-9533-C2FA317FCB09}"/>
-              </a:ext>
-            </a:extLst>
-          </p:cNvPr>
-          <p:cNvSpPr>
-            <a:spLocks noGrp="1"/>
-          </p:cNvSpPr>
-          <p:nvPr>
-            <p:ph idx="1"/>
-          </p:nvPr>
-        </p:nvSpPr>
-        <p:spPr/>
-        <p:txBody>
-          <a:bodyPr/>
-          <a:lstStyle/>
-          <a:p>
-            <a:r>
-              <a:rPr lang="en-GB" dirty="0">
-                <a:effectLst/>
-              </a:rPr>
-              <a:t>We can generalise linear regression to the (binary) classification setting by making some changes.</a:t>
-            </a:r>
-          </a:p>
-          <a:p>
-            <a:endParaRPr lang="en-GB" dirty="0"/>
-          </a:p>
-          <a:p>
-            <a:r>
-              <a:rPr lang="en-GB" dirty="0">
-                <a:effectLst/>
-              </a:rPr>
-              <a:t>We compute a linear combination of the inputs, as before, but then we pass this through a function that ensures 0 ≤ </a:t>
-            </a:r>
-            <a:r>
-              <a:rPr lang="el-GR" dirty="0">
-                <a:effectLst/>
-                <a:latin typeface="Helvetica" pitchFamily="2" charset="0"/>
-              </a:rPr>
-              <a:t>μ(</a:t>
-            </a:r>
-            <a:r>
-              <a:rPr lang="en-GB" dirty="0">
-                <a:effectLst/>
-              </a:rPr>
-              <a:t>x) ≤ 1 by defining:</a:t>
-            </a:r>
-          </a:p>
-          <a:p>
-            <a:endParaRPr lang="en-GB" dirty="0">
-              <a:effectLst/>
-            </a:endParaRPr>
-          </a:p>
-          <a:p>
-            <a:endParaRPr lang="en-US" dirty="0"/>
-          </a:p>
-        </p:txBody>
-      </p:sp>
-      <p:sp>
-        <p:nvSpPr>
-          <p:cNvPr id="4" name="Slide Number Placeholder 3">
-            <a:extLst>
-              <a:ext uri="{FF2B5EF4-FFF2-40B4-BE49-F238E27FC236}">
-                <a16:creationId xmlns:a16="http://schemas.microsoft.com/office/drawing/2014/main" id="{6B4945E4-CDEE-62AC-D447-72EDC493D2A7}"/>
-              </a:ext>
-            </a:extLst>
-          </p:cNvPr>
-          <p:cNvSpPr>
-            <a:spLocks noGrp="1"/>
-          </p:cNvSpPr>
-          <p:nvPr>
-            <p:ph type="sldNum" sz="quarter" idx="12"/>
-          </p:nvPr>
-        </p:nvSpPr>
-        <p:spPr/>
-        <p:txBody>
-          <a:bodyPr/>
-          <a:lstStyle/>
-          <a:p>
-            <a:fld id="{44E22EE9-B8A0-0641-9265-052CFE9B95A7}" type="slidenum">
-              <a:rPr lang="en-GB" altLang="en-US" smtClean="0"/>
-              <a:pPr/>
-              <a:t>31</a:t>
-            </a:fld>
-            <a:endParaRPr lang="en-GB" altLang="en-US"/>
-          </a:p>
-        </p:txBody>
-      </p:sp>
-      <p:pic>
-        <p:nvPicPr>
-          <p:cNvPr id="8" name="Picture 7" descr="Logo&#10;&#10;Description automatically generated with low confidence">
-            <a:extLst>
-              <a:ext uri="{FF2B5EF4-FFF2-40B4-BE49-F238E27FC236}">
-                <a16:creationId xmlns:a16="http://schemas.microsoft.com/office/drawing/2014/main" id="{6E74637A-7BBF-DEC2-A49D-58ECE6F745AA}"/>
-              </a:ext>
-            </a:extLst>
-          </p:cNvPr>
-          <p:cNvPicPr>
-            <a:picLocks noChangeAspect="1"/>
-          </p:cNvPicPr>
-          <p:nvPr/>
-        </p:nvPicPr>
-        <p:blipFill>
-          <a:blip r:embed="rId2">
-            <a:extLst>
-              <a:ext uri="{28A0092B-C50C-407E-A947-70E740481C1C}">
-                <a14:useLocalDpi xmlns:a14="http://schemas.microsoft.com/office/drawing/2010/main" val="0"/>
-              </a:ext>
-            </a:extLst>
-          </a:blip>
-          <a:stretch>
-            <a:fillRect/>
-          </a:stretch>
-        </p:blipFill>
-        <p:spPr>
-          <a:xfrm>
-            <a:off x="2637294" y="3217540"/>
-            <a:ext cx="2966730" cy="648072"/>
-          </a:xfrm>
-          <a:prstGeom prst="rect">
-            <a:avLst/>
-          </a:prstGeom>
-        </p:spPr>
-      </p:pic>
-    </p:spTree>
-    <p:extLst>
-      <p:ext uri="{BB962C8B-B14F-4D97-AF65-F5344CB8AC3E}">
-        <p14:creationId xmlns:p14="http://schemas.microsoft.com/office/powerpoint/2010/main" val="2219624383"/>
-      </p:ext>
-    </p:extLst>
-  </p:cSld>
-  <p:clrMapOvr>
-    <a:masterClrMapping/>
-  </p:clrMapOvr>
-</p:sld>
-</file>
-
-<file path=ppt/slides/slide32.xml><?xml version="1.0" encoding="utf-8"?>
-<p:sld xmlns:a="http://schemas.openxmlformats.org/drawingml/2006/main" xmlns:r="http://schemas.openxmlformats.org/officeDocument/2006/relationships" xmlns:p="http://schemas.openxmlformats.org/presentationml/2006/main">
-  <p:cSld>
-    <p:spTree>
-      <p:nvGrpSpPr>
-        <p:cNvPr id="1" name=""/>
-        <p:cNvGrpSpPr/>
-        <p:nvPr/>
-      </p:nvGrpSpPr>
-      <p:grpSpPr>
-        <a:xfrm>
-          <a:off x="0" y="0"/>
-          <a:ext cx="0" cy="0"/>
-          <a:chOff x="0" y="0"/>
-          <a:chExt cx="0" cy="0"/>
-        </a:xfrm>
-      </p:grpSpPr>
-      <p:sp>
-        <p:nvSpPr>
-          <p:cNvPr id="2" name="Title 1">
-            <a:extLst>
-              <a:ext uri="{FF2B5EF4-FFF2-40B4-BE49-F238E27FC236}">
-                <a16:creationId xmlns:a16="http://schemas.microsoft.com/office/drawing/2014/main" id="{757E539D-FA56-7EDE-C99E-A01C128D82F6}"/>
-              </a:ext>
-            </a:extLst>
-          </p:cNvPr>
-          <p:cNvSpPr>
-            <a:spLocks noGrp="1"/>
-          </p:cNvSpPr>
-          <p:nvPr>
-            <p:ph type="title"/>
-          </p:nvPr>
-        </p:nvSpPr>
-        <p:spPr/>
-        <p:txBody>
-          <a:bodyPr/>
-          <a:lstStyle/>
-          <a:p>
-            <a:r>
-              <a:rPr lang="en-US" dirty="0"/>
-              <a:t>The Sigmoid function</a:t>
-            </a:r>
-          </a:p>
-        </p:txBody>
-      </p:sp>
-      <p:sp>
-        <p:nvSpPr>
-          <p:cNvPr id="3" name="Content Placeholder 2">
-            <a:extLst>
-              <a:ext uri="{FF2B5EF4-FFF2-40B4-BE49-F238E27FC236}">
-                <a16:creationId xmlns:a16="http://schemas.microsoft.com/office/drawing/2014/main" id="{1AC93DCB-816B-BACC-6A92-C528C243219A}"/>
-              </a:ext>
-            </a:extLst>
-          </p:cNvPr>
-          <p:cNvSpPr>
-            <a:spLocks noGrp="1"/>
-          </p:cNvSpPr>
-          <p:nvPr>
-            <p:ph idx="1"/>
-          </p:nvPr>
-        </p:nvSpPr>
-        <p:spPr/>
-        <p:txBody>
-          <a:bodyPr/>
-          <a:lstStyle/>
-          <a:p>
-            <a:r>
-              <a:rPr lang="en-GB" dirty="0">
-                <a:effectLst/>
-              </a:rPr>
-              <a:t>where </a:t>
-            </a:r>
-            <a:r>
-              <a:rPr lang="en-GB" dirty="0" err="1">
-                <a:effectLst/>
-              </a:rPr>
-              <a:t>sigm</a:t>
-            </a:r>
-            <a:r>
-              <a:rPr lang="en-GB" dirty="0">
-                <a:effectLst/>
-              </a:rPr>
-              <a:t>(</a:t>
-            </a:r>
-            <a:r>
-              <a:rPr lang="el-GR" dirty="0">
-                <a:effectLst/>
-                <a:latin typeface="Helvetica" pitchFamily="2" charset="0"/>
-              </a:rPr>
-              <a:t>η) </a:t>
-            </a:r>
-            <a:r>
-              <a:rPr lang="en-GB" dirty="0">
-                <a:effectLst/>
-              </a:rPr>
-              <a:t>refers to the sigmoid function, also known as the </a:t>
-            </a:r>
-            <a:r>
-              <a:rPr lang="en-GB" i="1" dirty="0">
-                <a:effectLst/>
-              </a:rPr>
-              <a:t>logistic</a:t>
-            </a:r>
-            <a:r>
-              <a:rPr lang="en-GB" dirty="0">
-                <a:effectLst/>
-              </a:rPr>
-              <a:t> or </a:t>
-            </a:r>
-            <a:r>
-              <a:rPr lang="en-GB" i="1" dirty="0">
-                <a:effectLst/>
-              </a:rPr>
-              <a:t>logit</a:t>
-            </a:r>
-            <a:r>
-              <a:rPr lang="en-GB" dirty="0">
-                <a:effectLst/>
-              </a:rPr>
-              <a:t> function.</a:t>
-            </a:r>
-          </a:p>
-          <a:p>
-            <a:r>
-              <a:rPr lang="en-GB" dirty="0">
-                <a:effectLst/>
-              </a:rPr>
-              <a:t>This is defined as</a:t>
-            </a:r>
-          </a:p>
-          <a:p>
-            <a:endParaRPr lang="en-GB" dirty="0"/>
-          </a:p>
-          <a:p>
-            <a:endParaRPr lang="en-GB" dirty="0">
-              <a:effectLst/>
-            </a:endParaRPr>
-          </a:p>
-          <a:p>
-            <a:endParaRPr lang="en-GB" dirty="0"/>
-          </a:p>
-          <a:p>
-            <a:endParaRPr lang="en-GB" dirty="0">
-              <a:effectLst/>
-            </a:endParaRPr>
-          </a:p>
-          <a:p>
-            <a:r>
-              <a:rPr lang="en-GB" dirty="0">
-                <a:effectLst/>
-              </a:rPr>
-              <a:t>The term “sigmoid” means S-shaped for a plot. </a:t>
-            </a:r>
-          </a:p>
-          <a:p>
-            <a:r>
-              <a:rPr lang="en-GB" dirty="0">
-                <a:effectLst/>
-              </a:rPr>
-              <a:t>It is also known as a squashing function, since it maps the whole real line to [0, 1].</a:t>
-            </a:r>
-          </a:p>
-          <a:p>
-            <a:endParaRPr lang="en-GB" dirty="0">
-              <a:effectLst/>
-            </a:endParaRPr>
-          </a:p>
-          <a:p>
-            <a:endParaRPr lang="en-US" dirty="0"/>
-          </a:p>
-        </p:txBody>
-      </p:sp>
-      <p:sp>
-        <p:nvSpPr>
-          <p:cNvPr id="4" name="Slide Number Placeholder 3">
-            <a:extLst>
-              <a:ext uri="{FF2B5EF4-FFF2-40B4-BE49-F238E27FC236}">
-                <a16:creationId xmlns:a16="http://schemas.microsoft.com/office/drawing/2014/main" id="{9946D7DC-9310-839F-5948-8BA8DCD207EF}"/>
-              </a:ext>
-            </a:extLst>
-          </p:cNvPr>
-          <p:cNvSpPr>
-            <a:spLocks noGrp="1"/>
-          </p:cNvSpPr>
-          <p:nvPr>
-            <p:ph type="sldNum" sz="quarter" idx="12"/>
-          </p:nvPr>
-        </p:nvSpPr>
-        <p:spPr/>
-        <p:txBody>
-          <a:bodyPr/>
-          <a:lstStyle/>
-          <a:p>
-            <a:fld id="{44E22EE9-B8A0-0641-9265-052CFE9B95A7}" type="slidenum">
-              <a:rPr lang="en-GB" altLang="en-US" smtClean="0"/>
-              <a:pPr/>
-              <a:t>32</a:t>
-            </a:fld>
-            <a:endParaRPr lang="en-GB" altLang="en-US"/>
-          </a:p>
-        </p:txBody>
-      </p:sp>
-      <p:pic>
-        <p:nvPicPr>
-          <p:cNvPr id="6" name="Picture 5" descr="Chart, box and whisker chart&#10;&#10;Description automatically generated">
-            <a:extLst>
-              <a:ext uri="{FF2B5EF4-FFF2-40B4-BE49-F238E27FC236}">
-                <a16:creationId xmlns:a16="http://schemas.microsoft.com/office/drawing/2014/main" id="{61C43AFA-D551-9D55-A25A-CD1BF135E6D0}"/>
-              </a:ext>
-            </a:extLst>
-          </p:cNvPr>
-          <p:cNvPicPr>
-            <a:picLocks noChangeAspect="1"/>
-          </p:cNvPicPr>
-          <p:nvPr/>
-        </p:nvPicPr>
-        <p:blipFill>
-          <a:blip r:embed="rId2">
-            <a:extLst>
-              <a:ext uri="{28A0092B-C50C-407E-A947-70E740481C1C}">
-                <a14:useLocalDpi xmlns:a14="http://schemas.microsoft.com/office/drawing/2010/main" val="0"/>
-              </a:ext>
-            </a:extLst>
-          </a:blip>
-          <a:stretch>
-            <a:fillRect/>
-          </a:stretch>
-        </p:blipFill>
-        <p:spPr>
-          <a:xfrm>
-            <a:off x="1547663" y="2457450"/>
-            <a:ext cx="5035509" cy="976114"/>
-          </a:xfrm>
-          <a:prstGeom prst="rect">
-            <a:avLst/>
-          </a:prstGeom>
-        </p:spPr>
-      </p:pic>
-    </p:spTree>
-    <p:extLst>
-      <p:ext uri="{BB962C8B-B14F-4D97-AF65-F5344CB8AC3E}">
-        <p14:creationId xmlns:p14="http://schemas.microsoft.com/office/powerpoint/2010/main" val="3137900834"/>
-      </p:ext>
-    </p:extLst>
-  </p:cSld>
-  <p:clrMapOvr>
-    <a:masterClrMapping/>
-  </p:clrMapOvr>
-</p:sld>
-</file>
-
-<file path=ppt/slides/slide33.xml><?xml version="1.0" encoding="utf-8"?>
-<p:sld xmlns:a="http://schemas.openxmlformats.org/drawingml/2006/main" xmlns:r="http://schemas.openxmlformats.org/officeDocument/2006/relationships" xmlns:p="http://schemas.openxmlformats.org/presentationml/2006/main">
-  <p:cSld>
-    <p:spTree>
-      <p:nvGrpSpPr>
-        <p:cNvPr id="1" name=""/>
-        <p:cNvGrpSpPr/>
-        <p:nvPr/>
-      </p:nvGrpSpPr>
-      <p:grpSpPr>
-        <a:xfrm>
-          <a:off x="0" y="0"/>
-          <a:ext cx="0" cy="0"/>
-          <a:chOff x="0" y="0"/>
-          <a:chExt cx="0" cy="0"/>
-        </a:xfrm>
-      </p:grpSpPr>
-      <p:sp>
-        <p:nvSpPr>
-          <p:cNvPr id="2" name="Title 1">
-            <a:extLst>
-              <a:ext uri="{FF2B5EF4-FFF2-40B4-BE49-F238E27FC236}">
-                <a16:creationId xmlns:a16="http://schemas.microsoft.com/office/drawing/2014/main" id="{8A332134-9BCB-0854-3561-40483D5A537A}"/>
-              </a:ext>
-            </a:extLst>
-          </p:cNvPr>
-          <p:cNvSpPr>
-            <a:spLocks noGrp="1"/>
-          </p:cNvSpPr>
-          <p:nvPr>
-            <p:ph type="title"/>
-          </p:nvPr>
-        </p:nvSpPr>
-        <p:spPr/>
-        <p:txBody>
-          <a:bodyPr/>
-          <a:lstStyle/>
-          <a:p>
-            <a:r>
-              <a:rPr lang="en-US" dirty="0"/>
-              <a:t>Logistic regression</a:t>
-            </a:r>
-          </a:p>
-        </p:txBody>
-      </p:sp>
-      <p:sp>
-        <p:nvSpPr>
-          <p:cNvPr id="3" name="Content Placeholder 2">
-            <a:extLst>
-              <a:ext uri="{FF2B5EF4-FFF2-40B4-BE49-F238E27FC236}">
-                <a16:creationId xmlns:a16="http://schemas.microsoft.com/office/drawing/2014/main" id="{5ECAE4BA-0083-F430-8106-008F9912FFDF}"/>
-              </a:ext>
-            </a:extLst>
-          </p:cNvPr>
-          <p:cNvSpPr>
-            <a:spLocks noGrp="1"/>
-          </p:cNvSpPr>
-          <p:nvPr>
-            <p:ph idx="1"/>
-          </p:nvPr>
-        </p:nvSpPr>
-        <p:spPr/>
-        <p:txBody>
-          <a:bodyPr/>
-          <a:lstStyle/>
-          <a:p>
-            <a:r>
-              <a:rPr lang="en-GB" dirty="0">
-                <a:effectLst/>
-              </a:rPr>
-              <a:t>The process of applyin</a:t>
-            </a:r>
-            <a:r>
-              <a:rPr lang="en-GB" dirty="0"/>
-              <a:t>g </a:t>
-            </a:r>
-            <a:r>
-              <a:rPr lang="en-GB" dirty="0">
-                <a:effectLst/>
-              </a:rPr>
-              <a:t>linear combination of the inputs, as before, but then we pass this through a logistics function is called logistic regression due to its similarity to linear regression (</a:t>
-            </a:r>
-            <a:r>
-              <a:rPr lang="en-GB" dirty="0">
-                <a:solidFill>
-                  <a:srgbClr val="FF0000"/>
-                </a:solidFill>
-                <a:effectLst/>
-              </a:rPr>
-              <a:t>although it is a form of classification, not regression</a:t>
-            </a:r>
-            <a:r>
-              <a:rPr lang="en-GB" dirty="0">
-                <a:effectLst/>
-              </a:rPr>
-              <a:t>!).</a:t>
-            </a:r>
-          </a:p>
-          <a:p>
-            <a:endParaRPr lang="en-US" dirty="0"/>
-          </a:p>
-        </p:txBody>
-      </p:sp>
-      <p:sp>
-        <p:nvSpPr>
-          <p:cNvPr id="4" name="Slide Number Placeholder 3">
-            <a:extLst>
-              <a:ext uri="{FF2B5EF4-FFF2-40B4-BE49-F238E27FC236}">
-                <a16:creationId xmlns:a16="http://schemas.microsoft.com/office/drawing/2014/main" id="{A4FA4787-30AD-F45B-5986-A68F207B97F3}"/>
-              </a:ext>
-            </a:extLst>
-          </p:cNvPr>
-          <p:cNvSpPr>
-            <a:spLocks noGrp="1"/>
-          </p:cNvSpPr>
-          <p:nvPr>
-            <p:ph type="sldNum" sz="quarter" idx="12"/>
-          </p:nvPr>
-        </p:nvSpPr>
-        <p:spPr/>
-        <p:txBody>
-          <a:bodyPr/>
-          <a:lstStyle/>
-          <a:p>
-            <a:fld id="{44E22EE9-B8A0-0641-9265-052CFE9B95A7}" type="slidenum">
-              <a:rPr lang="en-GB" altLang="en-US" smtClean="0"/>
-              <a:pPr/>
-              <a:t>33</a:t>
-            </a:fld>
-            <a:endParaRPr lang="en-GB" altLang="en-US"/>
-          </a:p>
-        </p:txBody>
-      </p:sp>
-      <p:pic>
-        <p:nvPicPr>
-          <p:cNvPr id="7" name="Picture 6" descr="Chart, histogram, rectangle&#10;&#10;Description automatically generated">
-            <a:extLst>
-              <a:ext uri="{FF2B5EF4-FFF2-40B4-BE49-F238E27FC236}">
-                <a16:creationId xmlns:a16="http://schemas.microsoft.com/office/drawing/2014/main" id="{7D7F34D0-5C23-A25E-A762-989AA8A60688}"/>
-              </a:ext>
-            </a:extLst>
-          </p:cNvPr>
-          <p:cNvPicPr>
-            <a:picLocks noChangeAspect="1"/>
-          </p:cNvPicPr>
-          <p:nvPr/>
-        </p:nvPicPr>
-        <p:blipFill>
-          <a:blip r:embed="rId2">
-            <a:extLst>
-              <a:ext uri="{28A0092B-C50C-407E-A947-70E740481C1C}">
-                <a14:useLocalDpi xmlns:a14="http://schemas.microsoft.com/office/drawing/2010/main" val="0"/>
-              </a:ext>
-            </a:extLst>
-          </a:blip>
-          <a:stretch>
-            <a:fillRect/>
-          </a:stretch>
-        </p:blipFill>
-        <p:spPr>
-          <a:xfrm>
-            <a:off x="2627784" y="2492550"/>
-            <a:ext cx="3717776" cy="2765383"/>
-          </a:xfrm>
-          <a:prstGeom prst="rect">
-            <a:avLst/>
-          </a:prstGeom>
-        </p:spPr>
-      </p:pic>
-    </p:spTree>
-    <p:extLst>
-      <p:ext uri="{BB962C8B-B14F-4D97-AF65-F5344CB8AC3E}">
-        <p14:creationId xmlns:p14="http://schemas.microsoft.com/office/powerpoint/2010/main" val="3937787042"/>
-      </p:ext>
-    </p:extLst>
-  </p:cSld>
-  <p:clrMapOvr>
-    <a:masterClrMapping/>
-  </p:clrMapOvr>
-</p:sld>
-</file>
-
-<file path=ppt/slides/slide34.xml><?xml version="1.0" encoding="utf-8"?>
-<p:sld xmlns:a="http://schemas.openxmlformats.org/drawingml/2006/main" xmlns:r="http://schemas.openxmlformats.org/officeDocument/2006/relationships" xmlns:p="http://schemas.openxmlformats.org/presentationml/2006/main">
-  <p:cSld>
-    <p:spTree>
-      <p:nvGrpSpPr>
-        <p:cNvPr id="1" name=""/>
-        <p:cNvGrpSpPr/>
-        <p:nvPr/>
-      </p:nvGrpSpPr>
-      <p:grpSpPr>
-        <a:xfrm>
-          <a:off x="0" y="0"/>
-          <a:ext cx="0" cy="0"/>
-          <a:chOff x="0" y="0"/>
-          <a:chExt cx="0" cy="0"/>
-        </a:xfrm>
-      </p:grpSpPr>
-      <p:sp>
-        <p:nvSpPr>
-          <p:cNvPr id="2" name="Title 1">
-            <a:extLst>
-              <a:ext uri="{FF2B5EF4-FFF2-40B4-BE49-F238E27FC236}">
-                <a16:creationId xmlns:a16="http://schemas.microsoft.com/office/drawing/2014/main" id="{9A7DA4B1-C304-B786-790A-517346F1E0D4}"/>
-              </a:ext>
-            </a:extLst>
-          </p:cNvPr>
-          <p:cNvSpPr>
-            <a:spLocks noGrp="1"/>
-          </p:cNvSpPr>
-          <p:nvPr>
-            <p:ph type="title"/>
-          </p:nvPr>
-        </p:nvSpPr>
-        <p:spPr/>
-        <p:txBody>
-          <a:bodyPr/>
-          <a:lstStyle/>
-          <a:p>
-            <a:r>
-              <a:rPr lang="en-US" dirty="0"/>
-              <a:t>Decision boundary</a:t>
-            </a:r>
-          </a:p>
-        </p:txBody>
-      </p:sp>
-      <p:sp>
-        <p:nvSpPr>
-          <p:cNvPr id="3" name="Content Placeholder 2">
-            <a:extLst>
-              <a:ext uri="{FF2B5EF4-FFF2-40B4-BE49-F238E27FC236}">
-                <a16:creationId xmlns:a16="http://schemas.microsoft.com/office/drawing/2014/main" id="{F28AEE32-4024-9C15-05BF-8B288681D24F}"/>
-              </a:ext>
-            </a:extLst>
-          </p:cNvPr>
-          <p:cNvSpPr>
-            <a:spLocks noGrp="1"/>
-          </p:cNvSpPr>
-          <p:nvPr>
-            <p:ph idx="1"/>
-          </p:nvPr>
-        </p:nvSpPr>
-        <p:spPr/>
-        <p:txBody>
-          <a:bodyPr/>
-          <a:lstStyle/>
-          <a:p>
-            <a:r>
-              <a:rPr lang="en-GB" dirty="0">
-                <a:effectLst/>
-              </a:rPr>
-              <a:t>We can imagine drawing a vertical line at x = x</a:t>
-            </a:r>
-            <a:r>
-              <a:rPr lang="en-GB" sz="2400" baseline="30000" dirty="0">
-                <a:effectLst/>
-              </a:rPr>
-              <a:t>∗</a:t>
-            </a:r>
-            <a:r>
-              <a:rPr lang="en-GB" dirty="0">
-                <a:effectLst/>
-              </a:rPr>
-              <a:t>; this is known as a  decision boundary. </a:t>
-            </a:r>
-          </a:p>
-          <a:p>
-            <a:r>
-              <a:rPr lang="en-GB" dirty="0">
-                <a:effectLst/>
-              </a:rPr>
-              <a:t>Everything to the left of this line is classified as a 0, and everything to the right of the line is classified as a 1.</a:t>
-            </a:r>
-          </a:p>
-          <a:p>
-            <a:endParaRPr lang="en-US" dirty="0"/>
-          </a:p>
-        </p:txBody>
-      </p:sp>
-      <p:sp>
-        <p:nvSpPr>
-          <p:cNvPr id="4" name="Slide Number Placeholder 3">
-            <a:extLst>
-              <a:ext uri="{FF2B5EF4-FFF2-40B4-BE49-F238E27FC236}">
-                <a16:creationId xmlns:a16="http://schemas.microsoft.com/office/drawing/2014/main" id="{C9FF1F8F-7032-BCB0-EA45-5368E53AEE65}"/>
-              </a:ext>
-            </a:extLst>
-          </p:cNvPr>
-          <p:cNvSpPr>
-            <a:spLocks noGrp="1"/>
-          </p:cNvSpPr>
-          <p:nvPr>
-            <p:ph type="sldNum" sz="quarter" idx="12"/>
-          </p:nvPr>
-        </p:nvSpPr>
-        <p:spPr/>
-        <p:txBody>
-          <a:bodyPr/>
-          <a:lstStyle/>
-          <a:p>
-            <a:fld id="{44E22EE9-B8A0-0641-9265-052CFE9B95A7}" type="slidenum">
-              <a:rPr lang="en-GB" altLang="en-US" smtClean="0"/>
-              <a:pPr/>
-              <a:t>34</a:t>
-            </a:fld>
-            <a:endParaRPr lang="en-GB" altLang="en-US"/>
-          </a:p>
-        </p:txBody>
-      </p:sp>
-      <p:pic>
-        <p:nvPicPr>
-          <p:cNvPr id="5" name="Picture 4" descr="Chart, histogram, rectangle&#10;&#10;Description automatically generated">
-            <a:extLst>
-              <a:ext uri="{FF2B5EF4-FFF2-40B4-BE49-F238E27FC236}">
-                <a16:creationId xmlns:a16="http://schemas.microsoft.com/office/drawing/2014/main" id="{D3085FA8-9BE4-098F-A6A6-70C7EB39AB51}"/>
-              </a:ext>
-            </a:extLst>
-          </p:cNvPr>
-          <p:cNvPicPr>
-            <a:picLocks noChangeAspect="1"/>
-          </p:cNvPicPr>
-          <p:nvPr/>
-        </p:nvPicPr>
-        <p:blipFill>
-          <a:blip r:embed="rId2">
+          <a:blip r:embed="rId3">
             <a:extLst>
               <a:ext uri="{28A0092B-C50C-407E-A947-70E740481C1C}">
                 <a14:useLocalDpi xmlns:a14="http://schemas.microsoft.com/office/drawing/2010/main" val="0"/>
@@ -12793,7 +11488,7 @@
 </p:sld>
 </file>
 
-<file path=ppt/slides/slide35.xml><?xml version="1.0" encoding="utf-8"?>
+<file path=ppt/slides/slide31.xml><?xml version="1.0" encoding="utf-8"?>
 <p:sld xmlns:a="http://schemas.openxmlformats.org/drawingml/2006/main" xmlns:r="http://schemas.openxmlformats.org/officeDocument/2006/relationships" xmlns:p="http://schemas.openxmlformats.org/presentationml/2006/main">
   <p:cSld>
     <p:spTree>
@@ -12903,7 +11598,7 @@
             <a:fld id="{44E22EE9-B8A0-0641-9265-052CFE9B95A7}" type="slidenum">
               <a:rPr lang="en-GB" altLang="en-US" smtClean="0"/>
               <a:pPr/>
-              <a:t>35</a:t>
+              <a:t>31</a:t>
             </a:fld>
             <a:endParaRPr lang="en-GB" altLang="en-US"/>
           </a:p>
@@ -12958,7 +11653,7 @@
 </p:sld>
 </file>
 
-<file path=ppt/slides/slide36.xml><?xml version="1.0" encoding="utf-8"?>
+<file path=ppt/slides/slide32.xml><?xml version="1.0" encoding="utf-8"?>
 <p:sld xmlns:a="http://schemas.openxmlformats.org/drawingml/2006/main" xmlns:r="http://schemas.openxmlformats.org/officeDocument/2006/relationships" xmlns:p="http://schemas.openxmlformats.org/presentationml/2006/main">
   <p:cSld>
     <p:spTree>
@@ -12997,12 +11692,10 @@
           <a:lstStyle/>
           <a:p>
             <a:r>
-              <a:rPr lang="en-GB" sz="2000" dirty="0">
-                <a:effectLst/>
-              </a:rPr>
+              <a:rPr lang="en-GB" dirty="0"/>
               <a:t>Practical methodology</a:t>
             </a:r>
-            <a:endParaRPr lang="en-US" sz="2000" dirty="0"/>
+            <a:endParaRPr lang="en-US" dirty="0"/>
           </a:p>
         </p:txBody>
       </p:sp>
@@ -13044,7 +11737,7 @@
           <a:p>
             <a:r>
               <a:rPr lang="en-GB" dirty="0"/>
-              <a:t>The parametric models have a fixed set of parameters (e.g. k-means) </a:t>
+              <a:t>The parametric models have a fixed set of parameters (e.g., k-means) </a:t>
             </a:r>
           </a:p>
           <a:p>
@@ -13082,7 +11775,7 @@
             <a:fld id="{44E22EE9-B8A0-0641-9265-052CFE9B95A7}" type="slidenum">
               <a:rPr lang="en-GB" altLang="en-US" sz="2000" smtClean="0"/>
               <a:pPr/>
-              <a:t>36</a:t>
+              <a:t>32</a:t>
             </a:fld>
             <a:endParaRPr lang="en-GB" altLang="en-US" sz="2000"/>
           </a:p>
@@ -13101,7 +11794,7 @@
 </p:sld>
 </file>
 
-<file path=ppt/slides/slide37.xml><?xml version="1.0" encoding="utf-8"?>
+<file path=ppt/slides/slide33.xml><?xml version="1.0" encoding="utf-8"?>
 <p:sld xmlns:a="http://schemas.openxmlformats.org/drawingml/2006/main" xmlns:r="http://schemas.openxmlformats.org/officeDocument/2006/relationships" xmlns:p="http://schemas.openxmlformats.org/presentationml/2006/main">
   <p:cSld>
     <p:spTree>
@@ -13229,7 +11922,7 @@
             <a:fld id="{44E22EE9-B8A0-0641-9265-052CFE9B95A7}" type="slidenum">
               <a:rPr lang="en-GB" altLang="en-US" smtClean="0"/>
               <a:pPr/>
-              <a:t>37</a:t>
+              <a:t>33</a:t>
             </a:fld>
             <a:endParaRPr lang="en-GB" altLang="en-US"/>
           </a:p>
@@ -13248,7 +11941,7 @@
 </p:sld>
 </file>
 
-<file path=ppt/slides/slide38.xml><?xml version="1.0" encoding="utf-8"?>
+<file path=ppt/slides/slide34.xml><?xml version="1.0" encoding="utf-8"?>
 <p:sld xmlns:a="http://schemas.openxmlformats.org/drawingml/2006/main" xmlns:r="http://schemas.openxmlformats.org/officeDocument/2006/relationships" xmlns:p="http://schemas.openxmlformats.org/presentationml/2006/main">
   <p:cSld>
     <p:spTree>
@@ -13382,7 +12075,7 @@
             <a:fld id="{44E22EE9-B8A0-0641-9265-052CFE9B95A7}" type="slidenum">
               <a:rPr lang="en-GB" altLang="en-US" smtClean="0"/>
               <a:pPr/>
-              <a:t>38</a:t>
+              <a:t>34</a:t>
             </a:fld>
             <a:endParaRPr lang="en-GB" altLang="en-US"/>
           </a:p>
@@ -13401,7 +12094,7 @@
 </p:sld>
 </file>
 
-<file path=ppt/slides/slide39.xml><?xml version="1.0" encoding="utf-8"?>
+<file path=ppt/slides/slide35.xml><?xml version="1.0" encoding="utf-8"?>
 <p:sld xmlns:a="http://schemas.openxmlformats.org/drawingml/2006/main" xmlns:r="http://schemas.openxmlformats.org/officeDocument/2006/relationships" xmlns:p="http://schemas.openxmlformats.org/presentationml/2006/main">
   <p:cSld>
     <p:spTree>
@@ -13473,7 +12166,7 @@
             <a:fld id="{BB98F552-A29D-2D4E-8192-F20670493719}" type="slidenum">
               <a:rPr lang="en-GB" altLang="en-US" smtClean="0"/>
               <a:pPr/>
-              <a:t>39</a:t>
+              <a:t>35</a:t>
             </a:fld>
             <a:endParaRPr lang="en-GB" altLang="en-US"/>
           </a:p>
@@ -13528,7 +12221,7 @@
 </p:sld>
 </file>
 
-<file path=ppt/slides/slide4.xml><?xml version="1.0" encoding="utf-8"?>
+<file path=ppt/slides/slide36.xml><?xml version="1.0" encoding="utf-8"?>
 <p:sld xmlns:a="http://schemas.openxmlformats.org/drawingml/2006/main" xmlns:r="http://schemas.openxmlformats.org/officeDocument/2006/relationships" xmlns:p="http://schemas.openxmlformats.org/presentationml/2006/main">
   <p:cSld>
     <p:spTree>
@@ -13550,7 +12243,7 @@
           <p:cNvPr id="2" name="Title 1">
             <a:extLst>
               <a:ext uri="{FF2B5EF4-FFF2-40B4-BE49-F238E27FC236}">
-                <a16:creationId xmlns:a16="http://schemas.microsoft.com/office/drawing/2014/main" id="{C2933E33-1695-7ABD-E741-4E00EE604C2E}"/>
+                <a16:creationId xmlns:a16="http://schemas.microsoft.com/office/drawing/2014/main" id="{5B208627-4EAF-146E-E650-73FD8AAEE173}"/>
               </a:ext>
             </a:extLst>
           </p:cNvPr>
@@ -13568,252 +12261,68 @@
           <a:p>
             <a:r>
               <a:rPr lang="en-US" dirty="0"/>
-              <a:t>Linear models - training</a:t>
-            </a:r>
-          </a:p>
-        </p:txBody>
-      </p:sp>
-      <mc:AlternateContent xmlns:mc="http://schemas.openxmlformats.org/markup-compatibility/2006" xmlns:a14="http://schemas.microsoft.com/office/drawing/2010/main">
-        <mc:Choice Requires="a14">
-          <p:sp>
-            <p:nvSpPr>
-              <p:cNvPr id="3" name="Content Placeholder 2">
-                <a:extLst>
-                  <a:ext uri="{FF2B5EF4-FFF2-40B4-BE49-F238E27FC236}">
-                    <a16:creationId xmlns:a16="http://schemas.microsoft.com/office/drawing/2014/main" id="{225A3165-8C03-4A21-9AE7-473C60450C29}"/>
-                  </a:ext>
-                </a:extLst>
-              </p:cNvPr>
-              <p:cNvSpPr>
-                <a:spLocks noGrp="1"/>
-              </p:cNvSpPr>
-              <p:nvPr>
-                <p:ph idx="1"/>
-              </p:nvPr>
-            </p:nvSpPr>
-            <p:spPr/>
-            <p:txBody>
-              <a:bodyPr/>
-              <a:lstStyle/>
-              <a:p>
-                <a:pPr marL="0" indent="0">
-                  <a:buNone/>
-                </a:pPr>
-                <a14:m>
-                  <m:oMath xmlns:m="http://schemas.openxmlformats.org/officeDocument/2006/math">
-                    <m:r>
-                      <a:rPr lang="en-US" i="1" smtClean="0">
-                        <a:latin typeface="Cambria Math" panose="02040503050406030204" pitchFamily="18" charset="0"/>
-                        <a:ea typeface="Cambria Math" panose="02040503050406030204" pitchFamily="18" charset="0"/>
-                      </a:rPr>
-                      <m:t>𝛼</m:t>
-                    </m:r>
-                    <m:r>
-                      <a:rPr lang="en-GB" b="0" i="1" smtClean="0">
-                        <a:latin typeface="Cambria Math" panose="02040503050406030204" pitchFamily="18" charset="0"/>
-                        <a:ea typeface="Cambria Math" panose="02040503050406030204" pitchFamily="18" charset="0"/>
-                      </a:rPr>
-                      <m:t>∗</m:t>
-                    </m:r>
-                    <m:r>
-                      <a:rPr lang="en-GB" b="0" i="1" smtClean="0">
-                        <a:solidFill>
-                          <a:srgbClr val="7030A0"/>
-                        </a:solidFill>
-                        <a:latin typeface="Cambria Math" panose="02040503050406030204" pitchFamily="18" charset="0"/>
-                        <a:ea typeface="Cambria Math" panose="02040503050406030204" pitchFamily="18" charset="0"/>
-                      </a:rPr>
-                      <m:t>𝐴𝑔𝑒</m:t>
-                    </m:r>
-                    <m:r>
-                      <a:rPr lang="en-GB" b="0" i="1" smtClean="0">
-                        <a:latin typeface="Cambria Math" panose="02040503050406030204" pitchFamily="18" charset="0"/>
-                        <a:ea typeface="Cambria Math" panose="02040503050406030204" pitchFamily="18" charset="0"/>
-                      </a:rPr>
-                      <m:t>+ </m:t>
-                    </m:r>
-                    <m:r>
-                      <a:rPr lang="en-GB" b="0" i="1" smtClean="0">
-                        <a:latin typeface="Cambria Math" panose="02040503050406030204" pitchFamily="18" charset="0"/>
-                        <a:ea typeface="Cambria Math" panose="02040503050406030204" pitchFamily="18" charset="0"/>
-                      </a:rPr>
-                      <m:t>𝛽</m:t>
-                    </m:r>
-                    <m:r>
-                      <a:rPr lang="en-GB" b="0" i="1" smtClean="0">
-                        <a:latin typeface="Cambria Math" panose="02040503050406030204" pitchFamily="18" charset="0"/>
-                        <a:ea typeface="Cambria Math" panose="02040503050406030204" pitchFamily="18" charset="0"/>
-                      </a:rPr>
-                      <m:t>∗ </m:t>
-                    </m:r>
-                    <m:r>
-                      <a:rPr lang="en-GB" b="0" i="1" smtClean="0">
-                        <a:solidFill>
-                          <a:srgbClr val="7030A0"/>
-                        </a:solidFill>
-                        <a:latin typeface="Cambria Math" panose="02040503050406030204" pitchFamily="18" charset="0"/>
-                        <a:ea typeface="Cambria Math" panose="02040503050406030204" pitchFamily="18" charset="0"/>
-                      </a:rPr>
-                      <m:t>𝑆𝑙𝑒𝑒𝑝𝑄𝑢𝑎𝑙𝑖𝑡𝑦</m:t>
-                    </m:r>
-                    <m:r>
-                      <a:rPr lang="en-GB" b="0" i="1" smtClean="0">
-                        <a:latin typeface="Cambria Math" panose="02040503050406030204" pitchFamily="18" charset="0"/>
-                        <a:ea typeface="Cambria Math" panose="02040503050406030204" pitchFamily="18" charset="0"/>
-                      </a:rPr>
-                      <m:t>+</m:t>
-                    </m:r>
-                    <m:r>
-                      <a:rPr lang="en-GB" b="0" i="1" smtClean="0">
-                        <a:latin typeface="Cambria Math" panose="02040503050406030204" pitchFamily="18" charset="0"/>
-                        <a:ea typeface="Cambria Math" panose="02040503050406030204" pitchFamily="18" charset="0"/>
-                      </a:rPr>
-                      <m:t>𝜃</m:t>
-                    </m:r>
-                    <m:r>
-                      <a:rPr lang="en-GB" b="0" i="1" smtClean="0">
-                        <a:latin typeface="Cambria Math" panose="02040503050406030204" pitchFamily="18" charset="0"/>
-                        <a:ea typeface="Cambria Math" panose="02040503050406030204" pitchFamily="18" charset="0"/>
-                      </a:rPr>
-                      <m:t>∗</m:t>
-                    </m:r>
-                    <m:r>
-                      <a:rPr lang="en-GB" b="0" i="1" smtClean="0">
-                        <a:solidFill>
-                          <a:srgbClr val="7030A0"/>
-                        </a:solidFill>
-                        <a:latin typeface="Cambria Math" panose="02040503050406030204" pitchFamily="18" charset="0"/>
-                        <a:ea typeface="Cambria Math" panose="02040503050406030204" pitchFamily="18" charset="0"/>
-                      </a:rPr>
-                      <m:t>𝐶𝑜𝑔𝑛𝑖𝑡𝑖𝑣𝑒𝑇𝑒𝑠𝑡𝑆𝑐𝑜𝑟𝑒</m:t>
-                    </m:r>
-                    <m:r>
-                      <a:rPr lang="en-GB" b="0" i="1" smtClean="0">
-                        <a:latin typeface="Cambria Math" panose="02040503050406030204" pitchFamily="18" charset="0"/>
-                        <a:ea typeface="Cambria Math" panose="02040503050406030204" pitchFamily="18" charset="0"/>
-                      </a:rPr>
-                      <m:t>=</m:t>
-                    </m:r>
-                    <m:r>
-                      <a:rPr lang="en-GB" b="0" i="1" smtClean="0">
-                        <a:latin typeface="Cambria Math" panose="02040503050406030204" pitchFamily="18" charset="0"/>
-                        <a:ea typeface="Cambria Math" panose="02040503050406030204" pitchFamily="18" charset="0"/>
-                      </a:rPr>
-                      <m:t>𝑅𝑖𝑠𝑘</m:t>
-                    </m:r>
-                    <m:r>
-                      <a:rPr lang="en-GB" b="0" i="1" smtClean="0">
-                        <a:latin typeface="Cambria Math" panose="02040503050406030204" pitchFamily="18" charset="0"/>
-                        <a:ea typeface="Cambria Math" panose="02040503050406030204" pitchFamily="18" charset="0"/>
-                      </a:rPr>
-                      <m:t>_</m:t>
-                    </m:r>
-                    <m:r>
-                      <a:rPr lang="en-GB" b="0" i="1" smtClean="0">
-                        <a:latin typeface="Cambria Math" panose="02040503050406030204" pitchFamily="18" charset="0"/>
-                        <a:ea typeface="Cambria Math" panose="02040503050406030204" pitchFamily="18" charset="0"/>
-                      </a:rPr>
-                      <m:t>𝑠𝑐𝑜𝑟𝑒</m:t>
-                    </m:r>
-                    <m:r>
-                      <a:rPr lang="en-GB" b="0" i="1" smtClean="0">
-                        <a:latin typeface="Cambria Math" panose="02040503050406030204" pitchFamily="18" charset="0"/>
-                        <a:ea typeface="Cambria Math" panose="02040503050406030204" pitchFamily="18" charset="0"/>
-                      </a:rPr>
-                      <m:t>  </m:t>
-                    </m:r>
-                  </m:oMath>
-                </a14:m>
-                <a:r>
-                  <a:rPr lang="en-US" dirty="0"/>
-                  <a:t>  </a:t>
-                </a:r>
-              </a:p>
-              <a:p>
-                <a:pPr marL="0" indent="0">
-                  <a:buNone/>
-                </a:pPr>
-                <a:endParaRPr lang="en-US" dirty="0"/>
-              </a:p>
-              <a:p>
-                <a:pPr marL="0" indent="0">
-                  <a:buNone/>
-                </a:pPr>
-                <a:endParaRPr lang="en-US" dirty="0"/>
-              </a:p>
-              <a:p>
-                <a:pPr marL="0" indent="0">
-                  <a:buNone/>
-                </a:pPr>
-                <a:r>
-                  <a:rPr lang="en-US" dirty="0"/>
-                  <a:t>The question is how to learn the coefficients (weights in ML terms)?</a:t>
-                </a:r>
-              </a:p>
-              <a:p>
-                <a:pPr marL="0" indent="0">
-                  <a:buNone/>
-                </a:pPr>
-                <a:endParaRPr lang="en-US" dirty="0"/>
-              </a:p>
-              <a:p>
-                <a:pPr marL="0" indent="0">
-                  <a:buNone/>
-                </a:pPr>
-                <a:r>
-                  <a:rPr lang="en-US" dirty="0"/>
-                  <a:t>Using training data. </a:t>
-                </a:r>
-              </a:p>
-            </p:txBody>
-          </p:sp>
-        </mc:Choice>
-        <mc:Fallback xmlns="">
-          <p:sp>
-            <p:nvSpPr>
-              <p:cNvPr id="3" name="Content Placeholder 2">
-                <a:extLst>
-                  <a:ext uri="{FF2B5EF4-FFF2-40B4-BE49-F238E27FC236}">
-                    <a16:creationId xmlns:a16="http://schemas.microsoft.com/office/drawing/2014/main" id="{225A3165-8C03-4A21-9AE7-473C60450C29}"/>
-                  </a:ext>
-                </a:extLst>
-              </p:cNvPr>
-              <p:cNvSpPr>
-                <a:spLocks noGrp="1" noRot="1" noChangeAspect="1" noMove="1" noResize="1" noEditPoints="1" noAdjustHandles="1" noChangeArrowheads="1" noChangeShapeType="1" noTextEdit="1"/>
-              </p:cNvSpPr>
-              <p:nvPr>
-                <p:ph idx="1"/>
-              </p:nvPr>
-            </p:nvSpPr>
-            <p:spPr>
-              <a:blipFill>
-                <a:blip r:embed="rId2"/>
-                <a:stretch>
-                  <a:fillRect l="-772"/>
-                </a:stretch>
-              </a:blipFill>
-            </p:spPr>
-            <p:txBody>
-              <a:bodyPr/>
-              <a:lstStyle/>
-              <a:p>
-                <a:r>
-                  <a:rPr lang="en-US">
-                    <a:noFill/>
-                  </a:rPr>
-                  <a:t> </a:t>
-                </a:r>
-              </a:p>
-            </p:txBody>
-          </p:sp>
-        </mc:Fallback>
-      </mc:AlternateContent>
+              <a:t>KNN</a:t>
+            </a:r>
+          </a:p>
+        </p:txBody>
+      </p:sp>
+      <p:sp>
+        <p:nvSpPr>
+          <p:cNvPr id="3" name="Content Placeholder 2">
+            <a:extLst>
+              <a:ext uri="{FF2B5EF4-FFF2-40B4-BE49-F238E27FC236}">
+                <a16:creationId xmlns:a16="http://schemas.microsoft.com/office/drawing/2014/main" id="{0AA881B9-8146-B566-7568-2A83D4AA13AA}"/>
+              </a:ext>
+            </a:extLst>
+          </p:cNvPr>
+          <p:cNvSpPr>
+            <a:spLocks noGrp="1"/>
+          </p:cNvSpPr>
+          <p:nvPr>
+            <p:ph idx="1"/>
+          </p:nvPr>
+        </p:nvSpPr>
+        <p:spPr/>
+        <p:txBody>
+          <a:bodyPr/>
+          <a:lstStyle/>
+          <a:p>
+            <a:r>
+              <a:rPr lang="en-GB" dirty="0">
+                <a:effectLst/>
+              </a:rPr>
+              <a:t>This method is an example of memory-based learning or instance-based learning.</a:t>
+            </a:r>
+          </a:p>
+          <a:p>
+            <a:r>
+              <a:rPr lang="en-GB" dirty="0">
+                <a:effectLst/>
+              </a:rPr>
+              <a:t>The most common distance metric to use is Euclidean distance although other metrics can be used.</a:t>
+            </a:r>
+          </a:p>
+          <a:p>
+            <a:endParaRPr lang="en-GB" dirty="0">
+              <a:effectLst/>
+            </a:endParaRPr>
+          </a:p>
+          <a:p>
+            <a:endParaRPr lang="en-GB" dirty="0">
+              <a:effectLst/>
+            </a:endParaRPr>
+          </a:p>
+          <a:p>
+            <a:endParaRPr lang="en-US" dirty="0"/>
+          </a:p>
+        </p:txBody>
+      </p:sp>
       <p:sp>
         <p:nvSpPr>
           <p:cNvPr id="4" name="Slide Number Placeholder 3">
             <a:extLst>
               <a:ext uri="{FF2B5EF4-FFF2-40B4-BE49-F238E27FC236}">
-                <a16:creationId xmlns:a16="http://schemas.microsoft.com/office/drawing/2014/main" id="{8F1042A9-49A1-24FA-1986-0A5DCCA6195C}"/>
+                <a16:creationId xmlns:a16="http://schemas.microsoft.com/office/drawing/2014/main" id="{715D3E09-01AB-66A6-FB68-2B6AC02D4B75}"/>
               </a:ext>
             </a:extLst>
           </p:cNvPr>
@@ -13832,146 +12341,7 @@
             <a:fld id="{44E22EE9-B8A0-0641-9265-052CFE9B95A7}" type="slidenum">
               <a:rPr lang="en-GB" altLang="en-US" smtClean="0"/>
               <a:pPr/>
-              <a:t>4</a:t>
-            </a:fld>
-            <a:endParaRPr lang="en-GB" altLang="en-US"/>
-          </a:p>
-        </p:txBody>
-      </p:sp>
-    </p:spTree>
-    <p:extLst>
-      <p:ext uri="{BB962C8B-B14F-4D97-AF65-F5344CB8AC3E}">
-        <p14:creationId xmlns:p14="http://schemas.microsoft.com/office/powerpoint/2010/main" val="1330174225"/>
-      </p:ext>
-    </p:extLst>
-  </p:cSld>
-  <p:clrMapOvr>
-    <a:masterClrMapping/>
-  </p:clrMapOvr>
-</p:sld>
-</file>
-
-<file path=ppt/slides/slide40.xml><?xml version="1.0" encoding="utf-8"?>
-<p:sld xmlns:a="http://schemas.openxmlformats.org/drawingml/2006/main" xmlns:r="http://schemas.openxmlformats.org/officeDocument/2006/relationships" xmlns:p="http://schemas.openxmlformats.org/presentationml/2006/main">
-  <p:cSld>
-    <p:spTree>
-      <p:nvGrpSpPr>
-        <p:cNvPr id="1" name=""/>
-        <p:cNvGrpSpPr/>
-        <p:nvPr/>
-      </p:nvGrpSpPr>
-      <p:grpSpPr>
-        <a:xfrm>
-          <a:off x="0" y="0"/>
-          <a:ext cx="0" cy="0"/>
-          <a:chOff x="0" y="0"/>
-          <a:chExt cx="0" cy="0"/>
-        </a:xfrm>
-      </p:grpSpPr>
-      <p:sp>
-        <p:nvSpPr>
-          <p:cNvPr id="2" name="Title 1">
-            <a:extLst>
-              <a:ext uri="{FF2B5EF4-FFF2-40B4-BE49-F238E27FC236}">
-                <a16:creationId xmlns:a16="http://schemas.microsoft.com/office/drawing/2014/main" id="{5B208627-4EAF-146E-E650-73FD8AAEE173}"/>
-              </a:ext>
-            </a:extLst>
-          </p:cNvPr>
-          <p:cNvSpPr>
-            <a:spLocks noGrp="1"/>
-          </p:cNvSpPr>
-          <p:nvPr>
-            <p:ph type="title"/>
-          </p:nvPr>
-        </p:nvSpPr>
-        <p:spPr/>
-        <p:txBody>
-          <a:bodyPr/>
-          <a:lstStyle/>
-          <a:p>
-            <a:r>
-              <a:rPr lang="en-US" dirty="0"/>
-              <a:t>KNN</a:t>
-            </a:r>
-          </a:p>
-        </p:txBody>
-      </p:sp>
-      <p:sp>
-        <p:nvSpPr>
-          <p:cNvPr id="3" name="Content Placeholder 2">
-            <a:extLst>
-              <a:ext uri="{FF2B5EF4-FFF2-40B4-BE49-F238E27FC236}">
-                <a16:creationId xmlns:a16="http://schemas.microsoft.com/office/drawing/2014/main" id="{0AA881B9-8146-B566-7568-2A83D4AA13AA}"/>
-              </a:ext>
-            </a:extLst>
-          </p:cNvPr>
-          <p:cNvSpPr>
-            <a:spLocks noGrp="1"/>
-          </p:cNvSpPr>
-          <p:nvPr>
-            <p:ph idx="1"/>
-          </p:nvPr>
-        </p:nvSpPr>
-        <p:spPr/>
-        <p:txBody>
-          <a:bodyPr/>
-          <a:lstStyle/>
-          <a:p>
-            <a:r>
-              <a:rPr lang="en-GB" dirty="0">
-                <a:effectLst/>
-              </a:rPr>
-              <a:t>This method is an example of memory-based learning or instance-based learning.</a:t>
-            </a:r>
-          </a:p>
-          <a:p>
-            <a:r>
-              <a:rPr lang="en-GB" dirty="0">
-                <a:effectLst/>
-              </a:rPr>
-              <a:t>The most common distance metric to use is Euclidean distance although other metrics can be used.</a:t>
-            </a:r>
-          </a:p>
-          <a:p>
-            <a:endParaRPr lang="en-GB" dirty="0">
-              <a:effectLst/>
-            </a:endParaRPr>
-          </a:p>
-          <a:p>
-            <a:endParaRPr lang="en-GB" dirty="0">
-              <a:effectLst/>
-            </a:endParaRPr>
-          </a:p>
-          <a:p>
-            <a:endParaRPr lang="en-US" dirty="0"/>
-          </a:p>
-        </p:txBody>
-      </p:sp>
-      <p:sp>
-        <p:nvSpPr>
-          <p:cNvPr id="4" name="Slide Number Placeholder 3">
-            <a:extLst>
-              <a:ext uri="{FF2B5EF4-FFF2-40B4-BE49-F238E27FC236}">
-                <a16:creationId xmlns:a16="http://schemas.microsoft.com/office/drawing/2014/main" id="{715D3E09-01AB-66A6-FB68-2B6AC02D4B75}"/>
-              </a:ext>
-            </a:extLst>
-          </p:cNvPr>
-          <p:cNvSpPr>
-            <a:spLocks noGrp="1"/>
-          </p:cNvSpPr>
-          <p:nvPr>
-            <p:ph type="sldNum" sz="quarter" idx="12"/>
-          </p:nvPr>
-        </p:nvSpPr>
-        <p:spPr/>
-        <p:txBody>
-          <a:bodyPr/>
-          <a:lstStyle/>
-          <a:p>
-            <a:fld id="{44E22EE9-B8A0-0641-9265-052CFE9B95A7}" type="slidenum">
-              <a:rPr lang="en-GB" altLang="en-US" smtClean="0"/>
-              <a:pPr/>
-              <a:t>40</a:t>
+              <a:t>36</a:t>
             </a:fld>
             <a:endParaRPr lang="en-GB" altLang="en-US"/>
           </a:p>
@@ -13990,7 +12360,7 @@
 </p:sld>
 </file>
 
-<file path=ppt/slides/slide41.xml><?xml version="1.0" encoding="utf-8"?>
+<file path=ppt/slides/slide37.xml><?xml version="1.0" encoding="utf-8"?>
 <p:sld xmlns:a="http://schemas.openxmlformats.org/drawingml/2006/main" xmlns:r="http://schemas.openxmlformats.org/officeDocument/2006/relationships" xmlns:p="http://schemas.openxmlformats.org/presentationml/2006/main">
   <p:cSld>
     <p:spTree>
@@ -14402,7 +12772,7 @@
             <a:fld id="{44E22EE9-B8A0-0641-9265-052CFE9B95A7}" type="slidenum">
               <a:rPr lang="en-GB" altLang="en-US" smtClean="0"/>
               <a:pPr/>
-              <a:t>41</a:t>
+              <a:t>37</a:t>
             </a:fld>
             <a:endParaRPr lang="en-GB" altLang="en-US"/>
           </a:p>
@@ -14421,7 +12791,7 @@
 </p:sld>
 </file>
 
-<file path=ppt/slides/slide42.xml><?xml version="1.0" encoding="utf-8"?>
+<file path=ppt/slides/slide38.xml><?xml version="1.0" encoding="utf-8"?>
 <p:sld xmlns:a="http://schemas.openxmlformats.org/drawingml/2006/main" xmlns:r="http://schemas.openxmlformats.org/officeDocument/2006/relationships" xmlns:p="http://schemas.openxmlformats.org/presentationml/2006/main">
   <p:cSld>
     <p:spTree>
@@ -14464,7 +12834,7 @@
                 <a:effectLst/>
                 <a:latin typeface="Helvetica" pitchFamily="2" charset="0"/>
               </a:rPr>
-              <a:t>Euclidean distance</a:t>
+              <a:t>Euclidean distance - example</a:t>
             </a:r>
             <a:endParaRPr lang="en-US" dirty="0"/>
           </a:p>
@@ -14494,12 +12864,286 @@
             <a:fld id="{BB98F552-A29D-2D4E-8192-F20670493719}" type="slidenum">
               <a:rPr lang="en-GB" altLang="en-US" smtClean="0"/>
               <a:pPr/>
-              <a:t>42</a:t>
+              <a:t>38</a:t>
             </a:fld>
             <a:endParaRPr lang="en-GB" altLang="en-US"/>
           </a:p>
         </p:txBody>
       </p:sp>
+      <mc:AlternateContent xmlns:mc="http://schemas.openxmlformats.org/markup-compatibility/2006">
+        <mc:Choice xmlns:a14="http://schemas.microsoft.com/office/drawing/2010/main" Requires="a14">
+          <p:sp>
+            <p:nvSpPr>
+              <p:cNvPr id="5" name="TextBox 4">
+                <a:extLst>
+                  <a:ext uri="{FF2B5EF4-FFF2-40B4-BE49-F238E27FC236}">
+                    <a16:creationId xmlns:a16="http://schemas.microsoft.com/office/drawing/2014/main" id="{CE422152-8247-95C7-205D-A68C38C080CC}"/>
+                  </a:ext>
+                </a:extLst>
+              </p:cNvPr>
+              <p:cNvSpPr txBox="1"/>
+              <p:nvPr/>
+            </p:nvSpPr>
+            <p:spPr>
+              <a:xfrm>
+                <a:off x="4591873" y="946712"/>
+                <a:ext cx="4572000" cy="1169936"/>
+              </a:xfrm>
+              <a:prstGeom prst="rect">
+                <a:avLst/>
+              </a:prstGeom>
+              <a:noFill/>
+            </p:spPr>
+            <p:txBody>
+              <a:bodyPr wrap="square">
+                <a:spAutoFit/>
+              </a:bodyPr>
+              <a:lstStyle/>
+              <a:p>
+                <a:pPr/>
+                <a14:m>
+                  <m:oMathPara xmlns:m="http://schemas.openxmlformats.org/officeDocument/2006/math">
+                    <m:oMathParaPr>
+                      <m:jc m:val="centerGroup"/>
+                    </m:oMathParaPr>
+                    <m:oMath xmlns:m="http://schemas.openxmlformats.org/officeDocument/2006/math">
+                      <m:r>
+                        <a:rPr lang="en-GB" b="0" i="1" smtClean="0">
+                          <a:latin typeface="Cambria Math" panose="02040503050406030204" pitchFamily="18" charset="0"/>
+                        </a:rPr>
+                        <m:t>𝐷𝑖𝑠𝑡</m:t>
+                      </m:r>
+                      <m:d>
+                        <m:dPr>
+                          <m:ctrlPr>
+                            <a:rPr lang="en-GB" b="0" i="1" smtClean="0">
+                              <a:latin typeface="Cambria Math" panose="02040503050406030204" pitchFamily="18" charset="0"/>
+                            </a:rPr>
+                          </m:ctrlPr>
+                        </m:dPr>
+                        <m:e>
+                          <m:r>
+                            <a:rPr lang="en-GB" b="0" i="1" smtClean="0">
+                              <a:latin typeface="Cambria Math" panose="02040503050406030204" pitchFamily="18" charset="0"/>
+                            </a:rPr>
+                            <m:t>𝑥</m:t>
+                          </m:r>
+                          <m:r>
+                            <a:rPr lang="en-GB" b="0" i="1" smtClean="0">
+                              <a:latin typeface="Cambria Math" panose="02040503050406030204" pitchFamily="18" charset="0"/>
+                            </a:rPr>
+                            <m:t>,</m:t>
+                          </m:r>
+                          <m:r>
+                            <a:rPr lang="en-GB" b="0" i="1" smtClean="0">
+                              <a:latin typeface="Cambria Math" panose="02040503050406030204" pitchFamily="18" charset="0"/>
+                            </a:rPr>
+                            <m:t>𝑦</m:t>
+                          </m:r>
+                        </m:e>
+                      </m:d>
+                      <m:r>
+                        <a:rPr lang="en-GB" b="0" i="1" smtClean="0">
+                          <a:latin typeface="Cambria Math" panose="02040503050406030204" pitchFamily="18" charset="0"/>
+                        </a:rPr>
+                        <m:t>= </m:t>
+                      </m:r>
+                      <m:rad>
+                        <m:radPr>
+                          <m:degHide m:val="on"/>
+                          <m:ctrlPr>
+                            <a:rPr lang="en-GB" b="0" i="1" smtClean="0">
+                              <a:latin typeface="Cambria Math" panose="02040503050406030204" pitchFamily="18" charset="0"/>
+                            </a:rPr>
+                          </m:ctrlPr>
+                        </m:radPr>
+                        <m:deg/>
+                        <m:e>
+                          <m:nary>
+                            <m:naryPr>
+                              <m:chr m:val="∑"/>
+                              <m:ctrlPr>
+                                <a:rPr lang="en-GB" b="0" i="1" smtClean="0">
+                                  <a:latin typeface="Cambria Math" panose="02040503050406030204" pitchFamily="18" charset="0"/>
+                                </a:rPr>
+                              </m:ctrlPr>
+                            </m:naryPr>
+                            <m:sub>
+                              <m:r>
+                                <m:rPr>
+                                  <m:brk m:alnAt="23"/>
+                                </m:rPr>
+                                <a:rPr lang="en-GB" b="0" i="1" smtClean="0">
+                                  <a:latin typeface="Cambria Math" panose="02040503050406030204" pitchFamily="18" charset="0"/>
+                                </a:rPr>
+                                <m:t>𝑖</m:t>
+                              </m:r>
+                              <m:r>
+                                <a:rPr lang="en-GB" b="0" i="1" smtClean="0">
+                                  <a:latin typeface="Cambria Math" panose="02040503050406030204" pitchFamily="18" charset="0"/>
+                                </a:rPr>
+                                <m:t>=1</m:t>
+                              </m:r>
+                            </m:sub>
+                            <m:sup>
+                              <m:r>
+                                <a:rPr lang="en-GB" b="0" i="1" smtClean="0">
+                                  <a:latin typeface="Cambria Math" panose="02040503050406030204" pitchFamily="18" charset="0"/>
+                                </a:rPr>
+                                <m:t>𝑛</m:t>
+                              </m:r>
+                            </m:sup>
+                            <m:e>
+                              <m:sSup>
+                                <m:sSupPr>
+                                  <m:ctrlPr>
+                                    <a:rPr lang="en-GB" b="0" i="1" smtClean="0">
+                                      <a:latin typeface="Cambria Math" panose="02040503050406030204" pitchFamily="18" charset="0"/>
+                                    </a:rPr>
+                                  </m:ctrlPr>
+                                </m:sSupPr>
+                                <m:e>
+                                  <m:r>
+                                    <a:rPr lang="en-GB" i="1">
+                                      <a:latin typeface="Cambria Math" panose="02040503050406030204" pitchFamily="18" charset="0"/>
+                                    </a:rPr>
+                                    <m:t>(</m:t>
+                                  </m:r>
+                                  <m:sSub>
+                                    <m:sSubPr>
+                                      <m:ctrlPr>
+                                        <a:rPr lang="en-GB" i="1">
+                                          <a:latin typeface="Cambria Math" panose="02040503050406030204" pitchFamily="18" charset="0"/>
+                                        </a:rPr>
+                                      </m:ctrlPr>
+                                    </m:sSubPr>
+                                    <m:e>
+                                      <m:r>
+                                        <a:rPr lang="en-GB" i="1">
+                                          <a:latin typeface="Cambria Math" panose="02040503050406030204" pitchFamily="18" charset="0"/>
+                                        </a:rPr>
+                                        <m:t>𝑥</m:t>
+                                      </m:r>
+                                    </m:e>
+                                    <m:sub>
+                                      <m:r>
+                                        <a:rPr lang="en-GB" i="1">
+                                          <a:latin typeface="Cambria Math" panose="02040503050406030204" pitchFamily="18" charset="0"/>
+                                        </a:rPr>
+                                        <m:t>𝑖</m:t>
+                                      </m:r>
+                                    </m:sub>
+                                  </m:sSub>
+                                  <m:r>
+                                    <a:rPr lang="en-GB" i="1">
+                                      <a:latin typeface="Cambria Math" panose="02040503050406030204" pitchFamily="18" charset="0"/>
+                                    </a:rPr>
+                                    <m:t>−</m:t>
+                                  </m:r>
+                                  <m:sSub>
+                                    <m:sSubPr>
+                                      <m:ctrlPr>
+                                        <a:rPr lang="en-GB" i="1">
+                                          <a:latin typeface="Cambria Math" panose="02040503050406030204" pitchFamily="18" charset="0"/>
+                                        </a:rPr>
+                                      </m:ctrlPr>
+                                    </m:sSubPr>
+                                    <m:e>
+                                      <m:r>
+                                        <a:rPr lang="en-GB" i="1">
+                                          <a:latin typeface="Cambria Math" panose="02040503050406030204" pitchFamily="18" charset="0"/>
+                                        </a:rPr>
+                                        <m:t>𝑦</m:t>
+                                      </m:r>
+                                    </m:e>
+                                    <m:sub>
+                                      <m:r>
+                                        <a:rPr lang="en-GB" i="1">
+                                          <a:latin typeface="Cambria Math" panose="02040503050406030204" pitchFamily="18" charset="0"/>
+                                        </a:rPr>
+                                        <m:t>𝑖</m:t>
+                                      </m:r>
+                                    </m:sub>
+                                  </m:sSub>
+                                  <m:r>
+                                    <a:rPr lang="en-GB" i="1">
+                                      <a:latin typeface="Cambria Math" panose="02040503050406030204" pitchFamily="18" charset="0"/>
+                                    </a:rPr>
+                                    <m:t>)</m:t>
+                                  </m:r>
+                                </m:e>
+                                <m:sup>
+                                  <m:r>
+                                    <a:rPr lang="en-GB" b="0" i="1" smtClean="0">
+                                      <a:latin typeface="Cambria Math" panose="02040503050406030204" pitchFamily="18" charset="0"/>
+                                    </a:rPr>
+                                    <m:t>2</m:t>
+                                  </m:r>
+                                </m:sup>
+                              </m:sSup>
+                              <m:r>
+                                <a:rPr lang="en-GB" b="0" i="1" smtClean="0">
+                                  <a:latin typeface="Cambria Math" panose="02040503050406030204" pitchFamily="18" charset="0"/>
+                                </a:rPr>
+                                <m:t> </m:t>
+                              </m:r>
+                            </m:e>
+                          </m:nary>
+                        </m:e>
+                      </m:rad>
+                    </m:oMath>
+                  </m:oMathPara>
+                </a14:m>
+                <a:endParaRPr lang="en-GB" dirty="0"/>
+              </a:p>
+            </p:txBody>
+          </p:sp>
+        </mc:Choice>
+        <mc:Fallback>
+          <p:sp>
+            <p:nvSpPr>
+              <p:cNvPr id="5" name="TextBox 4">
+                <a:extLst>
+                  <a:ext uri="{FF2B5EF4-FFF2-40B4-BE49-F238E27FC236}">
+                    <a16:creationId xmlns:a16="http://schemas.microsoft.com/office/drawing/2014/main" id="{CE422152-8247-95C7-205D-A68C38C080CC}"/>
+                  </a:ext>
+                </a:extLst>
+              </p:cNvPr>
+              <p:cNvSpPr txBox="1">
+                <a:spLocks noRot="1" noChangeAspect="1" noMove="1" noResize="1" noEditPoints="1" noAdjustHandles="1" noChangeArrowheads="1" noChangeShapeType="1" noTextEdit="1"/>
+              </p:cNvSpPr>
+              <p:nvPr/>
+            </p:nvSpPr>
+            <p:spPr>
+              <a:xfrm>
+                <a:off x="4591873" y="946712"/>
+                <a:ext cx="4572000" cy="1169936"/>
+              </a:xfrm>
+              <a:prstGeom prst="rect">
+                <a:avLst/>
+              </a:prstGeom>
+              <a:blipFill>
+                <a:blip r:embed="rId2"/>
+                <a:stretch>
+                  <a:fillRect t="-56989" b="-100000"/>
+                </a:stretch>
+              </a:blipFill>
+            </p:spPr>
+            <p:txBody>
+              <a:bodyPr/>
+              <a:lstStyle/>
+              <a:p>
+                <a:r>
+                  <a:rPr lang="en-GB">
+                    <a:noFill/>
+                  </a:rPr>
+                  <a:t> </a:t>
+                </a:r>
+              </a:p>
+            </p:txBody>
+          </p:sp>
+        </mc:Fallback>
+      </mc:AlternateContent>
     </p:spTree>
     <p:extLst>
       <p:ext uri="{BB962C8B-B14F-4D97-AF65-F5344CB8AC3E}">
@@ -14513,7 +13157,7 @@
 </p:sld>
 </file>
 
-<file path=ppt/slides/slide43.xml><?xml version="1.0" encoding="utf-8"?>
+<file path=ppt/slides/slide39.xml><?xml version="1.0" encoding="utf-8"?>
 <p:sld xmlns:a="http://schemas.openxmlformats.org/drawingml/2006/main" xmlns:r="http://schemas.openxmlformats.org/officeDocument/2006/relationships" xmlns:p="http://schemas.openxmlformats.org/presentationml/2006/main">
   <p:cSld>
     <p:spTree>
@@ -14649,7 +13293,7 @@
             <a:fld id="{44E22EE9-B8A0-0641-9265-052CFE9B95A7}" type="slidenum">
               <a:rPr lang="en-GB" altLang="en-US" smtClean="0"/>
               <a:pPr/>
-              <a:t>43</a:t>
+              <a:t>39</a:t>
             </a:fld>
             <a:endParaRPr lang="en-GB" altLang="en-US"/>
           </a:p>
@@ -14668,7 +13312,7 @@
 </p:sld>
 </file>
 
-<file path=ppt/slides/slide44.xml><?xml version="1.0" encoding="utf-8"?>
+<file path=ppt/slides/slide4.xml><?xml version="1.0" encoding="utf-8"?>
 <p:sld xmlns:a="http://schemas.openxmlformats.org/drawingml/2006/main" xmlns:r="http://schemas.openxmlformats.org/officeDocument/2006/relationships" xmlns:p="http://schemas.openxmlformats.org/presentationml/2006/main">
   <p:cSld>
     <p:spTree>
@@ -14690,7 +13334,7 @@
           <p:cNvPr id="2" name="Title 1">
             <a:extLst>
               <a:ext uri="{FF2B5EF4-FFF2-40B4-BE49-F238E27FC236}">
-                <a16:creationId xmlns:a16="http://schemas.microsoft.com/office/drawing/2014/main" id="{3E65012C-C5F2-2043-C035-3E72BC1C424C}"/>
+                <a16:creationId xmlns:a16="http://schemas.microsoft.com/office/drawing/2014/main" id="{C2933E33-1695-7ABD-E741-4E00EE604C2E}"/>
               </a:ext>
             </a:extLst>
           </p:cNvPr>
@@ -14708,6 +13352,329 @@
           <a:p>
             <a:r>
               <a:rPr lang="en-US" dirty="0"/>
+              <a:t>Linear models - training</a:t>
+            </a:r>
+          </a:p>
+        </p:txBody>
+      </p:sp>
+      <mc:AlternateContent xmlns:mc="http://schemas.openxmlformats.org/markup-compatibility/2006" xmlns:a14="http://schemas.microsoft.com/office/drawing/2010/main">
+        <mc:Choice Requires="a14">
+          <p:sp>
+            <p:nvSpPr>
+              <p:cNvPr id="3" name="Content Placeholder 2">
+                <a:extLst>
+                  <a:ext uri="{FF2B5EF4-FFF2-40B4-BE49-F238E27FC236}">
+                    <a16:creationId xmlns:a16="http://schemas.microsoft.com/office/drawing/2014/main" id="{225A3165-8C03-4A21-9AE7-473C60450C29}"/>
+                  </a:ext>
+                </a:extLst>
+              </p:cNvPr>
+              <p:cNvSpPr>
+                <a:spLocks noGrp="1"/>
+              </p:cNvSpPr>
+              <p:nvPr>
+                <p:ph idx="1"/>
+              </p:nvPr>
+            </p:nvSpPr>
+            <p:spPr/>
+            <p:txBody>
+              <a:bodyPr/>
+              <a:lstStyle/>
+              <a:p>
+                <a:pPr marL="0" indent="0">
+                  <a:buNone/>
+                </a:pPr>
+                <a14:m>
+                  <m:oMath xmlns:m="http://schemas.openxmlformats.org/officeDocument/2006/math">
+                    <m:r>
+                      <a:rPr lang="en-US" i="1" smtClean="0">
+                        <a:latin typeface="Cambria Math" panose="02040503050406030204" pitchFamily="18" charset="0"/>
+                        <a:ea typeface="Cambria Math" panose="02040503050406030204" pitchFamily="18" charset="0"/>
+                      </a:rPr>
+                      <m:t>𝛼</m:t>
+                    </m:r>
+                    <m:r>
+                      <a:rPr lang="en-GB" b="0" i="1" smtClean="0">
+                        <a:latin typeface="Cambria Math" panose="02040503050406030204" pitchFamily="18" charset="0"/>
+                        <a:ea typeface="Cambria Math" panose="02040503050406030204" pitchFamily="18" charset="0"/>
+                      </a:rPr>
+                      <m:t>∗</m:t>
+                    </m:r>
+                    <m:r>
+                      <a:rPr lang="en-GB" b="0" i="1" smtClean="0">
+                        <a:solidFill>
+                          <a:srgbClr val="7030A0"/>
+                        </a:solidFill>
+                        <a:latin typeface="Cambria Math" panose="02040503050406030204" pitchFamily="18" charset="0"/>
+                        <a:ea typeface="Cambria Math" panose="02040503050406030204" pitchFamily="18" charset="0"/>
+                      </a:rPr>
+                      <m:t>𝐴𝑔𝑒</m:t>
+                    </m:r>
+                    <m:r>
+                      <a:rPr lang="en-GB" b="0" i="1" smtClean="0">
+                        <a:latin typeface="Cambria Math" panose="02040503050406030204" pitchFamily="18" charset="0"/>
+                        <a:ea typeface="Cambria Math" panose="02040503050406030204" pitchFamily="18" charset="0"/>
+                      </a:rPr>
+                      <m:t>+ </m:t>
+                    </m:r>
+                    <m:r>
+                      <a:rPr lang="en-GB" b="0" i="1" smtClean="0">
+                        <a:latin typeface="Cambria Math" panose="02040503050406030204" pitchFamily="18" charset="0"/>
+                        <a:ea typeface="Cambria Math" panose="02040503050406030204" pitchFamily="18" charset="0"/>
+                      </a:rPr>
+                      <m:t>𝛽</m:t>
+                    </m:r>
+                    <m:r>
+                      <a:rPr lang="en-GB" b="0" i="1" smtClean="0">
+                        <a:latin typeface="Cambria Math" panose="02040503050406030204" pitchFamily="18" charset="0"/>
+                        <a:ea typeface="Cambria Math" panose="02040503050406030204" pitchFamily="18" charset="0"/>
+                      </a:rPr>
+                      <m:t>∗ </m:t>
+                    </m:r>
+                    <m:r>
+                      <a:rPr lang="en-GB" b="0" i="1" smtClean="0">
+                        <a:solidFill>
+                          <a:srgbClr val="7030A0"/>
+                        </a:solidFill>
+                        <a:latin typeface="Cambria Math" panose="02040503050406030204" pitchFamily="18" charset="0"/>
+                        <a:ea typeface="Cambria Math" panose="02040503050406030204" pitchFamily="18" charset="0"/>
+                      </a:rPr>
+                      <m:t>𝑆𝑙𝑒𝑒𝑝𝑄𝑢𝑎𝑙𝑖𝑡𝑦</m:t>
+                    </m:r>
+                    <m:r>
+                      <a:rPr lang="en-GB" b="0" i="1" smtClean="0">
+                        <a:latin typeface="Cambria Math" panose="02040503050406030204" pitchFamily="18" charset="0"/>
+                        <a:ea typeface="Cambria Math" panose="02040503050406030204" pitchFamily="18" charset="0"/>
+                      </a:rPr>
+                      <m:t>+</m:t>
+                    </m:r>
+                    <m:r>
+                      <a:rPr lang="en-GB" b="0" i="1" smtClean="0">
+                        <a:latin typeface="Cambria Math" panose="02040503050406030204" pitchFamily="18" charset="0"/>
+                        <a:ea typeface="Cambria Math" panose="02040503050406030204" pitchFamily="18" charset="0"/>
+                      </a:rPr>
+                      <m:t>𝜃</m:t>
+                    </m:r>
+                    <m:r>
+                      <a:rPr lang="en-GB" b="0" i="1" smtClean="0">
+                        <a:latin typeface="Cambria Math" panose="02040503050406030204" pitchFamily="18" charset="0"/>
+                        <a:ea typeface="Cambria Math" panose="02040503050406030204" pitchFamily="18" charset="0"/>
+                      </a:rPr>
+                      <m:t>∗</m:t>
+                    </m:r>
+                    <m:r>
+                      <a:rPr lang="en-GB" b="0" i="1" smtClean="0">
+                        <a:solidFill>
+                          <a:srgbClr val="7030A0"/>
+                        </a:solidFill>
+                        <a:latin typeface="Cambria Math" panose="02040503050406030204" pitchFamily="18" charset="0"/>
+                        <a:ea typeface="Cambria Math" panose="02040503050406030204" pitchFamily="18" charset="0"/>
+                      </a:rPr>
+                      <m:t>𝐶𝑜𝑔𝑛𝑖𝑡𝑖𝑣𝑒𝑇𝑒𝑠𝑡𝑆𝑐𝑜𝑟𝑒</m:t>
+                    </m:r>
+                    <m:r>
+                      <a:rPr lang="en-GB" b="0" i="1" smtClean="0">
+                        <a:latin typeface="Cambria Math" panose="02040503050406030204" pitchFamily="18" charset="0"/>
+                        <a:ea typeface="Cambria Math" panose="02040503050406030204" pitchFamily="18" charset="0"/>
+                      </a:rPr>
+                      <m:t>=</m:t>
+                    </m:r>
+                    <m:r>
+                      <a:rPr lang="en-GB" b="0" i="1" smtClean="0">
+                        <a:latin typeface="Cambria Math" panose="02040503050406030204" pitchFamily="18" charset="0"/>
+                        <a:ea typeface="Cambria Math" panose="02040503050406030204" pitchFamily="18" charset="0"/>
+                      </a:rPr>
+                      <m:t>𝑅𝑖𝑠𝑘</m:t>
+                    </m:r>
+                    <m:r>
+                      <a:rPr lang="en-GB" b="0" i="1" smtClean="0">
+                        <a:latin typeface="Cambria Math" panose="02040503050406030204" pitchFamily="18" charset="0"/>
+                        <a:ea typeface="Cambria Math" panose="02040503050406030204" pitchFamily="18" charset="0"/>
+                      </a:rPr>
+                      <m:t>_</m:t>
+                    </m:r>
+                    <m:r>
+                      <a:rPr lang="en-GB" b="0" i="1" smtClean="0">
+                        <a:latin typeface="Cambria Math" panose="02040503050406030204" pitchFamily="18" charset="0"/>
+                        <a:ea typeface="Cambria Math" panose="02040503050406030204" pitchFamily="18" charset="0"/>
+                      </a:rPr>
+                      <m:t>𝑠𝑐𝑜𝑟𝑒</m:t>
+                    </m:r>
+                    <m:r>
+                      <a:rPr lang="en-GB" b="0" i="1" smtClean="0">
+                        <a:latin typeface="Cambria Math" panose="02040503050406030204" pitchFamily="18" charset="0"/>
+                        <a:ea typeface="Cambria Math" panose="02040503050406030204" pitchFamily="18" charset="0"/>
+                      </a:rPr>
+                      <m:t>  </m:t>
+                    </m:r>
+                  </m:oMath>
+                </a14:m>
+                <a:r>
+                  <a:rPr lang="en-US" dirty="0"/>
+                  <a:t>  </a:t>
+                </a:r>
+              </a:p>
+              <a:p>
+                <a:pPr marL="0" indent="0">
+                  <a:buNone/>
+                </a:pPr>
+                <a:endParaRPr lang="en-US" dirty="0"/>
+              </a:p>
+              <a:p>
+                <a:pPr marL="0" indent="0">
+                  <a:buNone/>
+                </a:pPr>
+                <a:endParaRPr lang="en-US" dirty="0"/>
+              </a:p>
+              <a:p>
+                <a:pPr marL="0" indent="0">
+                  <a:buNone/>
+                </a:pPr>
+                <a:r>
+                  <a:rPr lang="en-US" dirty="0"/>
+                  <a:t>The question is how to learn the coefficients (weights in ML terms)?</a:t>
+                </a:r>
+              </a:p>
+              <a:p>
+                <a:pPr marL="0" indent="0">
+                  <a:buNone/>
+                </a:pPr>
+                <a:endParaRPr lang="en-US" dirty="0"/>
+              </a:p>
+              <a:p>
+                <a:pPr marL="0" indent="0">
+                  <a:buNone/>
+                </a:pPr>
+                <a:r>
+                  <a:rPr lang="en-US" dirty="0"/>
+                  <a:t>Using training data. </a:t>
+                </a:r>
+              </a:p>
+            </p:txBody>
+          </p:sp>
+        </mc:Choice>
+        <mc:Fallback xmlns="">
+          <p:sp>
+            <p:nvSpPr>
+              <p:cNvPr id="3" name="Content Placeholder 2">
+                <a:extLst>
+                  <a:ext uri="{FF2B5EF4-FFF2-40B4-BE49-F238E27FC236}">
+                    <a16:creationId xmlns:a16="http://schemas.microsoft.com/office/drawing/2014/main" id="{225A3165-8C03-4A21-9AE7-473C60450C29}"/>
+                  </a:ext>
+                </a:extLst>
+              </p:cNvPr>
+              <p:cNvSpPr>
+                <a:spLocks noGrp="1" noRot="1" noChangeAspect="1" noMove="1" noResize="1" noEditPoints="1" noAdjustHandles="1" noChangeArrowheads="1" noChangeShapeType="1" noTextEdit="1"/>
+              </p:cNvSpPr>
+              <p:nvPr>
+                <p:ph idx="1"/>
+              </p:nvPr>
+            </p:nvSpPr>
+            <p:spPr>
+              <a:blipFill>
+                <a:blip r:embed="rId2"/>
+                <a:stretch>
+                  <a:fillRect l="-772"/>
+                </a:stretch>
+              </a:blipFill>
+            </p:spPr>
+            <p:txBody>
+              <a:bodyPr/>
+              <a:lstStyle/>
+              <a:p>
+                <a:r>
+                  <a:rPr lang="en-US">
+                    <a:noFill/>
+                  </a:rPr>
+                  <a:t> </a:t>
+                </a:r>
+              </a:p>
+            </p:txBody>
+          </p:sp>
+        </mc:Fallback>
+      </mc:AlternateContent>
+      <p:sp>
+        <p:nvSpPr>
+          <p:cNvPr id="4" name="Slide Number Placeholder 3">
+            <a:extLst>
+              <a:ext uri="{FF2B5EF4-FFF2-40B4-BE49-F238E27FC236}">
+                <a16:creationId xmlns:a16="http://schemas.microsoft.com/office/drawing/2014/main" id="{8F1042A9-49A1-24FA-1986-0A5DCCA6195C}"/>
+              </a:ext>
+            </a:extLst>
+          </p:cNvPr>
+          <p:cNvSpPr>
+            <a:spLocks noGrp="1"/>
+          </p:cNvSpPr>
+          <p:nvPr>
+            <p:ph type="sldNum" sz="quarter" idx="12"/>
+          </p:nvPr>
+        </p:nvSpPr>
+        <p:spPr/>
+        <p:txBody>
+          <a:bodyPr/>
+          <a:lstStyle/>
+          <a:p>
+            <a:fld id="{44E22EE9-B8A0-0641-9265-052CFE9B95A7}" type="slidenum">
+              <a:rPr lang="en-GB" altLang="en-US" smtClean="0"/>
+              <a:pPr/>
+              <a:t>4</a:t>
+            </a:fld>
+            <a:endParaRPr lang="en-GB" altLang="en-US"/>
+          </a:p>
+        </p:txBody>
+      </p:sp>
+    </p:spTree>
+    <p:extLst>
+      <p:ext uri="{BB962C8B-B14F-4D97-AF65-F5344CB8AC3E}">
+        <p14:creationId xmlns:p14="http://schemas.microsoft.com/office/powerpoint/2010/main" val="1330174225"/>
+      </p:ext>
+    </p:extLst>
+  </p:cSld>
+  <p:clrMapOvr>
+    <a:masterClrMapping/>
+  </p:clrMapOvr>
+</p:sld>
+</file>
+
+<file path=ppt/slides/slide40.xml><?xml version="1.0" encoding="utf-8"?>
+<p:sld xmlns:a="http://schemas.openxmlformats.org/drawingml/2006/main" xmlns:r="http://schemas.openxmlformats.org/officeDocument/2006/relationships" xmlns:p="http://schemas.openxmlformats.org/presentationml/2006/main">
+  <p:cSld>
+    <p:spTree>
+      <p:nvGrpSpPr>
+        <p:cNvPr id="1" name=""/>
+        <p:cNvGrpSpPr/>
+        <p:nvPr/>
+      </p:nvGrpSpPr>
+      <p:grpSpPr>
+        <a:xfrm>
+          <a:off x="0" y="0"/>
+          <a:ext cx="0" cy="0"/>
+          <a:chOff x="0" y="0"/>
+          <a:chExt cx="0" cy="0"/>
+        </a:xfrm>
+      </p:grpSpPr>
+      <p:sp>
+        <p:nvSpPr>
+          <p:cNvPr id="2" name="Title 1">
+            <a:extLst>
+              <a:ext uri="{FF2B5EF4-FFF2-40B4-BE49-F238E27FC236}">
+                <a16:creationId xmlns:a16="http://schemas.microsoft.com/office/drawing/2014/main" id="{3E65012C-C5F2-2043-C035-3E72BC1C424C}"/>
+              </a:ext>
+            </a:extLst>
+          </p:cNvPr>
+          <p:cNvSpPr>
+            <a:spLocks noGrp="1"/>
+          </p:cNvSpPr>
+          <p:nvPr>
+            <p:ph type="title"/>
+          </p:nvPr>
+        </p:nvSpPr>
+        <p:spPr/>
+        <p:txBody>
+          <a:bodyPr/>
+          <a:lstStyle/>
+          <a:p>
+            <a:r>
+              <a:rPr lang="en-US" dirty="0"/>
               <a:t>Overfitting</a:t>
             </a:r>
           </a:p>
@@ -14810,7 +13777,7 @@
             <a:fld id="{44E22EE9-B8A0-0641-9265-052CFE9B95A7}" type="slidenum">
               <a:rPr lang="en-GB" altLang="en-US" smtClean="0"/>
               <a:pPr/>
-              <a:t>44</a:t>
+              <a:t>40</a:t>
             </a:fld>
             <a:endParaRPr lang="en-GB" altLang="en-US"/>
           </a:p>
@@ -14864,6 +13831,623 @@
 </p:sld>
 </file>
 
+<file path=ppt/slides/slide41.xml><?xml version="1.0" encoding="utf-8"?>
+<p:sld xmlns:a="http://schemas.openxmlformats.org/drawingml/2006/main" xmlns:r="http://schemas.openxmlformats.org/officeDocument/2006/relationships" xmlns:p="http://schemas.openxmlformats.org/presentationml/2006/main">
+  <p:cSld>
+    <p:spTree>
+      <p:nvGrpSpPr>
+        <p:cNvPr id="1" name=""/>
+        <p:cNvGrpSpPr/>
+        <p:nvPr/>
+      </p:nvGrpSpPr>
+      <p:grpSpPr>
+        <a:xfrm>
+          <a:off x="0" y="0"/>
+          <a:ext cx="0" cy="0"/>
+          <a:chOff x="0" y="0"/>
+          <a:chExt cx="0" cy="0"/>
+        </a:xfrm>
+      </p:grpSpPr>
+      <p:sp>
+        <p:nvSpPr>
+          <p:cNvPr id="2" name="Title 1">
+            <a:extLst>
+              <a:ext uri="{FF2B5EF4-FFF2-40B4-BE49-F238E27FC236}">
+                <a16:creationId xmlns:a16="http://schemas.microsoft.com/office/drawing/2014/main" id="{082E46DE-A630-6A8D-7E15-1BBCFE257428}"/>
+              </a:ext>
+            </a:extLst>
+          </p:cNvPr>
+          <p:cNvSpPr>
+            <a:spLocks noGrp="1"/>
+          </p:cNvSpPr>
+          <p:nvPr>
+            <p:ph type="title"/>
+          </p:nvPr>
+        </p:nvSpPr>
+        <p:spPr/>
+        <p:txBody>
+          <a:bodyPr/>
+          <a:lstStyle/>
+          <a:p>
+            <a:r>
+              <a:rPr lang="en-US" dirty="0"/>
+              <a:t>KNN in Python</a:t>
+            </a:r>
+          </a:p>
+        </p:txBody>
+      </p:sp>
+      <p:sp>
+        <p:nvSpPr>
+          <p:cNvPr id="3" name="Slide Number Placeholder 2">
+            <a:extLst>
+              <a:ext uri="{FF2B5EF4-FFF2-40B4-BE49-F238E27FC236}">
+                <a16:creationId xmlns:a16="http://schemas.microsoft.com/office/drawing/2014/main" id="{DD05F6B8-E4F9-F842-9D66-6313524309D5}"/>
+              </a:ext>
+            </a:extLst>
+          </p:cNvPr>
+          <p:cNvSpPr>
+            <a:spLocks noGrp="1"/>
+          </p:cNvSpPr>
+          <p:nvPr>
+            <p:ph type="sldNum" sz="quarter" idx="12"/>
+          </p:nvPr>
+        </p:nvSpPr>
+        <p:spPr/>
+        <p:txBody>
+          <a:bodyPr/>
+          <a:lstStyle/>
+          <a:p>
+            <a:fld id="{BB98F552-A29D-2D4E-8192-F20670493719}" type="slidenum">
+              <a:rPr lang="en-GB" altLang="en-US" smtClean="0"/>
+              <a:pPr/>
+              <a:t>41</a:t>
+            </a:fld>
+            <a:endParaRPr lang="en-GB" altLang="en-US"/>
+          </a:p>
+        </p:txBody>
+      </p:sp>
+      <p:pic>
+        <p:nvPicPr>
+          <p:cNvPr id="5" name="Picture 4" descr="Graphical user interface, text, application, email&#10;&#10;Description automatically generated">
+            <a:extLst>
+              <a:ext uri="{FF2B5EF4-FFF2-40B4-BE49-F238E27FC236}">
+                <a16:creationId xmlns:a16="http://schemas.microsoft.com/office/drawing/2014/main" id="{2A5219DD-B07E-1704-DAB2-B2B9948FA209}"/>
+              </a:ext>
+            </a:extLst>
+          </p:cNvPr>
+          <p:cNvPicPr>
+            <a:picLocks noChangeAspect="1"/>
+          </p:cNvPicPr>
+          <p:nvPr/>
+        </p:nvPicPr>
+        <p:blipFill>
+          <a:blip r:embed="rId2">
+            <a:extLst>
+              <a:ext uri="{28A0092B-C50C-407E-A947-70E740481C1C}">
+                <a14:useLocalDpi xmlns:a14="http://schemas.microsoft.com/office/drawing/2010/main" val="0"/>
+              </a:ext>
+            </a:extLst>
+          </a:blip>
+          <a:stretch>
+            <a:fillRect/>
+          </a:stretch>
+        </p:blipFill>
+        <p:spPr>
+          <a:xfrm>
+            <a:off x="464096" y="766679"/>
+            <a:ext cx="7772400" cy="4181642"/>
+          </a:xfrm>
+          <a:prstGeom prst="rect">
+            <a:avLst/>
+          </a:prstGeom>
+        </p:spPr>
+      </p:pic>
+      <p:sp>
+        <p:nvSpPr>
+          <p:cNvPr id="6" name="TextBox 5">
+            <a:extLst>
+              <a:ext uri="{FF2B5EF4-FFF2-40B4-BE49-F238E27FC236}">
+                <a16:creationId xmlns:a16="http://schemas.microsoft.com/office/drawing/2014/main" id="{AB4D2F20-5FEB-6B85-4513-E52D72657387}"/>
+              </a:ext>
+            </a:extLst>
+          </p:cNvPr>
+          <p:cNvSpPr txBox="1"/>
+          <p:nvPr/>
+        </p:nvSpPr>
+        <p:spPr>
+          <a:xfrm>
+            <a:off x="683568" y="5318126"/>
+            <a:ext cx="1271502" cy="246221"/>
+          </a:xfrm>
+          <a:prstGeom prst="rect">
+            <a:avLst/>
+          </a:prstGeom>
+          <a:noFill/>
+        </p:spPr>
+        <p:txBody>
+          <a:bodyPr wrap="none" rtlCol="0">
+            <a:spAutoFit/>
+          </a:bodyPr>
+          <a:lstStyle/>
+          <a:p>
+            <a:r>
+              <a:rPr lang="en-US" sz="1000" dirty="0"/>
+              <a:t>Source: scikit-learn</a:t>
+            </a:r>
+          </a:p>
+        </p:txBody>
+      </p:sp>
+    </p:spTree>
+    <p:extLst>
+      <p:ext uri="{BB962C8B-B14F-4D97-AF65-F5344CB8AC3E}">
+        <p14:creationId xmlns:p14="http://schemas.microsoft.com/office/powerpoint/2010/main" val="3433223162"/>
+      </p:ext>
+    </p:extLst>
+  </p:cSld>
+  <p:clrMapOvr>
+    <a:masterClrMapping/>
+  </p:clrMapOvr>
+</p:sld>
+</file>
+
+<file path=ppt/slides/slide42.xml><?xml version="1.0" encoding="utf-8"?>
+<p:sld xmlns:a="http://schemas.openxmlformats.org/drawingml/2006/main" xmlns:r="http://schemas.openxmlformats.org/officeDocument/2006/relationships" xmlns:p="http://schemas.openxmlformats.org/presentationml/2006/main">
+  <p:cSld>
+    <p:spTree>
+      <p:nvGrpSpPr>
+        <p:cNvPr id="1" name=""/>
+        <p:cNvGrpSpPr/>
+        <p:nvPr/>
+      </p:nvGrpSpPr>
+      <p:grpSpPr>
+        <a:xfrm>
+          <a:off x="0" y="0"/>
+          <a:ext cx="0" cy="0"/>
+          <a:chOff x="0" y="0"/>
+          <a:chExt cx="0" cy="0"/>
+        </a:xfrm>
+      </p:grpSpPr>
+      <p:sp>
+        <p:nvSpPr>
+          <p:cNvPr id="2" name="Title 1">
+            <a:extLst>
+              <a:ext uri="{FF2B5EF4-FFF2-40B4-BE49-F238E27FC236}">
+                <a16:creationId xmlns:a16="http://schemas.microsoft.com/office/drawing/2014/main" id="{ED761B14-0085-34F1-E23A-C418F55FEA44}"/>
+              </a:ext>
+            </a:extLst>
+          </p:cNvPr>
+          <p:cNvSpPr>
+            <a:spLocks noGrp="1"/>
+          </p:cNvSpPr>
+          <p:nvPr>
+            <p:ph type="title"/>
+          </p:nvPr>
+        </p:nvSpPr>
+        <p:spPr/>
+        <p:txBody>
+          <a:bodyPr/>
+          <a:lstStyle/>
+          <a:p>
+            <a:r>
+              <a:rPr lang="en-US" dirty="0"/>
+              <a:t>Model selection</a:t>
+            </a:r>
+          </a:p>
+        </p:txBody>
+      </p:sp>
+      <p:sp>
+        <p:nvSpPr>
+          <p:cNvPr id="3" name="Content Placeholder 2">
+            <a:extLst>
+              <a:ext uri="{FF2B5EF4-FFF2-40B4-BE49-F238E27FC236}">
+                <a16:creationId xmlns:a16="http://schemas.microsoft.com/office/drawing/2014/main" id="{F3648474-BBE1-E6C3-FE38-172783F0FD04}"/>
+              </a:ext>
+            </a:extLst>
+          </p:cNvPr>
+          <p:cNvSpPr>
+            <a:spLocks noGrp="1"/>
+          </p:cNvSpPr>
+          <p:nvPr>
+            <p:ph idx="1"/>
+          </p:nvPr>
+        </p:nvSpPr>
+        <p:spPr/>
+        <p:txBody>
+          <a:bodyPr/>
+          <a:lstStyle/>
+          <a:p>
+            <a:r>
+              <a:rPr lang="en-GB" dirty="0">
+                <a:effectLst/>
+              </a:rPr>
+              <a:t>When we have a variety of models of different complexity (e.g., linear or logistic regression models with different degree polynomials, or KNN classifiers with different values of K), how should we pick the right one?</a:t>
+            </a:r>
+          </a:p>
+          <a:p>
+            <a:endParaRPr lang="en-US" dirty="0"/>
+          </a:p>
+        </p:txBody>
+      </p:sp>
+      <p:sp>
+        <p:nvSpPr>
+          <p:cNvPr id="4" name="Slide Number Placeholder 3">
+            <a:extLst>
+              <a:ext uri="{FF2B5EF4-FFF2-40B4-BE49-F238E27FC236}">
+                <a16:creationId xmlns:a16="http://schemas.microsoft.com/office/drawing/2014/main" id="{9C43E36D-E499-BEF6-C3B8-554139D586D4}"/>
+              </a:ext>
+            </a:extLst>
+          </p:cNvPr>
+          <p:cNvSpPr>
+            <a:spLocks noGrp="1"/>
+          </p:cNvSpPr>
+          <p:nvPr>
+            <p:ph type="sldNum" sz="quarter" idx="12"/>
+          </p:nvPr>
+        </p:nvSpPr>
+        <p:spPr/>
+        <p:txBody>
+          <a:bodyPr/>
+          <a:lstStyle/>
+          <a:p>
+            <a:fld id="{44E22EE9-B8A0-0641-9265-052CFE9B95A7}" type="slidenum">
+              <a:rPr lang="en-GB" altLang="en-US" smtClean="0"/>
+              <a:pPr/>
+              <a:t>42</a:t>
+            </a:fld>
+            <a:endParaRPr lang="en-GB" altLang="en-US"/>
+          </a:p>
+        </p:txBody>
+      </p:sp>
+    </p:spTree>
+    <p:extLst>
+      <p:ext uri="{BB962C8B-B14F-4D97-AF65-F5344CB8AC3E}">
+        <p14:creationId xmlns:p14="http://schemas.microsoft.com/office/powerpoint/2010/main" val="1359593925"/>
+      </p:ext>
+    </p:extLst>
+  </p:cSld>
+  <p:clrMapOvr>
+    <a:masterClrMapping/>
+  </p:clrMapOvr>
+</p:sld>
+</file>
+
+<file path=ppt/slides/slide43.xml><?xml version="1.0" encoding="utf-8"?>
+<p:sld xmlns:a="http://schemas.openxmlformats.org/drawingml/2006/main" xmlns:r="http://schemas.openxmlformats.org/officeDocument/2006/relationships" xmlns:p="http://schemas.openxmlformats.org/presentationml/2006/main">
+  <p:cSld>
+    <p:spTree>
+      <p:nvGrpSpPr>
+        <p:cNvPr id="1" name=""/>
+        <p:cNvGrpSpPr/>
+        <p:nvPr/>
+      </p:nvGrpSpPr>
+      <p:grpSpPr>
+        <a:xfrm>
+          <a:off x="0" y="0"/>
+          <a:ext cx="0" cy="0"/>
+          <a:chOff x="0" y="0"/>
+          <a:chExt cx="0" cy="0"/>
+        </a:xfrm>
+      </p:grpSpPr>
+      <p:sp>
+        <p:nvSpPr>
+          <p:cNvPr id="2" name="Title 1">
+            <a:extLst>
+              <a:ext uri="{FF2B5EF4-FFF2-40B4-BE49-F238E27FC236}">
+                <a16:creationId xmlns:a16="http://schemas.microsoft.com/office/drawing/2014/main" id="{7791CFC5-5624-37D2-D287-626CDB571E70}"/>
+              </a:ext>
+            </a:extLst>
+          </p:cNvPr>
+          <p:cNvSpPr>
+            <a:spLocks noGrp="1"/>
+          </p:cNvSpPr>
+          <p:nvPr>
+            <p:ph type="title"/>
+          </p:nvPr>
+        </p:nvSpPr>
+        <p:spPr/>
+        <p:txBody>
+          <a:bodyPr/>
+          <a:lstStyle/>
+          <a:p>
+            <a:r>
+              <a:rPr lang="en-US" dirty="0"/>
+              <a:t>Misclassification rate</a:t>
+            </a:r>
+          </a:p>
+        </p:txBody>
+      </p:sp>
+      <p:sp>
+        <p:nvSpPr>
+          <p:cNvPr id="3" name="Content Placeholder 2">
+            <a:extLst>
+              <a:ext uri="{FF2B5EF4-FFF2-40B4-BE49-F238E27FC236}">
+                <a16:creationId xmlns:a16="http://schemas.microsoft.com/office/drawing/2014/main" id="{2B16FE20-A20E-DEAD-EE76-3A67B8B3F72F}"/>
+              </a:ext>
+            </a:extLst>
+          </p:cNvPr>
+          <p:cNvSpPr>
+            <a:spLocks noGrp="1"/>
+          </p:cNvSpPr>
+          <p:nvPr>
+            <p:ph idx="1"/>
+          </p:nvPr>
+        </p:nvSpPr>
+        <p:spPr/>
+        <p:txBody>
+          <a:bodyPr/>
+          <a:lstStyle/>
+          <a:p>
+            <a:r>
+              <a:rPr lang="en-GB" dirty="0">
+                <a:effectLst/>
+              </a:rPr>
+              <a:t>A natural approach is to compute the misclassification rate on the training set for each method.</a:t>
+            </a:r>
+          </a:p>
+          <a:p>
+            <a:r>
+              <a:rPr lang="en-GB" dirty="0">
+                <a:effectLst/>
+              </a:rPr>
+              <a:t>However, what we really care about is generalisation error, which is the expected value of the misclassification rate when averaged over future data.</a:t>
+            </a:r>
+          </a:p>
+          <a:p>
+            <a:r>
+              <a:rPr lang="en-GB" dirty="0">
+                <a:effectLst/>
+              </a:rPr>
+              <a:t>This can be approximated by computing the misclassification rate on a large independent </a:t>
+            </a:r>
+            <a:r>
+              <a:rPr lang="en-GB" dirty="0">
+                <a:solidFill>
+                  <a:srgbClr val="FF0000"/>
+                </a:solidFill>
+                <a:effectLst/>
+              </a:rPr>
+              <a:t>test set</a:t>
+            </a:r>
+            <a:r>
+              <a:rPr lang="en-GB" dirty="0">
+                <a:effectLst/>
+              </a:rPr>
+              <a:t>, not used during model training.</a:t>
+            </a:r>
+          </a:p>
+          <a:p>
+            <a:endParaRPr lang="en-GB" dirty="0">
+              <a:effectLst/>
+            </a:endParaRPr>
+          </a:p>
+          <a:p>
+            <a:endParaRPr lang="en-GB" dirty="0">
+              <a:effectLst/>
+            </a:endParaRPr>
+          </a:p>
+          <a:p>
+            <a:endParaRPr lang="en-GB" dirty="0">
+              <a:effectLst/>
+            </a:endParaRPr>
+          </a:p>
+          <a:p>
+            <a:endParaRPr lang="en-US" dirty="0"/>
+          </a:p>
+        </p:txBody>
+      </p:sp>
+      <p:sp>
+        <p:nvSpPr>
+          <p:cNvPr id="4" name="Slide Number Placeholder 3">
+            <a:extLst>
+              <a:ext uri="{FF2B5EF4-FFF2-40B4-BE49-F238E27FC236}">
+                <a16:creationId xmlns:a16="http://schemas.microsoft.com/office/drawing/2014/main" id="{5B5F96F7-92D0-8432-156F-D9768A1B7D5C}"/>
+              </a:ext>
+            </a:extLst>
+          </p:cNvPr>
+          <p:cNvSpPr>
+            <a:spLocks noGrp="1"/>
+          </p:cNvSpPr>
+          <p:nvPr>
+            <p:ph type="sldNum" sz="quarter" idx="12"/>
+          </p:nvPr>
+        </p:nvSpPr>
+        <p:spPr/>
+        <p:txBody>
+          <a:bodyPr/>
+          <a:lstStyle/>
+          <a:p>
+            <a:fld id="{44E22EE9-B8A0-0641-9265-052CFE9B95A7}" type="slidenum">
+              <a:rPr lang="en-GB" altLang="en-US" smtClean="0"/>
+              <a:pPr/>
+              <a:t>43</a:t>
+            </a:fld>
+            <a:endParaRPr lang="en-GB" altLang="en-US"/>
+          </a:p>
+        </p:txBody>
+      </p:sp>
+    </p:spTree>
+    <p:extLst>
+      <p:ext uri="{BB962C8B-B14F-4D97-AF65-F5344CB8AC3E}">
+        <p14:creationId xmlns:p14="http://schemas.microsoft.com/office/powerpoint/2010/main" val="2977041722"/>
+      </p:ext>
+    </p:extLst>
+  </p:cSld>
+  <p:clrMapOvr>
+    <a:masterClrMapping/>
+  </p:clrMapOvr>
+</p:sld>
+</file>
+
+<file path=ppt/slides/slide44.xml><?xml version="1.0" encoding="utf-8"?>
+<p:sld xmlns:a="http://schemas.openxmlformats.org/drawingml/2006/main" xmlns:r="http://schemas.openxmlformats.org/officeDocument/2006/relationships" xmlns:p="http://schemas.openxmlformats.org/presentationml/2006/main">
+  <p:cSld>
+    <p:spTree>
+      <p:nvGrpSpPr>
+        <p:cNvPr id="1" name=""/>
+        <p:cNvGrpSpPr/>
+        <p:nvPr/>
+      </p:nvGrpSpPr>
+      <p:grpSpPr>
+        <a:xfrm>
+          <a:off x="0" y="0"/>
+          <a:ext cx="0" cy="0"/>
+          <a:chOff x="0" y="0"/>
+          <a:chExt cx="0" cy="0"/>
+        </a:xfrm>
+      </p:grpSpPr>
+      <p:sp>
+        <p:nvSpPr>
+          <p:cNvPr id="2" name="Title 1">
+            <a:extLst>
+              <a:ext uri="{FF2B5EF4-FFF2-40B4-BE49-F238E27FC236}">
+                <a16:creationId xmlns:a16="http://schemas.microsoft.com/office/drawing/2014/main" id="{9A564B71-995C-E2FC-6272-F858DACCCD5E}"/>
+              </a:ext>
+            </a:extLst>
+          </p:cNvPr>
+          <p:cNvSpPr>
+            <a:spLocks noGrp="1"/>
+          </p:cNvSpPr>
+          <p:nvPr>
+            <p:ph type="title"/>
+          </p:nvPr>
+        </p:nvSpPr>
+        <p:spPr/>
+        <p:txBody>
+          <a:bodyPr/>
+          <a:lstStyle/>
+          <a:p>
+            <a:r>
+              <a:rPr lang="en-US" dirty="0"/>
+              <a:t>Model selection - revisited</a:t>
+            </a:r>
+          </a:p>
+        </p:txBody>
+      </p:sp>
+      <p:sp>
+        <p:nvSpPr>
+          <p:cNvPr id="3" name="Content Placeholder 2">
+            <a:extLst>
+              <a:ext uri="{FF2B5EF4-FFF2-40B4-BE49-F238E27FC236}">
+                <a16:creationId xmlns:a16="http://schemas.microsoft.com/office/drawing/2014/main" id="{176E7B53-FF71-8020-2903-D5FC9E846E72}"/>
+              </a:ext>
+            </a:extLst>
+          </p:cNvPr>
+          <p:cNvSpPr>
+            <a:spLocks noGrp="1"/>
+          </p:cNvSpPr>
+          <p:nvPr>
+            <p:ph idx="1"/>
+          </p:nvPr>
+        </p:nvSpPr>
+        <p:spPr/>
+        <p:txBody>
+          <a:bodyPr/>
+          <a:lstStyle/>
+          <a:p>
+            <a:r>
+              <a:rPr lang="en-GB" dirty="0">
+                <a:effectLst/>
+              </a:rPr>
+              <a:t>When training the model, we don’t have access to the test set (by assumption), so we cannot use the test set to pick the model of the right complexity. </a:t>
+            </a:r>
+          </a:p>
+          <a:p>
+            <a:r>
+              <a:rPr lang="en-GB" dirty="0">
+                <a:effectLst/>
+              </a:rPr>
+              <a:t>However, we can create a test set by partitioning the training set into two: the part used for training the model, and a second part, called the </a:t>
+            </a:r>
+            <a:r>
+              <a:rPr lang="en-GB" dirty="0">
+                <a:solidFill>
+                  <a:srgbClr val="FF0000"/>
+                </a:solidFill>
+                <a:effectLst/>
+              </a:rPr>
+              <a:t>validation set</a:t>
+            </a:r>
+            <a:r>
+              <a:rPr lang="en-GB" dirty="0">
+                <a:effectLst/>
+              </a:rPr>
+              <a:t>, used for selecting the model complexity. </a:t>
+            </a:r>
+          </a:p>
+          <a:p>
+            <a:r>
+              <a:rPr lang="en-GB" dirty="0">
+                <a:effectLst/>
+              </a:rPr>
+              <a:t>We then fit all the models on the training set, and evaluate their performance on the validation set, and pick the best. </a:t>
+            </a:r>
+          </a:p>
+          <a:p>
+            <a:r>
+              <a:rPr lang="en-GB" dirty="0">
+                <a:effectLst/>
+              </a:rPr>
+              <a:t>Once we have picked the best, we can refit it to all the available data. If we have a separate test set, we can evaluate performance on this, in order to estimate the accuracy of our</a:t>
+            </a:r>
+            <a:r>
+              <a:rPr lang="en-GB" dirty="0"/>
+              <a:t> </a:t>
+            </a:r>
+            <a:r>
+              <a:rPr lang="en-GB" dirty="0">
+                <a:effectLst/>
+              </a:rPr>
+              <a:t>method.</a:t>
+            </a:r>
+          </a:p>
+          <a:p>
+            <a:endParaRPr lang="en-US" dirty="0"/>
+          </a:p>
+        </p:txBody>
+      </p:sp>
+      <p:sp>
+        <p:nvSpPr>
+          <p:cNvPr id="4" name="Slide Number Placeholder 3">
+            <a:extLst>
+              <a:ext uri="{FF2B5EF4-FFF2-40B4-BE49-F238E27FC236}">
+                <a16:creationId xmlns:a16="http://schemas.microsoft.com/office/drawing/2014/main" id="{B59A71A4-E442-8C11-1C21-362017182918}"/>
+              </a:ext>
+            </a:extLst>
+          </p:cNvPr>
+          <p:cNvSpPr>
+            <a:spLocks noGrp="1"/>
+          </p:cNvSpPr>
+          <p:nvPr>
+            <p:ph type="sldNum" sz="quarter" idx="12"/>
+          </p:nvPr>
+        </p:nvSpPr>
+        <p:spPr/>
+        <p:txBody>
+          <a:bodyPr/>
+          <a:lstStyle/>
+          <a:p>
+            <a:fld id="{44E22EE9-B8A0-0641-9265-052CFE9B95A7}" type="slidenum">
+              <a:rPr lang="en-GB" altLang="en-US" smtClean="0"/>
+              <a:pPr/>
+              <a:t>44</a:t>
+            </a:fld>
+            <a:endParaRPr lang="en-GB" altLang="en-US"/>
+          </a:p>
+        </p:txBody>
+      </p:sp>
+    </p:spTree>
+    <p:extLst>
+      <p:ext uri="{BB962C8B-B14F-4D97-AF65-F5344CB8AC3E}">
+        <p14:creationId xmlns:p14="http://schemas.microsoft.com/office/powerpoint/2010/main" val="3179898961"/>
+      </p:ext>
+    </p:extLst>
+  </p:cSld>
+  <p:clrMapOvr>
+    <a:masterClrMapping/>
+  </p:clrMapOvr>
+</p:sld>
+</file>
+
 <file path=ppt/slides/slide45.xml><?xml version="1.0" encoding="utf-8"?>
 <p:sld xmlns:a="http://schemas.openxmlformats.org/drawingml/2006/main" xmlns:r="http://schemas.openxmlformats.org/officeDocument/2006/relationships" xmlns:p="http://schemas.openxmlformats.org/presentationml/2006/main">
   <p:cSld>
@@ -14886,7 +14470,7 @@
           <p:cNvPr id="2" name="Title 1">
             <a:extLst>
               <a:ext uri="{FF2B5EF4-FFF2-40B4-BE49-F238E27FC236}">
-                <a16:creationId xmlns:a16="http://schemas.microsoft.com/office/drawing/2014/main" id="{082E46DE-A630-6A8D-7E15-1BBCFE257428}"/>
+                <a16:creationId xmlns:a16="http://schemas.microsoft.com/office/drawing/2014/main" id="{85CEAAA9-12BE-8DFF-8128-00A7B3A4B411}"/>
               </a:ext>
             </a:extLst>
           </p:cNvPr>
@@ -14904,17 +14488,17 @@
           <a:p>
             <a:r>
               <a:rPr lang="en-US" dirty="0"/>
-              <a:t>KNN in Python</a:t>
-            </a:r>
-          </a:p>
-        </p:txBody>
-      </p:sp>
-      <p:sp>
-        <p:nvSpPr>
-          <p:cNvPr id="3" name="Slide Number Placeholder 2">
-            <a:extLst>
-              <a:ext uri="{FF2B5EF4-FFF2-40B4-BE49-F238E27FC236}">
-                <a16:creationId xmlns:a16="http://schemas.microsoft.com/office/drawing/2014/main" id="{DD05F6B8-E4F9-F842-9D66-6313524309D5}"/>
+              <a:t>Training and test errors</a:t>
+            </a:r>
+          </a:p>
+        </p:txBody>
+      </p:sp>
+      <p:sp>
+        <p:nvSpPr>
+          <p:cNvPr id="4" name="Slide Number Placeholder 3">
+            <a:extLst>
+              <a:ext uri="{FF2B5EF4-FFF2-40B4-BE49-F238E27FC236}">
+                <a16:creationId xmlns:a16="http://schemas.microsoft.com/office/drawing/2014/main" id="{0C778544-2E65-1186-EA28-7FDFC0B8A6AC}"/>
               </a:ext>
             </a:extLst>
           </p:cNvPr>
@@ -14930,7 +14514,7 @@
           <a:bodyPr/>
           <a:lstStyle/>
           <a:p>
-            <a:fld id="{BB98F552-A29D-2D4E-8192-F20670493719}" type="slidenum">
+            <a:fld id="{44E22EE9-B8A0-0641-9265-052CFE9B95A7}" type="slidenum">
               <a:rPr lang="en-GB" altLang="en-US" smtClean="0"/>
               <a:pPr/>
               <a:t>45</a:t>
@@ -14941,10 +14525,10 @@
       </p:sp>
       <p:pic>
         <p:nvPicPr>
-          <p:cNvPr id="5" name="Picture 4" descr="Graphical user interface, text, application, email&#10;&#10;Description automatically generated">
-            <a:extLst>
-              <a:ext uri="{FF2B5EF4-FFF2-40B4-BE49-F238E27FC236}">
-                <a16:creationId xmlns:a16="http://schemas.microsoft.com/office/drawing/2014/main" id="{2A5219DD-B07E-1704-DAB2-B2B9948FA209}"/>
+          <p:cNvPr id="3" name="Picture 2" descr="A picture containing graphical user interface&#10;&#10;Description automatically generated">
+            <a:extLst>
+              <a:ext uri="{FF2B5EF4-FFF2-40B4-BE49-F238E27FC236}">
+                <a16:creationId xmlns:a16="http://schemas.microsoft.com/office/drawing/2014/main" id="{8A55A281-DD90-D165-C65B-486AAAD27054}"/>
               </a:ext>
             </a:extLst>
           </p:cNvPr>
@@ -14967,8 +14551,8 @@
         </p:blipFill>
         <p:spPr>
           <a:xfrm>
-            <a:off x="464096" y="766679"/>
-            <a:ext cx="7772400" cy="4181642"/>
+            <a:off x="822640" y="1357333"/>
+            <a:ext cx="6918639" cy="3338795"/>
           </a:xfrm>
           <a:prstGeom prst="rect">
             <a:avLst/>
@@ -14977,10 +14561,10 @@
       </p:pic>
       <p:sp>
         <p:nvSpPr>
-          <p:cNvPr id="6" name="TextBox 5">
-            <a:extLst>
-              <a:ext uri="{FF2B5EF4-FFF2-40B4-BE49-F238E27FC236}">
-                <a16:creationId xmlns:a16="http://schemas.microsoft.com/office/drawing/2014/main" id="{AB4D2F20-5FEB-6B85-4513-E52D72657387}"/>
+          <p:cNvPr id="5" name="TextBox 4">
+            <a:extLst>
+              <a:ext uri="{FF2B5EF4-FFF2-40B4-BE49-F238E27FC236}">
+                <a16:creationId xmlns:a16="http://schemas.microsoft.com/office/drawing/2014/main" id="{50788C3E-5FCD-364D-F6CE-0B026D5F9809}"/>
               </a:ext>
             </a:extLst>
           </p:cNvPr>
@@ -14989,8 +14573,8 @@
         </p:nvSpPr>
         <p:spPr>
           <a:xfrm>
-            <a:off x="683568" y="5318126"/>
-            <a:ext cx="1271502" cy="246221"/>
+            <a:off x="1156938" y="5478754"/>
+            <a:ext cx="2626040" cy="220510"/>
           </a:xfrm>
           <a:prstGeom prst="rect">
             <a:avLst/>
@@ -15004,8 +14588,10 @@
           <a:lstStyle/>
           <a:p>
             <a:r>
-              <a:rPr lang="en-US" sz="1000" dirty="0"/>
-              <a:t>Source: scikit-learn</a:t>
+              <a:rPr lang="en-US" sz="833" dirty="0">
+                <a:latin typeface="Gill Sans MT" panose="020B0502020104020203" pitchFamily="34" charset="77"/>
+              </a:rPr>
+              <a:t>Source: Deep Learning, Ian Goodfellow et al, MIT press.</a:t>
             </a:r>
           </a:p>
         </p:txBody>
@@ -15013,7 +14599,7 @@
     </p:spTree>
     <p:extLst>
       <p:ext uri="{BB962C8B-B14F-4D97-AF65-F5344CB8AC3E}">
-        <p14:creationId xmlns:p14="http://schemas.microsoft.com/office/powerpoint/2010/main" val="3433223162"/>
+        <p14:creationId xmlns:p14="http://schemas.microsoft.com/office/powerpoint/2010/main" val="3582300531"/>
       </p:ext>
     </p:extLst>
   </p:cSld>
@@ -15045,7 +14631,7 @@
           <p:cNvPr id="2" name="Title 1">
             <a:extLst>
               <a:ext uri="{FF2B5EF4-FFF2-40B4-BE49-F238E27FC236}">
-                <a16:creationId xmlns:a16="http://schemas.microsoft.com/office/drawing/2014/main" id="{ED761B14-0085-34F1-E23A-C418F55FEA44}"/>
+                <a16:creationId xmlns:a16="http://schemas.microsoft.com/office/drawing/2014/main" id="{D7105CED-E583-F515-F5D5-CE4F82563188}"/>
               </a:ext>
             </a:extLst>
           </p:cNvPr>
@@ -15063,50 +14649,155 @@
           <a:p>
             <a:r>
               <a:rPr lang="en-US" dirty="0"/>
-              <a:t>Model selection</a:t>
-            </a:r>
-          </a:p>
-        </p:txBody>
-      </p:sp>
-      <p:sp>
-        <p:nvSpPr>
-          <p:cNvPr id="3" name="Content Placeholder 2">
-            <a:extLst>
-              <a:ext uri="{FF2B5EF4-FFF2-40B4-BE49-F238E27FC236}">
-                <a16:creationId xmlns:a16="http://schemas.microsoft.com/office/drawing/2014/main" id="{F3648474-BBE1-E6C3-FE38-172783F0FD04}"/>
-              </a:ext>
-            </a:extLst>
-          </p:cNvPr>
-          <p:cNvSpPr>
-            <a:spLocks noGrp="1"/>
-          </p:cNvSpPr>
-          <p:nvPr>
-            <p:ph idx="1"/>
-          </p:nvPr>
-        </p:nvSpPr>
-        <p:spPr/>
-        <p:txBody>
-          <a:bodyPr/>
-          <a:lstStyle/>
-          <a:p>
-            <a:r>
-              <a:rPr lang="en-GB" dirty="0">
-                <a:effectLst/>
-              </a:rPr>
-              <a:t>When we have a variety of models of different complexity (e.g., linear or logistic regression models with different degree polynomials, or KNN classifiers with different values of K), how should we pick the right one?</a:t>
-            </a:r>
-          </a:p>
-          <a:p>
-            <a:endParaRPr lang="en-US" dirty="0"/>
-          </a:p>
-        </p:txBody>
-      </p:sp>
+              <a:t>Cross validation</a:t>
+            </a:r>
+          </a:p>
+        </p:txBody>
+      </p:sp>
+      <mc:AlternateContent xmlns:mc="http://schemas.openxmlformats.org/markup-compatibility/2006">
+        <mc:Choice xmlns:a14="http://schemas.microsoft.com/office/drawing/2010/main" Requires="a14">
+          <p:sp>
+            <p:nvSpPr>
+              <p:cNvPr id="3" name="Content Placeholder 2">
+                <a:extLst>
+                  <a:ext uri="{FF2B5EF4-FFF2-40B4-BE49-F238E27FC236}">
+                    <a16:creationId xmlns:a16="http://schemas.microsoft.com/office/drawing/2014/main" id="{36BE0485-AB7A-C130-A53F-7FDCD07E05BB}"/>
+                  </a:ext>
+                </a:extLst>
+              </p:cNvPr>
+              <p:cNvSpPr>
+                <a:spLocks noGrp="1"/>
+              </p:cNvSpPr>
+              <p:nvPr>
+                <p:ph idx="1"/>
+              </p:nvPr>
+            </p:nvSpPr>
+            <p:spPr/>
+            <p:txBody>
+              <a:bodyPr/>
+              <a:lstStyle/>
+              <a:p>
+                <a:r>
+                  <a:rPr lang="en-GB" dirty="0">
+                    <a:effectLst/>
+                  </a:rPr>
+                  <a:t>The idea is simple: we split the training data into K folds; then, for each fold </a:t>
+                </a:r>
+                <a14:m>
+                  <m:oMath xmlns:m="http://schemas.openxmlformats.org/officeDocument/2006/math">
+                    <m:r>
+                      <a:rPr lang="en-GB" i="1" dirty="0" smtClean="0">
+                        <a:effectLst/>
+                        <a:latin typeface="Cambria Math" panose="02040503050406030204" pitchFamily="18" charset="0"/>
+                      </a:rPr>
+                      <m:t>𝑘</m:t>
+                    </m:r>
+                    <m:r>
+                      <a:rPr lang="en-GB" i="1" dirty="0" smtClean="0">
+                        <a:effectLst/>
+                        <a:latin typeface="Cambria Math" panose="02040503050406030204" pitchFamily="18" charset="0"/>
+                      </a:rPr>
+                      <m:t> ∈ {1, . . . , </m:t>
+                    </m:r>
+                    <m:r>
+                      <a:rPr lang="en-GB" i="1" dirty="0" smtClean="0">
+                        <a:effectLst/>
+                        <a:latin typeface="Cambria Math" panose="02040503050406030204" pitchFamily="18" charset="0"/>
+                      </a:rPr>
+                      <m:t>𝐾</m:t>
+                    </m:r>
+                    <m:r>
+                      <a:rPr lang="en-GB" i="1" dirty="0" smtClean="0">
+                        <a:effectLst/>
+                        <a:latin typeface="Cambria Math" panose="02040503050406030204" pitchFamily="18" charset="0"/>
+                      </a:rPr>
+                      <m:t>}</m:t>
+                    </m:r>
+                  </m:oMath>
+                </a14:m>
+                <a:r>
+                  <a:rPr lang="en-GB" dirty="0">
+                    <a:effectLst/>
+                  </a:rPr>
+                  <a:t>, we train on all the folds but the </a:t>
+                </a:r>
+                <a:r>
+                  <a:rPr lang="en-GB" dirty="0" err="1">
+                    <a:effectLst/>
+                  </a:rPr>
+                  <a:t>k’th</a:t>
+                </a:r>
+                <a:r>
+                  <a:rPr lang="en-GB" dirty="0">
+                    <a:effectLst/>
+                  </a:rPr>
+                  <a:t>, and test on the </a:t>
+                </a:r>
+                <a:r>
+                  <a:rPr lang="en-GB" dirty="0" err="1">
+                    <a:effectLst/>
+                  </a:rPr>
+                  <a:t>k’th</a:t>
+                </a:r>
+                <a:r>
+                  <a:rPr lang="en-GB" dirty="0">
+                    <a:effectLst/>
+                  </a:rPr>
+                  <a:t>, in a round-robin fashion.</a:t>
+                </a:r>
+              </a:p>
+              <a:p>
+                <a:endParaRPr lang="en-US" dirty="0"/>
+              </a:p>
+            </p:txBody>
+          </p:sp>
+        </mc:Choice>
+        <mc:Fallback>
+          <p:sp>
+            <p:nvSpPr>
+              <p:cNvPr id="3" name="Content Placeholder 2">
+                <a:extLst>
+                  <a:ext uri="{FF2B5EF4-FFF2-40B4-BE49-F238E27FC236}">
+                    <a16:creationId xmlns:a16="http://schemas.microsoft.com/office/drawing/2014/main" id="{36BE0485-AB7A-C130-A53F-7FDCD07E05BB}"/>
+                  </a:ext>
+                </a:extLst>
+              </p:cNvPr>
+              <p:cNvSpPr>
+                <a:spLocks noGrp="1" noRot="1" noChangeAspect="1" noMove="1" noResize="1" noEditPoints="1" noAdjustHandles="1" noChangeArrowheads="1" noChangeShapeType="1" noTextEdit="1"/>
+              </p:cNvSpPr>
+              <p:nvPr>
+                <p:ph idx="1"/>
+              </p:nvPr>
+            </p:nvSpPr>
+            <p:spPr>
+              <a:blipFill>
+                <a:blip r:embed="rId2"/>
+                <a:stretch>
+                  <a:fillRect l="-772" t="-1223"/>
+                </a:stretch>
+              </a:blipFill>
+            </p:spPr>
+            <p:txBody>
+              <a:bodyPr/>
+              <a:lstStyle/>
+              <a:p>
+                <a:r>
+                  <a:rPr lang="en-GB">
+                    <a:noFill/>
+                  </a:rPr>
+                  <a:t> </a:t>
+                </a:r>
+              </a:p>
+            </p:txBody>
+          </p:sp>
+        </mc:Fallback>
+      </mc:AlternateContent>
       <p:sp>
         <p:nvSpPr>
           <p:cNvPr id="4" name="Slide Number Placeholder 3">
             <a:extLst>
               <a:ext uri="{FF2B5EF4-FFF2-40B4-BE49-F238E27FC236}">
-                <a16:creationId xmlns:a16="http://schemas.microsoft.com/office/drawing/2014/main" id="{9C43E36D-E499-BEF6-C3B8-554139D586D4}"/>
+                <a16:creationId xmlns:a16="http://schemas.microsoft.com/office/drawing/2014/main" id="{4ADBB904-0827-C1D6-B36F-0830538B9B8A}"/>
               </a:ext>
             </a:extLst>
           </p:cNvPr>
@@ -15131,10 +14822,46 @@
           </a:p>
         </p:txBody>
       </p:sp>
+      <p:pic>
+        <p:nvPicPr>
+          <p:cNvPr id="6" name="Picture 5" descr="Chart, bar chart&#10;&#10;Description automatically generated">
+            <a:extLst>
+              <a:ext uri="{FF2B5EF4-FFF2-40B4-BE49-F238E27FC236}">
+                <a16:creationId xmlns:a16="http://schemas.microsoft.com/office/drawing/2014/main" id="{3AE3437A-054B-B0A5-4E25-72199F7CF892}"/>
+              </a:ext>
+            </a:extLst>
+          </p:cNvPr>
+          <p:cNvPicPr>
+            <a:picLocks noChangeAspect="1"/>
+          </p:cNvPicPr>
+          <p:nvPr/>
+        </p:nvPicPr>
+        <p:blipFill>
+          <a:blip r:embed="rId3">
+            <a:extLst>
+              <a:ext uri="{28A0092B-C50C-407E-A947-70E740481C1C}">
+                <a14:useLocalDpi xmlns:a14="http://schemas.microsoft.com/office/drawing/2010/main" val="0"/>
+              </a:ext>
+            </a:extLst>
+          </a:blip>
+          <a:stretch>
+            <a:fillRect/>
+          </a:stretch>
+        </p:blipFill>
+        <p:spPr>
+          <a:xfrm>
+            <a:off x="2374900" y="2353444"/>
+            <a:ext cx="4178300" cy="2705100"/>
+          </a:xfrm>
+          <a:prstGeom prst="rect">
+            <a:avLst/>
+          </a:prstGeom>
+        </p:spPr>
+      </p:pic>
     </p:spTree>
     <p:extLst>
       <p:ext uri="{BB962C8B-B14F-4D97-AF65-F5344CB8AC3E}">
-        <p14:creationId xmlns:p14="http://schemas.microsoft.com/office/powerpoint/2010/main" val="1359593925"/>
+        <p14:creationId xmlns:p14="http://schemas.microsoft.com/office/powerpoint/2010/main" val="2512078793"/>
       </p:ext>
     </p:extLst>
   </p:cSld>
@@ -15166,7 +14893,7 @@
           <p:cNvPr id="2" name="Title 1">
             <a:extLst>
               <a:ext uri="{FF2B5EF4-FFF2-40B4-BE49-F238E27FC236}">
-                <a16:creationId xmlns:a16="http://schemas.microsoft.com/office/drawing/2014/main" id="{7791CFC5-5624-37D2-D287-626CDB571E70}"/>
+                <a16:creationId xmlns:a16="http://schemas.microsoft.com/office/drawing/2014/main" id="{36FB6501-3DAF-BB57-D4A7-FD9187BA70B8}"/>
               </a:ext>
             </a:extLst>
           </p:cNvPr>
@@ -15184,7 +14911,7 @@
           <a:p>
             <a:r>
               <a:rPr lang="en-US" dirty="0"/>
-              <a:t>Misclassification rate</a:t>
+              <a:t>N-Fold cross validation</a:t>
             </a:r>
           </a:p>
         </p:txBody>
@@ -15194,7 +14921,7 @@
           <p:cNvPr id="3" name="Content Placeholder 2">
             <a:extLst>
               <a:ext uri="{FF2B5EF4-FFF2-40B4-BE49-F238E27FC236}">
-                <a16:creationId xmlns:a16="http://schemas.microsoft.com/office/drawing/2014/main" id="{2B16FE20-A20E-DEAD-EE76-3A67B8B3F72F}"/>
+                <a16:creationId xmlns:a16="http://schemas.microsoft.com/office/drawing/2014/main" id="{53A55346-0230-4765-1776-B4A392242181}"/>
               </a:ext>
             </a:extLst>
           </p:cNvPr>
@@ -15214,7 +14941,7 @@
               <a:rPr lang="en-GB" dirty="0">
                 <a:effectLst/>
               </a:rPr>
-              <a:t>A natural approach is to compute the misclassification rate on the training set for each method.</a:t>
+              <a:t>We then compute the error averaged over all the folds and use this as a proxy for the test error.</a:t>
             </a:r>
           </a:p>
           <a:p>
@@ -15222,7 +14949,7 @@
               <a:rPr lang="en-GB" dirty="0">
                 <a:effectLst/>
               </a:rPr>
-              <a:t>However, what we really care about is generalisation error, which is the expected value of the misclassification rate when averaged over future data.</a:t>
+              <a:t>Note that each point gets predicted only once, although it will be used for training K−1 times.</a:t>
             </a:r>
           </a:p>
           <a:p>
@@ -15230,7 +14957,15 @@
               <a:rPr lang="en-GB" dirty="0">
                 <a:effectLst/>
               </a:rPr>
-              <a:t>This can be approximated by computing the misclassification rate on a large independent </a:t>
+              <a:t>It is common to use K = 5 or 10; this is called 5 or 10-fold CV. </a:t>
+            </a:r>
+          </a:p>
+          <a:p>
+            <a:r>
+              <a:rPr lang="en-GB" dirty="0">
+                <a:effectLst/>
+              </a:rPr>
+              <a:t>If we set K = N, then we get a method called </a:t>
             </a:r>
             <a:r>
               <a:rPr lang="en-GB" dirty="0">
@@ -15239,29 +14974,50 @@
                 </a:solidFill>
                 <a:effectLst/>
               </a:rPr>
-              <a:t>test set</a:t>
+              <a:t>leave-one out cross validation</a:t>
             </a:r>
             <a:r>
               <a:rPr lang="en-GB" dirty="0">
                 <a:effectLst/>
               </a:rPr>
-              <a:t>, not used during model training.</a:t>
-            </a:r>
-          </a:p>
-          <a:p>
-            <a:endParaRPr lang="en-GB" dirty="0">
-              <a:effectLst/>
-            </a:endParaRPr>
-          </a:p>
-          <a:p>
-            <a:endParaRPr lang="en-GB" dirty="0">
-              <a:effectLst/>
-            </a:endParaRPr>
-          </a:p>
-          <a:p>
-            <a:endParaRPr lang="en-GB" dirty="0">
-              <a:effectLst/>
-            </a:endParaRPr>
+              <a:t>, or  LOOCV, since in fold </a:t>
+            </a:r>
+            <a:r>
+              <a:rPr lang="en-GB" dirty="0" err="1">
+                <a:effectLst/>
+              </a:rPr>
+              <a:t>i</a:t>
+            </a:r>
+            <a:r>
+              <a:rPr lang="en-GB" dirty="0">
+                <a:effectLst/>
+              </a:rPr>
+              <a:t>, we train on all the data cases except for </a:t>
+            </a:r>
+            <a:r>
+              <a:rPr lang="en-GB" dirty="0" err="1">
+                <a:effectLst/>
+              </a:rPr>
+              <a:t>i</a:t>
+            </a:r>
+            <a:r>
+              <a:rPr lang="en-GB" dirty="0">
+                <a:effectLst/>
+              </a:rPr>
+              <a:t>, and then test on </a:t>
+            </a:r>
+            <a:r>
+              <a:rPr lang="en-GB" dirty="0" err="1">
+                <a:effectLst/>
+              </a:rPr>
+              <a:t>i</a:t>
+            </a:r>
+            <a:r>
+              <a:rPr lang="en-GB" dirty="0">
+                <a:effectLst/>
+              </a:rPr>
+              <a:t>.</a:t>
+            </a:r>
           </a:p>
           <a:p>
             <a:endParaRPr lang="en-US" dirty="0"/>
@@ -15273,7 +15029,7 @@
           <p:cNvPr id="4" name="Slide Number Placeholder 3">
             <a:extLst>
               <a:ext uri="{FF2B5EF4-FFF2-40B4-BE49-F238E27FC236}">
-                <a16:creationId xmlns:a16="http://schemas.microsoft.com/office/drawing/2014/main" id="{5B5F96F7-92D0-8432-156F-D9768A1B7D5C}"/>
+                <a16:creationId xmlns:a16="http://schemas.microsoft.com/office/drawing/2014/main" id="{0BD44DAD-B2AA-D6A0-04E7-68792C241FB1}"/>
               </a:ext>
             </a:extLst>
           </p:cNvPr>
@@ -15301,7 +15057,7 @@
     </p:spTree>
     <p:extLst>
       <p:ext uri="{BB962C8B-B14F-4D97-AF65-F5344CB8AC3E}">
-        <p14:creationId xmlns:p14="http://schemas.microsoft.com/office/powerpoint/2010/main" val="2977041722"/>
+        <p14:creationId xmlns:p14="http://schemas.microsoft.com/office/powerpoint/2010/main" val="3030131108"/>
       </p:ext>
     </p:extLst>
   </p:cSld>
@@ -15333,7 +15089,7 @@
           <p:cNvPr id="2" name="Title 1">
             <a:extLst>
               <a:ext uri="{FF2B5EF4-FFF2-40B4-BE49-F238E27FC236}">
-                <a16:creationId xmlns:a16="http://schemas.microsoft.com/office/drawing/2014/main" id="{9A564B71-995C-E2FC-6272-F858DACCCD5E}"/>
+                <a16:creationId xmlns:a16="http://schemas.microsoft.com/office/drawing/2014/main" id="{9B8AD3DE-A813-3301-3E28-6E8F869EF78C}"/>
               </a:ext>
             </a:extLst>
           </p:cNvPr>
@@ -15351,7 +15107,7 @@
           <a:p>
             <a:r>
               <a:rPr lang="en-US" dirty="0"/>
-              <a:t>Model selection - revisited</a:t>
+              <a:t>Cross validation and model selection</a:t>
             </a:r>
           </a:p>
         </p:txBody>
@@ -15361,7 +15117,7 @@
           <p:cNvPr id="3" name="Content Placeholder 2">
             <a:extLst>
               <a:ext uri="{FF2B5EF4-FFF2-40B4-BE49-F238E27FC236}">
-                <a16:creationId xmlns:a16="http://schemas.microsoft.com/office/drawing/2014/main" id="{176E7B53-FF71-8020-2903-D5FC9E846E72}"/>
+                <a16:creationId xmlns:a16="http://schemas.microsoft.com/office/drawing/2014/main" id="{DE813BCD-C975-459A-4C21-D74C4ADAE02F}"/>
               </a:ext>
             </a:extLst>
           </p:cNvPr>
@@ -15381,7 +15137,7 @@
               <a:rPr lang="en-GB" dirty="0">
                 <a:effectLst/>
               </a:rPr>
-              <a:t>When training the model, we don’t have access to the test set (by assumption), so we cannot use the test set to pick the model of the right complexity. </a:t>
+              <a:t>Choosing K for a KNN classifier is a special case of a more general problem known as model selection, where we have to choose between models with different degrees of flexibility. </a:t>
             </a:r>
           </a:p>
           <a:p>
@@ -15389,48 +15145,17 @@
               <a:rPr lang="en-GB" dirty="0">
                 <a:effectLst/>
               </a:rPr>
-              <a:t>However, we can create a test set by partitioning the training set into two: the part used for training the model, and a second part, called the </a:t>
-            </a:r>
-            <a:r>
-              <a:rPr lang="en-GB" dirty="0">
-                <a:solidFill>
-                  <a:srgbClr val="FF0000"/>
-                </a:solidFill>
-                <a:effectLst/>
-              </a:rPr>
-              <a:t>validation set</a:t>
+              <a:t>Cross validation</a:t>
+            </a:r>
+            <a:r>
+              <a:rPr lang="en-GB" dirty="0"/>
+              <a:t> </a:t>
             </a:r>
             <a:r>
               <a:rPr lang="en-GB" dirty="0">
                 <a:effectLst/>
               </a:rPr>
-              <a:t>, used for selecting the model complexity. </a:t>
-            </a:r>
-          </a:p>
-          <a:p>
-            <a:r>
-              <a:rPr lang="en-GB" dirty="0">
-                <a:effectLst/>
-              </a:rPr>
-              <a:t>We then fit all the models on the training set, and evaluate their performance on the validation set, and pick the best. </a:t>
-            </a:r>
-          </a:p>
-          <a:p>
-            <a:r>
-              <a:rPr lang="en-GB" dirty="0">
-                <a:effectLst/>
-              </a:rPr>
-              <a:t>Once we have picked the best, we can refit it to all the available data. If we have a separate test set, we can evaluate performance on this, in order to estimate the accuracy of our</a:t>
-            </a:r>
-            <a:r>
-              <a:rPr lang="en-GB" dirty="0"/>
-              <a:t> </a:t>
-            </a:r>
-            <a:r>
-              <a:rPr lang="en-GB" dirty="0">
-                <a:effectLst/>
-              </a:rPr>
-              <a:t>method.</a:t>
+              <a:t>is widely used for solving such problems, although there are other methods/approaches for this (more on this topic later).</a:t>
             </a:r>
           </a:p>
           <a:p>
@@ -15443,7 +15168,7 @@
           <p:cNvPr id="4" name="Slide Number Placeholder 3">
             <a:extLst>
               <a:ext uri="{FF2B5EF4-FFF2-40B4-BE49-F238E27FC236}">
-                <a16:creationId xmlns:a16="http://schemas.microsoft.com/office/drawing/2014/main" id="{B59A71A4-E442-8C11-1C21-362017182918}"/>
+                <a16:creationId xmlns:a16="http://schemas.microsoft.com/office/drawing/2014/main" id="{C321A487-A026-2A3F-A0E5-7111129B0738}"/>
               </a:ext>
             </a:extLst>
           </p:cNvPr>
@@ -15471,7 +15196,7 @@
     </p:spTree>
     <p:extLst>
       <p:ext uri="{BB962C8B-B14F-4D97-AF65-F5344CB8AC3E}">
-        <p14:creationId xmlns:p14="http://schemas.microsoft.com/office/powerpoint/2010/main" val="3179898961"/>
+        <p14:creationId xmlns:p14="http://schemas.microsoft.com/office/powerpoint/2010/main" val="1703163653"/>
       </p:ext>
     </p:extLst>
   </p:cSld>
@@ -15503,7 +15228,7 @@
           <p:cNvPr id="2" name="Title 1">
             <a:extLst>
               <a:ext uri="{FF2B5EF4-FFF2-40B4-BE49-F238E27FC236}">
-                <a16:creationId xmlns:a16="http://schemas.microsoft.com/office/drawing/2014/main" id="{85CEAAA9-12BE-8DFF-8128-00A7B3A4B411}"/>
+                <a16:creationId xmlns:a16="http://schemas.microsoft.com/office/drawing/2014/main" id="{83C5E3CC-0455-E1AE-804B-64F9B6229E57}"/>
               </a:ext>
             </a:extLst>
           </p:cNvPr>
@@ -15520,9 +15245,102 @@
           <a:lstStyle/>
           <a:p>
             <a:r>
-              <a:rPr lang="en-US" dirty="0"/>
-              <a:t>Training and test errors</a:t>
-            </a:r>
+              <a:rPr lang="en-GB" dirty="0">
+                <a:effectLst/>
+              </a:rPr>
+              <a:t>No free lunch theorem</a:t>
+            </a:r>
+            <a:endParaRPr lang="en-US" dirty="0"/>
+          </a:p>
+        </p:txBody>
+      </p:sp>
+      <p:sp>
+        <p:nvSpPr>
+          <p:cNvPr id="3" name="Content Placeholder 2">
+            <a:extLst>
+              <a:ext uri="{FF2B5EF4-FFF2-40B4-BE49-F238E27FC236}">
+                <a16:creationId xmlns:a16="http://schemas.microsoft.com/office/drawing/2014/main" id="{D5B76C03-71C6-8E39-DE45-E3E43A30BAD4}"/>
+              </a:ext>
+            </a:extLst>
+          </p:cNvPr>
+          <p:cNvSpPr>
+            <a:spLocks noGrp="1"/>
+          </p:cNvSpPr>
+          <p:nvPr>
+            <p:ph idx="1"/>
+          </p:nvPr>
+        </p:nvSpPr>
+        <p:spPr/>
+        <p:txBody>
+          <a:bodyPr/>
+          <a:lstStyle/>
+          <a:p>
+            <a:r>
+              <a:rPr lang="en-GB" dirty="0">
+                <a:effectLst/>
+              </a:rPr>
+              <a:t>All models are wrong, but some models are useful. — George Box (Box and Draper 1987).</a:t>
+            </a:r>
+          </a:p>
+          <a:p>
+            <a:r>
+              <a:rPr lang="en-GB" dirty="0">
+                <a:effectLst/>
+              </a:rPr>
+              <a:t>Much of machine learning is concerned with devising different models, and different algorithms to fit them. </a:t>
+            </a:r>
+          </a:p>
+          <a:p>
+            <a:r>
+              <a:rPr lang="en-GB" dirty="0">
+                <a:effectLst/>
+              </a:rPr>
+              <a:t>We can use methods such as cross validation to empirically choose the best method for our problem. </a:t>
+            </a:r>
+          </a:p>
+          <a:p>
+            <a:r>
+              <a:rPr lang="en-GB" dirty="0">
+                <a:effectLst/>
+              </a:rPr>
+              <a:t>However, there is no universally best model — this is sometimes called the </a:t>
+            </a:r>
+            <a:r>
+              <a:rPr lang="en-GB" dirty="0">
+                <a:solidFill>
+                  <a:srgbClr val="FF0000"/>
+                </a:solidFill>
+                <a:effectLst/>
+              </a:rPr>
+              <a:t>no free lunch theorem </a:t>
+            </a:r>
+            <a:r>
+              <a:rPr lang="en-GB" dirty="0">
+                <a:effectLst/>
+              </a:rPr>
+              <a:t>(Wolpert 1996).</a:t>
+            </a:r>
+          </a:p>
+          <a:p>
+            <a:r>
+              <a:rPr lang="en-GB" dirty="0">
+                <a:effectLst/>
+              </a:rPr>
+              <a:t>The reason for this is that a set of assumptions that works well in one domain may work poorly in another.</a:t>
+            </a:r>
+          </a:p>
+          <a:p>
+            <a:endParaRPr lang="en-GB" dirty="0">
+              <a:effectLst/>
+            </a:endParaRPr>
+          </a:p>
+          <a:p>
+            <a:endParaRPr lang="en-GB" dirty="0">
+              <a:effectLst/>
+            </a:endParaRPr>
+          </a:p>
+          <a:p>
+            <a:endParaRPr lang="en-US" dirty="0"/>
           </a:p>
         </p:txBody>
       </p:sp>
@@ -15531,7 +15349,7 @@
           <p:cNvPr id="4" name="Slide Number Placeholder 3">
             <a:extLst>
               <a:ext uri="{FF2B5EF4-FFF2-40B4-BE49-F238E27FC236}">
-                <a16:creationId xmlns:a16="http://schemas.microsoft.com/office/drawing/2014/main" id="{0C778544-2E65-1186-EA28-7FDFC0B8A6AC}"/>
+                <a16:creationId xmlns:a16="http://schemas.microsoft.com/office/drawing/2014/main" id="{F6EBDBCD-E606-A61E-FFA1-3016A7C6A463}"/>
               </a:ext>
             </a:extLst>
           </p:cNvPr>
@@ -15556,83 +15374,10 @@
           </a:p>
         </p:txBody>
       </p:sp>
-      <p:pic>
-        <p:nvPicPr>
-          <p:cNvPr id="3" name="Picture 2" descr="A picture containing graphical user interface&#10;&#10;Description automatically generated">
-            <a:extLst>
-              <a:ext uri="{FF2B5EF4-FFF2-40B4-BE49-F238E27FC236}">
-                <a16:creationId xmlns:a16="http://schemas.microsoft.com/office/drawing/2014/main" id="{8A55A281-DD90-D165-C65B-486AAAD27054}"/>
-              </a:ext>
-            </a:extLst>
-          </p:cNvPr>
-          <p:cNvPicPr>
-            <a:picLocks noChangeAspect="1"/>
-          </p:cNvPicPr>
-          <p:nvPr/>
-        </p:nvPicPr>
-        <p:blipFill>
-          <a:blip r:embed="rId2">
-            <a:extLst>
-              <a:ext uri="{28A0092B-C50C-407E-A947-70E740481C1C}">
-                <a14:useLocalDpi xmlns:a14="http://schemas.microsoft.com/office/drawing/2010/main" val="0"/>
-              </a:ext>
-            </a:extLst>
-          </a:blip>
-          <a:stretch>
-            <a:fillRect/>
-          </a:stretch>
-        </p:blipFill>
-        <p:spPr>
-          <a:xfrm>
-            <a:off x="822640" y="1357333"/>
-            <a:ext cx="6918639" cy="3338795"/>
-          </a:xfrm>
-          <a:prstGeom prst="rect">
-            <a:avLst/>
-          </a:prstGeom>
-        </p:spPr>
-      </p:pic>
-      <p:sp>
-        <p:nvSpPr>
-          <p:cNvPr id="5" name="TextBox 4">
-            <a:extLst>
-              <a:ext uri="{FF2B5EF4-FFF2-40B4-BE49-F238E27FC236}">
-                <a16:creationId xmlns:a16="http://schemas.microsoft.com/office/drawing/2014/main" id="{50788C3E-5FCD-364D-F6CE-0B026D5F9809}"/>
-              </a:ext>
-            </a:extLst>
-          </p:cNvPr>
-          <p:cNvSpPr txBox="1"/>
-          <p:nvPr/>
-        </p:nvSpPr>
-        <p:spPr>
-          <a:xfrm>
-            <a:off x="1156938" y="5478754"/>
-            <a:ext cx="2626040" cy="220510"/>
-          </a:xfrm>
-          <a:prstGeom prst="rect">
-            <a:avLst/>
-          </a:prstGeom>
-          <a:noFill/>
-        </p:spPr>
-        <p:txBody>
-          <a:bodyPr wrap="none" rtlCol="0">
-            <a:spAutoFit/>
-          </a:bodyPr>
-          <a:lstStyle/>
-          <a:p>
-            <a:r>
-              <a:rPr lang="en-US" sz="833" dirty="0">
-                <a:latin typeface="Gill Sans MT" panose="020B0502020104020203" pitchFamily="34" charset="77"/>
-              </a:rPr>
-              <a:t>Source: Deep Learning, Ian Goodfellow et al, MIT press.</a:t>
-            </a:r>
-          </a:p>
-        </p:txBody>
-      </p:sp>
     </p:spTree>
     <p:extLst>
       <p:ext uri="{BB962C8B-B14F-4D97-AF65-F5344CB8AC3E}">
-        <p14:creationId xmlns:p14="http://schemas.microsoft.com/office/powerpoint/2010/main" val="3582300531"/>
+        <p14:creationId xmlns:p14="http://schemas.microsoft.com/office/powerpoint/2010/main" val="1865672324"/>
       </p:ext>
     </p:extLst>
   </p:cSld>
@@ -15687,97 +15432,189 @@
           </a:p>
         </p:txBody>
       </p:sp>
-      <p:sp>
-        <p:nvSpPr>
-          <p:cNvPr id="3" name="Content Placeholder 2">
-            <a:extLst>
-              <a:ext uri="{FF2B5EF4-FFF2-40B4-BE49-F238E27FC236}">
-                <a16:creationId xmlns:a16="http://schemas.microsoft.com/office/drawing/2014/main" id="{D73CCC68-FE7A-8D69-0A74-0C0240DE8E30}"/>
-              </a:ext>
-            </a:extLst>
-          </p:cNvPr>
-          <p:cNvSpPr>
-            <a:spLocks noGrp="1"/>
-          </p:cNvSpPr>
-          <p:nvPr>
-            <p:ph idx="1"/>
-          </p:nvPr>
-        </p:nvSpPr>
-        <p:spPr/>
-        <p:txBody>
-          <a:bodyPr/>
-          <a:lstStyle/>
-          <a:p>
-            <a:r>
-              <a:rPr lang="en-GB" sz="2400" dirty="0">
-                <a:solidFill>
-                  <a:srgbClr val="16191F"/>
-                </a:solidFill>
-              </a:rPr>
-              <a:t>Linear regression is a simple approach to supervised learning. It assumes that the dependence of Y on x</a:t>
-            </a:r>
-            <a:r>
-              <a:rPr lang="en-GB" sz="2400" baseline="-25000" dirty="0">
-                <a:solidFill>
-                  <a:srgbClr val="16191F"/>
-                </a:solidFill>
-              </a:rPr>
-              <a:t>1</a:t>
-            </a:r>
-            <a:r>
-              <a:rPr lang="en-GB" sz="2400" dirty="0">
-                <a:solidFill>
-                  <a:srgbClr val="16191F"/>
-                </a:solidFill>
-              </a:rPr>
-              <a:t>, x</a:t>
-            </a:r>
-            <a:r>
-              <a:rPr lang="en-GB" sz="2400" baseline="-25000" dirty="0">
-                <a:solidFill>
-                  <a:srgbClr val="16191F"/>
-                </a:solidFill>
-              </a:rPr>
-              <a:t>2</a:t>
-            </a:r>
-            <a:r>
-              <a:rPr lang="en-GB" sz="2400" dirty="0">
-                <a:solidFill>
-                  <a:srgbClr val="16191F"/>
-                </a:solidFill>
-              </a:rPr>
-              <a:t>,...</a:t>
-            </a:r>
-            <a:r>
-              <a:rPr lang="en-GB" sz="2400" dirty="0" err="1">
-                <a:solidFill>
-                  <a:srgbClr val="16191F"/>
-                </a:solidFill>
-              </a:rPr>
-              <a:t>x</a:t>
-            </a:r>
-            <a:r>
-              <a:rPr lang="en-GB" sz="2400" baseline="-25000" dirty="0" err="1">
-                <a:solidFill>
-                  <a:srgbClr val="16191F"/>
-                </a:solidFill>
-              </a:rPr>
-              <a:t>n</a:t>
-            </a:r>
-            <a:r>
-              <a:rPr lang="en-GB" sz="2400" dirty="0">
-                <a:solidFill>
-                  <a:srgbClr val="16191F"/>
-                </a:solidFill>
-              </a:rPr>
-              <a:t> is linear. </a:t>
-            </a:r>
-          </a:p>
-          <a:p>
-            <a:endParaRPr lang="en-US" dirty="0"/>
-          </a:p>
-        </p:txBody>
-      </p:sp>
+      <mc:AlternateContent xmlns:mc="http://schemas.openxmlformats.org/markup-compatibility/2006">
+        <mc:Choice xmlns:a14="http://schemas.microsoft.com/office/drawing/2010/main" Requires="a14">
+          <p:sp>
+            <p:nvSpPr>
+              <p:cNvPr id="3" name="Content Placeholder 2">
+                <a:extLst>
+                  <a:ext uri="{FF2B5EF4-FFF2-40B4-BE49-F238E27FC236}">
+                    <a16:creationId xmlns:a16="http://schemas.microsoft.com/office/drawing/2014/main" id="{D73CCC68-FE7A-8D69-0A74-0C0240DE8E30}"/>
+                  </a:ext>
+                </a:extLst>
+              </p:cNvPr>
+              <p:cNvSpPr>
+                <a:spLocks noGrp="1"/>
+              </p:cNvSpPr>
+              <p:nvPr>
+                <p:ph idx="1"/>
+              </p:nvPr>
+            </p:nvSpPr>
+            <p:spPr/>
+            <p:txBody>
+              <a:bodyPr/>
+              <a:lstStyle/>
+              <a:p>
+                <a:r>
+                  <a:rPr lang="en-GB" sz="2400" dirty="0">
+                    <a:solidFill>
+                      <a:srgbClr val="16191F"/>
+                    </a:solidFill>
+                  </a:rPr>
+                  <a:t>Linear regression is a simple approach to supervised learning. It assumes that the dependence of </a:t>
+                </a:r>
+                <a14:m>
+                  <m:oMath xmlns:m="http://schemas.openxmlformats.org/officeDocument/2006/math">
+                    <m:r>
+                      <a:rPr lang="en-GB" sz="2400" i="1" dirty="0" smtClean="0">
+                        <a:solidFill>
+                          <a:srgbClr val="16191F"/>
+                        </a:solidFill>
+                        <a:latin typeface="Cambria Math" panose="02040503050406030204" pitchFamily="18" charset="0"/>
+                      </a:rPr>
+                      <m:t>𝑌</m:t>
+                    </m:r>
+                  </m:oMath>
+                </a14:m>
+                <a:r>
+                  <a:rPr lang="en-GB" sz="2400" dirty="0">
+                    <a:solidFill>
+                      <a:srgbClr val="16191F"/>
+                    </a:solidFill>
+                  </a:rPr>
+                  <a:t> on </a:t>
+                </a:r>
+                <a14:m>
+                  <m:oMath xmlns:m="http://schemas.openxmlformats.org/officeDocument/2006/math">
+                    <m:r>
+                      <a:rPr lang="en-GB" sz="2400" i="1" dirty="0" smtClean="0">
+                        <a:solidFill>
+                          <a:srgbClr val="16191F"/>
+                        </a:solidFill>
+                        <a:latin typeface="Cambria Math" panose="02040503050406030204" pitchFamily="18" charset="0"/>
+                      </a:rPr>
+                      <m:t>𝑥</m:t>
+                    </m:r>
+                    <m:r>
+                      <a:rPr lang="en-GB" sz="2400" i="1" baseline="-25000" dirty="0">
+                        <a:solidFill>
+                          <a:srgbClr val="16191F"/>
+                        </a:solidFill>
+                        <a:latin typeface="Cambria Math" panose="02040503050406030204" pitchFamily="18" charset="0"/>
+                      </a:rPr>
+                      <m:t>1</m:t>
+                    </m:r>
+                    <m:r>
+                      <a:rPr lang="en-GB" sz="2400" i="1" dirty="0">
+                        <a:solidFill>
+                          <a:srgbClr val="16191F"/>
+                        </a:solidFill>
+                        <a:latin typeface="Cambria Math" panose="02040503050406030204" pitchFamily="18" charset="0"/>
+                      </a:rPr>
+                      <m:t>, </m:t>
+                    </m:r>
+                    <m:r>
+                      <a:rPr lang="en-GB" sz="2400" i="1" dirty="0">
+                        <a:solidFill>
+                          <a:srgbClr val="16191F"/>
+                        </a:solidFill>
+                        <a:latin typeface="Cambria Math" panose="02040503050406030204" pitchFamily="18" charset="0"/>
+                      </a:rPr>
+                      <m:t>𝑥</m:t>
+                    </m:r>
+                    <m:r>
+                      <a:rPr lang="en-GB" sz="2400" i="1" baseline="-25000" dirty="0">
+                        <a:solidFill>
+                          <a:srgbClr val="16191F"/>
+                        </a:solidFill>
+                        <a:latin typeface="Cambria Math" panose="02040503050406030204" pitchFamily="18" charset="0"/>
+                      </a:rPr>
+                      <m:t>2</m:t>
+                    </m:r>
+                    <m:r>
+                      <a:rPr lang="en-GB" sz="2400" i="1" dirty="0">
+                        <a:solidFill>
+                          <a:srgbClr val="16191F"/>
+                        </a:solidFill>
+                        <a:latin typeface="Cambria Math" panose="02040503050406030204" pitchFamily="18" charset="0"/>
+                      </a:rPr>
+                      <m:t>,…</m:t>
+                    </m:r>
+                    <m:r>
+                      <a:rPr lang="en-GB" sz="2400" i="1" dirty="0" err="1">
+                        <a:solidFill>
+                          <a:srgbClr val="16191F"/>
+                        </a:solidFill>
+                        <a:latin typeface="Cambria Math" panose="02040503050406030204" pitchFamily="18" charset="0"/>
+                      </a:rPr>
+                      <m:t>𝑥</m:t>
+                    </m:r>
+                    <m:r>
+                      <a:rPr lang="en-GB" sz="2400" i="1" baseline="-25000" dirty="0" err="1">
+                        <a:solidFill>
+                          <a:srgbClr val="16191F"/>
+                        </a:solidFill>
+                        <a:latin typeface="Cambria Math" panose="02040503050406030204" pitchFamily="18" charset="0"/>
+                      </a:rPr>
+                      <m:t>𝑛</m:t>
+                    </m:r>
+                  </m:oMath>
+                </a14:m>
+                <a:r>
+                  <a:rPr lang="en-GB" sz="2400" dirty="0">
+                    <a:solidFill>
+                      <a:srgbClr val="16191F"/>
+                    </a:solidFill>
+                  </a:rPr>
+                  <a:t> is linear. </a:t>
+                </a:r>
+              </a:p>
+              <a:p>
+                <a:endParaRPr lang="en-US" dirty="0"/>
+              </a:p>
+            </p:txBody>
+          </p:sp>
+        </mc:Choice>
+        <mc:Fallback>
+          <p:sp>
+            <p:nvSpPr>
+              <p:cNvPr id="3" name="Content Placeholder 2">
+                <a:extLst>
+                  <a:ext uri="{FF2B5EF4-FFF2-40B4-BE49-F238E27FC236}">
+                    <a16:creationId xmlns:a16="http://schemas.microsoft.com/office/drawing/2014/main" id="{D73CCC68-FE7A-8D69-0A74-0C0240DE8E30}"/>
+                  </a:ext>
+                </a:extLst>
+              </p:cNvPr>
+              <p:cNvSpPr>
+                <a:spLocks noGrp="1" noRot="1" noChangeAspect="1" noMove="1" noResize="1" noEditPoints="1" noAdjustHandles="1" noChangeArrowheads="1" noChangeShapeType="1" noTextEdit="1"/>
+              </p:cNvSpPr>
+              <p:nvPr>
+                <p:ph idx="1"/>
+              </p:nvPr>
+            </p:nvSpPr>
+            <p:spPr>
+              <a:blipFill>
+                <a:blip r:embed="rId2"/>
+                <a:stretch>
+                  <a:fillRect l="-1235" t="-1529"/>
+                </a:stretch>
+              </a:blipFill>
+            </p:spPr>
+            <p:txBody>
+              <a:bodyPr/>
+              <a:lstStyle/>
+              <a:p>
+                <a:r>
+                  <a:rPr lang="en-GB">
+                    <a:noFill/>
+                  </a:rPr>
+                  <a:t> </a:t>
+                </a:r>
+              </a:p>
+            </p:txBody>
+          </p:sp>
+        </mc:Fallback>
+      </mc:AlternateContent>
       <p:sp>
         <p:nvSpPr>
           <p:cNvPr id="4" name="Slide Number Placeholder 3">
@@ -15843,7 +15680,7 @@
           <p:cNvPr id="2" name="Title 1">
             <a:extLst>
               <a:ext uri="{FF2B5EF4-FFF2-40B4-BE49-F238E27FC236}">
-                <a16:creationId xmlns:a16="http://schemas.microsoft.com/office/drawing/2014/main" id="{D7105CED-E583-F515-F5D5-CE4F82563188}"/>
+                <a16:creationId xmlns:a16="http://schemas.microsoft.com/office/drawing/2014/main" id="{7AF3AAA5-E1D7-3043-2877-057F0BD50284}"/>
               </a:ext>
             </a:extLst>
           </p:cNvPr>
@@ -15861,7 +15698,7 @@
           <a:p>
             <a:r>
               <a:rPr lang="en-US" dirty="0"/>
-              <a:t>Cross validation</a:t>
+              <a:t>Different models for different problems</a:t>
             </a:r>
           </a:p>
         </p:txBody>
@@ -15871,7 +15708,7 @@
           <p:cNvPr id="3" name="Content Placeholder 2">
             <a:extLst>
               <a:ext uri="{FF2B5EF4-FFF2-40B4-BE49-F238E27FC236}">
-                <a16:creationId xmlns:a16="http://schemas.microsoft.com/office/drawing/2014/main" id="{36BE0485-AB7A-C130-A53F-7FDCD07E05BB}"/>
+                <a16:creationId xmlns:a16="http://schemas.microsoft.com/office/drawing/2014/main" id="{DEB5A09B-B8E2-EA96-0581-4B89330073E6}"/>
               </a:ext>
             </a:extLst>
           </p:cNvPr>
@@ -15891,32 +15728,25 @@
               <a:rPr lang="en-GB" dirty="0">
                 <a:effectLst/>
               </a:rPr>
-              <a:t>The idea is simple: we split the training data into K folds; then, for each fold k ∈ {1, . . . , K}, we train on all the folds but the </a:t>
-            </a:r>
-            <a:r>
-              <a:rPr lang="en-GB" dirty="0" err="1">
-                <a:effectLst/>
-              </a:rPr>
-              <a:t>k’th</a:t>
-            </a:r>
+              <a:t>We need to develop many different types of models, to cover the wide variety of data that occurs in the real world. </a:t>
+            </a:r>
+          </a:p>
+          <a:p>
             <a:r>
               <a:rPr lang="en-GB" dirty="0">
                 <a:effectLst/>
               </a:rPr>
-              <a:t>, and test on the </a:t>
-            </a:r>
-            <a:r>
-              <a:rPr lang="en-GB" dirty="0" err="1">
-                <a:effectLst/>
-              </a:rPr>
-              <a:t>k’th</a:t>
-            </a:r>
-            <a:r>
-              <a:rPr lang="en-GB" dirty="0">
-                <a:effectLst/>
-              </a:rPr>
-              <a:t>, in a round-robin fashion.</a:t>
-            </a:r>
+              <a:t>And for each model, there may be many different methods that we can use to train the model, which make different speed-accuracy-complexity trade-offs.</a:t>
+            </a:r>
+          </a:p>
+          <a:p>
+            <a:r>
+              <a:rPr lang="en-GB" dirty="0"/>
+              <a:t>More on this next week. </a:t>
+            </a:r>
+            <a:endParaRPr lang="en-GB" dirty="0">
+              <a:effectLst/>
+            </a:endParaRPr>
           </a:p>
           <a:p>
             <a:endParaRPr lang="en-US" dirty="0"/>
@@ -15928,7 +15758,7 @@
           <p:cNvPr id="4" name="Slide Number Placeholder 3">
             <a:extLst>
               <a:ext uri="{FF2B5EF4-FFF2-40B4-BE49-F238E27FC236}">
-                <a16:creationId xmlns:a16="http://schemas.microsoft.com/office/drawing/2014/main" id="{4ADBB904-0827-C1D6-B36F-0830538B9B8A}"/>
+                <a16:creationId xmlns:a16="http://schemas.microsoft.com/office/drawing/2014/main" id="{E51998B3-0621-D2E3-E35A-AF7F1B5CFE90}"/>
               </a:ext>
             </a:extLst>
           </p:cNvPr>
@@ -15953,46 +15783,10 @@
           </a:p>
         </p:txBody>
       </p:sp>
-      <p:pic>
-        <p:nvPicPr>
-          <p:cNvPr id="6" name="Picture 5" descr="Chart, bar chart&#10;&#10;Description automatically generated">
-            <a:extLst>
-              <a:ext uri="{FF2B5EF4-FFF2-40B4-BE49-F238E27FC236}">
-                <a16:creationId xmlns:a16="http://schemas.microsoft.com/office/drawing/2014/main" id="{3AE3437A-054B-B0A5-4E25-72199F7CF892}"/>
-              </a:ext>
-            </a:extLst>
-          </p:cNvPr>
-          <p:cNvPicPr>
-            <a:picLocks noChangeAspect="1"/>
-          </p:cNvPicPr>
-          <p:nvPr/>
-        </p:nvPicPr>
-        <p:blipFill>
-          <a:blip r:embed="rId2">
-            <a:extLst>
-              <a:ext uri="{28A0092B-C50C-407E-A947-70E740481C1C}">
-                <a14:useLocalDpi xmlns:a14="http://schemas.microsoft.com/office/drawing/2010/main" val="0"/>
-              </a:ext>
-            </a:extLst>
-          </a:blip>
-          <a:stretch>
-            <a:fillRect/>
-          </a:stretch>
-        </p:blipFill>
-        <p:spPr>
-          <a:xfrm>
-            <a:off x="2374900" y="2353444"/>
-            <a:ext cx="4178300" cy="2705100"/>
-          </a:xfrm>
-          <a:prstGeom prst="rect">
-            <a:avLst/>
-          </a:prstGeom>
-        </p:spPr>
-      </p:pic>
     </p:spTree>
     <p:extLst>
       <p:ext uri="{BB962C8B-B14F-4D97-AF65-F5344CB8AC3E}">
-        <p14:creationId xmlns:p14="http://schemas.microsoft.com/office/powerpoint/2010/main" val="2512078793"/>
+        <p14:creationId xmlns:p14="http://schemas.microsoft.com/office/powerpoint/2010/main" val="2992820328"/>
       </p:ext>
     </p:extLst>
   </p:cSld>
@@ -16024,7 +15818,7 @@
           <p:cNvPr id="2" name="Title 1">
             <a:extLst>
               <a:ext uri="{FF2B5EF4-FFF2-40B4-BE49-F238E27FC236}">
-                <a16:creationId xmlns:a16="http://schemas.microsoft.com/office/drawing/2014/main" id="{36FB6501-3DAF-BB57-D4A7-FD9187BA70B8}"/>
+                <a16:creationId xmlns:a16="http://schemas.microsoft.com/office/drawing/2014/main" id="{327FCC93-E4FF-28E3-DD8B-DED2A62DC7F1}"/>
               </a:ext>
             </a:extLst>
           </p:cNvPr>
@@ -16032,7 +15826,7 @@
             <a:spLocks noGrp="1"/>
           </p:cNvSpPr>
           <p:nvPr>
-            <p:ph type="title"/>
+            <p:ph type="ctrTitle"/>
           </p:nvPr>
         </p:nvSpPr>
         <p:spPr/>
@@ -16042,153 +15836,96 @@
           <a:p>
             <a:r>
               <a:rPr lang="en-US" dirty="0"/>
-              <a:t>N-Fold cross validation</a:t>
-            </a:r>
-          </a:p>
-        </p:txBody>
-      </p:sp>
-      <p:sp>
-        <p:nvSpPr>
-          <p:cNvPr id="3" name="Content Placeholder 2">
-            <a:extLst>
-              <a:ext uri="{FF2B5EF4-FFF2-40B4-BE49-F238E27FC236}">
-                <a16:creationId xmlns:a16="http://schemas.microsoft.com/office/drawing/2014/main" id="{53A55346-0230-4765-1776-B4A392242181}"/>
-              </a:ext>
-            </a:extLst>
-          </p:cNvPr>
-          <p:cNvSpPr>
-            <a:spLocks noGrp="1"/>
-          </p:cNvSpPr>
-          <p:nvPr>
-            <p:ph idx="1"/>
-          </p:nvPr>
-        </p:nvSpPr>
-        <p:spPr/>
-        <p:txBody>
-          <a:bodyPr/>
+              <a:t>Review questions</a:t>
+            </a:r>
+            <a:br>
+              <a:rPr lang="en-US" dirty="0"/>
+            </a:br>
+            <a:br>
+              <a:rPr lang="en-US" dirty="0"/>
+            </a:br>
+            <a:endParaRPr lang="en-US" dirty="0"/>
+          </a:p>
+        </p:txBody>
+      </p:sp>
+      <p:sp>
+        <p:nvSpPr>
+          <p:cNvPr id="5" name="TextBox 4">
+            <a:extLst>
+              <a:ext uri="{FF2B5EF4-FFF2-40B4-BE49-F238E27FC236}">
+                <a16:creationId xmlns:a16="http://schemas.microsoft.com/office/drawing/2014/main" id="{FBCC4C34-2C45-6E0E-84DF-0FC1BF803333}"/>
+              </a:ext>
+            </a:extLst>
+          </p:cNvPr>
+          <p:cNvSpPr txBox="1"/>
+          <p:nvPr/>
+        </p:nvSpPr>
+        <p:spPr>
+          <a:xfrm>
+            <a:off x="685824" y="4585692"/>
+            <a:ext cx="5326335" cy="600164"/>
+          </a:xfrm>
+          <a:prstGeom prst="rect">
+            <a:avLst/>
+          </a:prstGeom>
+          <a:noFill/>
+        </p:spPr>
+        <p:txBody>
+          <a:bodyPr wrap="square">
+            <a:spAutoFit/>
+          </a:bodyPr>
           <a:lstStyle/>
           <a:p>
             <a:r>
-              <a:rPr lang="en-GB" dirty="0">
-                <a:effectLst/>
+              <a:rPr lang="en-US" sz="1100" dirty="0">
+                <a:latin typeface="Gill Sans MT" panose="020B0502020104020203" pitchFamily="34" charset="77"/>
               </a:rPr>
-              <a:t>We then compute the error averaged over all the folds, and use this as a proxy for the test error.</a:t>
-            </a:r>
-          </a:p>
-          <a:p>
-            <a:r>
-              <a:rPr lang="en-GB" dirty="0">
-                <a:effectLst/>
+              <a:t>Source: The questions are adapted from “Deep Learning Interviews”, </a:t>
+            </a:r>
+            <a:r>
+              <a:rPr lang="en-US" sz="1100" dirty="0" err="1">
+                <a:latin typeface="Gill Sans MT" panose="020B0502020104020203" pitchFamily="34" charset="77"/>
               </a:rPr>
-              <a:t>Note that each point gets predicted only once, although it will be used for training K−1 times.</a:t>
-            </a:r>
-          </a:p>
-          <a:p>
-            <a:r>
-              <a:rPr lang="en-GB" dirty="0">
-                <a:effectLst/>
+              <a:t>Shlomo</a:t>
+            </a:r>
+            <a:r>
+              <a:rPr lang="en-US" sz="1100" dirty="0">
+                <a:latin typeface="Gill Sans MT" panose="020B0502020104020203" pitchFamily="34" charset="77"/>
               </a:rPr>
-              <a:t>It is common to use K = 5 or 10; this is called 5 or 10-fold CV. </a:t>
-            </a:r>
-          </a:p>
-          <a:p>
-            <a:r>
-              <a:rPr lang="en-GB" dirty="0">
-                <a:effectLst/>
+              <a:t> </a:t>
+            </a:r>
+            <a:r>
+              <a:rPr lang="en-US" sz="1100" dirty="0" err="1">
+                <a:latin typeface="Gill Sans MT" panose="020B0502020104020203" pitchFamily="34" charset="77"/>
               </a:rPr>
-              <a:t>If we set K = N, then we get a method called </a:t>
-            </a:r>
-            <a:r>
-              <a:rPr lang="en-GB" dirty="0">
-                <a:solidFill>
-                  <a:srgbClr val="FF0000"/>
-                </a:solidFill>
-                <a:effectLst/>
-              </a:rPr>
-              <a:t>leave-one out cross validation</a:t>
-            </a:r>
-            <a:r>
-              <a:rPr lang="en-GB" dirty="0">
-                <a:effectLst/>
-              </a:rPr>
-              <a:t>, or  LOOCV, since in fold </a:t>
-            </a:r>
-            <a:r>
-              <a:rPr lang="en-GB" dirty="0" err="1">
-                <a:effectLst/>
-              </a:rPr>
-              <a:t>i</a:t>
-            </a:r>
-            <a:r>
-              <a:rPr lang="en-GB" dirty="0">
-                <a:effectLst/>
-              </a:rPr>
-              <a:t>, we train on all the data cases except for </a:t>
-            </a:r>
-            <a:r>
-              <a:rPr lang="en-GB" dirty="0" err="1">
-                <a:effectLst/>
-              </a:rPr>
-              <a:t>i</a:t>
-            </a:r>
-            <a:r>
-              <a:rPr lang="en-GB" dirty="0">
-                <a:effectLst/>
-              </a:rPr>
-              <a:t>, and then test on </a:t>
-            </a:r>
-            <a:r>
-              <a:rPr lang="en-GB" dirty="0" err="1">
-                <a:effectLst/>
-              </a:rPr>
-              <a:t>i</a:t>
-            </a:r>
-            <a:r>
-              <a:rPr lang="en-GB" dirty="0">
-                <a:effectLst/>
+              <a:t>Kashani</a:t>
+            </a:r>
+            <a:r>
+              <a:rPr lang="en-US" sz="1100" dirty="0">
+                <a:latin typeface="Gill Sans MT" panose="020B0502020104020203" pitchFamily="34" charset="77"/>
               </a:rPr>
               <a:t>.</a:t>
             </a:r>
-          </a:p>
-          <a:p>
-            <a:endParaRPr lang="en-US" dirty="0"/>
-          </a:p>
-        </p:txBody>
-      </p:sp>
-      <p:sp>
-        <p:nvSpPr>
-          <p:cNvPr id="4" name="Slide Number Placeholder 3">
-            <a:extLst>
-              <a:ext uri="{FF2B5EF4-FFF2-40B4-BE49-F238E27FC236}">
-                <a16:creationId xmlns:a16="http://schemas.microsoft.com/office/drawing/2014/main" id="{0BD44DAD-B2AA-D6A0-04E7-68792C241FB1}"/>
-              </a:ext>
-            </a:extLst>
-          </p:cNvPr>
-          <p:cNvSpPr>
-            <a:spLocks noGrp="1"/>
-          </p:cNvSpPr>
-          <p:nvPr>
-            <p:ph type="sldNum" sz="quarter" idx="12"/>
-          </p:nvPr>
-        </p:nvSpPr>
-        <p:spPr/>
-        <p:txBody>
-          <a:bodyPr/>
-          <a:lstStyle/>
-          <a:p>
-            <a:fld id="{44E22EE9-B8A0-0641-9265-052CFE9B95A7}" type="slidenum">
-              <a:rPr lang="en-GB" altLang="en-US" smtClean="0"/>
-              <a:pPr/>
-              <a:t>51</a:t>
-            </a:fld>
-            <a:endParaRPr lang="en-GB" altLang="en-US"/>
+            <a:br>
+              <a:rPr lang="en-GB" sz="1100" dirty="0">
+                <a:latin typeface="Gill Sans MT" panose="020B0502020104020203" pitchFamily="34" charset="77"/>
+              </a:rPr>
+            </a:br>
+            <a:br>
+              <a:rPr lang="en-GB" sz="1100" dirty="0">
+                <a:latin typeface="Gill Sans MT" panose="020B0502020104020203" pitchFamily="34" charset="77"/>
+              </a:rPr>
+            </a:br>
+            <a:endParaRPr lang="en-US" sz="1100" dirty="0">
+              <a:latin typeface="Gill Sans MT" panose="020B0502020104020203" pitchFamily="34" charset="77"/>
+            </a:endParaRPr>
           </a:p>
         </p:txBody>
       </p:sp>
     </p:spTree>
     <p:extLst>
       <p:ext uri="{BB962C8B-B14F-4D97-AF65-F5344CB8AC3E}">
-        <p14:creationId xmlns:p14="http://schemas.microsoft.com/office/powerpoint/2010/main" val="3030131108"/>
+        <p14:creationId xmlns:p14="http://schemas.microsoft.com/office/powerpoint/2010/main" val="3986366901"/>
       </p:ext>
     </p:extLst>
   </p:cSld>
@@ -16220,7 +15957,7 @@
           <p:cNvPr id="2" name="Title 1">
             <a:extLst>
               <a:ext uri="{FF2B5EF4-FFF2-40B4-BE49-F238E27FC236}">
-                <a16:creationId xmlns:a16="http://schemas.microsoft.com/office/drawing/2014/main" id="{9B8AD3DE-A813-3301-3E28-6E8F869EF78C}"/>
+                <a16:creationId xmlns:a16="http://schemas.microsoft.com/office/drawing/2014/main" id="{AED974B2-E2D0-9042-87C1-C0E7D2A3BB7F}"/>
               </a:ext>
             </a:extLst>
           </p:cNvPr>
@@ -16238,7 +15975,7 @@
           <a:p>
             <a:r>
               <a:rPr lang="en-US" dirty="0"/>
-              <a:t>Cross validation and model selection</a:t>
+              <a:t>Q1</a:t>
             </a:r>
           </a:p>
         </p:txBody>
@@ -16248,7 +15985,7 @@
           <p:cNvPr id="3" name="Content Placeholder 2">
             <a:extLst>
               <a:ext uri="{FF2B5EF4-FFF2-40B4-BE49-F238E27FC236}">
-                <a16:creationId xmlns:a16="http://schemas.microsoft.com/office/drawing/2014/main" id="{DE813BCD-C975-459A-4C21-D74C4ADAE02F}"/>
+                <a16:creationId xmlns:a16="http://schemas.microsoft.com/office/drawing/2014/main" id="{2CFDFE78-D269-3A4B-63CF-318E74C56518}"/>
               </a:ext>
             </a:extLst>
           </p:cNvPr>
@@ -16268,7 +16005,7 @@
               <a:rPr lang="en-GB" dirty="0">
                 <a:effectLst/>
               </a:rPr>
-              <a:t>Choosing K for a KNN classifier is a special case of a more general problem known as model selection, where we have to choose between models with different degrees of flexibility. </a:t>
+              <a:t>You have been asked to train a logistic regression model for a binary classification problem using the L2 loss for optimisation. </a:t>
             </a:r>
           </a:p>
           <a:p>
@@ -16276,17 +16013,42 @@
               <a:rPr lang="en-GB" dirty="0">
                 <a:effectLst/>
               </a:rPr>
-              <a:t>Cross validation</a:t>
-            </a:r>
-            <a:r>
-              <a:rPr lang="en-GB" dirty="0"/>
-              <a:t> </a:t>
-            </a:r>
+              <a:t>Do you think L2 is a good choice here?</a:t>
+            </a:r>
+          </a:p>
+          <a:p>
+            <a:endParaRPr lang="en-GB" dirty="0"/>
+          </a:p>
+          <a:p>
             <a:r>
               <a:rPr lang="en-GB" dirty="0">
                 <a:effectLst/>
               </a:rPr>
-              <a:t>is widely used for solving such problems, although there are other methods/approaches for this (more on this topic later).</a:t>
+              <a:t>Use </a:t>
+            </a:r>
+            <a:r>
+              <a:rPr lang="en-GB" dirty="0" err="1">
+                <a:effectLst/>
+              </a:rPr>
+              <a:t>menti</a:t>
+            </a:r>
+            <a:r>
+              <a:rPr lang="en-GB" dirty="0">
+                <a:effectLst/>
+              </a:rPr>
+              <a:t> to vote (the </a:t>
+            </a:r>
+            <a:r>
+              <a:rPr lang="en-GB" dirty="0" err="1">
+                <a:effectLst/>
+              </a:rPr>
+              <a:t>menti</a:t>
+            </a:r>
+            <a:r>
+              <a:rPr lang="en-GB" dirty="0">
+                <a:effectLst/>
+              </a:rPr>
+              <a:t> code will be announced) </a:t>
             </a:r>
           </a:p>
           <a:p>
@@ -16299,7 +16061,7 @@
           <p:cNvPr id="4" name="Slide Number Placeholder 3">
             <a:extLst>
               <a:ext uri="{FF2B5EF4-FFF2-40B4-BE49-F238E27FC236}">
-                <a16:creationId xmlns:a16="http://schemas.microsoft.com/office/drawing/2014/main" id="{C321A487-A026-2A3F-A0E5-7111129B0738}"/>
+                <a16:creationId xmlns:a16="http://schemas.microsoft.com/office/drawing/2014/main" id="{1BFD9D68-B0D8-F6F8-0FF0-6924CBAF38F4}"/>
               </a:ext>
             </a:extLst>
           </p:cNvPr>
@@ -16327,7 +16089,7 @@
     </p:spTree>
     <p:extLst>
       <p:ext uri="{BB962C8B-B14F-4D97-AF65-F5344CB8AC3E}">
-        <p14:creationId xmlns:p14="http://schemas.microsoft.com/office/powerpoint/2010/main" val="1703163653"/>
+        <p14:creationId xmlns:p14="http://schemas.microsoft.com/office/powerpoint/2010/main" val="1198082045"/>
       </p:ext>
     </p:extLst>
   </p:cSld>
@@ -16359,7 +16121,7 @@
           <p:cNvPr id="2" name="Title 1">
             <a:extLst>
               <a:ext uri="{FF2B5EF4-FFF2-40B4-BE49-F238E27FC236}">
-                <a16:creationId xmlns:a16="http://schemas.microsoft.com/office/drawing/2014/main" id="{83C5E3CC-0455-E1AE-804B-64F9B6229E57}"/>
+                <a16:creationId xmlns:a16="http://schemas.microsoft.com/office/drawing/2014/main" id="{A01F719B-20D6-14A9-1BC2-1DD0AB032D75}"/>
               </a:ext>
             </a:extLst>
           </p:cNvPr>
@@ -16376,12 +16138,9 @@
           <a:lstStyle/>
           <a:p>
             <a:r>
-              <a:rPr lang="en-GB" dirty="0">
-                <a:effectLst/>
-              </a:rPr>
-              <a:t>No free lunch theorem</a:t>
-            </a:r>
-            <a:endParaRPr lang="en-US" dirty="0"/>
+              <a:rPr lang="en-US" dirty="0"/>
+              <a:t>Q2</a:t>
+            </a:r>
           </a:p>
         </p:txBody>
       </p:sp>
@@ -16390,7 +16149,7 @@
           <p:cNvPr id="3" name="Content Placeholder 2">
             <a:extLst>
               <a:ext uri="{FF2B5EF4-FFF2-40B4-BE49-F238E27FC236}">
-                <a16:creationId xmlns:a16="http://schemas.microsoft.com/office/drawing/2014/main" id="{D5B76C03-71C6-8E39-DE45-E3E43A30BAD4}"/>
+                <a16:creationId xmlns:a16="http://schemas.microsoft.com/office/drawing/2014/main" id="{B1985887-BA25-DEE3-E3B1-601D390E8D21}"/>
               </a:ext>
             </a:extLst>
           </p:cNvPr>
@@ -16407,68 +16166,15 @@
           <a:lstStyle/>
           <a:p>
             <a:r>
+              <a:rPr lang="en-US" dirty="0"/>
+              <a:t>The figure </a:t>
+            </a:r>
+            <a:r>
               <a:rPr lang="en-GB" dirty="0">
                 <a:effectLst/>
               </a:rPr>
-              <a:t>All models are wrong, but some models are useful. — George Box (Box and Draper 1987).</a:t>
-            </a:r>
-          </a:p>
-          <a:p>
-            <a:r>
-              <a:rPr lang="en-GB" dirty="0">
-                <a:effectLst/>
-              </a:rPr>
-              <a:t>Much of machine learning is concerned with devising different models, and different algorithms to fit them. </a:t>
-            </a:r>
-          </a:p>
-          <a:p>
-            <a:r>
-              <a:rPr lang="en-GB" dirty="0">
-                <a:effectLst/>
-              </a:rPr>
-              <a:t>We can use methods such as cross validation to empirically choose the best method for our problem. </a:t>
-            </a:r>
-          </a:p>
-          <a:p>
-            <a:r>
-              <a:rPr lang="en-GB" dirty="0">
-                <a:effectLst/>
-              </a:rPr>
-              <a:t>However, there is no universally best model — this is sometimes called the </a:t>
-            </a:r>
-            <a:r>
-              <a:rPr lang="en-GB" dirty="0">
-                <a:solidFill>
-                  <a:srgbClr val="FF0000"/>
-                </a:solidFill>
-                <a:effectLst/>
-              </a:rPr>
-              <a:t>no free lunch theorem </a:t>
-            </a:r>
-            <a:r>
-              <a:rPr lang="en-GB" dirty="0">
-                <a:effectLst/>
-              </a:rPr>
-              <a:t>(Wolpert 1996).</a:t>
-            </a:r>
-          </a:p>
-          <a:p>
-            <a:r>
-              <a:rPr lang="en-GB" dirty="0">
-                <a:effectLst/>
-              </a:rPr>
-              <a:t>The reason for this is that a set of assumptions that works well in one domain may work poorly in another.</a:t>
-            </a:r>
-          </a:p>
-          <a:p>
-            <a:endParaRPr lang="en-GB" dirty="0">
-              <a:effectLst/>
-            </a:endParaRPr>
-          </a:p>
-          <a:p>
-            <a:endParaRPr lang="en-GB" dirty="0">
-              <a:effectLst/>
-            </a:endParaRPr>
+              <a:t>depicts two different cross-validation approaches. Which one is a k-fold cross validation?</a:t>
+            </a:r>
           </a:p>
           <a:p>
             <a:endParaRPr lang="en-US" dirty="0"/>
@@ -16480,7 +16186,7 @@
           <p:cNvPr id="4" name="Slide Number Placeholder 3">
             <a:extLst>
               <a:ext uri="{FF2B5EF4-FFF2-40B4-BE49-F238E27FC236}">
-                <a16:creationId xmlns:a16="http://schemas.microsoft.com/office/drawing/2014/main" id="{F6EBDBCD-E606-A61E-FFA1-3016A7C6A463}"/>
+                <a16:creationId xmlns:a16="http://schemas.microsoft.com/office/drawing/2014/main" id="{AD60E229-FFA6-B507-8EB3-D92DC219441A}"/>
               </a:ext>
             </a:extLst>
           </p:cNvPr>
@@ -16505,10 +16211,177 @@
           </a:p>
         </p:txBody>
       </p:sp>
+      <p:pic>
+        <p:nvPicPr>
+          <p:cNvPr id="6" name="Picture 5" descr="Graphical user interface, text, application&#10;&#10;Description automatically generated">
+            <a:extLst>
+              <a:ext uri="{FF2B5EF4-FFF2-40B4-BE49-F238E27FC236}">
+                <a16:creationId xmlns:a16="http://schemas.microsoft.com/office/drawing/2014/main" id="{F990A73D-1998-0351-7047-A2E38138C188}"/>
+              </a:ext>
+            </a:extLst>
+          </p:cNvPr>
+          <p:cNvPicPr>
+            <a:picLocks noChangeAspect="1"/>
+          </p:cNvPicPr>
+          <p:nvPr/>
+        </p:nvPicPr>
+        <p:blipFill>
+          <a:blip r:embed="rId3">
+            <a:extLst>
+              <a:ext uri="{28A0092B-C50C-407E-A947-70E740481C1C}">
+                <a14:useLocalDpi xmlns:a14="http://schemas.microsoft.com/office/drawing/2010/main" val="0"/>
+              </a:ext>
+            </a:extLst>
+          </a:blip>
+          <a:stretch>
+            <a:fillRect/>
+          </a:stretch>
+        </p:blipFill>
+        <p:spPr>
+          <a:xfrm>
+            <a:off x="2627785" y="1949984"/>
+            <a:ext cx="3925416" cy="2658577"/>
+          </a:xfrm>
+          <a:prstGeom prst="rect">
+            <a:avLst/>
+          </a:prstGeom>
+        </p:spPr>
+      </p:pic>
+      <p:sp>
+        <p:nvSpPr>
+          <p:cNvPr id="7" name="TextBox 6">
+            <a:extLst>
+              <a:ext uri="{FF2B5EF4-FFF2-40B4-BE49-F238E27FC236}">
+                <a16:creationId xmlns:a16="http://schemas.microsoft.com/office/drawing/2014/main" id="{663A4868-B904-6AAD-F006-793691BAFDC4}"/>
+              </a:ext>
+            </a:extLst>
+          </p:cNvPr>
+          <p:cNvSpPr txBox="1"/>
+          <p:nvPr/>
+        </p:nvSpPr>
+        <p:spPr>
+          <a:xfrm>
+            <a:off x="457200" y="4813347"/>
+            <a:ext cx="6419056" cy="369332"/>
+          </a:xfrm>
+          <a:prstGeom prst="rect">
+            <a:avLst/>
+          </a:prstGeom>
+          <a:noFill/>
+        </p:spPr>
+        <p:txBody>
+          <a:bodyPr wrap="square">
+            <a:spAutoFit/>
+          </a:bodyPr>
+          <a:lstStyle/>
+          <a:p>
+            <a:r>
+              <a:rPr lang="en-GB" dirty="0">
+                <a:effectLst/>
+              </a:rPr>
+              <a:t>Use </a:t>
+            </a:r>
+            <a:r>
+              <a:rPr lang="en-GB" dirty="0" err="1">
+                <a:effectLst/>
+              </a:rPr>
+              <a:t>menti</a:t>
+            </a:r>
+            <a:r>
+              <a:rPr lang="en-GB" dirty="0">
+                <a:effectLst/>
+              </a:rPr>
+              <a:t> to vote (the </a:t>
+            </a:r>
+            <a:r>
+              <a:rPr lang="en-GB" dirty="0" err="1">
+                <a:effectLst/>
+              </a:rPr>
+              <a:t>menti</a:t>
+            </a:r>
+            <a:r>
+              <a:rPr lang="en-GB" dirty="0">
+                <a:effectLst/>
+              </a:rPr>
+              <a:t> code will be announced) </a:t>
+            </a:r>
+          </a:p>
+        </p:txBody>
+      </p:sp>
+      <p:sp>
+        <p:nvSpPr>
+          <p:cNvPr id="8" name="TextBox 7">
+            <a:extLst>
+              <a:ext uri="{FF2B5EF4-FFF2-40B4-BE49-F238E27FC236}">
+                <a16:creationId xmlns:a16="http://schemas.microsoft.com/office/drawing/2014/main" id="{B0E7FC38-88F4-A0D6-653D-985ABD08A9FB}"/>
+              </a:ext>
+            </a:extLst>
+          </p:cNvPr>
+          <p:cNvSpPr txBox="1"/>
+          <p:nvPr/>
+        </p:nvSpPr>
+        <p:spPr>
+          <a:xfrm>
+            <a:off x="2267744" y="2565847"/>
+            <a:ext cx="466794" cy="369332"/>
+          </a:xfrm>
+          <a:prstGeom prst="rect">
+            <a:avLst/>
+          </a:prstGeom>
+          <a:noFill/>
+        </p:spPr>
+        <p:txBody>
+          <a:bodyPr wrap="none" rtlCol="0">
+            <a:spAutoFit/>
+          </a:bodyPr>
+          <a:lstStyle/>
+          <a:p>
+            <a:r>
+              <a:rPr lang="en-GB" dirty="0"/>
+              <a:t>(a)</a:t>
+            </a:r>
+          </a:p>
+        </p:txBody>
+      </p:sp>
+      <p:sp>
+        <p:nvSpPr>
+          <p:cNvPr id="9" name="TextBox 8">
+            <a:extLst>
+              <a:ext uri="{FF2B5EF4-FFF2-40B4-BE49-F238E27FC236}">
+                <a16:creationId xmlns:a16="http://schemas.microsoft.com/office/drawing/2014/main" id="{59615712-F3D4-6D22-A00A-4F645424A960}"/>
+              </a:ext>
+            </a:extLst>
+          </p:cNvPr>
+          <p:cNvSpPr txBox="1"/>
+          <p:nvPr/>
+        </p:nvSpPr>
+        <p:spPr>
+          <a:xfrm>
+            <a:off x="2267744" y="3735010"/>
+            <a:ext cx="466794" cy="369332"/>
+          </a:xfrm>
+          <a:prstGeom prst="rect">
+            <a:avLst/>
+          </a:prstGeom>
+          <a:noFill/>
+        </p:spPr>
+        <p:txBody>
+          <a:bodyPr wrap="none" rtlCol="0">
+            <a:spAutoFit/>
+          </a:bodyPr>
+          <a:lstStyle/>
+          <a:p>
+            <a:r>
+              <a:rPr lang="en-GB" dirty="0"/>
+              <a:t>(b)</a:t>
+            </a:r>
+          </a:p>
+        </p:txBody>
+      </p:sp>
     </p:spTree>
     <p:extLst>
       <p:ext uri="{BB962C8B-B14F-4D97-AF65-F5344CB8AC3E}">
-        <p14:creationId xmlns:p14="http://schemas.microsoft.com/office/powerpoint/2010/main" val="1865672324"/>
+        <p14:creationId xmlns:p14="http://schemas.microsoft.com/office/powerpoint/2010/main" val="2507748594"/>
       </p:ext>
     </p:extLst>
   </p:cSld>
@@ -16537,10 +16410,10 @@
       </p:grpSpPr>
       <p:sp>
         <p:nvSpPr>
-          <p:cNvPr id="2" name="Title 1">
-            <a:extLst>
-              <a:ext uri="{FF2B5EF4-FFF2-40B4-BE49-F238E27FC236}">
-                <a16:creationId xmlns:a16="http://schemas.microsoft.com/office/drawing/2014/main" id="{7AF3AAA5-E1D7-3043-2877-057F0BD50284}"/>
+          <p:cNvPr id="4" name="Title 3">
+            <a:extLst>
+              <a:ext uri="{FF2B5EF4-FFF2-40B4-BE49-F238E27FC236}">
+                <a16:creationId xmlns:a16="http://schemas.microsoft.com/office/drawing/2014/main" id="{04A7DC5C-3103-ADBE-1DC0-E4640E831A31}"/>
               </a:ext>
             </a:extLst>
           </p:cNvPr>
@@ -16557,18 +16430,18 @@
           <a:lstStyle/>
           <a:p>
             <a:r>
-              <a:rPr lang="en-US" dirty="0"/>
-              <a:t>Different models for different problems</a:t>
-            </a:r>
-          </a:p>
-        </p:txBody>
-      </p:sp>
-      <p:sp>
-        <p:nvSpPr>
-          <p:cNvPr id="3" name="Content Placeholder 2">
-            <a:extLst>
-              <a:ext uri="{FF2B5EF4-FFF2-40B4-BE49-F238E27FC236}">
-                <a16:creationId xmlns:a16="http://schemas.microsoft.com/office/drawing/2014/main" id="{DEB5A09B-B8E2-EA96-0581-4B89330073E6}"/>
+              <a:rPr lang="en-GB" dirty="0"/>
+              <a:t>Acknowledgement</a:t>
+            </a:r>
+          </a:p>
+        </p:txBody>
+      </p:sp>
+      <p:sp>
+        <p:nvSpPr>
+          <p:cNvPr id="5" name="Content Placeholder 4">
+            <a:extLst>
+              <a:ext uri="{FF2B5EF4-FFF2-40B4-BE49-F238E27FC236}">
+                <a16:creationId xmlns:a16="http://schemas.microsoft.com/office/drawing/2014/main" id="{B451242D-C151-85A0-9E87-7A9B2C390B48}"/>
               </a:ext>
             </a:extLst>
           </p:cNvPr>
@@ -16585,40 +16458,56 @@
           <a:lstStyle/>
           <a:p>
             <a:r>
-              <a:rPr lang="en-GB" dirty="0">
-                <a:effectLst/>
-              </a:rPr>
-              <a:t>We need to develop many different types of models, to cover the wide variety of data that occurs in the real world. </a:t>
-            </a:r>
-          </a:p>
-          <a:p>
-            <a:r>
-              <a:rPr lang="en-GB" dirty="0">
-                <a:effectLst/>
-              </a:rPr>
-              <a:t>And for each model, there may be many different methods that we can use to train the model, which make different speed-accuracy-complexity trade-offs.</a:t>
-            </a:r>
-          </a:p>
-          <a:p>
-            <a:r>
               <a:rPr lang="en-GB" dirty="0"/>
-              <a:t>More on this next week. </a:t>
-            </a:r>
-            <a:endParaRPr lang="en-GB" dirty="0">
-              <a:effectLst/>
-            </a:endParaRPr>
-          </a:p>
-          <a:p>
-            <a:endParaRPr lang="en-US" dirty="0"/>
-          </a:p>
-        </p:txBody>
-      </p:sp>
-      <p:sp>
-        <p:nvSpPr>
-          <p:cNvPr id="4" name="Slide Number Placeholder 3">
-            <a:extLst>
-              <a:ext uri="{FF2B5EF4-FFF2-40B4-BE49-F238E27FC236}">
-                <a16:creationId xmlns:a16="http://schemas.microsoft.com/office/drawing/2014/main" id="{E51998B3-0621-D2E3-E35A-AF7F1B5CFE90}"/>
+              <a:t>Several slides in this lecture are adapted from Kevin Murphy’s and </a:t>
+            </a:r>
+            <a:r>
+              <a:rPr lang="en-GB" dirty="0" err="1"/>
+              <a:t>Tibshirani</a:t>
+            </a:r>
+            <a:r>
+              <a:rPr lang="en-GB" dirty="0"/>
+              <a:t> et al.’s book: </a:t>
+            </a:r>
+          </a:p>
+          <a:p>
+            <a:pPr lvl="1"/>
+            <a:r>
+              <a:rPr lang="en-GB" dirty="0"/>
+              <a:t>Machine Learning: A Probabilistic Perspective Kevin P. Murphy, MIT Press.</a:t>
+            </a:r>
+          </a:p>
+          <a:p>
+            <a:pPr lvl="1"/>
+            <a:r>
+              <a:rPr lang="en-GB" dirty="0" err="1"/>
+              <a:t>Tibshirani</a:t>
+            </a:r>
+            <a:r>
+              <a:rPr lang="en-GB" dirty="0"/>
+              <a:t> et al.: An introduction to statistical learning: https://</a:t>
+            </a:r>
+            <a:r>
+              <a:rPr lang="en-GB" dirty="0" err="1"/>
+              <a:t>www.statlearning.com</a:t>
+            </a:r>
+            <a:endParaRPr lang="en-GB" dirty="0"/>
+          </a:p>
+          <a:p>
+            <a:pPr lvl="1"/>
+            <a:endParaRPr lang="en-GB" dirty="0"/>
+          </a:p>
+          <a:p>
+            <a:endParaRPr lang="en-GB" dirty="0"/>
+          </a:p>
+        </p:txBody>
+      </p:sp>
+      <p:sp>
+        <p:nvSpPr>
+          <p:cNvPr id="3" name="Slide Number Placeholder 2">
+            <a:extLst>
+              <a:ext uri="{FF2B5EF4-FFF2-40B4-BE49-F238E27FC236}">
+                <a16:creationId xmlns:a16="http://schemas.microsoft.com/office/drawing/2014/main" id="{58DC5304-E620-2599-3D14-592B685DE65C}"/>
               </a:ext>
             </a:extLst>
           </p:cNvPr>
@@ -16634,7 +16523,7 @@
           <a:bodyPr/>
           <a:lstStyle/>
           <a:p>
-            <a:fld id="{44E22EE9-B8A0-0641-9265-052CFE9B95A7}" type="slidenum">
+            <a:fld id="{BB98F552-A29D-2D4E-8192-F20670493719}" type="slidenum">
               <a:rPr lang="en-GB" altLang="en-US" smtClean="0"/>
               <a:pPr/>
               <a:t>54</a:t>
@@ -16646,7 +16535,7 @@
     </p:spTree>
     <p:extLst>
       <p:ext uri="{BB962C8B-B14F-4D97-AF65-F5344CB8AC3E}">
-        <p14:creationId xmlns:p14="http://schemas.microsoft.com/office/powerpoint/2010/main" val="2992820328"/>
+        <p14:creationId xmlns:p14="http://schemas.microsoft.com/office/powerpoint/2010/main" val="2148544729"/>
       </p:ext>
     </p:extLst>
   </p:cSld>
@@ -16678,7 +16567,7 @@
           <p:cNvPr id="2" name="Title 1">
             <a:extLst>
               <a:ext uri="{FF2B5EF4-FFF2-40B4-BE49-F238E27FC236}">
-                <a16:creationId xmlns:a16="http://schemas.microsoft.com/office/drawing/2014/main" id="{327FCC93-E4FF-28E3-DD8B-DED2A62DC7F1}"/>
+                <a16:creationId xmlns:a16="http://schemas.microsoft.com/office/drawing/2014/main" id="{54985633-C540-03D5-EB8C-3FB88F894368}"/>
               </a:ext>
             </a:extLst>
           </p:cNvPr>
@@ -16695,97 +16584,50 @@
           <a:lstStyle/>
           <a:p>
             <a:r>
-              <a:rPr lang="en-US" dirty="0"/>
-              <a:t>Review questions</a:t>
-            </a:r>
-            <a:br>
-              <a:rPr lang="en-US" dirty="0"/>
-            </a:br>
-            <a:br>
-              <a:rPr lang="en-US" dirty="0"/>
-            </a:br>
-            <a:endParaRPr lang="en-US" dirty="0"/>
-          </a:p>
-        </p:txBody>
-      </p:sp>
-      <p:sp>
-        <p:nvSpPr>
-          <p:cNvPr id="5" name="TextBox 4">
-            <a:extLst>
-              <a:ext uri="{FF2B5EF4-FFF2-40B4-BE49-F238E27FC236}">
-                <a16:creationId xmlns:a16="http://schemas.microsoft.com/office/drawing/2014/main" id="{FBCC4C34-2C45-6E0E-84DF-0FC1BF803333}"/>
-              </a:ext>
-            </a:extLst>
-          </p:cNvPr>
-          <p:cNvSpPr txBox="1"/>
-          <p:nvPr/>
+              <a:rPr lang="en-GB" dirty="0"/>
+              <a:t>Additional slides (optional further reading)</a:t>
+            </a:r>
+          </a:p>
+        </p:txBody>
+      </p:sp>
+      <p:sp>
+        <p:nvSpPr>
+          <p:cNvPr id="3" name="Subtitle 2">
+            <a:extLst>
+              <a:ext uri="{FF2B5EF4-FFF2-40B4-BE49-F238E27FC236}">
+                <a16:creationId xmlns:a16="http://schemas.microsoft.com/office/drawing/2014/main" id="{A4CDBEFB-95F3-3F0F-5BE7-9001C2C84785}"/>
+              </a:ext>
+            </a:extLst>
+          </p:cNvPr>
+          <p:cNvSpPr>
+            <a:spLocks noGrp="1"/>
+          </p:cNvSpPr>
+          <p:nvPr>
+            <p:ph type="subTitle" idx="1"/>
+          </p:nvPr>
         </p:nvSpPr>
         <p:spPr>
           <a:xfrm>
-            <a:off x="685824" y="4585692"/>
-            <a:ext cx="5326335" cy="600164"/>
+            <a:off x="685800" y="3361556"/>
+            <a:ext cx="6400800" cy="1460500"/>
           </a:xfrm>
-          <a:prstGeom prst="rect">
-            <a:avLst/>
-          </a:prstGeom>
-          <a:noFill/>
         </p:spPr>
         <p:txBody>
-          <a:bodyPr wrap="square">
-            <a:spAutoFit/>
-          </a:bodyPr>
+          <a:bodyPr/>
           <a:lstStyle/>
           <a:p>
-            <a:r>
-              <a:rPr lang="en-US" sz="1100" dirty="0">
-                <a:latin typeface="Gill Sans MT" panose="020B0502020104020203" pitchFamily="34" charset="77"/>
-              </a:rPr>
-              <a:t>Source: The questions are adapted from “Deep Learning Interviews”, </a:t>
-            </a:r>
-            <a:r>
-              <a:rPr lang="en-US" sz="1100" dirty="0" err="1">
-                <a:latin typeface="Gill Sans MT" panose="020B0502020104020203" pitchFamily="34" charset="77"/>
-              </a:rPr>
-              <a:t>Shlomo</a:t>
-            </a:r>
-            <a:r>
-              <a:rPr lang="en-US" sz="1100" dirty="0">
-                <a:latin typeface="Gill Sans MT" panose="020B0502020104020203" pitchFamily="34" charset="77"/>
-              </a:rPr>
-              <a:t> </a:t>
-            </a:r>
-            <a:r>
-              <a:rPr lang="en-US" sz="1100" dirty="0" err="1">
-                <a:latin typeface="Gill Sans MT" panose="020B0502020104020203" pitchFamily="34" charset="77"/>
-              </a:rPr>
-              <a:t>Kashani</a:t>
-            </a:r>
-            <a:r>
-              <a:rPr lang="en-US" sz="1100" dirty="0">
-                <a:latin typeface="Gill Sans MT" panose="020B0502020104020203" pitchFamily="34" charset="77"/>
-              </a:rPr>
-              <a:t>.</a:t>
-            </a:r>
-            <a:br>
-              <a:rPr lang="en-GB" sz="1100" dirty="0">
-                <a:latin typeface="Gill Sans MT" panose="020B0502020104020203" pitchFamily="34" charset="77"/>
-              </a:rPr>
-            </a:br>
-            <a:br>
-              <a:rPr lang="en-GB" sz="1100" dirty="0">
-                <a:latin typeface="Gill Sans MT" panose="020B0502020104020203" pitchFamily="34" charset="77"/>
-              </a:rPr>
-            </a:br>
-            <a:endParaRPr lang="en-US" sz="1100" dirty="0">
-              <a:latin typeface="Gill Sans MT" panose="020B0502020104020203" pitchFamily="34" charset="77"/>
-            </a:endParaRPr>
+            <a:pPr algn="l"/>
+            <a:r>
+              <a:rPr lang="en-GB" sz="1600" dirty="0"/>
+              <a:t>In the linear regression section, we discussed different metrics to minimise the error. There are also methods that control the weights (coefficients) and try to find optimise values/sets of coefficients/weights that can be used in a regression model. Lasso and Ridge are two of these techniques. The next few slides discuss them briefly.</a:t>
+            </a:r>
           </a:p>
         </p:txBody>
       </p:sp>
     </p:spTree>
     <p:extLst>
       <p:ext uri="{BB962C8B-B14F-4D97-AF65-F5344CB8AC3E}">
-        <p14:creationId xmlns:p14="http://schemas.microsoft.com/office/powerpoint/2010/main" val="3986366901"/>
+        <p14:creationId xmlns:p14="http://schemas.microsoft.com/office/powerpoint/2010/main" val="946693663"/>
       </p:ext>
     </p:extLst>
   </p:cSld>
@@ -16817,7 +16659,7 @@
           <p:cNvPr id="2" name="Title 1">
             <a:extLst>
               <a:ext uri="{FF2B5EF4-FFF2-40B4-BE49-F238E27FC236}">
-                <a16:creationId xmlns:a16="http://schemas.microsoft.com/office/drawing/2014/main" id="{AED974B2-E2D0-9042-87C1-C0E7D2A3BB7F}"/>
+                <a16:creationId xmlns:a16="http://schemas.microsoft.com/office/drawing/2014/main" id="{7B42110E-FDCE-7C80-3D8D-7128C0D81C05}"/>
               </a:ext>
             </a:extLst>
           </p:cNvPr>
@@ -16834,94 +16676,371 @@
           <a:lstStyle/>
           <a:p>
             <a:r>
-              <a:rPr lang="en-US" dirty="0"/>
-              <a:t>Q1</a:t>
-            </a:r>
-          </a:p>
-        </p:txBody>
-      </p:sp>
-      <p:sp>
-        <p:nvSpPr>
-          <p:cNvPr id="3" name="Content Placeholder 2">
-            <a:extLst>
-              <a:ext uri="{FF2B5EF4-FFF2-40B4-BE49-F238E27FC236}">
-                <a16:creationId xmlns:a16="http://schemas.microsoft.com/office/drawing/2014/main" id="{2CFDFE78-D269-3A4B-63CF-318E74C56518}"/>
-              </a:ext>
-            </a:extLst>
-          </p:cNvPr>
-          <p:cNvSpPr>
-            <a:spLocks noGrp="1"/>
-          </p:cNvSpPr>
-          <p:nvPr>
-            <p:ph idx="1"/>
-          </p:nvPr>
-        </p:nvSpPr>
-        <p:spPr/>
-        <p:txBody>
-          <a:bodyPr/>
-          <a:lstStyle/>
-          <a:p>
-            <a:r>
-              <a:rPr lang="en-GB" dirty="0">
-                <a:effectLst/>
-              </a:rPr>
-              <a:t>You have been asked to train a logistic regression model for a binary classification problem using the L2 loss for optimisation. </a:t>
-            </a:r>
-          </a:p>
-          <a:p>
-            <a:r>
-              <a:rPr lang="en-GB" dirty="0">
-                <a:effectLst/>
-              </a:rPr>
-              <a:t>Do you think L2 is a good choice here?</a:t>
-            </a:r>
-          </a:p>
-          <a:p>
-            <a:endParaRPr lang="en-GB" dirty="0"/>
-          </a:p>
-          <a:p>
-            <a:r>
-              <a:rPr lang="en-GB" dirty="0">
-                <a:effectLst/>
-              </a:rPr>
-              <a:t>Use </a:t>
-            </a:r>
-            <a:r>
-              <a:rPr lang="en-GB" dirty="0" err="1">
-                <a:effectLst/>
-              </a:rPr>
-              <a:t>menti</a:t>
-            </a:r>
-            <a:r>
-              <a:rPr lang="en-GB" dirty="0">
-                <a:effectLst/>
-              </a:rPr>
-              <a:t> to vote (the </a:t>
-            </a:r>
-            <a:r>
-              <a:rPr lang="en-GB" dirty="0" err="1">
-                <a:effectLst/>
-              </a:rPr>
-              <a:t>menti</a:t>
-            </a:r>
-            <a:r>
-              <a:rPr lang="en-GB" dirty="0">
-                <a:effectLst/>
-              </a:rPr>
-              <a:t> code will be announced) </a:t>
-            </a:r>
-          </a:p>
-          <a:p>
-            <a:endParaRPr lang="en-US" dirty="0"/>
-          </a:p>
-        </p:txBody>
-      </p:sp>
+              <a:rPr lang="en-GB" dirty="0"/>
+              <a:t>L1 Regularisation (Lasso)*</a:t>
+            </a:r>
+          </a:p>
+        </p:txBody>
+      </p:sp>
+      <mc:AlternateContent xmlns:mc="http://schemas.openxmlformats.org/markup-compatibility/2006">
+        <mc:Choice xmlns:a14="http://schemas.microsoft.com/office/drawing/2010/main" Requires="a14">
+          <p:sp>
+            <p:nvSpPr>
+              <p:cNvPr id="3" name="Content Placeholder 2">
+                <a:extLst>
+                  <a:ext uri="{FF2B5EF4-FFF2-40B4-BE49-F238E27FC236}">
+                    <a16:creationId xmlns:a16="http://schemas.microsoft.com/office/drawing/2014/main" id="{566204E5-577F-AD2E-480E-4B71292FBE78}"/>
+                  </a:ext>
+                </a:extLst>
+              </p:cNvPr>
+              <p:cNvSpPr>
+                <a:spLocks noGrp="1"/>
+              </p:cNvSpPr>
+              <p:nvPr>
+                <p:ph idx="1"/>
+              </p:nvPr>
+            </p:nvSpPr>
+            <p:spPr/>
+            <p:txBody>
+              <a:bodyPr/>
+              <a:lstStyle/>
+              <a:p>
+                <a:r>
+                  <a:rPr lang="en-GB" dirty="0"/>
+                  <a:t>Lasso is an acronym for: Least Absolute Shrinkage and Selection Operator.</a:t>
+                </a:r>
+              </a:p>
+              <a:p>
+                <a:r>
+                  <a:rPr lang="en-GB" dirty="0"/>
+                  <a:t>Lasso regression is a regression model that uses </a:t>
+                </a:r>
+                <a14:m>
+                  <m:oMath xmlns:m="http://schemas.openxmlformats.org/officeDocument/2006/math">
+                    <m:r>
+                      <a:rPr lang="en-GB" i="1" dirty="0" smtClean="0">
+                        <a:latin typeface="Cambria Math" panose="02040503050406030204" pitchFamily="18" charset="0"/>
+                        <a:ea typeface="Cambria Math" panose="02040503050406030204" pitchFamily="18" charset="0"/>
+                      </a:rPr>
+                      <m:t>ℓ</m:t>
+                    </m:r>
+                    <m:r>
+                      <a:rPr lang="en-GB" i="1" dirty="0" smtClean="0">
+                        <a:latin typeface="Cambria Math" panose="02040503050406030204" pitchFamily="18" charset="0"/>
+                      </a:rPr>
+                      <m:t>1</m:t>
+                    </m:r>
+                  </m:oMath>
+                </a14:m>
+                <a:r>
+                  <a:rPr lang="en-GB" dirty="0"/>
+                  <a:t> regularisation. </a:t>
+                </a:r>
+              </a:p>
+              <a:p>
+                <a:r>
+                  <a:rPr lang="en-GB" dirty="0"/>
+                  <a:t>In LASSO we modify the optimisation function and add a coefficient which is calculated based on the square of weights (parameters).</a:t>
+                </a:r>
+              </a:p>
+              <a:p>
+                <a:endParaRPr lang="en-GB" dirty="0"/>
+              </a:p>
+              <a:p>
+                <a:pPr marL="0" indent="0" algn="ctr">
+                  <a:buNone/>
+                </a:pPr>
+                <a14:m>
+                  <m:oMathPara xmlns:m="http://schemas.openxmlformats.org/officeDocument/2006/math">
+                    <m:oMathParaPr>
+                      <m:jc m:val="centerGroup"/>
+                    </m:oMathParaPr>
+                    <m:oMath xmlns:m="http://schemas.openxmlformats.org/officeDocument/2006/math">
+                      <m:nary>
+                        <m:naryPr>
+                          <m:chr m:val="∑"/>
+                          <m:ctrlPr>
+                            <a:rPr lang="en-GB" sz="2800" i="1">
+                              <a:latin typeface="Cambria Math" panose="02040503050406030204" pitchFamily="18" charset="0"/>
+                            </a:rPr>
+                          </m:ctrlPr>
+                        </m:naryPr>
+                        <m:sub>
+                          <m:r>
+                            <m:rPr>
+                              <m:brk m:alnAt="23"/>
+                            </m:rPr>
+                            <a:rPr lang="en-GB" sz="2800" i="1">
+                              <a:latin typeface="Cambria Math" panose="02040503050406030204" pitchFamily="18" charset="0"/>
+                            </a:rPr>
+                            <m:t>𝑖</m:t>
+                          </m:r>
+                          <m:r>
+                            <a:rPr lang="en-GB" sz="2800" i="1">
+                              <a:latin typeface="Cambria Math" panose="02040503050406030204" pitchFamily="18" charset="0"/>
+                            </a:rPr>
+                            <m:t>=1</m:t>
+                          </m:r>
+                        </m:sub>
+                        <m:sup>
+                          <m:r>
+                            <a:rPr lang="en-GB" sz="2800" i="1">
+                              <a:latin typeface="Cambria Math" panose="02040503050406030204" pitchFamily="18" charset="0"/>
+                            </a:rPr>
+                            <m:t>𝑛</m:t>
+                          </m:r>
+                        </m:sup>
+                        <m:e>
+                          <m:sSup>
+                            <m:sSupPr>
+                              <m:ctrlPr>
+                                <a:rPr lang="en-GB" sz="2800" i="1">
+                                  <a:latin typeface="Cambria Math" panose="02040503050406030204" pitchFamily="18" charset="0"/>
+                                </a:rPr>
+                              </m:ctrlPr>
+                            </m:sSupPr>
+                            <m:e>
+                              <m:r>
+                                <a:rPr lang="en-GB" sz="2800" i="1">
+                                  <a:latin typeface="Cambria Math" panose="02040503050406030204" pitchFamily="18" charset="0"/>
+                                </a:rPr>
+                                <m:t>(</m:t>
+                              </m:r>
+                              <m:sSub>
+                                <m:sSubPr>
+                                  <m:ctrlPr>
+                                    <a:rPr lang="en-GB" sz="2800" i="1">
+                                      <a:latin typeface="Cambria Math" panose="02040503050406030204" pitchFamily="18" charset="0"/>
+                                    </a:rPr>
+                                  </m:ctrlPr>
+                                </m:sSubPr>
+                                <m:e>
+                                  <m:acc>
+                                    <m:accPr>
+                                      <m:chr m:val="̂"/>
+                                      <m:ctrlPr>
+                                        <a:rPr lang="en-GB" sz="2800" i="1">
+                                          <a:latin typeface="Cambria Math" panose="02040503050406030204" pitchFamily="18" charset="0"/>
+                                        </a:rPr>
+                                      </m:ctrlPr>
+                                    </m:accPr>
+                                    <m:e>
+                                      <m:r>
+                                        <a:rPr lang="en-GB" sz="2800" i="1">
+                                          <a:latin typeface="Cambria Math" panose="02040503050406030204" pitchFamily="18" charset="0"/>
+                                        </a:rPr>
+                                        <m:t>𝑦</m:t>
+                                      </m:r>
+                                    </m:e>
+                                  </m:acc>
+                                </m:e>
+                                <m:sub>
+                                  <m:r>
+                                    <a:rPr lang="en-GB" sz="2800" i="1">
+                                      <a:latin typeface="Cambria Math" panose="02040503050406030204" pitchFamily="18" charset="0"/>
+                                    </a:rPr>
+                                    <m:t>𝑖</m:t>
+                                  </m:r>
+                                </m:sub>
+                              </m:sSub>
+                              <m:r>
+                                <a:rPr lang="en-GB" sz="2800" i="1">
+                                  <a:latin typeface="Cambria Math" panose="02040503050406030204" pitchFamily="18" charset="0"/>
+                                </a:rPr>
+                                <m:t>− </m:t>
+                              </m:r>
+                              <m:sSub>
+                                <m:sSubPr>
+                                  <m:ctrlPr>
+                                    <a:rPr lang="en-GB" sz="2800" i="1">
+                                      <a:latin typeface="Cambria Math" panose="02040503050406030204" pitchFamily="18" charset="0"/>
+                                    </a:rPr>
+                                  </m:ctrlPr>
+                                </m:sSubPr>
+                                <m:e>
+                                  <m:r>
+                                    <a:rPr lang="en-GB" sz="2800" i="1">
+                                      <a:latin typeface="Cambria Math" panose="02040503050406030204" pitchFamily="18" charset="0"/>
+                                    </a:rPr>
+                                    <m:t>𝑦</m:t>
+                                  </m:r>
+                                </m:e>
+                                <m:sub>
+                                  <m:r>
+                                    <a:rPr lang="en-GB" sz="2800" i="1">
+                                      <a:latin typeface="Cambria Math" panose="02040503050406030204" pitchFamily="18" charset="0"/>
+                                    </a:rPr>
+                                    <m:t>𝑖</m:t>
+                                  </m:r>
+                                </m:sub>
+                              </m:sSub>
+                              <m:r>
+                                <a:rPr lang="en-GB" sz="2800" i="1">
+                                  <a:latin typeface="Cambria Math" panose="02040503050406030204" pitchFamily="18" charset="0"/>
+                                </a:rPr>
+                                <m:t>)</m:t>
+                              </m:r>
+                            </m:e>
+                            <m:sup>
+                              <m:r>
+                                <a:rPr lang="en-GB" sz="2800" i="1">
+                                  <a:latin typeface="Cambria Math" panose="02040503050406030204" pitchFamily="18" charset="0"/>
+                                </a:rPr>
+                                <m:t>2</m:t>
+                              </m:r>
+                            </m:sup>
+                          </m:sSup>
+                          <m:r>
+                            <a:rPr lang="en-GB" sz="2800" i="1">
+                              <a:latin typeface="Cambria Math" panose="02040503050406030204" pitchFamily="18" charset="0"/>
+                            </a:rPr>
+                            <m:t>+ </m:t>
+                          </m:r>
+                          <m:r>
+                            <a:rPr lang="en-GB" sz="2800" i="1">
+                              <a:latin typeface="Cambria Math" panose="02040503050406030204" pitchFamily="18" charset="0"/>
+                              <a:ea typeface="Cambria Math" panose="02040503050406030204" pitchFamily="18" charset="0"/>
+                            </a:rPr>
+                            <m:t>𝜆</m:t>
+                          </m:r>
+                          <m:nary>
+                            <m:naryPr>
+                              <m:chr m:val="∑"/>
+                              <m:ctrlPr>
+                                <a:rPr lang="en-GB" sz="2800" i="1">
+                                  <a:latin typeface="Cambria Math" panose="02040503050406030204" pitchFamily="18" charset="0"/>
+                                </a:rPr>
+                              </m:ctrlPr>
+                            </m:naryPr>
+                            <m:sub>
+                              <m:r>
+                                <m:rPr>
+                                  <m:brk m:alnAt="23"/>
+                                </m:rPr>
+                                <a:rPr lang="en-GB" sz="2800" i="1">
+                                  <a:latin typeface="Cambria Math" panose="02040503050406030204" pitchFamily="18" charset="0"/>
+                                </a:rPr>
+                                <m:t>𝑖</m:t>
+                              </m:r>
+                              <m:r>
+                                <a:rPr lang="en-GB" sz="2800" i="1">
+                                  <a:latin typeface="Cambria Math" panose="02040503050406030204" pitchFamily="18" charset="0"/>
+                                </a:rPr>
+                                <m:t>=1</m:t>
+                              </m:r>
+                            </m:sub>
+                            <m:sup>
+                              <m:r>
+                                <a:rPr lang="en-GB" sz="2800" i="1">
+                                  <a:latin typeface="Cambria Math" panose="02040503050406030204" pitchFamily="18" charset="0"/>
+                                </a:rPr>
+                                <m:t>𝑛</m:t>
+                              </m:r>
+                            </m:sup>
+                            <m:e>
+                              <m:d>
+                                <m:dPr>
+                                  <m:begChr m:val="|"/>
+                                  <m:endChr m:val="|"/>
+                                  <m:ctrlPr>
+                                    <a:rPr lang="en-GB" sz="2800" i="1">
+                                      <a:latin typeface="Cambria Math" panose="02040503050406030204" pitchFamily="18" charset="0"/>
+                                    </a:rPr>
+                                  </m:ctrlPr>
+                                </m:dPr>
+                                <m:e>
+                                  <m:sSub>
+                                    <m:sSubPr>
+                                      <m:ctrlPr>
+                                        <a:rPr lang="en-GB" sz="2800" i="1">
+                                          <a:latin typeface="Cambria Math" panose="02040503050406030204" pitchFamily="18" charset="0"/>
+                                        </a:rPr>
+                                      </m:ctrlPr>
+                                    </m:sSubPr>
+                                    <m:e>
+                                      <m:r>
+                                        <a:rPr lang="en-GB" sz="2800" i="1">
+                                          <a:latin typeface="Cambria Math" panose="02040503050406030204" pitchFamily="18" charset="0"/>
+                                          <a:ea typeface="Cambria Math" panose="02040503050406030204" pitchFamily="18" charset="0"/>
+                                        </a:rPr>
+                                        <m:t>𝛽</m:t>
+                                      </m:r>
+                                    </m:e>
+                                    <m:sub>
+                                      <m:r>
+                                        <a:rPr lang="en-GB" sz="2800" i="1">
+                                          <a:latin typeface="Cambria Math" panose="02040503050406030204" pitchFamily="18" charset="0"/>
+                                        </a:rPr>
+                                        <m:t>𝑖</m:t>
+                                      </m:r>
+                                    </m:sub>
+                                  </m:sSub>
+                                </m:e>
+                              </m:d>
+                            </m:e>
+                          </m:nary>
+                        </m:e>
+                      </m:nary>
+                    </m:oMath>
+                  </m:oMathPara>
+                </a14:m>
+                <a:endParaRPr lang="en-GB" b="0" i="0" u="none" strike="noStrike" dirty="0">
+                  <a:solidFill>
+                    <a:srgbClr val="3A3B41"/>
+                  </a:solidFill>
+                  <a:effectLst/>
+                  <a:latin typeface="Lora" panose="020F0502020204030204" pitchFamily="34" charset="0"/>
+                </a:endParaRPr>
+              </a:p>
+            </p:txBody>
+          </p:sp>
+        </mc:Choice>
+        <mc:Fallback>
+          <p:sp>
+            <p:nvSpPr>
+              <p:cNvPr id="3" name="Content Placeholder 2">
+                <a:extLst>
+                  <a:ext uri="{FF2B5EF4-FFF2-40B4-BE49-F238E27FC236}">
+                    <a16:creationId xmlns:a16="http://schemas.microsoft.com/office/drawing/2014/main" id="{566204E5-577F-AD2E-480E-4B71292FBE78}"/>
+                  </a:ext>
+                </a:extLst>
+              </p:cNvPr>
+              <p:cNvSpPr>
+                <a:spLocks noGrp="1" noRot="1" noChangeAspect="1" noMove="1" noResize="1" noEditPoints="1" noAdjustHandles="1" noChangeArrowheads="1" noChangeShapeType="1" noTextEdit="1"/>
+              </p:cNvSpPr>
+              <p:nvPr>
+                <p:ph idx="1"/>
+              </p:nvPr>
+            </p:nvSpPr>
+            <p:spPr>
+              <a:blipFill>
+                <a:blip r:embed="rId2"/>
+                <a:stretch>
+                  <a:fillRect l="-772" t="-1223" r="-154" b="-29052"/>
+                </a:stretch>
+              </a:blipFill>
+            </p:spPr>
+            <p:txBody>
+              <a:bodyPr/>
+              <a:lstStyle/>
+              <a:p>
+                <a:r>
+                  <a:rPr lang="en-GB">
+                    <a:noFill/>
+                  </a:rPr>
+                  <a:t> </a:t>
+                </a:r>
+              </a:p>
+            </p:txBody>
+          </p:sp>
+        </mc:Fallback>
+      </mc:AlternateContent>
       <p:sp>
         <p:nvSpPr>
           <p:cNvPr id="4" name="Slide Number Placeholder 3">
             <a:extLst>
               <a:ext uri="{FF2B5EF4-FFF2-40B4-BE49-F238E27FC236}">
-                <a16:creationId xmlns:a16="http://schemas.microsoft.com/office/drawing/2014/main" id="{1BFD9D68-B0D8-F6F8-0FF0-6924CBAF38F4}"/>
+                <a16:creationId xmlns:a16="http://schemas.microsoft.com/office/drawing/2014/main" id="{5F3414E7-F898-A40C-7D19-ACB0E5F8E599}"/>
               </a:ext>
             </a:extLst>
           </p:cNvPr>
@@ -16942,14 +17061,14 @@
               <a:pPr/>
               <a:t>56</a:t>
             </a:fld>
-            <a:endParaRPr lang="en-GB" altLang="en-US"/>
+            <a:endParaRPr lang="en-GB" altLang="en-US" dirty="0"/>
           </a:p>
         </p:txBody>
       </p:sp>
     </p:spTree>
     <p:extLst>
       <p:ext uri="{BB962C8B-B14F-4D97-AF65-F5344CB8AC3E}">
-        <p14:creationId xmlns:p14="http://schemas.microsoft.com/office/powerpoint/2010/main" val="1198082045"/>
+        <p14:creationId xmlns:p14="http://schemas.microsoft.com/office/powerpoint/2010/main" val="3880397032"/>
       </p:ext>
     </p:extLst>
   </p:cSld>
@@ -16976,77 +17095,425 @@
           <a:chExt cx="0" cy="0"/>
         </a:xfrm>
       </p:grpSpPr>
-      <p:sp>
-        <p:nvSpPr>
-          <p:cNvPr id="2" name="Title 1">
-            <a:extLst>
-              <a:ext uri="{FF2B5EF4-FFF2-40B4-BE49-F238E27FC236}">
-                <a16:creationId xmlns:a16="http://schemas.microsoft.com/office/drawing/2014/main" id="{A01F719B-20D6-14A9-1BC2-1DD0AB032D75}"/>
-              </a:ext>
-            </a:extLst>
-          </p:cNvPr>
-          <p:cNvSpPr>
-            <a:spLocks noGrp="1"/>
-          </p:cNvSpPr>
-          <p:nvPr>
-            <p:ph type="title"/>
-          </p:nvPr>
-        </p:nvSpPr>
-        <p:spPr/>
-        <p:txBody>
-          <a:bodyPr/>
-          <a:lstStyle/>
-          <a:p>
-            <a:r>
-              <a:rPr lang="en-US" dirty="0"/>
-              <a:t>Q2</a:t>
-            </a:r>
-          </a:p>
-        </p:txBody>
-      </p:sp>
-      <p:sp>
-        <p:nvSpPr>
-          <p:cNvPr id="3" name="Content Placeholder 2">
-            <a:extLst>
-              <a:ext uri="{FF2B5EF4-FFF2-40B4-BE49-F238E27FC236}">
-                <a16:creationId xmlns:a16="http://schemas.microsoft.com/office/drawing/2014/main" id="{B1985887-BA25-DEE3-E3B1-601D390E8D21}"/>
-              </a:ext>
-            </a:extLst>
-          </p:cNvPr>
-          <p:cNvSpPr>
-            <a:spLocks noGrp="1"/>
-          </p:cNvSpPr>
-          <p:nvPr>
-            <p:ph idx="1"/>
-          </p:nvPr>
-        </p:nvSpPr>
-        <p:spPr/>
-        <p:txBody>
-          <a:bodyPr/>
-          <a:lstStyle/>
-          <a:p>
-            <a:r>
-              <a:rPr lang="en-US" dirty="0"/>
-              <a:t>The figure </a:t>
-            </a:r>
-            <a:r>
-              <a:rPr lang="en-GB" dirty="0">
-                <a:effectLst/>
-              </a:rPr>
-              <a:t>depicts two different cross-validation approaches. Which one is a k-fold cross validation?</a:t>
-            </a:r>
-          </a:p>
-          <a:p>
-            <a:endParaRPr lang="en-US" dirty="0"/>
-          </a:p>
-        </p:txBody>
-      </p:sp>
+      <mc:AlternateContent xmlns:mc="http://schemas.openxmlformats.org/markup-compatibility/2006">
+        <mc:Choice xmlns:a14="http://schemas.microsoft.com/office/drawing/2010/main" Requires="a14">
+          <p:sp>
+            <p:nvSpPr>
+              <p:cNvPr id="2" name="Title 1">
+                <a:extLst>
+                  <a:ext uri="{FF2B5EF4-FFF2-40B4-BE49-F238E27FC236}">
+                    <a16:creationId xmlns:a16="http://schemas.microsoft.com/office/drawing/2014/main" id="{DC55F513-D073-9C88-B35D-1D27D8E301BF}"/>
+                  </a:ext>
+                </a:extLst>
+              </p:cNvPr>
+              <p:cNvSpPr>
+                <a:spLocks noGrp="1"/>
+              </p:cNvSpPr>
+              <p:nvPr>
+                <p:ph type="title"/>
+              </p:nvPr>
+            </p:nvSpPr>
+            <p:spPr/>
+            <p:txBody>
+              <a:bodyPr/>
+              <a:lstStyle/>
+              <a:p>
+                <a:r>
+                  <a:rPr lang="en-US" dirty="0"/>
+                  <a:t>Lasso – setting </a:t>
+                </a:r>
+                <a14:m>
+                  <m:oMath xmlns:m="http://schemas.openxmlformats.org/officeDocument/2006/math">
+                    <m:r>
+                      <a:rPr lang="en-GB" sz="2000" b="0" i="1" smtClean="0">
+                        <a:latin typeface="Cambria Math" panose="02040503050406030204" pitchFamily="18" charset="0"/>
+                        <a:ea typeface="Cambria Math" panose="02040503050406030204" pitchFamily="18" charset="0"/>
+                      </a:rPr>
+                      <m:t>𝜆</m:t>
+                    </m:r>
+                  </m:oMath>
+                </a14:m>
+                <a:r>
+                  <a:rPr lang="en-US" dirty="0"/>
+                  <a:t>* </a:t>
+                </a:r>
+              </a:p>
+            </p:txBody>
+          </p:sp>
+        </mc:Choice>
+        <mc:Fallback>
+          <p:sp>
+            <p:nvSpPr>
+              <p:cNvPr id="2" name="Title 1">
+                <a:extLst>
+                  <a:ext uri="{FF2B5EF4-FFF2-40B4-BE49-F238E27FC236}">
+                    <a16:creationId xmlns:a16="http://schemas.microsoft.com/office/drawing/2014/main" id="{DC55F513-D073-9C88-B35D-1D27D8E301BF}"/>
+                  </a:ext>
+                </a:extLst>
+              </p:cNvPr>
+              <p:cNvSpPr>
+                <a:spLocks noGrp="1" noRot="1" noChangeAspect="1" noMove="1" noResize="1" noEditPoints="1" noAdjustHandles="1" noChangeArrowheads="1" noChangeShapeType="1" noTextEdit="1"/>
+              </p:cNvSpPr>
+              <p:nvPr>
+                <p:ph type="title"/>
+              </p:nvPr>
+            </p:nvSpPr>
+            <p:spPr>
+              <a:blipFill>
+                <a:blip r:embed="rId2"/>
+                <a:stretch>
+                  <a:fillRect l="-1235"/>
+                </a:stretch>
+              </a:blipFill>
+            </p:spPr>
+            <p:txBody>
+              <a:bodyPr/>
+              <a:lstStyle/>
+              <a:p>
+                <a:r>
+                  <a:rPr lang="en-GB">
+                    <a:noFill/>
+                  </a:rPr>
+                  <a:t> </a:t>
+                </a:r>
+              </a:p>
+            </p:txBody>
+          </p:sp>
+        </mc:Fallback>
+      </mc:AlternateContent>
+      <mc:AlternateContent xmlns:mc="http://schemas.openxmlformats.org/markup-compatibility/2006" xmlns:a14="http://schemas.microsoft.com/office/drawing/2010/main">
+        <mc:Choice Requires="a14">
+          <p:sp>
+            <p:nvSpPr>
+              <p:cNvPr id="3" name="Content Placeholder 2">
+                <a:extLst>
+                  <a:ext uri="{FF2B5EF4-FFF2-40B4-BE49-F238E27FC236}">
+                    <a16:creationId xmlns:a16="http://schemas.microsoft.com/office/drawing/2014/main" id="{720AB5DF-02AF-AC38-7A5D-4AB24C38F672}"/>
+                  </a:ext>
+                </a:extLst>
+              </p:cNvPr>
+              <p:cNvSpPr>
+                <a:spLocks noGrp="1"/>
+              </p:cNvSpPr>
+              <p:nvPr>
+                <p:ph idx="1"/>
+              </p:nvPr>
+            </p:nvSpPr>
+            <p:spPr/>
+            <p:txBody>
+              <a:bodyPr/>
+              <a:lstStyle/>
+              <a:p>
+                <a:endParaRPr lang="en-GB" dirty="0"/>
+              </a:p>
+              <a:p>
+                <a:pPr marL="0" indent="0" algn="ctr">
+                  <a:buNone/>
+                </a:pPr>
+                <a14:m>
+                  <m:oMathPara xmlns:m="http://schemas.openxmlformats.org/officeDocument/2006/math">
+                    <m:oMathParaPr>
+                      <m:jc m:val="centerGroup"/>
+                    </m:oMathParaPr>
+                    <m:oMath xmlns:m="http://schemas.openxmlformats.org/officeDocument/2006/math">
+                      <m:nary>
+                        <m:naryPr>
+                          <m:chr m:val="∑"/>
+                          <m:ctrlPr>
+                            <a:rPr lang="en-GB" sz="2400" i="1">
+                              <a:latin typeface="Cambria Math" panose="02040503050406030204" pitchFamily="18" charset="0"/>
+                            </a:rPr>
+                          </m:ctrlPr>
+                        </m:naryPr>
+                        <m:sub>
+                          <m:r>
+                            <m:rPr>
+                              <m:brk m:alnAt="23"/>
+                            </m:rPr>
+                            <a:rPr lang="en-GB" sz="2400" i="1">
+                              <a:latin typeface="Cambria Math" panose="02040503050406030204" pitchFamily="18" charset="0"/>
+                            </a:rPr>
+                            <m:t>𝑖</m:t>
+                          </m:r>
+                          <m:r>
+                            <a:rPr lang="en-GB" sz="2400" i="1">
+                              <a:latin typeface="Cambria Math" panose="02040503050406030204" pitchFamily="18" charset="0"/>
+                            </a:rPr>
+                            <m:t>=1</m:t>
+                          </m:r>
+                        </m:sub>
+                        <m:sup>
+                          <m:r>
+                            <a:rPr lang="en-GB" sz="2400" i="1">
+                              <a:latin typeface="Cambria Math" panose="02040503050406030204" pitchFamily="18" charset="0"/>
+                            </a:rPr>
+                            <m:t>𝑛</m:t>
+                          </m:r>
+                        </m:sup>
+                        <m:e>
+                          <m:sSup>
+                            <m:sSupPr>
+                              <m:ctrlPr>
+                                <a:rPr lang="en-GB" sz="2400" i="1">
+                                  <a:latin typeface="Cambria Math" panose="02040503050406030204" pitchFamily="18" charset="0"/>
+                                </a:rPr>
+                              </m:ctrlPr>
+                            </m:sSupPr>
+                            <m:e>
+                              <m:r>
+                                <a:rPr lang="en-GB" sz="2400" i="1">
+                                  <a:latin typeface="Cambria Math" panose="02040503050406030204" pitchFamily="18" charset="0"/>
+                                </a:rPr>
+                                <m:t>(</m:t>
+                              </m:r>
+                              <m:sSub>
+                                <m:sSubPr>
+                                  <m:ctrlPr>
+                                    <a:rPr lang="en-GB" sz="2400" i="1">
+                                      <a:latin typeface="Cambria Math" panose="02040503050406030204" pitchFamily="18" charset="0"/>
+                                    </a:rPr>
+                                  </m:ctrlPr>
+                                </m:sSubPr>
+                                <m:e>
+                                  <m:acc>
+                                    <m:accPr>
+                                      <m:chr m:val="̂"/>
+                                      <m:ctrlPr>
+                                        <a:rPr lang="en-GB" sz="2400" i="1">
+                                          <a:latin typeface="Cambria Math" panose="02040503050406030204" pitchFamily="18" charset="0"/>
+                                        </a:rPr>
+                                      </m:ctrlPr>
+                                    </m:accPr>
+                                    <m:e>
+                                      <m:r>
+                                        <a:rPr lang="en-GB" sz="2400" i="1">
+                                          <a:latin typeface="Cambria Math" panose="02040503050406030204" pitchFamily="18" charset="0"/>
+                                        </a:rPr>
+                                        <m:t>𝑦</m:t>
+                                      </m:r>
+                                    </m:e>
+                                  </m:acc>
+                                </m:e>
+                                <m:sub>
+                                  <m:r>
+                                    <a:rPr lang="en-GB" sz="2400" i="1">
+                                      <a:latin typeface="Cambria Math" panose="02040503050406030204" pitchFamily="18" charset="0"/>
+                                    </a:rPr>
+                                    <m:t>𝑖</m:t>
+                                  </m:r>
+                                </m:sub>
+                              </m:sSub>
+                              <m:r>
+                                <a:rPr lang="en-GB" sz="2400" i="1">
+                                  <a:latin typeface="Cambria Math" panose="02040503050406030204" pitchFamily="18" charset="0"/>
+                                </a:rPr>
+                                <m:t>− </m:t>
+                              </m:r>
+                              <m:sSub>
+                                <m:sSubPr>
+                                  <m:ctrlPr>
+                                    <a:rPr lang="en-GB" sz="2400" i="1">
+                                      <a:latin typeface="Cambria Math" panose="02040503050406030204" pitchFamily="18" charset="0"/>
+                                    </a:rPr>
+                                  </m:ctrlPr>
+                                </m:sSubPr>
+                                <m:e>
+                                  <m:r>
+                                    <a:rPr lang="en-GB" sz="2400" i="1">
+                                      <a:latin typeface="Cambria Math" panose="02040503050406030204" pitchFamily="18" charset="0"/>
+                                    </a:rPr>
+                                    <m:t>𝑦</m:t>
+                                  </m:r>
+                                </m:e>
+                                <m:sub>
+                                  <m:r>
+                                    <a:rPr lang="en-GB" sz="2400" i="1">
+                                      <a:latin typeface="Cambria Math" panose="02040503050406030204" pitchFamily="18" charset="0"/>
+                                    </a:rPr>
+                                    <m:t>𝑖</m:t>
+                                  </m:r>
+                                </m:sub>
+                              </m:sSub>
+                              <m:r>
+                                <a:rPr lang="en-GB" sz="2400" i="1">
+                                  <a:latin typeface="Cambria Math" panose="02040503050406030204" pitchFamily="18" charset="0"/>
+                                </a:rPr>
+                                <m:t>)</m:t>
+                              </m:r>
+                            </m:e>
+                            <m:sup>
+                              <m:r>
+                                <a:rPr lang="en-GB" sz="2400" i="1">
+                                  <a:latin typeface="Cambria Math" panose="02040503050406030204" pitchFamily="18" charset="0"/>
+                                </a:rPr>
+                                <m:t>2</m:t>
+                              </m:r>
+                            </m:sup>
+                          </m:sSup>
+                          <m:r>
+                            <a:rPr lang="en-GB" sz="2400" i="1">
+                              <a:latin typeface="Cambria Math" panose="02040503050406030204" pitchFamily="18" charset="0"/>
+                            </a:rPr>
+                            <m:t>+ </m:t>
+                          </m:r>
+                          <m:r>
+                            <a:rPr lang="en-GB" sz="2400" i="1">
+                              <a:latin typeface="Cambria Math" panose="02040503050406030204" pitchFamily="18" charset="0"/>
+                              <a:ea typeface="Cambria Math" panose="02040503050406030204" pitchFamily="18" charset="0"/>
+                            </a:rPr>
+                            <m:t>𝜆</m:t>
+                          </m:r>
+                          <m:nary>
+                            <m:naryPr>
+                              <m:chr m:val="∑"/>
+                              <m:ctrlPr>
+                                <a:rPr lang="en-GB" sz="2400" i="1">
+                                  <a:latin typeface="Cambria Math" panose="02040503050406030204" pitchFamily="18" charset="0"/>
+                                </a:rPr>
+                              </m:ctrlPr>
+                            </m:naryPr>
+                            <m:sub>
+                              <m:r>
+                                <m:rPr>
+                                  <m:brk m:alnAt="23"/>
+                                </m:rPr>
+                                <a:rPr lang="en-GB" sz="2400" i="1">
+                                  <a:latin typeface="Cambria Math" panose="02040503050406030204" pitchFamily="18" charset="0"/>
+                                </a:rPr>
+                                <m:t>𝑖</m:t>
+                              </m:r>
+                              <m:r>
+                                <a:rPr lang="en-GB" sz="2400" i="1">
+                                  <a:latin typeface="Cambria Math" panose="02040503050406030204" pitchFamily="18" charset="0"/>
+                                </a:rPr>
+                                <m:t>=1</m:t>
+                              </m:r>
+                            </m:sub>
+                            <m:sup>
+                              <m:r>
+                                <a:rPr lang="en-GB" sz="2400" i="1">
+                                  <a:latin typeface="Cambria Math" panose="02040503050406030204" pitchFamily="18" charset="0"/>
+                                </a:rPr>
+                                <m:t>𝑛</m:t>
+                              </m:r>
+                            </m:sup>
+                            <m:e>
+                              <m:d>
+                                <m:dPr>
+                                  <m:begChr m:val="|"/>
+                                  <m:endChr m:val="|"/>
+                                  <m:ctrlPr>
+                                    <a:rPr lang="en-GB" sz="2400" i="1">
+                                      <a:latin typeface="Cambria Math" panose="02040503050406030204" pitchFamily="18" charset="0"/>
+                                    </a:rPr>
+                                  </m:ctrlPr>
+                                </m:dPr>
+                                <m:e>
+                                  <m:sSub>
+                                    <m:sSubPr>
+                                      <m:ctrlPr>
+                                        <a:rPr lang="en-GB" sz="2400" i="1">
+                                          <a:latin typeface="Cambria Math" panose="02040503050406030204" pitchFamily="18" charset="0"/>
+                                        </a:rPr>
+                                      </m:ctrlPr>
+                                    </m:sSubPr>
+                                    <m:e>
+                                      <m:r>
+                                        <a:rPr lang="en-GB" sz="2400" i="1">
+                                          <a:latin typeface="Cambria Math" panose="02040503050406030204" pitchFamily="18" charset="0"/>
+                                          <a:ea typeface="Cambria Math" panose="02040503050406030204" pitchFamily="18" charset="0"/>
+                                        </a:rPr>
+                                        <m:t>𝛽</m:t>
+                                      </m:r>
+                                    </m:e>
+                                    <m:sub>
+                                      <m:r>
+                                        <a:rPr lang="en-GB" sz="2400" i="1">
+                                          <a:latin typeface="Cambria Math" panose="02040503050406030204" pitchFamily="18" charset="0"/>
+                                        </a:rPr>
+                                        <m:t>𝑖</m:t>
+                                      </m:r>
+                                    </m:sub>
+                                  </m:sSub>
+                                </m:e>
+                              </m:d>
+                            </m:e>
+                          </m:nary>
+                        </m:e>
+                      </m:nary>
+                    </m:oMath>
+                  </m:oMathPara>
+                </a14:m>
+                <a:endParaRPr lang="en-US" sz="2400" dirty="0"/>
+              </a:p>
+              <a:p>
+                <a:endParaRPr lang="en-GB" dirty="0"/>
+              </a:p>
+              <a:p>
+                <a:r>
+                  <a:rPr lang="en-GB" dirty="0"/>
+                  <a:t>If we set lambda to zero, then the function becomes like an ordinary least squares </a:t>
+                </a:r>
+              </a:p>
+              <a:p>
+                <a:r>
+                  <a:rPr lang="en-GB" dirty="0"/>
+                  <a:t>If we set lambda  to a very large value, it will make coefficients to be come zero, which will make the model underfit .</a:t>
+                </a:r>
+                <a:endParaRPr lang="en-US" dirty="0"/>
+              </a:p>
+              <a:p>
+                <a:endParaRPr lang="en-US" dirty="0"/>
+              </a:p>
+            </p:txBody>
+          </p:sp>
+        </mc:Choice>
+        <mc:Fallback xmlns="">
+          <p:sp>
+            <p:nvSpPr>
+              <p:cNvPr id="3" name="Content Placeholder 2">
+                <a:extLst>
+                  <a:ext uri="{FF2B5EF4-FFF2-40B4-BE49-F238E27FC236}">
+                    <a16:creationId xmlns:a16="http://schemas.microsoft.com/office/drawing/2014/main" id="{720AB5DF-02AF-AC38-7A5D-4AB24C38F672}"/>
+                  </a:ext>
+                </a:extLst>
+              </p:cNvPr>
+              <p:cNvSpPr>
+                <a:spLocks noGrp="1" noRot="1" noChangeAspect="1" noMove="1" noResize="1" noEditPoints="1" noAdjustHandles="1" noChangeArrowheads="1" noChangeShapeType="1" noTextEdit="1"/>
+              </p:cNvSpPr>
+              <p:nvPr>
+                <p:ph idx="1"/>
+              </p:nvPr>
+            </p:nvSpPr>
+            <p:spPr>
+              <a:blipFill>
+                <a:blip r:embed="rId3"/>
+                <a:stretch>
+                  <a:fillRect l="-772" t="-19572" r="-463"/>
+                </a:stretch>
+              </a:blipFill>
+            </p:spPr>
+            <p:txBody>
+              <a:bodyPr/>
+              <a:lstStyle/>
+              <a:p>
+                <a:r>
+                  <a:rPr lang="en-US">
+                    <a:noFill/>
+                  </a:rPr>
+                  <a:t> </a:t>
+                </a:r>
+              </a:p>
+            </p:txBody>
+          </p:sp>
+        </mc:Fallback>
+      </mc:AlternateContent>
       <p:sp>
         <p:nvSpPr>
           <p:cNvPr id="4" name="Slide Number Placeholder 3">
             <a:extLst>
               <a:ext uri="{FF2B5EF4-FFF2-40B4-BE49-F238E27FC236}">
-                <a16:creationId xmlns:a16="http://schemas.microsoft.com/office/drawing/2014/main" id="{AD60E229-FFA6-B507-8EB3-D92DC219441A}"/>
+                <a16:creationId xmlns:a16="http://schemas.microsoft.com/office/drawing/2014/main" id="{91E79C06-2DE6-5A29-BA72-CF7910ECF91C}"/>
               </a:ext>
             </a:extLst>
           </p:cNvPr>
@@ -17071,58 +17538,22 @@
           </a:p>
         </p:txBody>
       </p:sp>
-      <p:pic>
-        <p:nvPicPr>
-          <p:cNvPr id="6" name="Picture 5" descr="Graphical user interface, text, application&#10;&#10;Description automatically generated">
-            <a:extLst>
-              <a:ext uri="{FF2B5EF4-FFF2-40B4-BE49-F238E27FC236}">
-                <a16:creationId xmlns:a16="http://schemas.microsoft.com/office/drawing/2014/main" id="{F990A73D-1998-0351-7047-A2E38138C188}"/>
-              </a:ext>
-            </a:extLst>
-          </p:cNvPr>
-          <p:cNvPicPr>
-            <a:picLocks noChangeAspect="1"/>
-          </p:cNvPicPr>
+      <p:sp>
+        <p:nvSpPr>
+          <p:cNvPr id="5" name="TextBox 4">
+            <a:extLst>
+              <a:ext uri="{FF2B5EF4-FFF2-40B4-BE49-F238E27FC236}">
+                <a16:creationId xmlns:a16="http://schemas.microsoft.com/office/drawing/2014/main" id="{AB4CD3D2-3017-21F6-2F39-575519E1F510}"/>
+              </a:ext>
+            </a:extLst>
+          </p:cNvPr>
+          <p:cNvSpPr txBox="1"/>
           <p:nvPr/>
-        </p:nvPicPr>
-        <p:blipFill>
-          <a:blip r:embed="rId3">
-            <a:extLst>
-              <a:ext uri="{28A0092B-C50C-407E-A947-70E740481C1C}">
-                <a14:useLocalDpi xmlns:a14="http://schemas.microsoft.com/office/drawing/2010/main" val="0"/>
-              </a:ext>
-            </a:extLst>
-          </a:blip>
-          <a:stretch>
-            <a:fillRect/>
-          </a:stretch>
-        </p:blipFill>
+        </p:nvSpPr>
         <p:spPr>
           <a:xfrm>
-            <a:off x="2627785" y="1949984"/>
-            <a:ext cx="3925416" cy="2658577"/>
-          </a:xfrm>
-          <a:prstGeom prst="rect">
-            <a:avLst/>
-          </a:prstGeom>
-        </p:spPr>
-      </p:pic>
-      <p:sp>
-        <p:nvSpPr>
-          <p:cNvPr id="7" name="TextBox 6">
-            <a:extLst>
-              <a:ext uri="{FF2B5EF4-FFF2-40B4-BE49-F238E27FC236}">
-                <a16:creationId xmlns:a16="http://schemas.microsoft.com/office/drawing/2014/main" id="{663A4868-B904-6AAD-F006-793691BAFDC4}"/>
-              </a:ext>
-            </a:extLst>
-          </p:cNvPr>
-          <p:cNvSpPr txBox="1"/>
-          <p:nvPr/>
-        </p:nvSpPr>
-        <p:spPr>
-          <a:xfrm>
-            <a:off x="457200" y="4813347"/>
-            <a:ext cx="6419056" cy="369332"/>
+            <a:off x="611560" y="5318126"/>
+            <a:ext cx="3493264" cy="230832"/>
           </a:xfrm>
           <a:prstGeom prst="rect">
             <a:avLst/>
@@ -17130,110 +17561,40 @@
           <a:noFill/>
         </p:spPr>
         <p:txBody>
-          <a:bodyPr wrap="square">
-            <a:spAutoFit/>
-          </a:bodyPr>
-          <a:lstStyle/>
-          <a:p>
-            <a:r>
-              <a:rPr lang="en-GB" dirty="0">
-                <a:effectLst/>
-              </a:rPr>
-              <a:t>Use </a:t>
-            </a:r>
-            <a:r>
-              <a:rPr lang="en-GB" dirty="0" err="1">
-                <a:effectLst/>
-              </a:rPr>
-              <a:t>menti</a:t>
-            </a:r>
-            <a:r>
-              <a:rPr lang="en-GB" dirty="0">
-                <a:effectLst/>
-              </a:rPr>
-              <a:t> to vote (the </a:t>
-            </a:r>
-            <a:r>
-              <a:rPr lang="en-GB" dirty="0" err="1">
-                <a:effectLst/>
-              </a:rPr>
-              <a:t>menti</a:t>
-            </a:r>
-            <a:r>
-              <a:rPr lang="en-GB" dirty="0">
-                <a:effectLst/>
-              </a:rPr>
-              <a:t> code will be announced) </a:t>
-            </a:r>
-          </a:p>
-        </p:txBody>
-      </p:sp>
-      <p:sp>
-        <p:nvSpPr>
-          <p:cNvPr id="8" name="TextBox 7">
-            <a:extLst>
-              <a:ext uri="{FF2B5EF4-FFF2-40B4-BE49-F238E27FC236}">
-                <a16:creationId xmlns:a16="http://schemas.microsoft.com/office/drawing/2014/main" id="{B0E7FC38-88F4-A0D6-653D-985ABD08A9FB}"/>
-              </a:ext>
-            </a:extLst>
-          </p:cNvPr>
-          <p:cNvSpPr txBox="1"/>
-          <p:nvPr/>
-        </p:nvSpPr>
-        <p:spPr>
-          <a:xfrm>
-            <a:off x="2267744" y="2565847"/>
-            <a:ext cx="466794" cy="369332"/>
-          </a:xfrm>
-          <a:prstGeom prst="rect">
-            <a:avLst/>
-          </a:prstGeom>
-          <a:noFill/>
-        </p:spPr>
-        <p:txBody>
           <a:bodyPr wrap="none" rtlCol="0">
             <a:spAutoFit/>
           </a:bodyPr>
           <a:lstStyle/>
           <a:p>
             <a:r>
-              <a:rPr lang="en-GB" dirty="0"/>
-              <a:t>(a)</a:t>
-            </a:r>
-          </a:p>
-        </p:txBody>
-      </p:sp>
-      <p:sp>
-        <p:nvSpPr>
-          <p:cNvPr id="9" name="TextBox 8">
-            <a:extLst>
-              <a:ext uri="{FF2B5EF4-FFF2-40B4-BE49-F238E27FC236}">
-                <a16:creationId xmlns:a16="http://schemas.microsoft.com/office/drawing/2014/main" id="{59615712-F3D4-6D22-A00A-4F645424A960}"/>
-              </a:ext>
-            </a:extLst>
-          </p:cNvPr>
-          <p:cNvSpPr txBox="1"/>
-          <p:nvPr/>
-        </p:nvSpPr>
-        <p:spPr>
-          <a:xfrm>
-            <a:off x="2267744" y="3735010"/>
-            <a:ext cx="466794" cy="369332"/>
-          </a:xfrm>
-          <a:prstGeom prst="rect">
-            <a:avLst/>
-          </a:prstGeom>
-          <a:noFill/>
-        </p:spPr>
-        <p:txBody>
-          <a:bodyPr wrap="none" rtlCol="0">
-            <a:spAutoFit/>
-          </a:bodyPr>
-          <a:lstStyle/>
-          <a:p>
-            <a:r>
-              <a:rPr lang="en-GB" dirty="0"/>
-              <a:t>(b)</a:t>
+              <a:rPr lang="en-US" sz="900" dirty="0">
+                <a:latin typeface="Gill Sans MT" panose="020B0502020104020203" pitchFamily="34" charset="77"/>
+              </a:rPr>
+              <a:t>Source: </a:t>
+            </a:r>
+            <a:r>
+              <a:rPr lang="en-US" sz="900" dirty="0" err="1">
+                <a:latin typeface="Gill Sans MT" panose="020B0502020104020203" pitchFamily="34" charset="77"/>
+              </a:rPr>
+              <a:t>Anuja</a:t>
+            </a:r>
+            <a:r>
+              <a:rPr lang="en-US" sz="900" dirty="0">
+                <a:latin typeface="Gill Sans MT" panose="020B0502020104020203" pitchFamily="34" charset="77"/>
+              </a:rPr>
+              <a:t> Nagpal, https://</a:t>
+            </a:r>
+            <a:r>
+              <a:rPr lang="en-US" sz="900" dirty="0" err="1">
+                <a:latin typeface="Gill Sans MT" panose="020B0502020104020203" pitchFamily="34" charset="77"/>
+              </a:rPr>
+              <a:t>builtin.com</a:t>
+            </a:r>
+            <a:r>
+              <a:rPr lang="en-US" sz="900" dirty="0">
+                <a:latin typeface="Gill Sans MT" panose="020B0502020104020203" pitchFamily="34" charset="77"/>
+              </a:rPr>
+              <a:t>/data-science/l2-regularization</a:t>
             </a:r>
           </a:p>
         </p:txBody>
@@ -17241,7 +17602,7 @@
     </p:spTree>
     <p:extLst>
       <p:ext uri="{BB962C8B-B14F-4D97-AF65-F5344CB8AC3E}">
-        <p14:creationId xmlns:p14="http://schemas.microsoft.com/office/powerpoint/2010/main" val="2507748594"/>
+        <p14:creationId xmlns:p14="http://schemas.microsoft.com/office/powerpoint/2010/main" val="546731669"/>
       </p:ext>
     </p:extLst>
   </p:cSld>
@@ -17268,106 +17629,429 @@
           <a:chExt cx="0" cy="0"/>
         </a:xfrm>
       </p:grpSpPr>
-      <p:sp>
-        <p:nvSpPr>
-          <p:cNvPr id="4" name="Title 3">
-            <a:extLst>
-              <a:ext uri="{FF2B5EF4-FFF2-40B4-BE49-F238E27FC236}">
-                <a16:creationId xmlns:a16="http://schemas.microsoft.com/office/drawing/2014/main" id="{04A7DC5C-3103-ADBE-1DC0-E4640E831A31}"/>
-              </a:ext>
-            </a:extLst>
-          </p:cNvPr>
-          <p:cNvSpPr>
-            <a:spLocks noGrp="1"/>
-          </p:cNvSpPr>
-          <p:nvPr>
-            <p:ph type="title"/>
-          </p:nvPr>
-        </p:nvSpPr>
-        <p:spPr/>
-        <p:txBody>
-          <a:bodyPr/>
-          <a:lstStyle/>
-          <a:p>
-            <a:r>
-              <a:rPr lang="en-GB" dirty="0"/>
-              <a:t>Acknowledgement</a:t>
-            </a:r>
-          </a:p>
-        </p:txBody>
-      </p:sp>
-      <p:sp>
-        <p:nvSpPr>
-          <p:cNvPr id="5" name="Content Placeholder 4">
-            <a:extLst>
-              <a:ext uri="{FF2B5EF4-FFF2-40B4-BE49-F238E27FC236}">
-                <a16:creationId xmlns:a16="http://schemas.microsoft.com/office/drawing/2014/main" id="{B451242D-C151-85A0-9E87-7A9B2C390B48}"/>
-              </a:ext>
-            </a:extLst>
-          </p:cNvPr>
-          <p:cNvSpPr>
-            <a:spLocks noGrp="1"/>
-          </p:cNvSpPr>
-          <p:nvPr>
-            <p:ph idx="1"/>
-          </p:nvPr>
-        </p:nvSpPr>
-        <p:spPr/>
-        <p:txBody>
-          <a:bodyPr/>
-          <a:lstStyle/>
-          <a:p>
-            <a:r>
-              <a:rPr lang="en-GB" dirty="0"/>
-              <a:t>Several slides in this lecture are adapted from Kevin Murphy’s and </a:t>
-            </a:r>
-            <a:r>
-              <a:rPr lang="en-GB" dirty="0" err="1"/>
-              <a:t>Tibshirani</a:t>
-            </a:r>
-            <a:r>
-              <a:rPr lang="en-GB" dirty="0"/>
-              <a:t> et al.’s book: </a:t>
-            </a:r>
-          </a:p>
-          <a:p>
-            <a:pPr lvl="1"/>
-            <a:r>
-              <a:rPr lang="en-GB" dirty="0"/>
-              <a:t>Machine Learning: A Probabilistic Perspective Kevin P. Murphy, MIT Press.</a:t>
-            </a:r>
-          </a:p>
-          <a:p>
-            <a:pPr lvl="1"/>
-            <a:r>
-              <a:rPr lang="en-GB" dirty="0" err="1"/>
-              <a:t>Tibshirani</a:t>
-            </a:r>
-            <a:r>
-              <a:rPr lang="en-GB" dirty="0"/>
-              <a:t> et al.: An introduction to statistical learning: https://</a:t>
-            </a:r>
-            <a:r>
-              <a:rPr lang="en-GB" dirty="0" err="1"/>
-              <a:t>www.statlearning.com</a:t>
-            </a:r>
-            <a:endParaRPr lang="en-GB" dirty="0"/>
-          </a:p>
-          <a:p>
-            <a:pPr lvl="1"/>
-            <a:endParaRPr lang="en-GB" dirty="0"/>
-          </a:p>
-          <a:p>
-            <a:endParaRPr lang="en-GB" dirty="0"/>
-          </a:p>
-        </p:txBody>
-      </p:sp>
-      <p:sp>
-        <p:nvSpPr>
-          <p:cNvPr id="3" name="Slide Number Placeholder 2">
-            <a:extLst>
-              <a:ext uri="{FF2B5EF4-FFF2-40B4-BE49-F238E27FC236}">
-                <a16:creationId xmlns:a16="http://schemas.microsoft.com/office/drawing/2014/main" id="{58DC5304-E620-2599-3D14-592B685DE65C}"/>
+      <mc:AlternateContent xmlns:mc="http://schemas.openxmlformats.org/markup-compatibility/2006">
+        <mc:Choice xmlns:a14="http://schemas.microsoft.com/office/drawing/2010/main" Requires="a14">
+          <p:sp>
+            <p:nvSpPr>
+              <p:cNvPr id="2" name="Title 1">
+                <a:extLst>
+                  <a:ext uri="{FF2B5EF4-FFF2-40B4-BE49-F238E27FC236}">
+                    <a16:creationId xmlns:a16="http://schemas.microsoft.com/office/drawing/2014/main" id="{412EEF82-7C5A-597E-A0D2-4E7E3380860F}"/>
+                  </a:ext>
+                </a:extLst>
+              </p:cNvPr>
+              <p:cNvSpPr>
+                <a:spLocks noGrp="1"/>
+              </p:cNvSpPr>
+              <p:nvPr>
+                <p:ph type="title"/>
+              </p:nvPr>
+            </p:nvSpPr>
+            <p:spPr/>
+            <p:txBody>
+              <a:bodyPr/>
+              <a:lstStyle/>
+              <a:p>
+                <a14:m>
+                  <m:oMath xmlns:m="http://schemas.openxmlformats.org/officeDocument/2006/math">
+                    <m:r>
+                      <a:rPr lang="en-US" i="1" dirty="0" smtClean="0">
+                        <a:latin typeface="Cambria Math" panose="02040503050406030204" pitchFamily="18" charset="0"/>
+                        <a:ea typeface="Cambria Math" panose="02040503050406030204" pitchFamily="18" charset="0"/>
+                      </a:rPr>
+                      <m:t>ℓ</m:t>
+                    </m:r>
+                    <m:r>
+                      <a:rPr lang="en-GB" b="0" i="1" dirty="0" smtClean="0">
+                        <a:latin typeface="Cambria Math" panose="02040503050406030204" pitchFamily="18" charset="0"/>
+                        <a:ea typeface="Cambria Math" panose="02040503050406030204" pitchFamily="18" charset="0"/>
+                      </a:rPr>
+                      <m:t>2</m:t>
+                    </m:r>
+                  </m:oMath>
+                </a14:m>
+                <a:r>
+                  <a:rPr lang="en-US" dirty="0"/>
+                  <a:t> </a:t>
+                </a:r>
+                <a:r>
+                  <a:rPr lang="en-GB" dirty="0"/>
+                  <a:t>regularisation (Ridge)*</a:t>
+                </a:r>
+              </a:p>
+            </p:txBody>
+          </p:sp>
+        </mc:Choice>
+        <mc:Fallback>
+          <p:sp>
+            <p:nvSpPr>
+              <p:cNvPr id="2" name="Title 1">
+                <a:extLst>
+                  <a:ext uri="{FF2B5EF4-FFF2-40B4-BE49-F238E27FC236}">
+                    <a16:creationId xmlns:a16="http://schemas.microsoft.com/office/drawing/2014/main" id="{412EEF82-7C5A-597E-A0D2-4E7E3380860F}"/>
+                  </a:ext>
+                </a:extLst>
+              </p:cNvPr>
+              <p:cNvSpPr>
+                <a:spLocks noGrp="1" noRot="1" noChangeAspect="1" noMove="1" noResize="1" noEditPoints="1" noAdjustHandles="1" noChangeArrowheads="1" noChangeShapeType="1" noTextEdit="1"/>
+              </p:cNvSpPr>
+              <p:nvPr>
+                <p:ph type="title"/>
+              </p:nvPr>
+            </p:nvSpPr>
+            <p:spPr>
+              <a:blipFill>
+                <a:blip r:embed="rId2"/>
+                <a:stretch>
+                  <a:fillRect l="-154"/>
+                </a:stretch>
+              </a:blipFill>
+            </p:spPr>
+            <p:txBody>
+              <a:bodyPr/>
+              <a:lstStyle/>
+              <a:p>
+                <a:r>
+                  <a:rPr lang="en-GB">
+                    <a:noFill/>
+                  </a:rPr>
+                  <a:t> </a:t>
+                </a:r>
+              </a:p>
+            </p:txBody>
+          </p:sp>
+        </mc:Fallback>
+      </mc:AlternateContent>
+      <mc:AlternateContent xmlns:mc="http://schemas.openxmlformats.org/markup-compatibility/2006" xmlns:a14="http://schemas.microsoft.com/office/drawing/2010/main">
+        <mc:Choice Requires="a14">
+          <p:sp>
+            <p:nvSpPr>
+              <p:cNvPr id="3" name="Content Placeholder 2">
+                <a:extLst>
+                  <a:ext uri="{FF2B5EF4-FFF2-40B4-BE49-F238E27FC236}">
+                    <a16:creationId xmlns:a16="http://schemas.microsoft.com/office/drawing/2014/main" id="{D6309BA8-8775-B6C6-DA98-9367F6722D9A}"/>
+                  </a:ext>
+                </a:extLst>
+              </p:cNvPr>
+              <p:cNvSpPr>
+                <a:spLocks noGrp="1"/>
+              </p:cNvSpPr>
+              <p:nvPr>
+                <p:ph idx="1"/>
+              </p:nvPr>
+            </p:nvSpPr>
+            <p:spPr/>
+            <p:txBody>
+              <a:bodyPr/>
+              <a:lstStyle/>
+              <a:p>
+                <a:r>
+                  <a:rPr lang="en-GB" dirty="0"/>
+                  <a:t>Ridge regression sum of squared weight values as the penalty term in the optimisation function. </a:t>
+                </a:r>
+                <a:endParaRPr lang="en-US" dirty="0"/>
+              </a:p>
+              <a:p>
+                <a:endParaRPr lang="en-US" dirty="0"/>
+              </a:p>
+              <a:p>
+                <a:endParaRPr lang="en-US" dirty="0"/>
+              </a:p>
+              <a:p>
+                <a:pPr marL="0" indent="0">
+                  <a:buNone/>
+                </a:pPr>
+                <a14:m>
+                  <m:oMathPara xmlns:m="http://schemas.openxmlformats.org/officeDocument/2006/math">
+                    <m:oMathParaPr>
+                      <m:jc m:val="centerGroup"/>
+                    </m:oMathParaPr>
+                    <m:oMath xmlns:m="http://schemas.openxmlformats.org/officeDocument/2006/math">
+                      <m:nary>
+                        <m:naryPr>
+                          <m:chr m:val="∑"/>
+                          <m:ctrlPr>
+                            <a:rPr lang="en-GB" sz="2000" i="1" smtClean="0">
+                              <a:latin typeface="Cambria Math" panose="02040503050406030204" pitchFamily="18" charset="0"/>
+                            </a:rPr>
+                          </m:ctrlPr>
+                        </m:naryPr>
+                        <m:sub>
+                          <m:r>
+                            <m:rPr>
+                              <m:brk m:alnAt="23"/>
+                            </m:rPr>
+                            <a:rPr lang="en-GB" sz="2000" i="1">
+                              <a:latin typeface="Cambria Math" panose="02040503050406030204" pitchFamily="18" charset="0"/>
+                            </a:rPr>
+                            <m:t>𝑖</m:t>
+                          </m:r>
+                          <m:r>
+                            <a:rPr lang="en-GB" sz="2000" i="1">
+                              <a:latin typeface="Cambria Math" panose="02040503050406030204" pitchFamily="18" charset="0"/>
+                            </a:rPr>
+                            <m:t>=1</m:t>
+                          </m:r>
+                        </m:sub>
+                        <m:sup>
+                          <m:r>
+                            <a:rPr lang="en-GB" sz="2000" i="1">
+                              <a:latin typeface="Cambria Math" panose="02040503050406030204" pitchFamily="18" charset="0"/>
+                            </a:rPr>
+                            <m:t>𝑛</m:t>
+                          </m:r>
+                        </m:sup>
+                        <m:e>
+                          <m:sSup>
+                            <m:sSupPr>
+                              <m:ctrlPr>
+                                <a:rPr lang="en-GB" sz="2000" b="0" i="1" smtClean="0">
+                                  <a:latin typeface="Cambria Math" panose="02040503050406030204" pitchFamily="18" charset="0"/>
+                                </a:rPr>
+                              </m:ctrlPr>
+                            </m:sSupPr>
+                            <m:e>
+                              <m:r>
+                                <a:rPr lang="en-GB" sz="2000" i="1">
+                                  <a:latin typeface="Cambria Math" panose="02040503050406030204" pitchFamily="18" charset="0"/>
+                                </a:rPr>
+                                <m:t>(</m:t>
+                              </m:r>
+                              <m:sSub>
+                                <m:sSubPr>
+                                  <m:ctrlPr>
+                                    <a:rPr lang="en-GB" sz="2000" i="1">
+                                      <a:latin typeface="Cambria Math" panose="02040503050406030204" pitchFamily="18" charset="0"/>
+                                    </a:rPr>
+                                  </m:ctrlPr>
+                                </m:sSubPr>
+                                <m:e>
+                                  <m:acc>
+                                    <m:accPr>
+                                      <m:chr m:val="̂"/>
+                                      <m:ctrlPr>
+                                        <a:rPr lang="en-GB" sz="2000" i="1">
+                                          <a:latin typeface="Cambria Math" panose="02040503050406030204" pitchFamily="18" charset="0"/>
+                                        </a:rPr>
+                                      </m:ctrlPr>
+                                    </m:accPr>
+                                    <m:e>
+                                      <m:r>
+                                        <a:rPr lang="en-GB" sz="2000" i="1">
+                                          <a:latin typeface="Cambria Math" panose="02040503050406030204" pitchFamily="18" charset="0"/>
+                                        </a:rPr>
+                                        <m:t>𝑦</m:t>
+                                      </m:r>
+                                    </m:e>
+                                  </m:acc>
+                                </m:e>
+                                <m:sub>
+                                  <m:r>
+                                    <a:rPr lang="en-GB" sz="2000" i="1">
+                                      <a:latin typeface="Cambria Math" panose="02040503050406030204" pitchFamily="18" charset="0"/>
+                                    </a:rPr>
+                                    <m:t>𝑖</m:t>
+                                  </m:r>
+                                </m:sub>
+                              </m:sSub>
+                              <m:r>
+                                <a:rPr lang="en-GB" sz="2000" i="1">
+                                  <a:latin typeface="Cambria Math" panose="02040503050406030204" pitchFamily="18" charset="0"/>
+                                </a:rPr>
+                                <m:t>− </m:t>
+                              </m:r>
+                              <m:sSub>
+                                <m:sSubPr>
+                                  <m:ctrlPr>
+                                    <a:rPr lang="en-GB" sz="2000" i="1">
+                                      <a:latin typeface="Cambria Math" panose="02040503050406030204" pitchFamily="18" charset="0"/>
+                                    </a:rPr>
+                                  </m:ctrlPr>
+                                </m:sSubPr>
+                                <m:e>
+                                  <m:r>
+                                    <a:rPr lang="en-GB" sz="2000" i="1">
+                                      <a:latin typeface="Cambria Math" panose="02040503050406030204" pitchFamily="18" charset="0"/>
+                                    </a:rPr>
+                                    <m:t>𝑦</m:t>
+                                  </m:r>
+                                </m:e>
+                                <m:sub>
+                                  <m:r>
+                                    <a:rPr lang="en-GB" sz="2000" i="1">
+                                      <a:latin typeface="Cambria Math" panose="02040503050406030204" pitchFamily="18" charset="0"/>
+                                    </a:rPr>
+                                    <m:t>𝑖</m:t>
+                                  </m:r>
+                                </m:sub>
+                              </m:sSub>
+                              <m:r>
+                                <a:rPr lang="en-GB" sz="2000" i="1">
+                                  <a:latin typeface="Cambria Math" panose="02040503050406030204" pitchFamily="18" charset="0"/>
+                                </a:rPr>
+                                <m:t>)</m:t>
+                              </m:r>
+                            </m:e>
+                            <m:sup>
+                              <m:r>
+                                <a:rPr lang="en-GB" sz="2000" b="0" i="1" smtClean="0">
+                                  <a:latin typeface="Cambria Math" panose="02040503050406030204" pitchFamily="18" charset="0"/>
+                                </a:rPr>
+                                <m:t>2</m:t>
+                              </m:r>
+                            </m:sup>
+                          </m:sSup>
+                          <m:r>
+                            <a:rPr lang="en-GB" sz="2000" b="0" i="1" smtClean="0">
+                              <a:latin typeface="Cambria Math" panose="02040503050406030204" pitchFamily="18" charset="0"/>
+                            </a:rPr>
+                            <m:t>+ </m:t>
+                          </m:r>
+                          <m:r>
+                            <a:rPr lang="en-GB" sz="2000" b="0" i="1" smtClean="0">
+                              <a:latin typeface="Cambria Math" panose="02040503050406030204" pitchFamily="18" charset="0"/>
+                              <a:ea typeface="Cambria Math" panose="02040503050406030204" pitchFamily="18" charset="0"/>
+                            </a:rPr>
+                            <m:t>𝜆</m:t>
+                          </m:r>
+                          <m:nary>
+                            <m:naryPr>
+                              <m:chr m:val="∑"/>
+                              <m:ctrlPr>
+                                <a:rPr lang="en-GB" sz="2000" i="1">
+                                  <a:latin typeface="Cambria Math" panose="02040503050406030204" pitchFamily="18" charset="0"/>
+                                </a:rPr>
+                              </m:ctrlPr>
+                            </m:naryPr>
+                            <m:sub>
+                              <m:r>
+                                <m:rPr>
+                                  <m:brk m:alnAt="23"/>
+                                </m:rPr>
+                                <a:rPr lang="en-GB" sz="2000" i="1">
+                                  <a:latin typeface="Cambria Math" panose="02040503050406030204" pitchFamily="18" charset="0"/>
+                                </a:rPr>
+                                <m:t>𝑖</m:t>
+                              </m:r>
+                              <m:r>
+                                <a:rPr lang="en-GB" sz="2000" i="1">
+                                  <a:latin typeface="Cambria Math" panose="02040503050406030204" pitchFamily="18" charset="0"/>
+                                </a:rPr>
+                                <m:t>=1</m:t>
+                              </m:r>
+                            </m:sub>
+                            <m:sup>
+                              <m:r>
+                                <a:rPr lang="en-GB" sz="2000" i="1">
+                                  <a:latin typeface="Cambria Math" panose="02040503050406030204" pitchFamily="18" charset="0"/>
+                                </a:rPr>
+                                <m:t>𝑛</m:t>
+                              </m:r>
+                            </m:sup>
+                            <m:e>
+                              <m:sSup>
+                                <m:sSupPr>
+                                  <m:ctrlPr>
+                                    <a:rPr lang="en-GB" sz="2000" i="1" smtClean="0">
+                                      <a:latin typeface="Cambria Math" panose="02040503050406030204" pitchFamily="18" charset="0"/>
+                                    </a:rPr>
+                                  </m:ctrlPr>
+                                </m:sSupPr>
+                                <m:e>
+                                  <m:sSub>
+                                    <m:sSubPr>
+                                      <m:ctrlPr>
+                                        <a:rPr lang="en-GB" i="1">
+                                          <a:latin typeface="Cambria Math" panose="02040503050406030204" pitchFamily="18" charset="0"/>
+                                        </a:rPr>
+                                      </m:ctrlPr>
+                                    </m:sSubPr>
+                                    <m:e>
+                                      <m:r>
+                                        <a:rPr lang="en-GB" i="1">
+                                          <a:latin typeface="Cambria Math" panose="02040503050406030204" pitchFamily="18" charset="0"/>
+                                          <a:ea typeface="Cambria Math" panose="02040503050406030204" pitchFamily="18" charset="0"/>
+                                        </a:rPr>
+                                        <m:t>𝛽</m:t>
+                                      </m:r>
+                                    </m:e>
+                                    <m:sub>
+                                      <m:r>
+                                        <a:rPr lang="en-GB" i="1">
+                                          <a:latin typeface="Cambria Math" panose="02040503050406030204" pitchFamily="18" charset="0"/>
+                                        </a:rPr>
+                                        <m:t>𝑖</m:t>
+                                      </m:r>
+                                    </m:sub>
+                                  </m:sSub>
+                                </m:e>
+                                <m:sup>
+                                  <m:r>
+                                    <a:rPr lang="en-GB" sz="2000" i="1" smtClean="0">
+                                      <a:latin typeface="Cambria Math" panose="02040503050406030204" pitchFamily="18" charset="0"/>
+                                    </a:rPr>
+                                    <m:t>2</m:t>
+                                  </m:r>
+                                </m:sup>
+                              </m:sSup>
+                            </m:e>
+                          </m:nary>
+                        </m:e>
+                      </m:nary>
+                    </m:oMath>
+                  </m:oMathPara>
+                </a14:m>
+                <a:endParaRPr lang="en-US" dirty="0"/>
+              </a:p>
+            </p:txBody>
+          </p:sp>
+        </mc:Choice>
+        <mc:Fallback xmlns="">
+          <p:sp>
+            <p:nvSpPr>
+              <p:cNvPr id="3" name="Content Placeholder 2">
+                <a:extLst>
+                  <a:ext uri="{FF2B5EF4-FFF2-40B4-BE49-F238E27FC236}">
+                    <a16:creationId xmlns:a16="http://schemas.microsoft.com/office/drawing/2014/main" id="{D6309BA8-8775-B6C6-DA98-9367F6722D9A}"/>
+                  </a:ext>
+                </a:extLst>
+              </p:cNvPr>
+              <p:cNvSpPr>
+                <a:spLocks noGrp="1" noRot="1" noChangeAspect="1" noMove="1" noResize="1" noEditPoints="1" noAdjustHandles="1" noChangeArrowheads="1" noChangeShapeType="1" noTextEdit="1"/>
+              </p:cNvSpPr>
+              <p:nvPr>
+                <p:ph idx="1"/>
+              </p:nvPr>
+            </p:nvSpPr>
+            <p:spPr>
+              <a:blipFill>
+                <a:blip r:embed="rId3"/>
+                <a:stretch>
+                  <a:fillRect l="-772" t="-1223"/>
+                </a:stretch>
+              </a:blipFill>
+            </p:spPr>
+            <p:txBody>
+              <a:bodyPr/>
+              <a:lstStyle/>
+              <a:p>
+                <a:r>
+                  <a:rPr lang="en-US">
+                    <a:noFill/>
+                  </a:rPr>
+                  <a:t> </a:t>
+                </a:r>
+              </a:p>
+            </p:txBody>
+          </p:sp>
+        </mc:Fallback>
+      </mc:AlternateContent>
+      <p:sp>
+        <p:nvSpPr>
+          <p:cNvPr id="4" name="Slide Number Placeholder 3">
+            <a:extLst>
+              <a:ext uri="{FF2B5EF4-FFF2-40B4-BE49-F238E27FC236}">
+                <a16:creationId xmlns:a16="http://schemas.microsoft.com/office/drawing/2014/main" id="{9C7FF4EC-F60E-CC92-9D46-8D98940AE3C9}"/>
               </a:ext>
             </a:extLst>
           </p:cNvPr>
@@ -17383,7 +18067,7 @@
           <a:bodyPr/>
           <a:lstStyle/>
           <a:p>
-            <a:fld id="{BB98F552-A29D-2D4E-8192-F20670493719}" type="slidenum">
+            <a:fld id="{44E22EE9-B8A0-0641-9265-052CFE9B95A7}" type="slidenum">
               <a:rPr lang="en-GB" altLang="en-US" smtClean="0"/>
               <a:pPr/>
               <a:t>58</a:t>
@@ -17395,7 +18079,7 @@
     </p:spTree>
     <p:extLst>
       <p:ext uri="{BB962C8B-B14F-4D97-AF65-F5344CB8AC3E}">
-        <p14:creationId xmlns:p14="http://schemas.microsoft.com/office/powerpoint/2010/main" val="2148544729"/>
+        <p14:creationId xmlns:p14="http://schemas.microsoft.com/office/powerpoint/2010/main" val="755763289"/>
       </p:ext>
     </p:extLst>
   </p:cSld>
@@ -17427,7 +18111,7 @@
           <p:cNvPr id="2" name="Title 1">
             <a:extLst>
               <a:ext uri="{FF2B5EF4-FFF2-40B4-BE49-F238E27FC236}">
-                <a16:creationId xmlns:a16="http://schemas.microsoft.com/office/drawing/2014/main" id="{4A0D4B0E-EC4B-AF65-F5A6-6C77B84E688D}"/>
+                <a16:creationId xmlns:a16="http://schemas.microsoft.com/office/drawing/2014/main" id="{5EB94D01-6ACF-A51D-922B-21B48A6E2F2C}"/>
               </a:ext>
             </a:extLst>
           </p:cNvPr>
@@ -17445,67 +18129,128 @@
           <a:p>
             <a:r>
               <a:rPr lang="en-US" dirty="0"/>
-              <a:t>If you have any questions </a:t>
-            </a:r>
-          </a:p>
-        </p:txBody>
-      </p:sp>
-      <p:sp>
-        <p:nvSpPr>
-          <p:cNvPr id="3" name="Content Placeholder 2">
-            <a:extLst>
-              <a:ext uri="{FF2B5EF4-FFF2-40B4-BE49-F238E27FC236}">
-                <a16:creationId xmlns:a16="http://schemas.microsoft.com/office/drawing/2014/main" id="{F37C2CD0-A4E6-0FCE-E04C-C1C1CB0C3E1D}"/>
-              </a:ext>
-            </a:extLst>
-          </p:cNvPr>
-          <p:cNvSpPr>
-            <a:spLocks noGrp="1"/>
-          </p:cNvSpPr>
-          <p:nvPr>
-            <p:ph idx="1"/>
-          </p:nvPr>
-        </p:nvSpPr>
-        <p:spPr/>
-        <p:txBody>
-          <a:bodyPr/>
-          <a:lstStyle/>
-          <a:p>
-            <a:r>
-              <a:rPr lang="en-US" dirty="0"/>
-              <a:t>Please feel free to come and see me (9</a:t>
-            </a:r>
-            <a:r>
-              <a:rPr lang="en-US" baseline="30000" dirty="0"/>
-              <a:t>th</a:t>
-            </a:r>
-            <a:r>
-              <a:rPr lang="en-US" dirty="0"/>
-              <a:t> Floor, Sir Michael Uren Research Hub, White City Campus) or email (</a:t>
-            </a:r>
-            <a:r>
-              <a:rPr lang="en-US" dirty="0" err="1"/>
-              <a:t>p.barnaghi@imperial.ac.uk</a:t>
-            </a:r>
-            <a:r>
-              <a:rPr lang="en-US" dirty="0"/>
-              <a:t>). </a:t>
-            </a:r>
-          </a:p>
-          <a:p>
-            <a:pPr marL="0" indent="0">
-              <a:buNone/>
-            </a:pPr>
-            <a:endParaRPr lang="en-US" dirty="0"/>
-          </a:p>
-        </p:txBody>
-      </p:sp>
+              <a:t>Lasso and Ridge</a:t>
+            </a:r>
+          </a:p>
+        </p:txBody>
+      </p:sp>
+      <mc:AlternateContent xmlns:mc="http://schemas.openxmlformats.org/markup-compatibility/2006">
+        <mc:Choice xmlns:a14="http://schemas.microsoft.com/office/drawing/2010/main" Requires="a14">
+          <p:sp>
+            <p:nvSpPr>
+              <p:cNvPr id="3" name="Content Placeholder 2">
+                <a:extLst>
+                  <a:ext uri="{FF2B5EF4-FFF2-40B4-BE49-F238E27FC236}">
+                    <a16:creationId xmlns:a16="http://schemas.microsoft.com/office/drawing/2014/main" id="{B891933E-645F-2FA9-EC48-8425E0B4C623}"/>
+                  </a:ext>
+                </a:extLst>
+              </p:cNvPr>
+              <p:cNvSpPr>
+                <a:spLocks noGrp="1"/>
+              </p:cNvSpPr>
+              <p:nvPr>
+                <p:ph idx="1"/>
+              </p:nvPr>
+            </p:nvSpPr>
+            <p:spPr/>
+            <p:txBody>
+              <a:bodyPr/>
+              <a:lstStyle/>
+              <a:p>
+                <a:r>
+                  <a:rPr lang="en-GB" dirty="0"/>
+                  <a:t>The key difference between these two techniques is that lasso shrinks the less important feature’s coefficient to zero thus, removing some features altogether. </a:t>
+                </a:r>
+              </a:p>
+              <a:p>
+                <a:r>
+                  <a:rPr lang="en-GB" dirty="0"/>
+                  <a:t>In other words, </a:t>
+                </a:r>
+                <a14:m>
+                  <m:oMath xmlns:m="http://schemas.openxmlformats.org/officeDocument/2006/math">
+                    <m:r>
+                      <a:rPr lang="en-US" i="1" dirty="0" smtClean="0">
+                        <a:latin typeface="Cambria Math" panose="02040503050406030204" pitchFamily="18" charset="0"/>
+                        <a:ea typeface="Cambria Math" panose="02040503050406030204" pitchFamily="18" charset="0"/>
+                      </a:rPr>
+                      <m:t>ℓ</m:t>
+                    </m:r>
+                    <m:r>
+                      <a:rPr lang="en-GB" b="0" i="1" dirty="0" smtClean="0">
+                        <a:latin typeface="Cambria Math" panose="02040503050406030204" pitchFamily="18" charset="0"/>
+                        <a:ea typeface="Cambria Math" panose="02040503050406030204" pitchFamily="18" charset="0"/>
+                      </a:rPr>
+                      <m:t>1</m:t>
+                    </m:r>
+                  </m:oMath>
+                </a14:m>
+                <a:r>
+                  <a:rPr lang="en-GB" dirty="0"/>
+                  <a:t> regularisation works well for feature selection in case we have a huge number of features.</a:t>
+                </a:r>
+              </a:p>
+              <a:p>
+                <a:endParaRPr lang="en-GB" dirty="0"/>
+              </a:p>
+              <a:p>
+                <a:r>
+                  <a:rPr lang="en-GB" dirty="0"/>
+                  <a:t>Ridge reduces the complexity of the model by shrinking the coefficient (penalises higher weights). </a:t>
+                </a:r>
+              </a:p>
+              <a:p>
+                <a:endParaRPr lang="en-US" dirty="0"/>
+              </a:p>
+            </p:txBody>
+          </p:sp>
+        </mc:Choice>
+        <mc:Fallback>
+          <p:sp>
+            <p:nvSpPr>
+              <p:cNvPr id="3" name="Content Placeholder 2">
+                <a:extLst>
+                  <a:ext uri="{FF2B5EF4-FFF2-40B4-BE49-F238E27FC236}">
+                    <a16:creationId xmlns:a16="http://schemas.microsoft.com/office/drawing/2014/main" id="{B891933E-645F-2FA9-EC48-8425E0B4C623}"/>
+                  </a:ext>
+                </a:extLst>
+              </p:cNvPr>
+              <p:cNvSpPr>
+                <a:spLocks noGrp="1" noRot="1" noChangeAspect="1" noMove="1" noResize="1" noEditPoints="1" noAdjustHandles="1" noChangeArrowheads="1" noChangeShapeType="1" noTextEdit="1"/>
+              </p:cNvSpPr>
+              <p:nvPr>
+                <p:ph idx="1"/>
+              </p:nvPr>
+            </p:nvSpPr>
+            <p:spPr>
+              <a:blipFill>
+                <a:blip r:embed="rId2"/>
+                <a:stretch>
+                  <a:fillRect l="-772" t="-1223"/>
+                </a:stretch>
+              </a:blipFill>
+            </p:spPr>
+            <p:txBody>
+              <a:bodyPr/>
+              <a:lstStyle/>
+              <a:p>
+                <a:r>
+                  <a:rPr lang="en-GB">
+                    <a:noFill/>
+                  </a:rPr>
+                  <a:t> </a:t>
+                </a:r>
+              </a:p>
+            </p:txBody>
+          </p:sp>
+        </mc:Fallback>
+      </mc:AlternateContent>
       <p:sp>
         <p:nvSpPr>
           <p:cNvPr id="4" name="Slide Number Placeholder 3">
             <a:extLst>
               <a:ext uri="{FF2B5EF4-FFF2-40B4-BE49-F238E27FC236}">
-                <a16:creationId xmlns:a16="http://schemas.microsoft.com/office/drawing/2014/main" id="{5871F661-CD16-4A1E-EAB3-76CFDCC66AF4}"/>
+                <a16:creationId xmlns:a16="http://schemas.microsoft.com/office/drawing/2014/main" id="{66ABDA3D-4221-05D9-384B-2701EF44B4EA}"/>
               </a:ext>
             </a:extLst>
           </p:cNvPr>
@@ -17533,7 +18278,7 @@
     </p:spTree>
     <p:extLst>
       <p:ext uri="{BB962C8B-B14F-4D97-AF65-F5344CB8AC3E}">
-        <p14:creationId xmlns:p14="http://schemas.microsoft.com/office/powerpoint/2010/main" val="339632004"/>
+        <p14:creationId xmlns:p14="http://schemas.microsoft.com/office/powerpoint/2010/main" val="265240831"/>
       </p:ext>
     </p:extLst>
   </p:cSld>
@@ -17755,6 +18500,144 @@
     <p:extLst>
       <p:ext uri="{BB962C8B-B14F-4D97-AF65-F5344CB8AC3E}">
         <p14:creationId xmlns:p14="http://schemas.microsoft.com/office/powerpoint/2010/main" val="305261000"/>
+      </p:ext>
+    </p:extLst>
+  </p:cSld>
+  <p:clrMapOvr>
+    <a:masterClrMapping/>
+  </p:clrMapOvr>
+</p:sld>
+</file>
+
+<file path=ppt/slides/slide60.xml><?xml version="1.0" encoding="utf-8"?>
+<p:sld xmlns:a="http://schemas.openxmlformats.org/drawingml/2006/main" xmlns:r="http://schemas.openxmlformats.org/officeDocument/2006/relationships" xmlns:p="http://schemas.openxmlformats.org/presentationml/2006/main">
+  <p:cSld>
+    <p:spTree>
+      <p:nvGrpSpPr>
+        <p:cNvPr id="1" name=""/>
+        <p:cNvGrpSpPr/>
+        <p:nvPr/>
+      </p:nvGrpSpPr>
+      <p:grpSpPr>
+        <a:xfrm>
+          <a:off x="0" y="0"/>
+          <a:ext cx="0" cy="0"/>
+          <a:chOff x="0" y="0"/>
+          <a:chExt cx="0" cy="0"/>
+        </a:xfrm>
+      </p:grpSpPr>
+      <p:sp>
+        <p:nvSpPr>
+          <p:cNvPr id="2" name="Title 1">
+            <a:extLst>
+              <a:ext uri="{FF2B5EF4-FFF2-40B4-BE49-F238E27FC236}">
+                <a16:creationId xmlns:a16="http://schemas.microsoft.com/office/drawing/2014/main" id="{4A0D4B0E-EC4B-AF65-F5A6-6C77B84E688D}"/>
+              </a:ext>
+            </a:extLst>
+          </p:cNvPr>
+          <p:cNvSpPr>
+            <a:spLocks noGrp="1"/>
+          </p:cNvSpPr>
+          <p:nvPr>
+            <p:ph type="title"/>
+          </p:nvPr>
+        </p:nvSpPr>
+        <p:spPr/>
+        <p:txBody>
+          <a:bodyPr/>
+          <a:lstStyle/>
+          <a:p>
+            <a:r>
+              <a:rPr lang="en-US" dirty="0"/>
+              <a:t>If you have any questions </a:t>
+            </a:r>
+          </a:p>
+        </p:txBody>
+      </p:sp>
+      <p:sp>
+        <p:nvSpPr>
+          <p:cNvPr id="3" name="Content Placeholder 2">
+            <a:extLst>
+              <a:ext uri="{FF2B5EF4-FFF2-40B4-BE49-F238E27FC236}">
+                <a16:creationId xmlns:a16="http://schemas.microsoft.com/office/drawing/2014/main" id="{F37C2CD0-A4E6-0FCE-E04C-C1C1CB0C3E1D}"/>
+              </a:ext>
+            </a:extLst>
+          </p:cNvPr>
+          <p:cNvSpPr>
+            <a:spLocks noGrp="1"/>
+          </p:cNvSpPr>
+          <p:nvPr>
+            <p:ph idx="1"/>
+          </p:nvPr>
+        </p:nvSpPr>
+        <p:spPr/>
+        <p:txBody>
+          <a:bodyPr/>
+          <a:lstStyle/>
+          <a:p>
+            <a:r>
+              <a:rPr lang="en-US" dirty="0"/>
+              <a:t>Please feel free to come and see me (9</a:t>
+            </a:r>
+            <a:r>
+              <a:rPr lang="en-US" baseline="30000" dirty="0"/>
+              <a:t>th</a:t>
+            </a:r>
+            <a:r>
+              <a:rPr lang="en-US" dirty="0"/>
+              <a:t> Floor, Sir Michael Uren Research Hub, White City Campus) or email (</a:t>
+            </a:r>
+            <a:r>
+              <a:rPr lang="en-US" dirty="0" err="1"/>
+              <a:t>p.barnaghi@imperial.ac.uk</a:t>
+            </a:r>
+            <a:r>
+              <a:rPr lang="en-US" dirty="0"/>
+              <a:t>). </a:t>
+            </a:r>
+          </a:p>
+          <a:p>
+            <a:pPr marL="0" indent="0">
+              <a:buNone/>
+            </a:pPr>
+            <a:endParaRPr lang="en-US" dirty="0"/>
+          </a:p>
+        </p:txBody>
+      </p:sp>
+      <p:sp>
+        <p:nvSpPr>
+          <p:cNvPr id="4" name="Slide Number Placeholder 3">
+            <a:extLst>
+              <a:ext uri="{FF2B5EF4-FFF2-40B4-BE49-F238E27FC236}">
+                <a16:creationId xmlns:a16="http://schemas.microsoft.com/office/drawing/2014/main" id="{5871F661-CD16-4A1E-EAB3-76CFDCC66AF4}"/>
+              </a:ext>
+            </a:extLst>
+          </p:cNvPr>
+          <p:cNvSpPr>
+            <a:spLocks noGrp="1"/>
+          </p:cNvSpPr>
+          <p:nvPr>
+            <p:ph type="sldNum" sz="quarter" idx="12"/>
+          </p:nvPr>
+        </p:nvSpPr>
+        <p:spPr/>
+        <p:txBody>
+          <a:bodyPr/>
+          <a:lstStyle/>
+          <a:p>
+            <a:fld id="{44E22EE9-B8A0-0641-9265-052CFE9B95A7}" type="slidenum">
+              <a:rPr lang="en-GB" altLang="en-US" smtClean="0"/>
+              <a:pPr/>
+              <a:t>60</a:t>
+            </a:fld>
+            <a:endParaRPr lang="en-GB" altLang="en-US"/>
+          </a:p>
+        </p:txBody>
+      </p:sp>
+    </p:spTree>
+    <p:extLst>
+      <p:ext uri="{BB962C8B-B14F-4D97-AF65-F5344CB8AC3E}">
+        <p14:creationId xmlns:p14="http://schemas.microsoft.com/office/powerpoint/2010/main" val="339632004"/>
       </p:ext>
     </p:extLst>
   </p:cSld>
@@ -18431,8 +19314,8 @@
           </a:p>
         </p:txBody>
       </p:sp>
-      <mc:AlternateContent xmlns:mc="http://schemas.openxmlformats.org/markup-compatibility/2006" xmlns:a14="http://schemas.microsoft.com/office/drawing/2010/main">
-        <mc:Choice Requires="a14">
+      <mc:AlternateContent xmlns:mc="http://schemas.openxmlformats.org/markup-compatibility/2006">
+        <mc:Choice xmlns:a14="http://schemas.microsoft.com/office/drawing/2010/main" Requires="a14">
           <p:sp>
             <p:nvSpPr>
               <p:cNvPr id="3" name="Content Placeholder 2">
@@ -18456,7 +19339,6 @@
               <a:p>
                 <a:endParaRPr lang="en-GB" sz="1800" dirty="0">
                   <a:effectLst/>
-                  <a:latin typeface="CMR10"/>
                 </a:endParaRPr>
               </a:p>
               <a:p>
@@ -18586,15 +19468,12 @@
                 </a:endParaRPr>
               </a:p>
               <a:p>
-                <a:endParaRPr lang="en-GB" sz="1800" dirty="0">
-                  <a:latin typeface="CMR10"/>
-                </a:endParaRPr>
+                <a:endParaRPr lang="en-GB" sz="1800" dirty="0"/>
               </a:p>
               <a:p>
                 <a:r>
                   <a:rPr lang="en-GB" sz="1800" dirty="0">
                     <a:effectLst/>
-                    <a:latin typeface="CMR10"/>
                   </a:rPr>
                   <a:t>Given some estimates </a:t>
                 </a:r>
@@ -18629,7 +19508,6 @@
                 <a:r>
                   <a:rPr lang="en-GB" sz="1800" dirty="0">
                     <a:effectLst/>
-                    <a:latin typeface="CMR10"/>
                   </a:rPr>
                   <a:t>and </a:t>
                 </a:r>
@@ -18664,27 +19542,22 @@
                 <a:r>
                   <a:rPr lang="en-GB" sz="1800" dirty="0">
                     <a:effectLst/>
-                    <a:latin typeface="CMR10"/>
                   </a:rPr>
-                  <a:t>for the model coefficients, we predict future values using</a:t>
+                  <a:t>for the model coefficients, we want to predict future values using:</a:t>
                 </a:r>
               </a:p>
               <a:p>
                 <a:pPr marL="0" indent="0">
                   <a:buNone/>
                 </a:pPr>
-                <a:endParaRPr lang="en-GB" sz="1800" dirty="0">
-                  <a:latin typeface="CMR10"/>
-                </a:endParaRPr>
+                <a:endParaRPr lang="en-GB" sz="1800" dirty="0"/>
               </a:p>
               <a:p>
                 <a:pPr marL="0" indent="0">
                   <a:buNone/>
                 </a:pPr>
                 <a:r>
-                  <a:rPr lang="en-GB" sz="1800" dirty="0">
-                    <a:latin typeface="CMR10"/>
-                  </a:rPr>
+                  <a:rPr lang="en-GB" sz="1800" dirty="0"/>
                   <a:t>			</a:t>
                 </a:r>
                 <a:r>
@@ -18845,9 +19718,7 @@
                     </m:r>
                   </m:oMath>
                 </a14:m>
-                <a:endParaRPr lang="en-GB" sz="1800" dirty="0">
-                  <a:latin typeface="CMR10"/>
-                </a:endParaRPr>
+                <a:endParaRPr lang="en-GB" sz="1800" dirty="0"/>
               </a:p>
               <a:p>
                 <a:pPr marL="3047878" lvl="8" indent="0">
@@ -18856,19 +19727,19 @@
                 <a:r>
                   <a:rPr lang="en-GB" sz="1133" dirty="0">
                     <a:effectLst/>
-                    <a:latin typeface="CMMI10"/>
+                    <a:latin typeface="Gill Sans MT" panose="020B0502020104020203" pitchFamily="34" charset="77"/>
                   </a:rPr>
                   <a:t> </a:t>
                 </a:r>
                 <a:endParaRPr lang="en-GB" sz="933" dirty="0">
                   <a:effectLst/>
+                  <a:latin typeface="Gill Sans MT" panose="020B0502020104020203" pitchFamily="34" charset="77"/>
                 </a:endParaRPr>
               </a:p>
               <a:p>
                 <a:r>
                   <a:rPr lang="en-GB" sz="1800" dirty="0">
                     <a:effectLst/>
-                    <a:latin typeface="CMR10"/>
                   </a:rPr>
                   <a:t>where </a:t>
                 </a:r>
@@ -18899,51 +19770,63 @@
                 <a:r>
                   <a:rPr lang="en-GB" sz="1800" dirty="0">
                     <a:effectLst/>
-                    <a:latin typeface="CMR10"/>
                   </a:rPr>
                   <a:t> indicates a prediction of </a:t>
                 </a:r>
+                <a14:m>
+                  <m:oMath xmlns:m="http://schemas.openxmlformats.org/officeDocument/2006/math">
+                    <m:r>
+                      <a:rPr lang="en-GB" sz="1800" i="1" dirty="0" smtClean="0">
+                        <a:effectLst/>
+                        <a:latin typeface="Cambria Math" panose="02040503050406030204" pitchFamily="18" charset="0"/>
+                      </a:rPr>
+                      <m:t>𝑌</m:t>
+                    </m:r>
+                  </m:oMath>
+                </a14:m>
                 <a:r>
                   <a:rPr lang="en-GB" sz="1800" dirty="0">
                     <a:effectLst/>
-                    <a:latin typeface="CMMI10"/>
                   </a:rPr>
-                  <a:t>Y </a:t>
+                  <a:t> on the basis of </a:t>
                 </a:r>
+                <a14:m>
+                  <m:oMath xmlns:m="http://schemas.openxmlformats.org/officeDocument/2006/math">
+                    <m:r>
+                      <a:rPr lang="en-GB" sz="1800" i="1" dirty="0" smtClean="0">
+                        <a:effectLst/>
+                        <a:latin typeface="Cambria Math" panose="02040503050406030204" pitchFamily="18" charset="0"/>
+                      </a:rPr>
+                      <m:t>𝑋</m:t>
+                    </m:r>
+                    <m:r>
+                      <a:rPr lang="en-GB" sz="1800" i="1" dirty="0" smtClean="0">
+                        <a:effectLst/>
+                        <a:latin typeface="Cambria Math" panose="02040503050406030204" pitchFamily="18" charset="0"/>
+                      </a:rPr>
+                      <m:t> = </m:t>
+                    </m:r>
+                    <m:r>
+                      <a:rPr lang="en-GB" sz="1800" i="1" dirty="0" smtClean="0">
+                        <a:effectLst/>
+                        <a:latin typeface="Cambria Math" panose="02040503050406030204" pitchFamily="18" charset="0"/>
+                      </a:rPr>
+                      <m:t>𝑥</m:t>
+                    </m:r>
+                    <m:r>
+                      <a:rPr lang="en-GB" sz="1800" i="1" dirty="0" smtClean="0">
+                        <a:effectLst/>
+                        <a:latin typeface="Cambria Math" panose="02040503050406030204" pitchFamily="18" charset="0"/>
+                      </a:rPr>
+                      <m:t>. </m:t>
+                    </m:r>
+                  </m:oMath>
+                </a14:m>
                 <a:r>
                   <a:rPr lang="en-GB" sz="1800" dirty="0">
                     <a:effectLst/>
-                    <a:latin typeface="CMR10"/>
                   </a:rPr>
-                  <a:t>on the basis of </a:t>
-                </a:r>
-                <a:r>
-                  <a:rPr lang="en-GB" sz="1800" dirty="0">
-                    <a:effectLst/>
-                    <a:latin typeface="CMMI10"/>
-                  </a:rPr>
-                  <a:t>X </a:t>
-                </a:r>
-                <a:r>
-                  <a:rPr lang="en-GB" sz="1800" dirty="0">
-                    <a:effectLst/>
-                    <a:latin typeface="CMR10"/>
-                  </a:rPr>
-                  <a:t>= </a:t>
-                </a:r>
-                <a:r>
-                  <a:rPr lang="en-GB" sz="1800" dirty="0">
-                    <a:effectLst/>
-                    <a:latin typeface="CMMI10"/>
-                  </a:rPr>
-                  <a:t>x</a:t>
-                </a:r>
-                <a:r>
-                  <a:rPr lang="en-GB" sz="1800" dirty="0">
-                    <a:effectLst/>
-                    <a:latin typeface="CMR10"/>
-                  </a:rPr>
-                  <a:t>. The </a:t>
+                  <a:t>The </a:t>
                 </a:r>
                 <a:r>
                   <a:rPr lang="en-GB" sz="1800" dirty="0">
@@ -18951,14 +19834,12 @@
                       <a:srgbClr val="FF0000"/>
                     </a:solidFill>
                     <a:effectLst/>
-                    <a:latin typeface="CMTI10"/>
                   </a:rPr>
                   <a:t>hat </a:t>
                 </a:r>
                 <a:r>
                   <a:rPr lang="en-GB" sz="1800" dirty="0">
                     <a:effectLst/>
-                    <a:latin typeface="CMR10"/>
                   </a:rPr>
                   <a:t>symbol denotes an estimated value. </a:t>
                 </a:r>
@@ -18973,7 +19854,6 @@
                 <a:r>
                   <a:rPr lang="en-GB" sz="1800" dirty="0">
                     <a:effectLst/>
-                    <a:latin typeface="CMR10"/>
                   </a:rPr>
                   <a:t> </a:t>
                 </a:r>
@@ -18987,7 +19867,7 @@
             </p:txBody>
           </p:sp>
         </mc:Choice>
-        <mc:Fallback xmlns="">
+        <mc:Fallback>
           <p:sp>
             <p:nvSpPr>
               <p:cNvPr id="3" name="Content Placeholder 2">

--- a/02- Regression models and linear prediction/ML4NuerScience_Linear_models.pptx
+++ b/02- Regression models and linear prediction/ML4NuerScience_Linear_models.pptx
@@ -358,7 +358,7 @@
               <a:pPr>
                 <a:defRPr/>
               </a:pPr>
-              <a:t>09/01/2023</a:t>
+              <a:t>14/01/2023</a:t>
             </a:fld>
             <a:endParaRPr lang="en-GB" altLang="en-US"/>
           </a:p>
@@ -592,7 +592,7 @@
               <a:pPr>
                 <a:defRPr/>
               </a:pPr>
-              <a:t>09/01/2023</a:t>
+              <a:t>14/01/2023</a:t>
             </a:fld>
             <a:endParaRPr lang="en-GB" altLang="en-US"/>
           </a:p>
@@ -1582,7 +1582,7 @@
               <a:pPr>
                 <a:defRPr/>
               </a:pPr>
-              <a:t>09/01/2023</a:t>
+              <a:t>14/01/2023</a:t>
             </a:fld>
             <a:endParaRPr lang="en-GB" altLang="en-US"/>
           </a:p>
@@ -1845,7 +1845,7 @@
               <a:pPr>
                 <a:defRPr/>
               </a:pPr>
-              <a:t>09/01/2023</a:t>
+              <a:t>14/01/2023</a:t>
             </a:fld>
             <a:endParaRPr lang="en-GB" altLang="en-US"/>
           </a:p>
@@ -2083,7 +2083,7 @@
               <a:pPr>
                 <a:defRPr/>
               </a:pPr>
-              <a:t>09/01/2023</a:t>
+              <a:t>14/01/2023</a:t>
             </a:fld>
             <a:endParaRPr lang="en-GB" altLang="en-US"/>
           </a:p>
@@ -2417,7 +2417,7 @@
               <a:pPr>
                 <a:defRPr/>
               </a:pPr>
-              <a:t>09/01/2023</a:t>
+              <a:t>14/01/2023</a:t>
             </a:fld>
             <a:endParaRPr lang="en-GB" altLang="en-US"/>
           </a:p>
@@ -2890,7 +2890,7 @@
               <a:pPr>
                 <a:defRPr/>
               </a:pPr>
-              <a:t>09/01/2023</a:t>
+              <a:t>14/01/2023</a:t>
             </a:fld>
             <a:endParaRPr lang="en-GB" altLang="en-US"/>
           </a:p>
@@ -3054,7 +3054,7 @@
               <a:pPr>
                 <a:defRPr/>
               </a:pPr>
-              <a:t>09/01/2023</a:t>
+              <a:t>14/01/2023</a:t>
             </a:fld>
             <a:endParaRPr lang="en-GB" altLang="en-US"/>
           </a:p>
@@ -3195,7 +3195,7 @@
               <a:pPr>
                 <a:defRPr/>
               </a:pPr>
-              <a:t>09/01/2023</a:t>
+              <a:t>14/01/2023</a:t>
             </a:fld>
             <a:endParaRPr lang="en-GB" altLang="en-US"/>
           </a:p>
@@ -3495,7 +3495,7 @@
               <a:pPr>
                 <a:defRPr/>
               </a:pPr>
-              <a:t>09/01/2023</a:t>
+              <a:t>14/01/2023</a:t>
             </a:fld>
             <a:endParaRPr lang="en-GB" altLang="en-US"/>
           </a:p>
@@ -3821,7 +3821,7 @@
               <a:pPr>
                 <a:defRPr/>
               </a:pPr>
-              <a:t>09/01/2023</a:t>
+              <a:t>14/01/2023</a:t>
             </a:fld>
             <a:endParaRPr lang="en-GB" altLang="en-US"/>
           </a:p>
@@ -5496,8 +5496,8 @@
           </a:p>
         </p:txBody>
       </p:sp>
-      <mc:AlternateContent xmlns:mc="http://schemas.openxmlformats.org/markup-compatibility/2006">
-        <mc:Choice xmlns:a14="http://schemas.microsoft.com/office/drawing/2010/main" Requires="a14">
+      <mc:AlternateContent xmlns:mc="http://schemas.openxmlformats.org/markup-compatibility/2006" xmlns:a14="http://schemas.microsoft.com/office/drawing/2010/main">
+        <mc:Choice Requires="a14">
           <p:sp>
             <p:nvSpPr>
               <p:cNvPr id="3" name="Content Placeholder 2">
@@ -5924,7 +5924,7 @@
             </p:txBody>
           </p:sp>
         </mc:Choice>
-        <mc:Fallback>
+        <mc:Fallback xmlns="">
           <p:sp>
             <p:nvSpPr>
               <p:cNvPr id="3" name="Content Placeholder 2">
@@ -7690,8 +7690,8 @@
           </a:p>
         </p:txBody>
       </p:sp>
-      <mc:AlternateContent xmlns:mc="http://schemas.openxmlformats.org/markup-compatibility/2006">
-        <mc:Choice xmlns:a14="http://schemas.microsoft.com/office/drawing/2010/main" Requires="a14">
+      <mc:AlternateContent xmlns:mc="http://schemas.openxmlformats.org/markup-compatibility/2006" xmlns:a14="http://schemas.microsoft.com/office/drawing/2010/main">
+        <mc:Choice Requires="a14">
           <p:sp>
             <p:nvSpPr>
               <p:cNvPr id="3" name="Content Placeholder 2">
@@ -7851,7 +7851,7 @@
             </p:txBody>
           </p:sp>
         </mc:Choice>
-        <mc:Fallback>
+        <mc:Fallback xmlns="">
           <p:sp>
             <p:nvSpPr>
               <p:cNvPr id="3" name="Content Placeholder 2">
@@ -8390,8 +8390,8 @@
           </a:p>
         </p:txBody>
       </p:sp>
-      <mc:AlternateContent xmlns:mc="http://schemas.openxmlformats.org/markup-compatibility/2006">
-        <mc:Choice xmlns:a14="http://schemas.microsoft.com/office/drawing/2010/main" Requires="a14">
+      <mc:AlternateContent xmlns:mc="http://schemas.openxmlformats.org/markup-compatibility/2006" xmlns:a14="http://schemas.microsoft.com/office/drawing/2010/main">
+        <mc:Choice Requires="a14">
           <p:sp>
             <p:nvSpPr>
               <p:cNvPr id="3" name="Content Placeholder 2">
@@ -8625,7 +8625,7 @@
             </p:txBody>
           </p:sp>
         </mc:Choice>
-        <mc:Fallback>
+        <mc:Fallback xmlns="">
           <p:sp>
             <p:nvSpPr>
               <p:cNvPr id="3" name="Content Placeholder 2">
@@ -10706,8 +10706,8 @@
           </a:p>
         </p:txBody>
       </p:sp>
-      <mc:AlternateContent xmlns:mc="http://schemas.openxmlformats.org/markup-compatibility/2006">
-        <mc:Choice xmlns:a14="http://schemas.microsoft.com/office/drawing/2010/main" Requires="a14">
+      <mc:AlternateContent xmlns:mc="http://schemas.openxmlformats.org/markup-compatibility/2006" xmlns:a14="http://schemas.microsoft.com/office/drawing/2010/main">
+        <mc:Choice Requires="a14">
           <p:sp>
             <p:nvSpPr>
               <p:cNvPr id="3" name="Content Placeholder 2">
@@ -10853,7 +10853,7 @@
             </p:txBody>
           </p:sp>
         </mc:Choice>
-        <mc:Fallback>
+        <mc:Fallback xmlns="">
           <p:sp>
             <p:nvSpPr>
               <p:cNvPr id="3" name="Content Placeholder 2">
@@ -11287,8 +11287,8 @@
           </a:p>
         </p:txBody>
       </p:sp>
-      <mc:AlternateContent xmlns:mc="http://schemas.openxmlformats.org/markup-compatibility/2006">
-        <mc:Choice xmlns:a14="http://schemas.microsoft.com/office/drawing/2010/main" Requires="a14">
+      <mc:AlternateContent xmlns:mc="http://schemas.openxmlformats.org/markup-compatibility/2006" xmlns:a14="http://schemas.microsoft.com/office/drawing/2010/main">
+        <mc:Choice Requires="a14">
           <p:sp>
             <p:nvSpPr>
               <p:cNvPr id="3" name="Content Placeholder 2">
@@ -11369,7 +11369,7 @@
             </p:txBody>
           </p:sp>
         </mc:Choice>
-        <mc:Fallback>
+        <mc:Fallback xmlns="">
           <p:sp>
             <p:nvSpPr>
               <p:cNvPr id="3" name="Content Placeholder 2">
@@ -12870,8 +12870,8 @@
           </a:p>
         </p:txBody>
       </p:sp>
-      <mc:AlternateContent xmlns:mc="http://schemas.openxmlformats.org/markup-compatibility/2006">
-        <mc:Choice xmlns:a14="http://schemas.microsoft.com/office/drawing/2010/main" Requires="a14">
+      <mc:AlternateContent xmlns:mc="http://schemas.openxmlformats.org/markup-compatibility/2006" xmlns:a14="http://schemas.microsoft.com/office/drawing/2010/main">
+        <mc:Choice Requires="a14">
           <p:sp>
             <p:nvSpPr>
               <p:cNvPr id="5" name="TextBox 4">
@@ -13099,7 +13099,7 @@
             </p:txBody>
           </p:sp>
         </mc:Choice>
-        <mc:Fallback>
+        <mc:Fallback xmlns="">
           <p:sp>
             <p:nvSpPr>
               <p:cNvPr id="5" name="TextBox 4">
@@ -14654,8 +14654,8 @@
           </a:p>
         </p:txBody>
       </p:sp>
-      <mc:AlternateContent xmlns:mc="http://schemas.openxmlformats.org/markup-compatibility/2006">
-        <mc:Choice xmlns:a14="http://schemas.microsoft.com/office/drawing/2010/main" Requires="a14">
+      <mc:AlternateContent xmlns:mc="http://schemas.openxmlformats.org/markup-compatibility/2006" xmlns:a14="http://schemas.microsoft.com/office/drawing/2010/main">
+        <mc:Choice Requires="a14">
           <p:sp>
             <p:nvSpPr>
               <p:cNvPr id="3" name="Content Placeholder 2">
@@ -14752,7 +14752,7 @@
             </p:txBody>
           </p:sp>
         </mc:Choice>
-        <mc:Fallback>
+        <mc:Fallback xmlns="">
           <p:sp>
             <p:nvSpPr>
               <p:cNvPr id="3" name="Content Placeholder 2">
@@ -15432,8 +15432,8 @@
           </a:p>
         </p:txBody>
       </p:sp>
-      <mc:AlternateContent xmlns:mc="http://schemas.openxmlformats.org/markup-compatibility/2006">
-        <mc:Choice xmlns:a14="http://schemas.microsoft.com/office/drawing/2010/main" Requires="a14">
+      <mc:AlternateContent xmlns:mc="http://schemas.openxmlformats.org/markup-compatibility/2006" xmlns:a14="http://schemas.microsoft.com/office/drawing/2010/main">
+        <mc:Choice Requires="a14">
           <p:sp>
             <p:nvSpPr>
               <p:cNvPr id="3" name="Content Placeholder 2">
@@ -15575,7 +15575,7 @@
             </p:txBody>
           </p:sp>
         </mc:Choice>
-        <mc:Fallback>
+        <mc:Fallback xmlns="">
           <p:sp>
             <p:nvSpPr>
               <p:cNvPr id="3" name="Content Placeholder 2">
@@ -15922,6 +15922,95 @@
           </a:p>
         </p:txBody>
       </p:sp>
+      <p:sp>
+        <p:nvSpPr>
+          <p:cNvPr id="4" name="TextBox 3">
+            <a:extLst>
+              <a:ext uri="{FF2B5EF4-FFF2-40B4-BE49-F238E27FC236}">
+                <a16:creationId xmlns:a16="http://schemas.microsoft.com/office/drawing/2014/main" id="{4975018D-63C4-322A-CF54-52F36EBDCF93}"/>
+              </a:ext>
+            </a:extLst>
+          </p:cNvPr>
+          <p:cNvSpPr txBox="1"/>
+          <p:nvPr/>
+        </p:nvSpPr>
+        <p:spPr>
+          <a:xfrm>
+            <a:off x="685800" y="3631815"/>
+            <a:ext cx="4572000" cy="369332"/>
+          </a:xfrm>
+          <a:prstGeom prst="rect">
+            <a:avLst/>
+          </a:prstGeom>
+          <a:noFill/>
+        </p:spPr>
+        <p:txBody>
+          <a:bodyPr wrap="square">
+            <a:spAutoFit/>
+          </a:bodyPr>
+          <a:lstStyle/>
+          <a:p>
+            <a:r>
+              <a:rPr lang="en-GB" b="1" i="0" u="none" strike="noStrike" dirty="0" err="1">
+                <a:effectLst/>
+                <a:latin typeface="MentiText"/>
+              </a:rPr>
+              <a:t>Mentimeter</a:t>
+            </a:r>
+            <a:r>
+              <a:rPr lang="en-GB" b="1" i="0" u="none" strike="noStrike" dirty="0">
+                <a:effectLst/>
+                <a:latin typeface="MentiText"/>
+              </a:rPr>
+              <a:t> code: 2579 7390</a:t>
+            </a:r>
+            <a:r>
+              <a:rPr lang="en-GB" b="0" i="0" u="none" strike="noStrike" dirty="0">
+                <a:effectLst/>
+                <a:latin typeface="MentiText"/>
+              </a:rPr>
+              <a:t> </a:t>
+            </a:r>
+            <a:endParaRPr lang="en-GB" dirty="0"/>
+          </a:p>
+        </p:txBody>
+      </p:sp>
+      <p:pic>
+        <p:nvPicPr>
+          <p:cNvPr id="7" name="Picture 6" descr="Qr code&#10;&#10;Description automatically generated">
+            <a:extLst>
+              <a:ext uri="{FF2B5EF4-FFF2-40B4-BE49-F238E27FC236}">
+                <a16:creationId xmlns:a16="http://schemas.microsoft.com/office/drawing/2014/main" id="{8B026127-5333-1B84-0F58-528310FFE3C8}"/>
+              </a:ext>
+            </a:extLst>
+          </p:cNvPr>
+          <p:cNvPicPr>
+            <a:picLocks noChangeAspect="1"/>
+          </p:cNvPicPr>
+          <p:nvPr/>
+        </p:nvPicPr>
+        <p:blipFill>
+          <a:blip r:embed="rId2">
+            <a:extLst>
+              <a:ext uri="{28A0092B-C50C-407E-A947-70E740481C1C}">
+                <a14:useLocalDpi xmlns:a14="http://schemas.microsoft.com/office/drawing/2010/main" val="0"/>
+              </a:ext>
+            </a:extLst>
+          </a:blip>
+          <a:stretch>
+            <a:fillRect/>
+          </a:stretch>
+        </p:blipFill>
+        <p:spPr>
+          <a:xfrm>
+            <a:off x="5982242" y="1688967"/>
+            <a:ext cx="2857500" cy="2857500"/>
+          </a:xfrm>
+          <a:prstGeom prst="rect">
+            <a:avLst/>
+          </a:prstGeom>
+        </p:spPr>
+      </p:pic>
     </p:spTree>
     <p:extLst>
       <p:ext uri="{BB962C8B-B14F-4D97-AF65-F5344CB8AC3E}">
@@ -16030,25 +16119,33 @@
               <a:rPr lang="en-GB" dirty="0" err="1">
                 <a:effectLst/>
               </a:rPr>
-              <a:t>menti</a:t>
+              <a:t>mentimeter</a:t>
             </a:r>
             <a:r>
               <a:rPr lang="en-GB" dirty="0">
                 <a:effectLst/>
               </a:rPr>
-              <a:t> to vote (the </a:t>
-            </a:r>
-            <a:r>
-              <a:rPr lang="en-GB" dirty="0" err="1">
+              <a:t> to vote (code: </a:t>
+            </a:r>
+            <a:r>
+              <a:rPr lang="en-GB" b="1" i="0" u="none" strike="noStrike" dirty="0">
                 <a:effectLst/>
+                <a:latin typeface="MentiText"/>
               </a:rPr>
-              <a:t>menti</a:t>
+              <a:t>2579 7390</a:t>
+            </a:r>
+            <a:r>
+              <a:rPr lang="en-GB" b="0" i="0" u="none" strike="noStrike" dirty="0">
+                <a:effectLst/>
+                <a:latin typeface="MentiText"/>
+              </a:rPr>
+              <a:t> </a:t>
             </a:r>
             <a:r>
               <a:rPr lang="en-GB" dirty="0">
                 <a:effectLst/>
               </a:rPr>
-              <a:t> code will be announced) </a:t>
+              <a:t>) </a:t>
             </a:r>
           </a:p>
           <a:p>
@@ -16285,25 +16382,33 @@
               <a:rPr lang="en-GB" dirty="0" err="1">
                 <a:effectLst/>
               </a:rPr>
-              <a:t>menti</a:t>
+              <a:t>mentimeter</a:t>
             </a:r>
             <a:r>
               <a:rPr lang="en-GB" dirty="0">
                 <a:effectLst/>
               </a:rPr>
-              <a:t> to vote (the </a:t>
-            </a:r>
-            <a:r>
-              <a:rPr lang="en-GB" dirty="0" err="1">
+              <a:t> to vote (code: </a:t>
+            </a:r>
+            <a:r>
+              <a:rPr lang="en-GB" b="1" i="0" u="none" strike="noStrike" dirty="0">
                 <a:effectLst/>
+                <a:latin typeface="MentiText"/>
               </a:rPr>
-              <a:t>menti</a:t>
+              <a:t>2579 7390</a:t>
+            </a:r>
+            <a:r>
+              <a:rPr lang="en-GB" b="0" i="0" u="none" strike="noStrike" dirty="0">
+                <a:effectLst/>
+                <a:latin typeface="MentiText"/>
+              </a:rPr>
+              <a:t> </a:t>
             </a:r>
             <a:r>
               <a:rPr lang="en-GB" dirty="0">
                 <a:effectLst/>
               </a:rPr>
-              <a:t> code will be announced) </a:t>
+              <a:t>) </a:t>
             </a:r>
           </a:p>
         </p:txBody>
@@ -16682,8 +16787,8 @@
           </a:p>
         </p:txBody>
       </p:sp>
-      <mc:AlternateContent xmlns:mc="http://schemas.openxmlformats.org/markup-compatibility/2006">
-        <mc:Choice xmlns:a14="http://schemas.microsoft.com/office/drawing/2010/main" Requires="a14">
+      <mc:AlternateContent xmlns:mc="http://schemas.openxmlformats.org/markup-compatibility/2006" xmlns:a14="http://schemas.microsoft.com/office/drawing/2010/main">
+        <mc:Choice Requires="a14">
           <p:sp>
             <p:nvSpPr>
               <p:cNvPr id="3" name="Content Placeholder 2">
@@ -16995,7 +17100,7 @@
             </p:txBody>
           </p:sp>
         </mc:Choice>
-        <mc:Fallback>
+        <mc:Fallback xmlns="">
           <p:sp>
             <p:nvSpPr>
               <p:cNvPr id="3" name="Content Placeholder 2">
@@ -17095,8 +17200,8 @@
           <a:chExt cx="0" cy="0"/>
         </a:xfrm>
       </p:grpSpPr>
-      <mc:AlternateContent xmlns:mc="http://schemas.openxmlformats.org/markup-compatibility/2006">
-        <mc:Choice xmlns:a14="http://schemas.microsoft.com/office/drawing/2010/main" Requires="a14">
+      <mc:AlternateContent xmlns:mc="http://schemas.openxmlformats.org/markup-compatibility/2006" xmlns:a14="http://schemas.microsoft.com/office/drawing/2010/main">
+        <mc:Choice Requires="a14">
           <p:sp>
             <p:nvSpPr>
               <p:cNvPr id="2" name="Title 1">
@@ -17141,7 +17246,7 @@
             </p:txBody>
           </p:sp>
         </mc:Choice>
-        <mc:Fallback>
+        <mc:Fallback xmlns="">
           <p:sp>
             <p:nvSpPr>
               <p:cNvPr id="2" name="Title 1">
@@ -17629,8 +17734,8 @@
           <a:chExt cx="0" cy="0"/>
         </a:xfrm>
       </p:grpSpPr>
-      <mc:AlternateContent xmlns:mc="http://schemas.openxmlformats.org/markup-compatibility/2006">
-        <mc:Choice xmlns:a14="http://schemas.microsoft.com/office/drawing/2010/main" Requires="a14">
+      <mc:AlternateContent xmlns:mc="http://schemas.openxmlformats.org/markup-compatibility/2006" xmlns:a14="http://schemas.microsoft.com/office/drawing/2010/main">
+        <mc:Choice Requires="a14">
           <p:sp>
             <p:nvSpPr>
               <p:cNvPr id="2" name="Title 1">
@@ -17682,7 +17787,7 @@
             </p:txBody>
           </p:sp>
         </mc:Choice>
-        <mc:Fallback>
+        <mc:Fallback xmlns="">
           <p:sp>
             <p:nvSpPr>
               <p:cNvPr id="2" name="Title 1">
@@ -18134,8 +18239,8 @@
           </a:p>
         </p:txBody>
       </p:sp>
-      <mc:AlternateContent xmlns:mc="http://schemas.openxmlformats.org/markup-compatibility/2006">
-        <mc:Choice xmlns:a14="http://schemas.microsoft.com/office/drawing/2010/main" Requires="a14">
+      <mc:AlternateContent xmlns:mc="http://schemas.openxmlformats.org/markup-compatibility/2006" xmlns:a14="http://schemas.microsoft.com/office/drawing/2010/main">
+        <mc:Choice Requires="a14">
           <p:sp>
             <p:nvSpPr>
               <p:cNvPr id="3" name="Content Placeholder 2">
@@ -18205,7 +18310,7 @@
             </p:txBody>
           </p:sp>
         </mc:Choice>
-        <mc:Fallback>
+        <mc:Fallback xmlns="">
           <p:sp>
             <p:nvSpPr>
               <p:cNvPr id="3" name="Content Placeholder 2">
@@ -19314,8 +19419,8 @@
           </a:p>
         </p:txBody>
       </p:sp>
-      <mc:AlternateContent xmlns:mc="http://schemas.openxmlformats.org/markup-compatibility/2006">
-        <mc:Choice xmlns:a14="http://schemas.microsoft.com/office/drawing/2010/main" Requires="a14">
+      <mc:AlternateContent xmlns:mc="http://schemas.openxmlformats.org/markup-compatibility/2006" xmlns:a14="http://schemas.microsoft.com/office/drawing/2010/main">
+        <mc:Choice Requires="a14">
           <p:sp>
             <p:nvSpPr>
               <p:cNvPr id="3" name="Content Placeholder 2">
@@ -19867,7 +19972,7 @@
             </p:txBody>
           </p:sp>
         </mc:Choice>
-        <mc:Fallback>
+        <mc:Fallback xmlns="">
           <p:sp>
             <p:nvSpPr>
               <p:cNvPr id="3" name="Content Placeholder 2">

--- a/02- Regression models and linear prediction/ML4NuerScience_Linear_models.pptx
+++ b/02- Regression models and linear prediction/ML4NuerScience_Linear_models.pptx
@@ -358,7 +358,7 @@
               <a:pPr>
                 <a:defRPr/>
               </a:pPr>
-              <a:t>14/01/2023</a:t>
+              <a:t>16/01/2023</a:t>
             </a:fld>
             <a:endParaRPr lang="en-GB" altLang="en-US"/>
           </a:p>
@@ -592,7 +592,7 @@
               <a:pPr>
                 <a:defRPr/>
               </a:pPr>
-              <a:t>14/01/2023</a:t>
+              <a:t>16/01/2023</a:t>
             </a:fld>
             <a:endParaRPr lang="en-GB" altLang="en-US"/>
           </a:p>
@@ -1582,7 +1582,7 @@
               <a:pPr>
                 <a:defRPr/>
               </a:pPr>
-              <a:t>14/01/2023</a:t>
+              <a:t>16/01/2023</a:t>
             </a:fld>
             <a:endParaRPr lang="en-GB" altLang="en-US"/>
           </a:p>
@@ -1845,7 +1845,7 @@
               <a:pPr>
                 <a:defRPr/>
               </a:pPr>
-              <a:t>14/01/2023</a:t>
+              <a:t>16/01/2023</a:t>
             </a:fld>
             <a:endParaRPr lang="en-GB" altLang="en-US"/>
           </a:p>
@@ -2083,7 +2083,7 @@
               <a:pPr>
                 <a:defRPr/>
               </a:pPr>
-              <a:t>14/01/2023</a:t>
+              <a:t>16/01/2023</a:t>
             </a:fld>
             <a:endParaRPr lang="en-GB" altLang="en-US"/>
           </a:p>
@@ -2417,7 +2417,7 @@
               <a:pPr>
                 <a:defRPr/>
               </a:pPr>
-              <a:t>14/01/2023</a:t>
+              <a:t>16/01/2023</a:t>
             </a:fld>
             <a:endParaRPr lang="en-GB" altLang="en-US"/>
           </a:p>
@@ -2890,7 +2890,7 @@
               <a:pPr>
                 <a:defRPr/>
               </a:pPr>
-              <a:t>14/01/2023</a:t>
+              <a:t>16/01/2023</a:t>
             </a:fld>
             <a:endParaRPr lang="en-GB" altLang="en-US"/>
           </a:p>
@@ -3054,7 +3054,7 @@
               <a:pPr>
                 <a:defRPr/>
               </a:pPr>
-              <a:t>14/01/2023</a:t>
+              <a:t>16/01/2023</a:t>
             </a:fld>
             <a:endParaRPr lang="en-GB" altLang="en-US"/>
           </a:p>
@@ -3195,7 +3195,7 @@
               <a:pPr>
                 <a:defRPr/>
               </a:pPr>
-              <a:t>14/01/2023</a:t>
+              <a:t>16/01/2023</a:t>
             </a:fld>
             <a:endParaRPr lang="en-GB" altLang="en-US"/>
           </a:p>
@@ -3495,7 +3495,7 @@
               <a:pPr>
                 <a:defRPr/>
               </a:pPr>
-              <a:t>14/01/2023</a:t>
+              <a:t>16/01/2023</a:t>
             </a:fld>
             <a:endParaRPr lang="en-GB" altLang="en-US"/>
           </a:p>
@@ -3821,7 +3821,7 @@
               <a:pPr>
                 <a:defRPr/>
               </a:pPr>
-              <a:t>14/01/2023</a:t>
+              <a:t>16/01/2023</a:t>
             </a:fld>
             <a:endParaRPr lang="en-GB" altLang="en-US"/>
           </a:p>
@@ -7690,8 +7690,8 @@
           </a:p>
         </p:txBody>
       </p:sp>
-      <mc:AlternateContent xmlns:mc="http://schemas.openxmlformats.org/markup-compatibility/2006" xmlns:a14="http://schemas.microsoft.com/office/drawing/2010/main">
-        <mc:Choice Requires="a14">
+      <mc:AlternateContent xmlns:mc="http://schemas.openxmlformats.org/markup-compatibility/2006">
+        <mc:Choice xmlns:a14="http://schemas.microsoft.com/office/drawing/2010/main" Requires="a14">
           <p:sp>
             <p:nvSpPr>
               <p:cNvPr id="3" name="Content Placeholder 2">
@@ -7719,7 +7719,6 @@
                       <a:srgbClr val="212529"/>
                     </a:solidFill>
                     <a:effectLst/>
-                    <a:latin typeface="-apple-system"/>
                   </a:rPr>
                   <a:t>A Linear Regression model uses a </a:t>
                 </a:r>
@@ -7729,7 +7728,6 @@
                       <a:srgbClr val="FF0000"/>
                     </a:solidFill>
                     <a:effectLst/>
-                    <a:latin typeface="-apple-system"/>
                   </a:rPr>
                   <a:t>linear model </a:t>
                 </a:r>
@@ -7739,7 +7737,6 @@
                       <a:srgbClr val="212529"/>
                     </a:solidFill>
                     <a:effectLst/>
-                    <a:latin typeface="-apple-system"/>
                   </a:rPr>
                   <a:t>with coefficients </a:t>
                 </a:r>
@@ -7749,7 +7746,6 @@
                       <a:srgbClr val="212529"/>
                     </a:solidFill>
                     <a:effectLst/>
-                    <a:latin typeface="Cambria Math" panose="02040503050406030204" pitchFamily="18" charset="0"/>
                   </a:rPr>
                 </a:br>
                 <a14:m>
@@ -7842,7 +7838,6 @@
                       <a:srgbClr val="212529"/>
                     </a:solidFill>
                     <a:effectLst/>
-                    <a:latin typeface="-apple-system"/>
                   </a:rPr>
                   <a:t> to minimise the residual sum of squares between the observed targets in the dataset, and the targets that are predicted by the linear approximation used in the model.</a:t>
                 </a:r>
@@ -7851,7 +7846,7 @@
             </p:txBody>
           </p:sp>
         </mc:Choice>
-        <mc:Fallback xmlns="">
+        <mc:Fallback>
           <p:sp>
             <p:nvSpPr>
               <p:cNvPr id="3" name="Content Placeholder 2">
@@ -14654,8 +14649,8 @@
           </a:p>
         </p:txBody>
       </p:sp>
-      <mc:AlternateContent xmlns:mc="http://schemas.openxmlformats.org/markup-compatibility/2006" xmlns:a14="http://schemas.microsoft.com/office/drawing/2010/main">
-        <mc:Choice Requires="a14">
+      <mc:AlternateContent xmlns:mc="http://schemas.openxmlformats.org/markup-compatibility/2006">
+        <mc:Choice xmlns:a14="http://schemas.microsoft.com/office/drawing/2010/main" Requires="a14">
           <p:sp>
             <p:nvSpPr>
               <p:cNvPr id="3" name="Content Placeholder 2">
@@ -14681,7 +14676,24 @@
                   <a:rPr lang="en-GB" dirty="0">
                     <a:effectLst/>
                   </a:rPr>
-                  <a:t>The idea is simple: we split the training data into K folds; then, for each fold </a:t>
+                  <a:t>The idea is simple: we split the training data into </a:t>
+                </a:r>
+                <a14:m>
+                  <m:oMath xmlns:m="http://schemas.openxmlformats.org/officeDocument/2006/math">
+                    <m:r>
+                      <a:rPr lang="en-GB" i="1" dirty="0" smtClean="0">
+                        <a:effectLst/>
+                        <a:latin typeface="Cambria Math" panose="02040503050406030204" pitchFamily="18" charset="0"/>
+                      </a:rPr>
+                      <m:t>𝐾</m:t>
+                    </m:r>
+                  </m:oMath>
+                </a14:m>
+                <a:r>
+                  <a:rPr lang="en-GB" dirty="0">
+                    <a:effectLst/>
+                  </a:rPr>
+                  <a:t> folds; then, for each fold </a:t>
                 </a:r>
                 <a14:m>
                   <m:oMath xmlns:m="http://schemas.openxmlformats.org/officeDocument/2006/math">
@@ -14752,7 +14764,7 @@
             </p:txBody>
           </p:sp>
         </mc:Choice>
-        <mc:Fallback xmlns="">
+        <mc:Fallback>
           <p:sp>
             <p:nvSpPr>
               <p:cNvPr id="3" name="Content Placeholder 2">
